--- a/PPT/MachineLearning13-ScikitLearn.pptx
+++ b/PPT/MachineLearning13-ScikitLearn.pptx
@@ -5,33 +5,34 @@
     <p:sldMasterId id="2147483653" r:id="rId1"/>
   </p:sldMasterIdLst>
   <p:notesMasterIdLst>
-    <p:notesMasterId r:id="rId23"/>
+    <p:notesMasterId r:id="rId24"/>
   </p:notesMasterIdLst>
   <p:handoutMasterIdLst>
-    <p:handoutMasterId r:id="rId24"/>
+    <p:handoutMasterId r:id="rId25"/>
   </p:handoutMasterIdLst>
   <p:sldIdLst>
     <p:sldId id="264" r:id="rId2"/>
-    <p:sldId id="265" r:id="rId3"/>
-    <p:sldId id="266" r:id="rId4"/>
-    <p:sldId id="284" r:id="rId5"/>
-    <p:sldId id="278" r:id="rId6"/>
-    <p:sldId id="279" r:id="rId7"/>
-    <p:sldId id="267" r:id="rId8"/>
-    <p:sldId id="268" r:id="rId9"/>
-    <p:sldId id="270" r:id="rId10"/>
-    <p:sldId id="269" r:id="rId11"/>
-    <p:sldId id="271" r:id="rId12"/>
-    <p:sldId id="280" r:id="rId13"/>
-    <p:sldId id="281" r:id="rId14"/>
-    <p:sldId id="282" r:id="rId15"/>
-    <p:sldId id="283" r:id="rId16"/>
-    <p:sldId id="272" r:id="rId17"/>
-    <p:sldId id="273" r:id="rId18"/>
-    <p:sldId id="275" r:id="rId19"/>
-    <p:sldId id="274" r:id="rId20"/>
-    <p:sldId id="276" r:id="rId21"/>
-    <p:sldId id="277" r:id="rId22"/>
+    <p:sldId id="285" r:id="rId3"/>
+    <p:sldId id="265" r:id="rId4"/>
+    <p:sldId id="266" r:id="rId5"/>
+    <p:sldId id="284" r:id="rId6"/>
+    <p:sldId id="278" r:id="rId7"/>
+    <p:sldId id="279" r:id="rId8"/>
+    <p:sldId id="267" r:id="rId9"/>
+    <p:sldId id="268" r:id="rId10"/>
+    <p:sldId id="270" r:id="rId11"/>
+    <p:sldId id="269" r:id="rId12"/>
+    <p:sldId id="271" r:id="rId13"/>
+    <p:sldId id="280" r:id="rId14"/>
+    <p:sldId id="281" r:id="rId15"/>
+    <p:sldId id="282" r:id="rId16"/>
+    <p:sldId id="283" r:id="rId17"/>
+    <p:sldId id="272" r:id="rId18"/>
+    <p:sldId id="273" r:id="rId19"/>
+    <p:sldId id="275" r:id="rId20"/>
+    <p:sldId id="274" r:id="rId21"/>
+    <p:sldId id="276" r:id="rId22"/>
+    <p:sldId id="277" r:id="rId23"/>
   </p:sldIdLst>
   <p:sldSz cx="9144000" cy="6858000" type="screen4x3"/>
   <p:notesSz cx="6648450" cy="9782175"/>
@@ -3841,11 +3842,7 @@
           <a:p>
             <a:r>
               <a:rPr lang="fr-FR" dirty="0" smtClean="0"/>
-              <a:t>Model </a:t>
-            </a:r>
-            <a:r>
-              <a:rPr lang="fr-FR" dirty="0" err="1" smtClean="0"/>
-              <a:t>Selection</a:t>
+              <a:t>Randomisation</a:t>
             </a:r>
             <a:endParaRPr lang="fr-FR" dirty="0"/>
           </a:p>
@@ -3867,6 +3864,145 @@
           <a:lstStyle/>
           <a:p>
             <a:r>
+              <a:rPr lang="fr-FR" dirty="0"/>
+              <a:t>I</a:t>
+            </a:r>
+            <a:r>
+              <a:rPr lang="fr-FR" dirty="0" smtClean="0"/>
+              <a:t>l </a:t>
+            </a:r>
+            <a:r>
+              <a:rPr lang="fr-FR" dirty="0"/>
+              <a:t>s’avère que si on entraîne le modèle avec des données, il va naturellement être plus performant sur ces </a:t>
+            </a:r>
+            <a:r>
+              <a:rPr lang="fr-FR" dirty="0" smtClean="0"/>
+              <a:t>données-là</a:t>
+            </a:r>
+          </a:p>
+          <a:p>
+            <a:r>
+              <a:rPr lang="fr-FR" dirty="0" smtClean="0"/>
+              <a:t>Ce </a:t>
+            </a:r>
+            <a:r>
+              <a:rPr lang="fr-FR" dirty="0"/>
+              <a:t>qui nous intéresse c’est de mesurer sa performance sur des données qu’il n’a jamais vues puisque c’est ce qui va se passer en </a:t>
+            </a:r>
+            <a:r>
+              <a:rPr lang="fr-FR" dirty="0" smtClean="0"/>
+              <a:t>pratique</a:t>
+            </a:r>
+          </a:p>
+          <a:p>
+            <a:r>
+              <a:rPr lang="fr-FR" dirty="0" smtClean="0"/>
+              <a:t>Cette </a:t>
+            </a:r>
+            <a:r>
+              <a:rPr lang="fr-FR" dirty="0"/>
+              <a:t>performance est appelée la </a:t>
+            </a:r>
+            <a:r>
+              <a:rPr lang="fr-FR" b="1" dirty="0"/>
+              <a:t>généralisation</a:t>
+            </a:r>
+            <a:r>
+              <a:rPr lang="fr-FR" dirty="0"/>
+              <a:t> du </a:t>
+            </a:r>
+            <a:r>
+              <a:rPr lang="fr-FR" dirty="0" smtClean="0"/>
+              <a:t>modèle</a:t>
+            </a:r>
+            <a:endParaRPr lang="fr-FR" dirty="0"/>
+          </a:p>
+          <a:p>
+            <a:pPr lvl="1"/>
+            <a:r>
+              <a:rPr lang="fr-FR" dirty="0" smtClean="0"/>
+              <a:t>Sa </a:t>
+            </a:r>
+            <a:r>
+              <a:rPr lang="fr-FR" dirty="0"/>
+              <a:t>capacité à effectuer des prédictions de qualité sur des situations jamais rencontrées.</a:t>
+            </a:r>
+          </a:p>
+        </p:txBody>
+      </p:sp>
+    </p:spTree>
+    <p:extLst>
+      <p:ext uri="{BB962C8B-B14F-4D97-AF65-F5344CB8AC3E}">
+        <p14:creationId xmlns:p14="http://schemas.microsoft.com/office/powerpoint/2010/main" val="2686961324"/>
+      </p:ext>
+    </p:extLst>
+  </p:cSld>
+  <p:clrMapOvr>
+    <a:masterClrMapping/>
+  </p:clrMapOvr>
+</p:sld>
+</file>
+
+<file path=ppt/slides/slide11.xml><?xml version="1.0" encoding="utf-8"?>
+<p:sld xmlns:a="http://schemas.openxmlformats.org/drawingml/2006/main" xmlns:r="http://schemas.openxmlformats.org/officeDocument/2006/relationships" xmlns:p="http://schemas.openxmlformats.org/presentationml/2006/main">
+  <p:cSld>
+    <p:spTree>
+      <p:nvGrpSpPr>
+        <p:cNvPr id="1" name=""/>
+        <p:cNvGrpSpPr/>
+        <p:nvPr/>
+      </p:nvGrpSpPr>
+      <p:grpSpPr>
+        <a:xfrm>
+          <a:off x="0" y="0"/>
+          <a:ext cx="0" cy="0"/>
+          <a:chOff x="0" y="0"/>
+          <a:chExt cx="0" cy="0"/>
+        </a:xfrm>
+      </p:grpSpPr>
+      <p:sp>
+        <p:nvSpPr>
+          <p:cNvPr id="2" name="Titre 1"/>
+          <p:cNvSpPr>
+            <a:spLocks noGrp="1"/>
+          </p:cNvSpPr>
+          <p:nvPr>
+            <p:ph type="title"/>
+          </p:nvPr>
+        </p:nvSpPr>
+        <p:spPr/>
+        <p:txBody>
+          <a:bodyPr/>
+          <a:lstStyle/>
+          <a:p>
+            <a:r>
+              <a:rPr lang="fr-FR" dirty="0" smtClean="0"/>
+              <a:t>Model </a:t>
+            </a:r>
+            <a:r>
+              <a:rPr lang="fr-FR" dirty="0" err="1" smtClean="0"/>
+              <a:t>Selection</a:t>
+            </a:r>
+            <a:endParaRPr lang="fr-FR" dirty="0"/>
+          </a:p>
+        </p:txBody>
+      </p:sp>
+      <p:sp>
+        <p:nvSpPr>
+          <p:cNvPr id="3" name="Espace réservé du contenu 2"/>
+          <p:cNvSpPr>
+            <a:spLocks noGrp="1"/>
+          </p:cNvSpPr>
+          <p:nvPr>
+            <p:ph idx="1"/>
+          </p:nvPr>
+        </p:nvSpPr>
+        <p:spPr/>
+        <p:txBody>
+          <a:bodyPr/>
+          <a:lstStyle/>
+          <a:p>
+            <a:r>
               <a:rPr lang="fr-FR" dirty="0" smtClean="0"/>
               <a:t>Model </a:t>
             </a:r>
@@ -3983,7 +4119,7 @@
 </p:sld>
 </file>
 
-<file path=ppt/slides/slide11.xml><?xml version="1.0" encoding="utf-8"?>
+<file path=ppt/slides/slide12.xml><?xml version="1.0" encoding="utf-8"?>
 <p:sld xmlns:a="http://schemas.openxmlformats.org/drawingml/2006/main" xmlns:r="http://schemas.openxmlformats.org/officeDocument/2006/relationships" xmlns:p="http://schemas.openxmlformats.org/presentationml/2006/main">
   <p:cSld>
     <p:spTree>
@@ -4138,7 +4274,7 @@
 </p:sld>
 </file>
 
-<file path=ppt/slides/slide12.xml><?xml version="1.0" encoding="utf-8"?>
+<file path=ppt/slides/slide13.xml><?xml version="1.0" encoding="utf-8"?>
 <p:sld xmlns:a="http://schemas.openxmlformats.org/drawingml/2006/main" xmlns:r="http://schemas.openxmlformats.org/officeDocument/2006/relationships" xmlns:p="http://schemas.openxmlformats.org/presentationml/2006/main">
   <p:cSld>
     <p:spTree>
@@ -4265,185 +4401,6 @@
 </p:sld>
 </file>
 
-<file path=ppt/slides/slide13.xml><?xml version="1.0" encoding="utf-8"?>
-<p:sld xmlns:a="http://schemas.openxmlformats.org/drawingml/2006/main" xmlns:r="http://schemas.openxmlformats.org/officeDocument/2006/relationships" xmlns:p="http://schemas.openxmlformats.org/presentationml/2006/main">
-  <p:cSld>
-    <p:spTree>
-      <p:nvGrpSpPr>
-        <p:cNvPr id="1" name=""/>
-        <p:cNvGrpSpPr/>
-        <p:nvPr/>
-      </p:nvGrpSpPr>
-      <p:grpSpPr>
-        <a:xfrm>
-          <a:off x="0" y="0"/>
-          <a:ext cx="0" cy="0"/>
-          <a:chOff x="0" y="0"/>
-          <a:chExt cx="0" cy="0"/>
-        </a:xfrm>
-      </p:grpSpPr>
-      <p:sp>
-        <p:nvSpPr>
-          <p:cNvPr id="2" name="Titre 1"/>
-          <p:cNvSpPr>
-            <a:spLocks noGrp="1"/>
-          </p:cNvSpPr>
-          <p:nvPr>
-            <p:ph type="title"/>
-          </p:nvPr>
-        </p:nvSpPr>
-        <p:spPr/>
-        <p:txBody>
-          <a:bodyPr/>
-          <a:lstStyle/>
-          <a:p>
-            <a:r>
-              <a:rPr lang="fr-FR" dirty="0" smtClean="0"/>
-              <a:t>MNIST</a:t>
-            </a:r>
-            <a:endParaRPr lang="fr-FR" dirty="0"/>
-          </a:p>
-        </p:txBody>
-      </p:sp>
-      <p:sp>
-        <p:nvSpPr>
-          <p:cNvPr id="3" name="Espace réservé du contenu 2"/>
-          <p:cNvSpPr>
-            <a:spLocks noGrp="1"/>
-          </p:cNvSpPr>
-          <p:nvPr>
-            <p:ph idx="1"/>
-          </p:nvPr>
-        </p:nvSpPr>
-        <p:spPr/>
-        <p:txBody>
-          <a:bodyPr/>
-          <a:lstStyle/>
-          <a:p>
-            <a:r>
-              <a:rPr lang="fr-FR" dirty="0" smtClean="0"/>
-              <a:t>Chargement des données</a:t>
-            </a:r>
-          </a:p>
-          <a:p>
-            <a:pPr lvl="1"/>
-            <a:r>
-              <a:rPr lang="fr-FR" dirty="0" err="1">
-                <a:latin typeface="Courier New" panose="02070309020205020404" pitchFamily="49" charset="0"/>
-                <a:cs typeface="Courier New" panose="02070309020205020404" pitchFamily="49" charset="0"/>
-              </a:rPr>
-              <a:t>mnist</a:t>
-            </a:r>
-            <a:r>
-              <a:rPr lang="fr-FR" dirty="0">
-                <a:latin typeface="Courier New" panose="02070309020205020404" pitchFamily="49" charset="0"/>
-                <a:cs typeface="Courier New" panose="02070309020205020404" pitchFamily="49" charset="0"/>
-              </a:rPr>
-              <a:t> = </a:t>
-            </a:r>
-            <a:r>
-              <a:rPr lang="fr-FR" dirty="0" err="1">
-                <a:latin typeface="Courier New" panose="02070309020205020404" pitchFamily="49" charset="0"/>
-                <a:cs typeface="Courier New" panose="02070309020205020404" pitchFamily="49" charset="0"/>
-              </a:rPr>
-              <a:t>ds.fetch_mldata</a:t>
-            </a:r>
-            <a:r>
-              <a:rPr lang="fr-FR" dirty="0">
-                <a:latin typeface="Courier New" panose="02070309020205020404" pitchFamily="49" charset="0"/>
-                <a:cs typeface="Courier New" panose="02070309020205020404" pitchFamily="49" charset="0"/>
-              </a:rPr>
-              <a:t>('MNIST original',</a:t>
-            </a:r>
-            <a:r>
-              <a:rPr lang="fr-FR" dirty="0" err="1">
-                <a:latin typeface="Courier New" panose="02070309020205020404" pitchFamily="49" charset="0"/>
-                <a:cs typeface="Courier New" panose="02070309020205020404" pitchFamily="49" charset="0"/>
-              </a:rPr>
-              <a:t>data_home</a:t>
-            </a:r>
-            <a:r>
-              <a:rPr lang="fr-FR" dirty="0">
-                <a:latin typeface="Courier New" panose="02070309020205020404" pitchFamily="49" charset="0"/>
-                <a:cs typeface="Courier New" panose="02070309020205020404" pitchFamily="49" charset="0"/>
-              </a:rPr>
-              <a:t>='./</a:t>
-            </a:r>
-            <a:r>
-              <a:rPr lang="fr-FR" dirty="0" err="1">
-                <a:latin typeface="Courier New" panose="02070309020205020404" pitchFamily="49" charset="0"/>
-                <a:cs typeface="Courier New" panose="02070309020205020404" pitchFamily="49" charset="0"/>
-              </a:rPr>
-              <a:t>mnist</a:t>
-            </a:r>
-            <a:r>
-              <a:rPr lang="fr-FR" dirty="0" smtClean="0">
-                <a:latin typeface="Courier New" panose="02070309020205020404" pitchFamily="49" charset="0"/>
-                <a:cs typeface="Courier New" panose="02070309020205020404" pitchFamily="49" charset="0"/>
-              </a:rPr>
-              <a:t>/')</a:t>
-            </a:r>
-          </a:p>
-          <a:p>
-            <a:pPr lvl="1"/>
-            <a:r>
-              <a:rPr lang="fr-FR" dirty="0" err="1" smtClean="0">
-                <a:latin typeface="Courier New" panose="02070309020205020404" pitchFamily="49" charset="0"/>
-                <a:cs typeface="Courier New" panose="02070309020205020404" pitchFamily="49" charset="0"/>
-              </a:rPr>
-              <a:t>mnist.data</a:t>
-            </a:r>
-            <a:r>
-              <a:rPr lang="fr-FR" dirty="0" smtClean="0">
-                <a:latin typeface="Courier New" panose="02070309020205020404" pitchFamily="49" charset="0"/>
-                <a:cs typeface="Courier New" panose="02070309020205020404" pitchFamily="49" charset="0"/>
-              </a:rPr>
-              <a:t> contient les images (70000)</a:t>
-            </a:r>
-          </a:p>
-          <a:p>
-            <a:pPr lvl="1"/>
-            <a:r>
-              <a:rPr lang="fr-FR" dirty="0" err="1">
-                <a:latin typeface="Courier New" panose="02070309020205020404" pitchFamily="49" charset="0"/>
-                <a:cs typeface="Courier New" panose="02070309020205020404" pitchFamily="49" charset="0"/>
-              </a:rPr>
-              <a:t>m</a:t>
-            </a:r>
-            <a:r>
-              <a:rPr lang="fr-FR" dirty="0" err="1" smtClean="0">
-                <a:latin typeface="Courier New" panose="02070309020205020404" pitchFamily="49" charset="0"/>
-                <a:cs typeface="Courier New" panose="02070309020205020404" pitchFamily="49" charset="0"/>
-              </a:rPr>
-              <a:t>nist.target</a:t>
-            </a:r>
-            <a:r>
-              <a:rPr lang="fr-FR" dirty="0" smtClean="0">
-                <a:latin typeface="Courier New" panose="02070309020205020404" pitchFamily="49" charset="0"/>
-                <a:cs typeface="Courier New" panose="02070309020205020404" pitchFamily="49" charset="0"/>
-              </a:rPr>
-              <a:t> contient les chiffres</a:t>
-            </a:r>
-          </a:p>
-          <a:p>
-            <a:pPr lvl="1"/>
-            <a:endParaRPr lang="fr-FR" dirty="0"/>
-          </a:p>
-        </p:txBody>
-      </p:sp>
-    </p:spTree>
-    <p:extLst>
-      <p:ext uri="{BB962C8B-B14F-4D97-AF65-F5344CB8AC3E}">
-        <p14:creationId xmlns:p14="http://schemas.microsoft.com/office/powerpoint/2010/main" val="3230665152"/>
-      </p:ext>
-    </p:extLst>
-  </p:cSld>
-  <p:clrMapOvr>
-    <a:masterClrMapping/>
-  </p:clrMapOvr>
-</p:sld>
-</file>
-
 <file path=ppt/slides/slide14.xml><?xml version="1.0" encoding="utf-8"?>
 <p:sld xmlns:a="http://schemas.openxmlformats.org/drawingml/2006/main" xmlns:r="http://schemas.openxmlformats.org/officeDocument/2006/relationships" xmlns:p="http://schemas.openxmlformats.org/presentationml/2006/main">
   <p:cSld>
@@ -4478,7 +4435,7 @@
           <a:p>
             <a:r>
               <a:rPr lang="fr-FR" dirty="0" smtClean="0"/>
-              <a:t>Echantillonnage</a:t>
+              <a:t>MNIST</a:t>
             </a:r>
             <a:endParaRPr lang="fr-FR" dirty="0"/>
           </a:p>
@@ -4501,147 +4458,108 @@
           <a:p>
             <a:r>
               <a:rPr lang="fr-FR" dirty="0" smtClean="0"/>
-              <a:t>Basé sur une fonctionnalité </a:t>
-            </a:r>
-            <a:r>
-              <a:rPr lang="fr-FR" dirty="0" err="1" smtClean="0"/>
-              <a:t>numpy</a:t>
-            </a:r>
-            <a:endParaRPr lang="fr-FR" dirty="0" smtClean="0"/>
-          </a:p>
-          <a:p>
-            <a:r>
-              <a:rPr lang="fr-FR" dirty="0" err="1" smtClean="0"/>
-              <a:t>np.array</a:t>
-            </a:r>
-            <a:r>
-              <a:rPr lang="fr-FR" dirty="0" smtClean="0"/>
-              <a:t>([2,8,0,10,9])[2,4] donne [0,9]</a:t>
-            </a:r>
-          </a:p>
-          <a:p>
-            <a:r>
-              <a:rPr lang="fr-FR" dirty="0" smtClean="0"/>
-              <a:t>Cela donne pour un échantillon de 5000</a:t>
+              <a:t>Chargement des données</a:t>
             </a:r>
           </a:p>
           <a:p>
             <a:pPr lvl="1"/>
             <a:r>
-              <a:rPr lang="fr-FR" sz="2000" dirty="0" err="1">
+              <a:rPr lang="fr-FR" dirty="0" err="1">
                 <a:latin typeface="Courier New" panose="02070309020205020404" pitchFamily="49" charset="0"/>
                 <a:cs typeface="Courier New" panose="02070309020205020404" pitchFamily="49" charset="0"/>
               </a:rPr>
-              <a:t>sample</a:t>
-            </a:r>
-            <a:r>
-              <a:rPr lang="fr-FR" sz="2000" dirty="0">
+              <a:t>mnist</a:t>
+            </a:r>
+            <a:r>
+              <a:rPr lang="fr-FR" dirty="0">
                 <a:latin typeface="Courier New" panose="02070309020205020404" pitchFamily="49" charset="0"/>
                 <a:cs typeface="Courier New" panose="02070309020205020404" pitchFamily="49" charset="0"/>
               </a:rPr>
               <a:t> = </a:t>
             </a:r>
             <a:r>
-              <a:rPr lang="fr-FR" sz="2000" dirty="0" err="1">
+              <a:rPr lang="fr-FR" dirty="0" err="1">
                 <a:latin typeface="Courier New" panose="02070309020205020404" pitchFamily="49" charset="0"/>
                 <a:cs typeface="Courier New" panose="02070309020205020404" pitchFamily="49" charset="0"/>
               </a:rPr>
-              <a:t>np.random.randint</a:t>
-            </a:r>
-            <a:r>
-              <a:rPr lang="fr-FR" sz="2000" dirty="0">
+              <a:t>ds.fetch_mldata</a:t>
+            </a:r>
+            <a:r>
+              <a:rPr lang="fr-FR" dirty="0">
                 <a:latin typeface="Courier New" panose="02070309020205020404" pitchFamily="49" charset="0"/>
                 <a:cs typeface="Courier New" panose="02070309020205020404" pitchFamily="49" charset="0"/>
               </a:rPr>
-              <a:t>(70000, size=5000)</a:t>
-            </a:r>
-          </a:p>
-          <a:p>
-            <a:pPr lvl="1"/>
-            <a:r>
-              <a:rPr lang="fr-FR" sz="2000" dirty="0">
+              <a:t>('MNIST original',</a:t>
+            </a:r>
+            <a:r>
+              <a:rPr lang="fr-FR" dirty="0" err="1">
                 <a:latin typeface="Courier New" panose="02070309020205020404" pitchFamily="49" charset="0"/>
                 <a:cs typeface="Courier New" panose="02070309020205020404" pitchFamily="49" charset="0"/>
               </a:rPr>
-              <a:t>data = </a:t>
-            </a:r>
-            <a:r>
-              <a:rPr lang="fr-FR" sz="2000" dirty="0" err="1">
+              <a:t>data_home</a:t>
+            </a:r>
+            <a:r>
+              <a:rPr lang="fr-FR" dirty="0">
+                <a:latin typeface="Courier New" panose="02070309020205020404" pitchFamily="49" charset="0"/>
+                <a:cs typeface="Courier New" panose="02070309020205020404" pitchFamily="49" charset="0"/>
+              </a:rPr>
+              <a:t>='./</a:t>
+            </a:r>
+            <a:r>
+              <a:rPr lang="fr-FR" dirty="0" err="1">
+                <a:latin typeface="Courier New" panose="02070309020205020404" pitchFamily="49" charset="0"/>
+                <a:cs typeface="Courier New" panose="02070309020205020404" pitchFamily="49" charset="0"/>
+              </a:rPr>
+              <a:t>mnist</a:t>
+            </a:r>
+            <a:r>
+              <a:rPr lang="fr-FR" dirty="0" smtClean="0">
+                <a:latin typeface="Courier New" panose="02070309020205020404" pitchFamily="49" charset="0"/>
+                <a:cs typeface="Courier New" panose="02070309020205020404" pitchFamily="49" charset="0"/>
+              </a:rPr>
+              <a:t>/')</a:t>
+            </a:r>
+          </a:p>
+          <a:p>
+            <a:pPr lvl="1"/>
+            <a:r>
+              <a:rPr lang="fr-FR" dirty="0" err="1" smtClean="0">
                 <a:latin typeface="Courier New" panose="02070309020205020404" pitchFamily="49" charset="0"/>
                 <a:cs typeface="Courier New" panose="02070309020205020404" pitchFamily="49" charset="0"/>
               </a:rPr>
               <a:t>mnist.data</a:t>
             </a:r>
             <a:r>
-              <a:rPr lang="fr-FR" sz="2000" dirty="0">
+              <a:rPr lang="fr-FR" dirty="0" smtClean="0">
                 <a:latin typeface="Courier New" panose="02070309020205020404" pitchFamily="49" charset="0"/>
                 <a:cs typeface="Courier New" panose="02070309020205020404" pitchFamily="49" charset="0"/>
               </a:rPr>
-              <a:t>[</a:t>
-            </a:r>
-            <a:r>
-              <a:rPr lang="fr-FR" sz="2000" dirty="0" err="1">
+              <a:t> contient les images (70000)</a:t>
+            </a:r>
+          </a:p>
+          <a:p>
+            <a:pPr lvl="1"/>
+            <a:r>
+              <a:rPr lang="fr-FR" dirty="0" err="1">
                 <a:latin typeface="Courier New" panose="02070309020205020404" pitchFamily="49" charset="0"/>
                 <a:cs typeface="Courier New" panose="02070309020205020404" pitchFamily="49" charset="0"/>
               </a:rPr>
-              <a:t>sample</a:t>
-            </a:r>
-            <a:r>
-              <a:rPr lang="fr-FR" sz="2000" dirty="0">
+              <a:t>m</a:t>
+            </a:r>
+            <a:r>
+              <a:rPr lang="fr-FR" dirty="0" err="1" smtClean="0">
                 <a:latin typeface="Courier New" panose="02070309020205020404" pitchFamily="49" charset="0"/>
                 <a:cs typeface="Courier New" panose="02070309020205020404" pitchFamily="49" charset="0"/>
               </a:rPr>
-              <a:t>]</a:t>
-            </a:r>
-          </a:p>
-          <a:p>
-            <a:pPr lvl="1"/>
-            <a:r>
-              <a:rPr lang="fr-FR" sz="2000" dirty="0" err="1">
+              <a:t>nist.target</a:t>
+            </a:r>
+            <a:r>
+              <a:rPr lang="fr-FR" dirty="0" smtClean="0">
                 <a:latin typeface="Courier New" panose="02070309020205020404" pitchFamily="49" charset="0"/>
                 <a:cs typeface="Courier New" panose="02070309020205020404" pitchFamily="49" charset="0"/>
               </a:rPr>
-              <a:t>target</a:t>
-            </a:r>
-            <a:r>
-              <a:rPr lang="fr-FR" sz="2000" dirty="0">
-                <a:latin typeface="Courier New" panose="02070309020205020404" pitchFamily="49" charset="0"/>
-                <a:cs typeface="Courier New" panose="02070309020205020404" pitchFamily="49" charset="0"/>
-              </a:rPr>
-              <a:t> = </a:t>
-            </a:r>
-            <a:r>
-              <a:rPr lang="fr-FR" sz="2000" dirty="0" err="1">
-                <a:latin typeface="Courier New" panose="02070309020205020404" pitchFamily="49" charset="0"/>
-                <a:cs typeface="Courier New" panose="02070309020205020404" pitchFamily="49" charset="0"/>
-              </a:rPr>
-              <a:t>mnist.target</a:t>
-            </a:r>
-            <a:r>
-              <a:rPr lang="fr-FR" sz="2000" dirty="0">
-                <a:latin typeface="Courier New" panose="02070309020205020404" pitchFamily="49" charset="0"/>
-                <a:cs typeface="Courier New" panose="02070309020205020404" pitchFamily="49" charset="0"/>
-              </a:rPr>
-              <a:t>[</a:t>
-            </a:r>
-            <a:r>
-              <a:rPr lang="fr-FR" sz="2000" dirty="0" err="1">
-                <a:latin typeface="Courier New" panose="02070309020205020404" pitchFamily="49" charset="0"/>
-                <a:cs typeface="Courier New" panose="02070309020205020404" pitchFamily="49" charset="0"/>
-              </a:rPr>
-              <a:t>sample</a:t>
-            </a:r>
-            <a:r>
-              <a:rPr lang="fr-FR" sz="2000" dirty="0">
-                <a:latin typeface="Courier New" panose="02070309020205020404" pitchFamily="49" charset="0"/>
-                <a:cs typeface="Courier New" panose="02070309020205020404" pitchFamily="49" charset="0"/>
-              </a:rPr>
-              <a:t>]</a:t>
-            </a:r>
-            <a:endParaRPr lang="fr-FR" sz="2000" dirty="0" smtClean="0">
-              <a:latin typeface="Courier New" panose="02070309020205020404" pitchFamily="49" charset="0"/>
-              <a:cs typeface="Courier New" panose="02070309020205020404" pitchFamily="49" charset="0"/>
-            </a:endParaRPr>
+              <a:t> contient les chiffres</a:t>
+            </a:r>
           </a:p>
           <a:p>
             <a:pPr lvl="1"/>
@@ -4652,7 +4570,7 @@
     </p:spTree>
     <p:extLst>
       <p:ext uri="{BB962C8B-B14F-4D97-AF65-F5344CB8AC3E}">
-        <p14:creationId xmlns:p14="http://schemas.microsoft.com/office/powerpoint/2010/main" val="391119954"/>
+        <p14:creationId xmlns:p14="http://schemas.microsoft.com/office/powerpoint/2010/main" val="3230665152"/>
       </p:ext>
     </p:extLst>
   </p:cSld>
@@ -4696,7 +4614,7 @@
           <a:p>
             <a:r>
               <a:rPr lang="fr-FR" dirty="0" smtClean="0"/>
-              <a:t>Training Set</a:t>
+              <a:t>Echantillonnage</a:t>
             </a:r>
             <a:endParaRPr lang="fr-FR" dirty="0"/>
           </a:p>
@@ -4718,114 +4636,159 @@
           <a:lstStyle/>
           <a:p>
             <a:r>
-              <a:rPr lang="en-US" dirty="0" err="1">
+              <a:rPr lang="fr-FR" dirty="0" smtClean="0"/>
+              <a:t>Basé sur une fonctionnalité </a:t>
+            </a:r>
+            <a:r>
+              <a:rPr lang="fr-FR" dirty="0" err="1" smtClean="0"/>
+              <a:t>numpy</a:t>
+            </a:r>
+            <a:endParaRPr lang="fr-FR" dirty="0" smtClean="0"/>
+          </a:p>
+          <a:p>
+            <a:r>
+              <a:rPr lang="fr-FR" dirty="0" err="1" smtClean="0"/>
+              <a:t>np.array</a:t>
+            </a:r>
+            <a:r>
+              <a:rPr lang="fr-FR" dirty="0" smtClean="0"/>
+              <a:t>([2,8,0,10,9])[2,4] donne [0,9]</a:t>
+            </a:r>
+          </a:p>
+          <a:p>
+            <a:r>
+              <a:rPr lang="fr-FR" dirty="0" smtClean="0"/>
+              <a:t>Cela donne pour un échantillon de 5000</a:t>
+            </a:r>
+          </a:p>
+          <a:p>
+            <a:pPr lvl="1"/>
+            <a:r>
+              <a:rPr lang="fr-FR" sz="2000" dirty="0" err="1">
                 <a:latin typeface="Courier New" panose="02070309020205020404" pitchFamily="49" charset="0"/>
                 <a:cs typeface="Courier New" panose="02070309020205020404" pitchFamily="49" charset="0"/>
               </a:rPr>
-              <a:t>xtrain</a:t>
-            </a:r>
-            <a:r>
-              <a:rPr lang="en-US" dirty="0">
-                <a:latin typeface="Courier New" panose="02070309020205020404" pitchFamily="49" charset="0"/>
-                <a:cs typeface="Courier New" panose="02070309020205020404" pitchFamily="49" charset="0"/>
-              </a:rPr>
-              <a:t>, </a:t>
-            </a:r>
-            <a:r>
-              <a:rPr lang="en-US" dirty="0" err="1">
-                <a:latin typeface="Courier New" panose="02070309020205020404" pitchFamily="49" charset="0"/>
-                <a:cs typeface="Courier New" panose="02070309020205020404" pitchFamily="49" charset="0"/>
-              </a:rPr>
-              <a:t>xtest</a:t>
-            </a:r>
-            <a:r>
-              <a:rPr lang="en-US" dirty="0">
-                <a:latin typeface="Courier New" panose="02070309020205020404" pitchFamily="49" charset="0"/>
-                <a:cs typeface="Courier New" panose="02070309020205020404" pitchFamily="49" charset="0"/>
-              </a:rPr>
-              <a:t>, </a:t>
-            </a:r>
-            <a:r>
-              <a:rPr lang="en-US" dirty="0" err="1">
-                <a:latin typeface="Courier New" panose="02070309020205020404" pitchFamily="49" charset="0"/>
-                <a:cs typeface="Courier New" panose="02070309020205020404" pitchFamily="49" charset="0"/>
-              </a:rPr>
-              <a:t>ytrain</a:t>
-            </a:r>
-            <a:r>
-              <a:rPr lang="en-US" dirty="0">
-                <a:latin typeface="Courier New" panose="02070309020205020404" pitchFamily="49" charset="0"/>
-                <a:cs typeface="Courier New" panose="02070309020205020404" pitchFamily="49" charset="0"/>
-              </a:rPr>
-              <a:t>, </a:t>
-            </a:r>
-            <a:r>
-              <a:rPr lang="en-US" dirty="0" err="1">
-                <a:latin typeface="Courier New" panose="02070309020205020404" pitchFamily="49" charset="0"/>
-                <a:cs typeface="Courier New" panose="02070309020205020404" pitchFamily="49" charset="0"/>
-              </a:rPr>
-              <a:t>ytest</a:t>
-            </a:r>
-            <a:r>
-              <a:rPr lang="en-US" dirty="0">
+              <a:t>sample</a:t>
+            </a:r>
+            <a:r>
+              <a:rPr lang="fr-FR" sz="2000" dirty="0">
                 <a:latin typeface="Courier New" panose="02070309020205020404" pitchFamily="49" charset="0"/>
                 <a:cs typeface="Courier New" panose="02070309020205020404" pitchFamily="49" charset="0"/>
               </a:rPr>
               <a:t> = </a:t>
             </a:r>
             <a:r>
-              <a:rPr lang="en-US" dirty="0" err="1">
+              <a:rPr lang="fr-FR" sz="2000" dirty="0" err="1">
                 <a:latin typeface="Courier New" panose="02070309020205020404" pitchFamily="49" charset="0"/>
                 <a:cs typeface="Courier New" panose="02070309020205020404" pitchFamily="49" charset="0"/>
               </a:rPr>
-              <a:t>ms.train_test_split</a:t>
-            </a:r>
-            <a:r>
-              <a:rPr lang="en-US" dirty="0">
+              <a:t>np.random.randint</a:t>
+            </a:r>
+            <a:r>
+              <a:rPr lang="fr-FR" sz="2000" dirty="0">
                 <a:latin typeface="Courier New" panose="02070309020205020404" pitchFamily="49" charset="0"/>
                 <a:cs typeface="Courier New" panose="02070309020205020404" pitchFamily="49" charset="0"/>
               </a:rPr>
-              <a:t>(data, target, </a:t>
-            </a:r>
-            <a:r>
-              <a:rPr lang="en-US" dirty="0" err="1">
+              <a:t>(70000, size=5000)</a:t>
+            </a:r>
+          </a:p>
+          <a:p>
+            <a:pPr lvl="1"/>
+            <a:r>
+              <a:rPr lang="fr-FR" sz="2000" dirty="0">
                 <a:latin typeface="Courier New" panose="02070309020205020404" pitchFamily="49" charset="0"/>
                 <a:cs typeface="Courier New" panose="02070309020205020404" pitchFamily="49" charset="0"/>
               </a:rPr>
-              <a:t>train_size</a:t>
-            </a:r>
-            <a:r>
-              <a:rPr lang="en-US" dirty="0">
+              <a:t>data = </a:t>
+            </a:r>
+            <a:r>
+              <a:rPr lang="fr-FR" sz="2000" dirty="0" err="1">
                 <a:latin typeface="Courier New" panose="02070309020205020404" pitchFamily="49" charset="0"/>
                 <a:cs typeface="Courier New" panose="02070309020205020404" pitchFamily="49" charset="0"/>
               </a:rPr>
-              <a:t>=0.8, </a:t>
-            </a:r>
-            <a:r>
-              <a:rPr lang="en-US" dirty="0" err="1">
+              <a:t>mnist.data</a:t>
+            </a:r>
+            <a:r>
+              <a:rPr lang="fr-FR" sz="2000" dirty="0">
                 <a:latin typeface="Courier New" panose="02070309020205020404" pitchFamily="49" charset="0"/>
                 <a:cs typeface="Courier New" panose="02070309020205020404" pitchFamily="49" charset="0"/>
               </a:rPr>
-              <a:t>test_size</a:t>
-            </a:r>
-            <a:r>
-              <a:rPr lang="en-US" dirty="0">
+              <a:t>[</a:t>
+            </a:r>
+            <a:r>
+              <a:rPr lang="fr-FR" sz="2000" dirty="0" err="1">
                 <a:latin typeface="Courier New" panose="02070309020205020404" pitchFamily="49" charset="0"/>
                 <a:cs typeface="Courier New" panose="02070309020205020404" pitchFamily="49" charset="0"/>
               </a:rPr>
-              <a:t>=0.2)</a:t>
-            </a:r>
-            <a:endParaRPr lang="fr-FR" dirty="0">
+              <a:t>sample</a:t>
+            </a:r>
+            <a:r>
+              <a:rPr lang="fr-FR" sz="2000" dirty="0">
+                <a:latin typeface="Courier New" panose="02070309020205020404" pitchFamily="49" charset="0"/>
+                <a:cs typeface="Courier New" panose="02070309020205020404" pitchFamily="49" charset="0"/>
+              </a:rPr>
+              <a:t>]</a:t>
+            </a:r>
+          </a:p>
+          <a:p>
+            <a:pPr lvl="1"/>
+            <a:r>
+              <a:rPr lang="fr-FR" sz="2000" dirty="0" err="1">
+                <a:latin typeface="Courier New" panose="02070309020205020404" pitchFamily="49" charset="0"/>
+                <a:cs typeface="Courier New" panose="02070309020205020404" pitchFamily="49" charset="0"/>
+              </a:rPr>
+              <a:t>target</a:t>
+            </a:r>
+            <a:r>
+              <a:rPr lang="fr-FR" sz="2000" dirty="0">
+                <a:latin typeface="Courier New" panose="02070309020205020404" pitchFamily="49" charset="0"/>
+                <a:cs typeface="Courier New" panose="02070309020205020404" pitchFamily="49" charset="0"/>
+              </a:rPr>
+              <a:t> = </a:t>
+            </a:r>
+            <a:r>
+              <a:rPr lang="fr-FR" sz="2000" dirty="0" err="1">
+                <a:latin typeface="Courier New" panose="02070309020205020404" pitchFamily="49" charset="0"/>
+                <a:cs typeface="Courier New" panose="02070309020205020404" pitchFamily="49" charset="0"/>
+              </a:rPr>
+              <a:t>mnist.target</a:t>
+            </a:r>
+            <a:r>
+              <a:rPr lang="fr-FR" sz="2000" dirty="0">
+                <a:latin typeface="Courier New" panose="02070309020205020404" pitchFamily="49" charset="0"/>
+                <a:cs typeface="Courier New" panose="02070309020205020404" pitchFamily="49" charset="0"/>
+              </a:rPr>
+              <a:t>[</a:t>
+            </a:r>
+            <a:r>
+              <a:rPr lang="fr-FR" sz="2000" dirty="0" err="1">
+                <a:latin typeface="Courier New" panose="02070309020205020404" pitchFamily="49" charset="0"/>
+                <a:cs typeface="Courier New" panose="02070309020205020404" pitchFamily="49" charset="0"/>
+              </a:rPr>
+              <a:t>sample</a:t>
+            </a:r>
+            <a:r>
+              <a:rPr lang="fr-FR" sz="2000" dirty="0">
+                <a:latin typeface="Courier New" panose="02070309020205020404" pitchFamily="49" charset="0"/>
+                <a:cs typeface="Courier New" panose="02070309020205020404" pitchFamily="49" charset="0"/>
+              </a:rPr>
+              <a:t>]</a:t>
+            </a:r>
+            <a:endParaRPr lang="fr-FR" sz="2000" dirty="0" smtClean="0">
               <a:latin typeface="Courier New" panose="02070309020205020404" pitchFamily="49" charset="0"/>
               <a:cs typeface="Courier New" panose="02070309020205020404" pitchFamily="49" charset="0"/>
             </a:endParaRPr>
+          </a:p>
+          <a:p>
+            <a:pPr lvl="1"/>
+            <a:endParaRPr lang="fr-FR" dirty="0"/>
           </a:p>
         </p:txBody>
       </p:sp>
     </p:spTree>
     <p:extLst>
       <p:ext uri="{BB962C8B-B14F-4D97-AF65-F5344CB8AC3E}">
-        <p14:creationId xmlns:p14="http://schemas.microsoft.com/office/powerpoint/2010/main" val="2210871484"/>
+        <p14:creationId xmlns:p14="http://schemas.microsoft.com/office/powerpoint/2010/main" val="391119954"/>
       </p:ext>
     </p:extLst>
   </p:cSld>
@@ -4868,8 +4831,8 @@
           <a:lstStyle/>
           <a:p>
             <a:r>
-              <a:rPr lang="fr-FR" dirty="0" err="1" smtClean="0"/>
-              <a:t>Metrics</a:t>
+              <a:rPr lang="fr-FR" dirty="0" smtClean="0"/>
+              <a:t>Training Set</a:t>
             </a:r>
             <a:endParaRPr lang="fr-FR" dirty="0"/>
           </a:p>
@@ -4891,6 +4854,179 @@
           <a:lstStyle/>
           <a:p>
             <a:r>
+              <a:rPr lang="en-US" dirty="0" err="1">
+                <a:latin typeface="Courier New" panose="02070309020205020404" pitchFamily="49" charset="0"/>
+                <a:cs typeface="Courier New" panose="02070309020205020404" pitchFamily="49" charset="0"/>
+              </a:rPr>
+              <a:t>xtrain</a:t>
+            </a:r>
+            <a:r>
+              <a:rPr lang="en-US" dirty="0">
+                <a:latin typeface="Courier New" panose="02070309020205020404" pitchFamily="49" charset="0"/>
+                <a:cs typeface="Courier New" panose="02070309020205020404" pitchFamily="49" charset="0"/>
+              </a:rPr>
+              <a:t>, </a:t>
+            </a:r>
+            <a:r>
+              <a:rPr lang="en-US" dirty="0" err="1">
+                <a:latin typeface="Courier New" panose="02070309020205020404" pitchFamily="49" charset="0"/>
+                <a:cs typeface="Courier New" panose="02070309020205020404" pitchFamily="49" charset="0"/>
+              </a:rPr>
+              <a:t>xtest</a:t>
+            </a:r>
+            <a:r>
+              <a:rPr lang="en-US" dirty="0">
+                <a:latin typeface="Courier New" panose="02070309020205020404" pitchFamily="49" charset="0"/>
+                <a:cs typeface="Courier New" panose="02070309020205020404" pitchFamily="49" charset="0"/>
+              </a:rPr>
+              <a:t>, </a:t>
+            </a:r>
+            <a:r>
+              <a:rPr lang="en-US" dirty="0" err="1">
+                <a:latin typeface="Courier New" panose="02070309020205020404" pitchFamily="49" charset="0"/>
+                <a:cs typeface="Courier New" panose="02070309020205020404" pitchFamily="49" charset="0"/>
+              </a:rPr>
+              <a:t>ytrain</a:t>
+            </a:r>
+            <a:r>
+              <a:rPr lang="en-US" dirty="0">
+                <a:latin typeface="Courier New" panose="02070309020205020404" pitchFamily="49" charset="0"/>
+                <a:cs typeface="Courier New" panose="02070309020205020404" pitchFamily="49" charset="0"/>
+              </a:rPr>
+              <a:t>, </a:t>
+            </a:r>
+            <a:r>
+              <a:rPr lang="en-US" dirty="0" err="1">
+                <a:latin typeface="Courier New" panose="02070309020205020404" pitchFamily="49" charset="0"/>
+                <a:cs typeface="Courier New" panose="02070309020205020404" pitchFamily="49" charset="0"/>
+              </a:rPr>
+              <a:t>ytest</a:t>
+            </a:r>
+            <a:r>
+              <a:rPr lang="en-US" dirty="0">
+                <a:latin typeface="Courier New" panose="02070309020205020404" pitchFamily="49" charset="0"/>
+                <a:cs typeface="Courier New" panose="02070309020205020404" pitchFamily="49" charset="0"/>
+              </a:rPr>
+              <a:t> = </a:t>
+            </a:r>
+            <a:r>
+              <a:rPr lang="en-US" dirty="0" err="1">
+                <a:latin typeface="Courier New" panose="02070309020205020404" pitchFamily="49" charset="0"/>
+                <a:cs typeface="Courier New" panose="02070309020205020404" pitchFamily="49" charset="0"/>
+              </a:rPr>
+              <a:t>ms.train_test_split</a:t>
+            </a:r>
+            <a:r>
+              <a:rPr lang="en-US" dirty="0">
+                <a:latin typeface="Courier New" panose="02070309020205020404" pitchFamily="49" charset="0"/>
+                <a:cs typeface="Courier New" panose="02070309020205020404" pitchFamily="49" charset="0"/>
+              </a:rPr>
+              <a:t>(data, target, </a:t>
+            </a:r>
+            <a:r>
+              <a:rPr lang="en-US" dirty="0" err="1">
+                <a:latin typeface="Courier New" panose="02070309020205020404" pitchFamily="49" charset="0"/>
+                <a:cs typeface="Courier New" panose="02070309020205020404" pitchFamily="49" charset="0"/>
+              </a:rPr>
+              <a:t>train_size</a:t>
+            </a:r>
+            <a:r>
+              <a:rPr lang="en-US" dirty="0">
+                <a:latin typeface="Courier New" panose="02070309020205020404" pitchFamily="49" charset="0"/>
+                <a:cs typeface="Courier New" panose="02070309020205020404" pitchFamily="49" charset="0"/>
+              </a:rPr>
+              <a:t>=0.8, </a:t>
+            </a:r>
+            <a:r>
+              <a:rPr lang="en-US" dirty="0" err="1">
+                <a:latin typeface="Courier New" panose="02070309020205020404" pitchFamily="49" charset="0"/>
+                <a:cs typeface="Courier New" panose="02070309020205020404" pitchFamily="49" charset="0"/>
+              </a:rPr>
+              <a:t>test_size</a:t>
+            </a:r>
+            <a:r>
+              <a:rPr lang="en-US" dirty="0">
+                <a:latin typeface="Courier New" panose="02070309020205020404" pitchFamily="49" charset="0"/>
+                <a:cs typeface="Courier New" panose="02070309020205020404" pitchFamily="49" charset="0"/>
+              </a:rPr>
+              <a:t>=0.2)</a:t>
+            </a:r>
+            <a:endParaRPr lang="fr-FR" dirty="0">
+              <a:latin typeface="Courier New" panose="02070309020205020404" pitchFamily="49" charset="0"/>
+              <a:cs typeface="Courier New" panose="02070309020205020404" pitchFamily="49" charset="0"/>
+            </a:endParaRPr>
+          </a:p>
+        </p:txBody>
+      </p:sp>
+    </p:spTree>
+    <p:extLst>
+      <p:ext uri="{BB962C8B-B14F-4D97-AF65-F5344CB8AC3E}">
+        <p14:creationId xmlns:p14="http://schemas.microsoft.com/office/powerpoint/2010/main" val="2210871484"/>
+      </p:ext>
+    </p:extLst>
+  </p:cSld>
+  <p:clrMapOvr>
+    <a:masterClrMapping/>
+  </p:clrMapOvr>
+</p:sld>
+</file>
+
+<file path=ppt/slides/slide17.xml><?xml version="1.0" encoding="utf-8"?>
+<p:sld xmlns:a="http://schemas.openxmlformats.org/drawingml/2006/main" xmlns:r="http://schemas.openxmlformats.org/officeDocument/2006/relationships" xmlns:p="http://schemas.openxmlformats.org/presentationml/2006/main">
+  <p:cSld>
+    <p:spTree>
+      <p:nvGrpSpPr>
+        <p:cNvPr id="1" name=""/>
+        <p:cNvGrpSpPr/>
+        <p:nvPr/>
+      </p:nvGrpSpPr>
+      <p:grpSpPr>
+        <a:xfrm>
+          <a:off x="0" y="0"/>
+          <a:ext cx="0" cy="0"/>
+          <a:chOff x="0" y="0"/>
+          <a:chExt cx="0" cy="0"/>
+        </a:xfrm>
+      </p:grpSpPr>
+      <p:sp>
+        <p:nvSpPr>
+          <p:cNvPr id="2" name="Titre 1"/>
+          <p:cNvSpPr>
+            <a:spLocks noGrp="1"/>
+          </p:cNvSpPr>
+          <p:nvPr>
+            <p:ph type="title"/>
+          </p:nvPr>
+        </p:nvSpPr>
+        <p:spPr/>
+        <p:txBody>
+          <a:bodyPr/>
+          <a:lstStyle/>
+          <a:p>
+            <a:r>
+              <a:rPr lang="fr-FR" dirty="0" err="1" smtClean="0"/>
+              <a:t>Metrics</a:t>
+            </a:r>
+            <a:endParaRPr lang="fr-FR" dirty="0"/>
+          </a:p>
+        </p:txBody>
+      </p:sp>
+      <p:sp>
+        <p:nvSpPr>
+          <p:cNvPr id="3" name="Espace réservé du contenu 2"/>
+          <p:cNvSpPr>
+            <a:spLocks noGrp="1"/>
+          </p:cNvSpPr>
+          <p:nvPr>
+            <p:ph idx="1"/>
+          </p:nvPr>
+        </p:nvSpPr>
+        <p:spPr/>
+        <p:txBody>
+          <a:bodyPr/>
+          <a:lstStyle/>
+          <a:p>
+            <a:r>
               <a:rPr lang="fr-FR" dirty="0" smtClean="0"/>
               <a:t>Il est possible de calculer automatiquement l’erreur quadratique avec </a:t>
             </a:r>
@@ -4974,7 +5110,7 @@
 </p:sld>
 </file>
 
-<file path=ppt/slides/slide17.xml><?xml version="1.0" encoding="utf-8"?>
+<file path=ppt/slides/slide18.xml><?xml version="1.0" encoding="utf-8"?>
 <p:sld xmlns:a="http://schemas.openxmlformats.org/drawingml/2006/main" xmlns:r="http://schemas.openxmlformats.org/officeDocument/2006/relationships" xmlns:p="http://schemas.openxmlformats.org/presentationml/2006/main">
   <p:cSld>
     <p:spTree>
@@ -5095,131 +5231,6 @@
 </p:sld>
 </file>
 
-<file path=ppt/slides/slide18.xml><?xml version="1.0" encoding="utf-8"?>
-<p:sld xmlns:a="http://schemas.openxmlformats.org/drawingml/2006/main" xmlns:r="http://schemas.openxmlformats.org/officeDocument/2006/relationships" xmlns:p="http://schemas.openxmlformats.org/presentationml/2006/main">
-  <p:cSld>
-    <p:spTree>
-      <p:nvGrpSpPr>
-        <p:cNvPr id="1" name=""/>
-        <p:cNvGrpSpPr/>
-        <p:nvPr/>
-      </p:nvGrpSpPr>
-      <p:grpSpPr>
-        <a:xfrm>
-          <a:off x="0" y="0"/>
-          <a:ext cx="0" cy="0"/>
-          <a:chOff x="0" y="0"/>
-          <a:chExt cx="0" cy="0"/>
-        </a:xfrm>
-      </p:grpSpPr>
-      <p:sp>
-        <p:nvSpPr>
-          <p:cNvPr id="2" name="Titre 1"/>
-          <p:cNvSpPr>
-            <a:spLocks noGrp="1"/>
-          </p:cNvSpPr>
-          <p:nvPr>
-            <p:ph type="title"/>
-          </p:nvPr>
-        </p:nvSpPr>
-        <p:spPr/>
-        <p:txBody>
-          <a:bodyPr/>
-          <a:lstStyle/>
-          <a:p>
-            <a:r>
-              <a:rPr lang="fr-FR" dirty="0" err="1" smtClean="0"/>
-              <a:t>PreProcessing</a:t>
-            </a:r>
-            <a:endParaRPr lang="fr-FR" dirty="0"/>
-          </a:p>
-        </p:txBody>
-      </p:sp>
-      <p:sp>
-        <p:nvSpPr>
-          <p:cNvPr id="3" name="Espace réservé du contenu 2"/>
-          <p:cNvSpPr>
-            <a:spLocks noGrp="1"/>
-          </p:cNvSpPr>
-          <p:nvPr>
-            <p:ph idx="1"/>
-          </p:nvPr>
-        </p:nvSpPr>
-        <p:spPr/>
-        <p:txBody>
-          <a:bodyPr/>
-          <a:lstStyle/>
-          <a:p>
-            <a:r>
-              <a:rPr lang="fr-FR" dirty="0" err="1" smtClean="0"/>
-              <a:t>Preprocessing</a:t>
-            </a:r>
-            <a:r>
-              <a:rPr lang="fr-FR" dirty="0" smtClean="0"/>
-              <a:t> contient des </a:t>
-            </a:r>
-            <a:r>
-              <a:rPr lang="fr-FR" dirty="0" err="1" smtClean="0"/>
-              <a:t>Features</a:t>
-            </a:r>
-            <a:r>
-              <a:rPr lang="fr-FR" dirty="0" smtClean="0"/>
-              <a:t> qui sont des algorithmes de modèles pré-calculés</a:t>
-            </a:r>
-          </a:p>
-          <a:p>
-            <a:r>
-              <a:rPr lang="fr-FR" dirty="0" smtClean="0"/>
-              <a:t>Il en existe des centaines</a:t>
-            </a:r>
-          </a:p>
-          <a:p>
-            <a:r>
-              <a:rPr lang="fr-FR" dirty="0"/>
-              <a:t>import </a:t>
-            </a:r>
-            <a:r>
-              <a:rPr lang="fr-FR" dirty="0" err="1"/>
-              <a:t>sklearn.preprocessing</a:t>
-            </a:r>
-            <a:r>
-              <a:rPr lang="fr-FR" dirty="0"/>
-              <a:t> as </a:t>
-            </a:r>
-            <a:r>
-              <a:rPr lang="fr-FR" dirty="0" smtClean="0"/>
-              <a:t>pp</a:t>
-            </a:r>
-          </a:p>
-          <a:p>
-            <a:r>
-              <a:rPr lang="fr-FR" dirty="0" err="1"/>
-              <a:t>pp.PolynomialFeatures</a:t>
-            </a:r>
-            <a:r>
-              <a:rPr lang="fr-FR" dirty="0"/>
-              <a:t>(2)</a:t>
-            </a:r>
-            <a:endParaRPr lang="fr-FR" dirty="0" smtClean="0"/>
-          </a:p>
-          <a:p>
-            <a:endParaRPr lang="fr-FR" dirty="0"/>
-          </a:p>
-        </p:txBody>
-      </p:sp>
-    </p:spTree>
-    <p:extLst>
-      <p:ext uri="{BB962C8B-B14F-4D97-AF65-F5344CB8AC3E}">
-        <p14:creationId xmlns:p14="http://schemas.microsoft.com/office/powerpoint/2010/main" val="1233238204"/>
-      </p:ext>
-    </p:extLst>
-  </p:cSld>
-  <p:clrMapOvr>
-    <a:masterClrMapping/>
-  </p:clrMapOvr>
-</p:sld>
-</file>
-
 <file path=ppt/slides/slide19.xml><?xml version="1.0" encoding="utf-8"?>
 <p:sld xmlns:a="http://schemas.openxmlformats.org/drawingml/2006/main" xmlns:r="http://schemas.openxmlformats.org/officeDocument/2006/relationships" xmlns:p="http://schemas.openxmlformats.org/presentationml/2006/main">
   <p:cSld>
@@ -5253,8 +5264,8 @@
           <a:lstStyle/>
           <a:p>
             <a:r>
-              <a:rPr lang="fr-FR" dirty="0" smtClean="0"/>
-              <a:t>Pipeline</a:t>
+              <a:rPr lang="fr-FR" dirty="0" err="1" smtClean="0"/>
+              <a:t>PreProcessing</a:t>
             </a:r>
             <a:endParaRPr lang="fr-FR" dirty="0"/>
           </a:p>
@@ -5276,6 +5287,318 @@
           <a:lstStyle/>
           <a:p>
             <a:r>
+              <a:rPr lang="fr-FR" dirty="0" err="1" smtClean="0"/>
+              <a:t>Preprocessing</a:t>
+            </a:r>
+            <a:r>
+              <a:rPr lang="fr-FR" dirty="0" smtClean="0"/>
+              <a:t> contient des </a:t>
+            </a:r>
+            <a:r>
+              <a:rPr lang="fr-FR" dirty="0" err="1" smtClean="0"/>
+              <a:t>Features</a:t>
+            </a:r>
+            <a:r>
+              <a:rPr lang="fr-FR" dirty="0" smtClean="0"/>
+              <a:t> qui sont des algorithmes de modèles pré-calculés</a:t>
+            </a:r>
+          </a:p>
+          <a:p>
+            <a:r>
+              <a:rPr lang="fr-FR" dirty="0" smtClean="0"/>
+              <a:t>Il en existe des centaines</a:t>
+            </a:r>
+          </a:p>
+          <a:p>
+            <a:r>
+              <a:rPr lang="fr-FR" dirty="0"/>
+              <a:t>import </a:t>
+            </a:r>
+            <a:r>
+              <a:rPr lang="fr-FR" dirty="0" err="1"/>
+              <a:t>sklearn.preprocessing</a:t>
+            </a:r>
+            <a:r>
+              <a:rPr lang="fr-FR" dirty="0"/>
+              <a:t> as </a:t>
+            </a:r>
+            <a:r>
+              <a:rPr lang="fr-FR" dirty="0" smtClean="0"/>
+              <a:t>pp</a:t>
+            </a:r>
+          </a:p>
+          <a:p>
+            <a:r>
+              <a:rPr lang="fr-FR" dirty="0" err="1"/>
+              <a:t>pp.PolynomialFeatures</a:t>
+            </a:r>
+            <a:r>
+              <a:rPr lang="fr-FR" dirty="0"/>
+              <a:t>(2)</a:t>
+            </a:r>
+            <a:endParaRPr lang="fr-FR" dirty="0" smtClean="0"/>
+          </a:p>
+          <a:p>
+            <a:endParaRPr lang="fr-FR" dirty="0"/>
+          </a:p>
+        </p:txBody>
+      </p:sp>
+    </p:spTree>
+    <p:extLst>
+      <p:ext uri="{BB962C8B-B14F-4D97-AF65-F5344CB8AC3E}">
+        <p14:creationId xmlns:p14="http://schemas.microsoft.com/office/powerpoint/2010/main" val="1233238204"/>
+      </p:ext>
+    </p:extLst>
+  </p:cSld>
+  <p:clrMapOvr>
+    <a:masterClrMapping/>
+  </p:clrMapOvr>
+</p:sld>
+</file>
+
+<file path=ppt/slides/slide2.xml><?xml version="1.0" encoding="utf-8"?>
+<p:sld xmlns:a="http://schemas.openxmlformats.org/drawingml/2006/main" xmlns:r="http://schemas.openxmlformats.org/officeDocument/2006/relationships" xmlns:p="http://schemas.openxmlformats.org/presentationml/2006/main">
+  <p:cSld>
+    <p:spTree>
+      <p:nvGrpSpPr>
+        <p:cNvPr id="1" name=""/>
+        <p:cNvGrpSpPr/>
+        <p:nvPr/>
+      </p:nvGrpSpPr>
+      <p:grpSpPr>
+        <a:xfrm>
+          <a:off x="0" y="0"/>
+          <a:ext cx="0" cy="0"/>
+          <a:chOff x="0" y="0"/>
+          <a:chExt cx="0" cy="0"/>
+        </a:xfrm>
+      </p:grpSpPr>
+      <p:sp>
+        <p:nvSpPr>
+          <p:cNvPr id="2" name="Titre 1"/>
+          <p:cNvSpPr>
+            <a:spLocks noGrp="1"/>
+          </p:cNvSpPr>
+          <p:nvPr>
+            <p:ph type="title"/>
+          </p:nvPr>
+        </p:nvSpPr>
+        <p:spPr/>
+        <p:txBody>
+          <a:bodyPr/>
+          <a:lstStyle/>
+          <a:p>
+            <a:endParaRPr lang="fr-FR" dirty="0"/>
+          </a:p>
+        </p:txBody>
+      </p:sp>
+      <p:sp>
+        <p:nvSpPr>
+          <p:cNvPr id="3" name="Espace réservé du contenu 2"/>
+          <p:cNvSpPr>
+            <a:spLocks noGrp="1"/>
+          </p:cNvSpPr>
+          <p:nvPr>
+            <p:ph idx="1"/>
+          </p:nvPr>
+        </p:nvSpPr>
+        <p:spPr>
+          <a:xfrm>
+            <a:off x="179513" y="1412776"/>
+            <a:ext cx="5047360" cy="5040560"/>
+          </a:xfrm>
+        </p:spPr>
+        <p:txBody>
+          <a:bodyPr/>
+          <a:lstStyle/>
+          <a:p>
+            <a:r>
+              <a:rPr lang="fr-FR" sz="2400" dirty="0"/>
+              <a:t>Initié et piloté en France par l'INRIA et Télécom </a:t>
+            </a:r>
+            <a:r>
+              <a:rPr lang="fr-FR" sz="2400" dirty="0" err="1"/>
+              <a:t>ParisTech</a:t>
+            </a:r>
+            <a:r>
+              <a:rPr lang="fr-FR" sz="2400" dirty="0"/>
+              <a:t>, le projet open source </a:t>
+            </a:r>
+            <a:r>
+              <a:rPr lang="fr-FR" sz="2400" dirty="0" err="1"/>
+              <a:t>Scikit-learn</a:t>
+            </a:r>
+            <a:r>
+              <a:rPr lang="fr-FR" sz="2400" dirty="0"/>
+              <a:t> est devenu une référence dans le monde de l'intelligence </a:t>
+            </a:r>
+            <a:r>
+              <a:rPr lang="fr-FR" sz="2400" dirty="0" smtClean="0"/>
+              <a:t>artificielle</a:t>
+            </a:r>
+          </a:p>
+          <a:p>
+            <a:pPr lvl="1"/>
+            <a:r>
+              <a:rPr lang="fr-FR" sz="2000" dirty="0"/>
+              <a:t>D</a:t>
+            </a:r>
+            <a:r>
+              <a:rPr lang="fr-FR" sz="2000" dirty="0" smtClean="0"/>
+              <a:t>e </a:t>
+            </a:r>
+            <a:r>
+              <a:rPr lang="fr-FR" sz="2000" dirty="0"/>
+              <a:t>Paris à San Francisco en passant par Singapour, la bibliothèque de machine </a:t>
+            </a:r>
+            <a:r>
+              <a:rPr lang="fr-FR" sz="2000" dirty="0" err="1"/>
+              <a:t>learning</a:t>
+            </a:r>
+            <a:r>
+              <a:rPr lang="fr-FR" sz="2000" dirty="0"/>
+              <a:t>, écrite en Python, s'impose aux start-up jusqu'aux grands groupes, </a:t>
+            </a:r>
+            <a:r>
+              <a:rPr lang="fr-FR" sz="2000" dirty="0" err="1"/>
+              <a:t>Gafam</a:t>
+            </a:r>
+            <a:r>
+              <a:rPr lang="fr-FR" sz="2000" dirty="0"/>
+              <a:t> compris.</a:t>
+            </a:r>
+            <a:endParaRPr lang="fr-FR" sz="2000" dirty="0" smtClean="0"/>
+          </a:p>
+          <a:p>
+            <a:pPr lvl="1"/>
+            <a:endParaRPr lang="fr-FR" sz="2000" dirty="0"/>
+          </a:p>
+        </p:txBody>
+      </p:sp>
+      <p:pic>
+        <p:nvPicPr>
+          <p:cNvPr id="7" name="Image 6"/>
+          <p:cNvPicPr>
+            <a:picLocks noChangeAspect="1"/>
+          </p:cNvPicPr>
+          <p:nvPr/>
+        </p:nvPicPr>
+        <p:blipFill>
+          <a:blip r:embed="rId2"/>
+          <a:stretch>
+            <a:fillRect/>
+          </a:stretch>
+        </p:blipFill>
+        <p:spPr>
+          <a:xfrm>
+            <a:off x="3348951" y="203709"/>
+            <a:ext cx="3067050" cy="762000"/>
+          </a:xfrm>
+          <a:prstGeom prst="rect">
+            <a:avLst/>
+          </a:prstGeom>
+        </p:spPr>
+      </p:pic>
+      <p:pic>
+        <p:nvPicPr>
+          <p:cNvPr id="4" name="Image 3"/>
+          <p:cNvPicPr>
+            <a:picLocks noChangeAspect="1"/>
+          </p:cNvPicPr>
+          <p:nvPr/>
+        </p:nvPicPr>
+        <p:blipFill>
+          <a:blip r:embed="rId3"/>
+          <a:stretch>
+            <a:fillRect/>
+          </a:stretch>
+        </p:blipFill>
+        <p:spPr>
+          <a:xfrm>
+            <a:off x="5226873" y="1844824"/>
+            <a:ext cx="3893488" cy="4752528"/>
+          </a:xfrm>
+          <a:prstGeom prst="rect">
+            <a:avLst/>
+          </a:prstGeom>
+        </p:spPr>
+      </p:pic>
+    </p:spTree>
+    <p:extLst>
+      <p:ext uri="{BB962C8B-B14F-4D97-AF65-F5344CB8AC3E}">
+        <p14:creationId xmlns:p14="http://schemas.microsoft.com/office/powerpoint/2010/main" val="761471275"/>
+      </p:ext>
+    </p:extLst>
+  </p:cSld>
+  <p:clrMapOvr>
+    <a:masterClrMapping/>
+  </p:clrMapOvr>
+  <p:timing>
+    <p:tnLst>
+      <p:par>
+        <p:cTn id="1" dur="indefinite" restart="never" nodeType="tmRoot"/>
+      </p:par>
+    </p:tnLst>
+  </p:timing>
+</p:sld>
+</file>
+
+<file path=ppt/slides/slide20.xml><?xml version="1.0" encoding="utf-8"?>
+<p:sld xmlns:a="http://schemas.openxmlformats.org/drawingml/2006/main" xmlns:r="http://schemas.openxmlformats.org/officeDocument/2006/relationships" xmlns:p="http://schemas.openxmlformats.org/presentationml/2006/main">
+  <p:cSld>
+    <p:spTree>
+      <p:nvGrpSpPr>
+        <p:cNvPr id="1" name=""/>
+        <p:cNvGrpSpPr/>
+        <p:nvPr/>
+      </p:nvGrpSpPr>
+      <p:grpSpPr>
+        <a:xfrm>
+          <a:off x="0" y="0"/>
+          <a:ext cx="0" cy="0"/>
+          <a:chOff x="0" y="0"/>
+          <a:chExt cx="0" cy="0"/>
+        </a:xfrm>
+      </p:grpSpPr>
+      <p:sp>
+        <p:nvSpPr>
+          <p:cNvPr id="2" name="Titre 1"/>
+          <p:cNvSpPr>
+            <a:spLocks noGrp="1"/>
+          </p:cNvSpPr>
+          <p:nvPr>
+            <p:ph type="title"/>
+          </p:nvPr>
+        </p:nvSpPr>
+        <p:spPr/>
+        <p:txBody>
+          <a:bodyPr/>
+          <a:lstStyle/>
+          <a:p>
+            <a:r>
+              <a:rPr lang="fr-FR" dirty="0" smtClean="0"/>
+              <a:t>Pipeline</a:t>
+            </a:r>
+            <a:endParaRPr lang="fr-FR" dirty="0"/>
+          </a:p>
+        </p:txBody>
+      </p:sp>
+      <p:sp>
+        <p:nvSpPr>
+          <p:cNvPr id="3" name="Espace réservé du contenu 2"/>
+          <p:cNvSpPr>
+            <a:spLocks noGrp="1"/>
+          </p:cNvSpPr>
+          <p:nvPr>
+            <p:ph idx="1"/>
+          </p:nvPr>
+        </p:nvSpPr>
+        <p:spPr/>
+        <p:txBody>
+          <a:bodyPr/>
+          <a:lstStyle/>
+          <a:p>
+            <a:r>
               <a:rPr lang="fr-FR" dirty="0" smtClean="0"/>
               <a:t>Pipeline permet de créer des modèles avec des </a:t>
             </a:r>
@@ -5394,7 +5717,346 @@
 </p:sld>
 </file>
 
-<file path=ppt/slides/slide2.xml><?xml version="1.0" encoding="utf-8"?>
+<file path=ppt/slides/slide21.xml><?xml version="1.0" encoding="utf-8"?>
+<p:sld xmlns:a="http://schemas.openxmlformats.org/drawingml/2006/main" xmlns:r="http://schemas.openxmlformats.org/officeDocument/2006/relationships" xmlns:p="http://schemas.openxmlformats.org/presentationml/2006/main">
+  <p:cSld>
+    <p:spTree>
+      <p:nvGrpSpPr>
+        <p:cNvPr id="1" name=""/>
+        <p:cNvGrpSpPr/>
+        <p:nvPr/>
+      </p:nvGrpSpPr>
+      <p:grpSpPr>
+        <a:xfrm>
+          <a:off x="0" y="0"/>
+          <a:ext cx="0" cy="0"/>
+          <a:chOff x="0" y="0"/>
+          <a:chExt cx="0" cy="0"/>
+        </a:xfrm>
+      </p:grpSpPr>
+      <p:sp>
+        <p:nvSpPr>
+          <p:cNvPr id="2" name="Titre 1"/>
+          <p:cNvSpPr>
+            <a:spLocks noGrp="1"/>
+          </p:cNvSpPr>
+          <p:nvPr>
+            <p:ph type="title"/>
+          </p:nvPr>
+        </p:nvSpPr>
+        <p:spPr/>
+        <p:txBody>
+          <a:bodyPr/>
+          <a:lstStyle/>
+          <a:p>
+            <a:r>
+              <a:rPr lang="fr-FR" dirty="0" smtClean="0"/>
+              <a:t>Interprétation</a:t>
+            </a:r>
+            <a:endParaRPr lang="fr-FR" dirty="0"/>
+          </a:p>
+        </p:txBody>
+      </p:sp>
+      <p:sp>
+        <p:nvSpPr>
+          <p:cNvPr id="3" name="Espace réservé du contenu 2"/>
+          <p:cNvSpPr>
+            <a:spLocks noGrp="1"/>
+          </p:cNvSpPr>
+          <p:nvPr>
+            <p:ph idx="1"/>
+          </p:nvPr>
+        </p:nvSpPr>
+        <p:spPr/>
+        <p:txBody>
+          <a:bodyPr/>
+          <a:lstStyle/>
+          <a:p>
+            <a:r>
+              <a:rPr lang="fr-FR" dirty="0" smtClean="0"/>
+              <a:t>Polynôme degré 4</a:t>
+            </a:r>
+          </a:p>
+          <a:p>
+            <a:pPr lvl="1"/>
+            <a:r>
+              <a:rPr lang="fr-FR" dirty="0" smtClean="0"/>
+              <a:t>Erreur 61%</a:t>
+            </a:r>
+          </a:p>
+          <a:p>
+            <a:endParaRPr lang="fr-FR" dirty="0"/>
+          </a:p>
+          <a:p>
+            <a:endParaRPr lang="fr-FR" dirty="0" smtClean="0"/>
+          </a:p>
+          <a:p>
+            <a:endParaRPr lang="fr-FR" dirty="0"/>
+          </a:p>
+          <a:p>
+            <a:endParaRPr lang="fr-FR" dirty="0" smtClean="0"/>
+          </a:p>
+          <a:p>
+            <a:r>
+              <a:rPr lang="fr-FR" smtClean="0"/>
+              <a:t>Polynôme </a:t>
+            </a:r>
+            <a:r>
+              <a:rPr lang="fr-FR" dirty="0" smtClean="0"/>
+              <a:t>degré 6</a:t>
+            </a:r>
+            <a:endParaRPr lang="fr-FR" dirty="0"/>
+          </a:p>
+          <a:p>
+            <a:pPr lvl="1"/>
+            <a:r>
+              <a:rPr lang="fr-FR" dirty="0" smtClean="0"/>
+              <a:t>Erreur 3%</a:t>
+            </a:r>
+            <a:endParaRPr lang="fr-FR" dirty="0"/>
+          </a:p>
+        </p:txBody>
+      </p:sp>
+      <p:pic>
+        <p:nvPicPr>
+          <p:cNvPr id="4" name="Image 3"/>
+          <p:cNvPicPr>
+            <a:picLocks noChangeAspect="1"/>
+          </p:cNvPicPr>
+          <p:nvPr/>
+        </p:nvPicPr>
+        <p:blipFill>
+          <a:blip r:embed="rId2"/>
+          <a:stretch>
+            <a:fillRect/>
+          </a:stretch>
+        </p:blipFill>
+        <p:spPr>
+          <a:xfrm>
+            <a:off x="4562537" y="1142204"/>
+            <a:ext cx="3521137" cy="2739380"/>
+          </a:xfrm>
+          <a:prstGeom prst="rect">
+            <a:avLst/>
+          </a:prstGeom>
+        </p:spPr>
+      </p:pic>
+      <p:pic>
+        <p:nvPicPr>
+          <p:cNvPr id="5" name="Image 4"/>
+          <p:cNvPicPr>
+            <a:picLocks noChangeAspect="1"/>
+          </p:cNvPicPr>
+          <p:nvPr/>
+        </p:nvPicPr>
+        <p:blipFill>
+          <a:blip r:embed="rId3"/>
+          <a:stretch>
+            <a:fillRect/>
+          </a:stretch>
+        </p:blipFill>
+        <p:spPr>
+          <a:xfrm>
+            <a:off x="4562536" y="3881584"/>
+            <a:ext cx="3521137" cy="2718525"/>
+          </a:xfrm>
+          <a:prstGeom prst="rect">
+            <a:avLst/>
+          </a:prstGeom>
+        </p:spPr>
+      </p:pic>
+    </p:spTree>
+    <p:extLst>
+      <p:ext uri="{BB962C8B-B14F-4D97-AF65-F5344CB8AC3E}">
+        <p14:creationId xmlns:p14="http://schemas.microsoft.com/office/powerpoint/2010/main" val="3012124197"/>
+      </p:ext>
+    </p:extLst>
+  </p:cSld>
+  <p:clrMapOvr>
+    <a:masterClrMapping/>
+  </p:clrMapOvr>
+</p:sld>
+</file>
+
+<file path=ppt/slides/slide22.xml><?xml version="1.0" encoding="utf-8"?>
+<p:sld xmlns:a="http://schemas.openxmlformats.org/drawingml/2006/main" xmlns:r="http://schemas.openxmlformats.org/officeDocument/2006/relationships" xmlns:p="http://schemas.openxmlformats.org/presentationml/2006/main">
+  <p:cSld>
+    <p:spTree>
+      <p:nvGrpSpPr>
+        <p:cNvPr id="1" name=""/>
+        <p:cNvGrpSpPr/>
+        <p:nvPr/>
+      </p:nvGrpSpPr>
+      <p:grpSpPr>
+        <a:xfrm>
+          <a:off x="0" y="0"/>
+          <a:ext cx="0" cy="0"/>
+          <a:chOff x="0" y="0"/>
+          <a:chExt cx="0" cy="0"/>
+        </a:xfrm>
+      </p:grpSpPr>
+      <p:sp>
+        <p:nvSpPr>
+          <p:cNvPr id="2" name="Titre 1"/>
+          <p:cNvSpPr>
+            <a:spLocks noGrp="1"/>
+          </p:cNvSpPr>
+          <p:nvPr>
+            <p:ph type="title"/>
+          </p:nvPr>
+        </p:nvSpPr>
+        <p:spPr/>
+        <p:txBody>
+          <a:bodyPr/>
+          <a:lstStyle/>
+          <a:p>
+            <a:r>
+              <a:rPr lang="fr-FR" dirty="0" smtClean="0"/>
+              <a:t>Régression non-polynomiale</a:t>
+            </a:r>
+            <a:endParaRPr lang="fr-FR" dirty="0"/>
+          </a:p>
+        </p:txBody>
+      </p:sp>
+      <p:sp>
+        <p:nvSpPr>
+          <p:cNvPr id="3" name="Espace réservé du contenu 2"/>
+          <p:cNvSpPr>
+            <a:spLocks noGrp="1"/>
+          </p:cNvSpPr>
+          <p:nvPr>
+            <p:ph idx="1"/>
+          </p:nvPr>
+        </p:nvSpPr>
+        <p:spPr/>
+        <p:txBody>
+          <a:bodyPr/>
+          <a:lstStyle/>
+          <a:p>
+            <a:r>
+              <a:rPr lang="fr-FR" dirty="0" smtClean="0"/>
+              <a:t>Il est possible d’appliquer n’importe quelle régression</a:t>
+            </a:r>
+          </a:p>
+          <a:p>
+            <a:pPr lvl="1"/>
+            <a:r>
+              <a:rPr lang="fr-FR" dirty="0" smtClean="0"/>
+              <a:t>A partir d’une fonction </a:t>
+            </a:r>
+            <a:r>
+              <a:rPr lang="fr-FR" smtClean="0"/>
+              <a:t>np</a:t>
+            </a:r>
+            <a:endParaRPr lang="fr-FR" dirty="0" smtClean="0"/>
+          </a:p>
+          <a:p>
+            <a:r>
+              <a:rPr lang="fr-FR" dirty="0" err="1" smtClean="0"/>
+              <a:t>pp.FunctionTransformer</a:t>
+            </a:r>
+            <a:r>
+              <a:rPr lang="fr-FR" dirty="0" smtClean="0"/>
+              <a:t>(</a:t>
+            </a:r>
+            <a:r>
+              <a:rPr lang="fr-FR" dirty="0" err="1" smtClean="0"/>
+              <a:t>function</a:t>
+            </a:r>
+            <a:r>
+              <a:rPr lang="fr-FR" dirty="0" smtClean="0"/>
+              <a:t>)</a:t>
+            </a:r>
+          </a:p>
+          <a:p>
+            <a:pPr lvl="1"/>
+            <a:r>
+              <a:rPr lang="fr-FR" dirty="0" smtClean="0"/>
+              <a:t>Par exemple </a:t>
+            </a:r>
+            <a:r>
+              <a:rPr lang="fr-FR" dirty="0" err="1" smtClean="0"/>
+              <a:t>pp.FunctionTransformer</a:t>
+            </a:r>
+            <a:r>
+              <a:rPr lang="fr-FR" dirty="0" smtClean="0"/>
+              <a:t>(np.log1p)</a:t>
+            </a:r>
+          </a:p>
+          <a:p>
+            <a:pPr lvl="1"/>
+            <a:r>
+              <a:rPr lang="fr-FR" dirty="0" smtClean="0"/>
+              <a:t>Logarithme népérien</a:t>
+            </a:r>
+          </a:p>
+          <a:p>
+            <a:r>
+              <a:rPr lang="fr-FR" dirty="0" smtClean="0"/>
+              <a:t>Exemple de modèle </a:t>
+            </a:r>
+            <a:r>
+              <a:rPr lang="fr-FR" dirty="0" err="1" smtClean="0"/>
+              <a:t>sinusoide</a:t>
+            </a:r>
+            <a:endParaRPr lang="fr-FR" dirty="0" smtClean="0"/>
+          </a:p>
+          <a:p>
+            <a:pPr lvl="1"/>
+            <a:r>
+              <a:rPr lang="fr-FR" dirty="0" err="1"/>
+              <a:t>pipe.make_pipeline</a:t>
+            </a:r>
+            <a:r>
+              <a:rPr lang="fr-FR" dirty="0"/>
+              <a:t>(</a:t>
+            </a:r>
+            <a:r>
+              <a:rPr lang="fr-FR" dirty="0" err="1"/>
+              <a:t>pp.FunctionTransformer</a:t>
+            </a:r>
+            <a:r>
+              <a:rPr lang="fr-FR" dirty="0"/>
+              <a:t>(</a:t>
+            </a:r>
+            <a:r>
+              <a:rPr lang="fr-FR" dirty="0" err="1"/>
+              <a:t>np.sin</a:t>
+            </a:r>
+            <a:r>
+              <a:rPr lang="fr-FR" dirty="0"/>
+              <a:t>), </a:t>
+            </a:r>
+            <a:r>
+              <a:rPr lang="fr-FR" dirty="0" err="1"/>
+              <a:t>sklm.Ridge</a:t>
+            </a:r>
+            <a:r>
+              <a:rPr lang="fr-FR" dirty="0"/>
+              <a:t>())</a:t>
+            </a:r>
+            <a:endParaRPr lang="fr-FR" dirty="0" smtClean="0"/>
+          </a:p>
+          <a:p>
+            <a:pPr lvl="1"/>
+            <a:endParaRPr lang="fr-FR" dirty="0"/>
+          </a:p>
+        </p:txBody>
+      </p:sp>
+    </p:spTree>
+    <p:extLst>
+      <p:ext uri="{BB962C8B-B14F-4D97-AF65-F5344CB8AC3E}">
+        <p14:creationId xmlns:p14="http://schemas.microsoft.com/office/powerpoint/2010/main" val="2969664620"/>
+      </p:ext>
+    </p:extLst>
+  </p:cSld>
+  <p:clrMapOvr>
+    <a:masterClrMapping/>
+  </p:clrMapOvr>
+</p:sld>
+</file>
+
+<file path=ppt/slides/slide3.xml><?xml version="1.0" encoding="utf-8"?>
 <p:sld xmlns:a="http://schemas.openxmlformats.org/drawingml/2006/main" xmlns:r="http://schemas.openxmlformats.org/officeDocument/2006/relationships" xmlns:p="http://schemas.openxmlformats.org/presentationml/2006/main">
   <p:cSld>
     <p:spTree>
@@ -5607,7 +6269,7 @@
 </p:sld>
 </file>
 
-<file path=ppt/slides/slide20.xml><?xml version="1.0" encoding="utf-8"?>
+<file path=ppt/slides/slide4.xml><?xml version="1.0" encoding="utf-8"?>
 <p:sld xmlns:a="http://schemas.openxmlformats.org/drawingml/2006/main" xmlns:r="http://schemas.openxmlformats.org/officeDocument/2006/relationships" xmlns:p="http://schemas.openxmlformats.org/presentationml/2006/main">
   <p:cSld>
     <p:spTree>
@@ -5641,7 +6303,7 @@
           <a:p>
             <a:r>
               <a:rPr lang="fr-FR" dirty="0" smtClean="0"/>
-              <a:t>Interprétation</a:t>
+              <a:t>Régression</a:t>
             </a:r>
             <a:endParaRPr lang="fr-FR" dirty="0"/>
           </a:p>
@@ -5664,345 +6326,6 @@
           <a:p>
             <a:r>
               <a:rPr lang="fr-FR" dirty="0" smtClean="0"/>
-              <a:t>Polynôme degré 4</a:t>
-            </a:r>
-          </a:p>
-          <a:p>
-            <a:pPr lvl="1"/>
-            <a:r>
-              <a:rPr lang="fr-FR" dirty="0" smtClean="0"/>
-              <a:t>Erreur 61%</a:t>
-            </a:r>
-          </a:p>
-          <a:p>
-            <a:endParaRPr lang="fr-FR" dirty="0"/>
-          </a:p>
-          <a:p>
-            <a:endParaRPr lang="fr-FR" dirty="0" smtClean="0"/>
-          </a:p>
-          <a:p>
-            <a:endParaRPr lang="fr-FR" dirty="0"/>
-          </a:p>
-          <a:p>
-            <a:endParaRPr lang="fr-FR" dirty="0" smtClean="0"/>
-          </a:p>
-          <a:p>
-            <a:r>
-              <a:rPr lang="fr-FR" smtClean="0"/>
-              <a:t>Polynôme </a:t>
-            </a:r>
-            <a:r>
-              <a:rPr lang="fr-FR" dirty="0" smtClean="0"/>
-              <a:t>degré 6</a:t>
-            </a:r>
-            <a:endParaRPr lang="fr-FR" dirty="0"/>
-          </a:p>
-          <a:p>
-            <a:pPr lvl="1"/>
-            <a:r>
-              <a:rPr lang="fr-FR" dirty="0" smtClean="0"/>
-              <a:t>Erreur 3%</a:t>
-            </a:r>
-            <a:endParaRPr lang="fr-FR" dirty="0"/>
-          </a:p>
-        </p:txBody>
-      </p:sp>
-      <p:pic>
-        <p:nvPicPr>
-          <p:cNvPr id="4" name="Image 3"/>
-          <p:cNvPicPr>
-            <a:picLocks noChangeAspect="1"/>
-          </p:cNvPicPr>
-          <p:nvPr/>
-        </p:nvPicPr>
-        <p:blipFill>
-          <a:blip r:embed="rId2"/>
-          <a:stretch>
-            <a:fillRect/>
-          </a:stretch>
-        </p:blipFill>
-        <p:spPr>
-          <a:xfrm>
-            <a:off x="4562537" y="1142204"/>
-            <a:ext cx="3521137" cy="2739380"/>
-          </a:xfrm>
-          <a:prstGeom prst="rect">
-            <a:avLst/>
-          </a:prstGeom>
-        </p:spPr>
-      </p:pic>
-      <p:pic>
-        <p:nvPicPr>
-          <p:cNvPr id="5" name="Image 4"/>
-          <p:cNvPicPr>
-            <a:picLocks noChangeAspect="1"/>
-          </p:cNvPicPr>
-          <p:nvPr/>
-        </p:nvPicPr>
-        <p:blipFill>
-          <a:blip r:embed="rId3"/>
-          <a:stretch>
-            <a:fillRect/>
-          </a:stretch>
-        </p:blipFill>
-        <p:spPr>
-          <a:xfrm>
-            <a:off x="4562536" y="3881584"/>
-            <a:ext cx="3521137" cy="2718525"/>
-          </a:xfrm>
-          <a:prstGeom prst="rect">
-            <a:avLst/>
-          </a:prstGeom>
-        </p:spPr>
-      </p:pic>
-    </p:spTree>
-    <p:extLst>
-      <p:ext uri="{BB962C8B-B14F-4D97-AF65-F5344CB8AC3E}">
-        <p14:creationId xmlns:p14="http://schemas.microsoft.com/office/powerpoint/2010/main" val="3012124197"/>
-      </p:ext>
-    </p:extLst>
-  </p:cSld>
-  <p:clrMapOvr>
-    <a:masterClrMapping/>
-  </p:clrMapOvr>
-</p:sld>
-</file>
-
-<file path=ppt/slides/slide21.xml><?xml version="1.0" encoding="utf-8"?>
-<p:sld xmlns:a="http://schemas.openxmlformats.org/drawingml/2006/main" xmlns:r="http://schemas.openxmlformats.org/officeDocument/2006/relationships" xmlns:p="http://schemas.openxmlformats.org/presentationml/2006/main">
-  <p:cSld>
-    <p:spTree>
-      <p:nvGrpSpPr>
-        <p:cNvPr id="1" name=""/>
-        <p:cNvGrpSpPr/>
-        <p:nvPr/>
-      </p:nvGrpSpPr>
-      <p:grpSpPr>
-        <a:xfrm>
-          <a:off x="0" y="0"/>
-          <a:ext cx="0" cy="0"/>
-          <a:chOff x="0" y="0"/>
-          <a:chExt cx="0" cy="0"/>
-        </a:xfrm>
-      </p:grpSpPr>
-      <p:sp>
-        <p:nvSpPr>
-          <p:cNvPr id="2" name="Titre 1"/>
-          <p:cNvSpPr>
-            <a:spLocks noGrp="1"/>
-          </p:cNvSpPr>
-          <p:nvPr>
-            <p:ph type="title"/>
-          </p:nvPr>
-        </p:nvSpPr>
-        <p:spPr/>
-        <p:txBody>
-          <a:bodyPr/>
-          <a:lstStyle/>
-          <a:p>
-            <a:r>
-              <a:rPr lang="fr-FR" dirty="0" smtClean="0"/>
-              <a:t>Régression non-polynomiale</a:t>
-            </a:r>
-            <a:endParaRPr lang="fr-FR" dirty="0"/>
-          </a:p>
-        </p:txBody>
-      </p:sp>
-      <p:sp>
-        <p:nvSpPr>
-          <p:cNvPr id="3" name="Espace réservé du contenu 2"/>
-          <p:cNvSpPr>
-            <a:spLocks noGrp="1"/>
-          </p:cNvSpPr>
-          <p:nvPr>
-            <p:ph idx="1"/>
-          </p:nvPr>
-        </p:nvSpPr>
-        <p:spPr/>
-        <p:txBody>
-          <a:bodyPr/>
-          <a:lstStyle/>
-          <a:p>
-            <a:r>
-              <a:rPr lang="fr-FR" dirty="0" smtClean="0"/>
-              <a:t>Il est possible d’appliquer n’importe quelle régression</a:t>
-            </a:r>
-          </a:p>
-          <a:p>
-            <a:pPr lvl="1"/>
-            <a:r>
-              <a:rPr lang="fr-FR" dirty="0" smtClean="0"/>
-              <a:t>A partir d’une fonction </a:t>
-            </a:r>
-            <a:r>
-              <a:rPr lang="fr-FR" smtClean="0"/>
-              <a:t>np</a:t>
-            </a:r>
-            <a:endParaRPr lang="fr-FR" dirty="0" smtClean="0"/>
-          </a:p>
-          <a:p>
-            <a:r>
-              <a:rPr lang="fr-FR" dirty="0" err="1" smtClean="0"/>
-              <a:t>pp.FunctionTransformer</a:t>
-            </a:r>
-            <a:r>
-              <a:rPr lang="fr-FR" dirty="0" smtClean="0"/>
-              <a:t>(</a:t>
-            </a:r>
-            <a:r>
-              <a:rPr lang="fr-FR" dirty="0" err="1" smtClean="0"/>
-              <a:t>function</a:t>
-            </a:r>
-            <a:r>
-              <a:rPr lang="fr-FR" dirty="0" smtClean="0"/>
-              <a:t>)</a:t>
-            </a:r>
-          </a:p>
-          <a:p>
-            <a:pPr lvl="1"/>
-            <a:r>
-              <a:rPr lang="fr-FR" dirty="0" smtClean="0"/>
-              <a:t>Par exemple </a:t>
-            </a:r>
-            <a:r>
-              <a:rPr lang="fr-FR" dirty="0" err="1" smtClean="0"/>
-              <a:t>pp.FunctionTransformer</a:t>
-            </a:r>
-            <a:r>
-              <a:rPr lang="fr-FR" dirty="0" smtClean="0"/>
-              <a:t>(np.log1p)</a:t>
-            </a:r>
-          </a:p>
-          <a:p>
-            <a:pPr lvl="1"/>
-            <a:r>
-              <a:rPr lang="fr-FR" dirty="0" smtClean="0"/>
-              <a:t>Logarithme népérien</a:t>
-            </a:r>
-          </a:p>
-          <a:p>
-            <a:r>
-              <a:rPr lang="fr-FR" dirty="0" smtClean="0"/>
-              <a:t>Exemple de modèle </a:t>
-            </a:r>
-            <a:r>
-              <a:rPr lang="fr-FR" dirty="0" err="1" smtClean="0"/>
-              <a:t>sinusoide</a:t>
-            </a:r>
-            <a:endParaRPr lang="fr-FR" dirty="0" smtClean="0"/>
-          </a:p>
-          <a:p>
-            <a:pPr lvl="1"/>
-            <a:r>
-              <a:rPr lang="fr-FR" dirty="0" err="1"/>
-              <a:t>pipe.make_pipeline</a:t>
-            </a:r>
-            <a:r>
-              <a:rPr lang="fr-FR" dirty="0"/>
-              <a:t>(</a:t>
-            </a:r>
-            <a:r>
-              <a:rPr lang="fr-FR" dirty="0" err="1"/>
-              <a:t>pp.FunctionTransformer</a:t>
-            </a:r>
-            <a:r>
-              <a:rPr lang="fr-FR" dirty="0"/>
-              <a:t>(</a:t>
-            </a:r>
-            <a:r>
-              <a:rPr lang="fr-FR" dirty="0" err="1"/>
-              <a:t>np.sin</a:t>
-            </a:r>
-            <a:r>
-              <a:rPr lang="fr-FR" dirty="0"/>
-              <a:t>), </a:t>
-            </a:r>
-            <a:r>
-              <a:rPr lang="fr-FR" dirty="0" err="1"/>
-              <a:t>sklm.Ridge</a:t>
-            </a:r>
-            <a:r>
-              <a:rPr lang="fr-FR" dirty="0"/>
-              <a:t>())</a:t>
-            </a:r>
-            <a:endParaRPr lang="fr-FR" dirty="0" smtClean="0"/>
-          </a:p>
-          <a:p>
-            <a:pPr lvl="1"/>
-            <a:endParaRPr lang="fr-FR" dirty="0"/>
-          </a:p>
-        </p:txBody>
-      </p:sp>
-    </p:spTree>
-    <p:extLst>
-      <p:ext uri="{BB962C8B-B14F-4D97-AF65-F5344CB8AC3E}">
-        <p14:creationId xmlns:p14="http://schemas.microsoft.com/office/powerpoint/2010/main" val="2969664620"/>
-      </p:ext>
-    </p:extLst>
-  </p:cSld>
-  <p:clrMapOvr>
-    <a:masterClrMapping/>
-  </p:clrMapOvr>
-</p:sld>
-</file>
-
-<file path=ppt/slides/slide3.xml><?xml version="1.0" encoding="utf-8"?>
-<p:sld xmlns:a="http://schemas.openxmlformats.org/drawingml/2006/main" xmlns:r="http://schemas.openxmlformats.org/officeDocument/2006/relationships" xmlns:p="http://schemas.openxmlformats.org/presentationml/2006/main">
-  <p:cSld>
-    <p:spTree>
-      <p:nvGrpSpPr>
-        <p:cNvPr id="1" name=""/>
-        <p:cNvGrpSpPr/>
-        <p:nvPr/>
-      </p:nvGrpSpPr>
-      <p:grpSpPr>
-        <a:xfrm>
-          <a:off x="0" y="0"/>
-          <a:ext cx="0" cy="0"/>
-          <a:chOff x="0" y="0"/>
-          <a:chExt cx="0" cy="0"/>
-        </a:xfrm>
-      </p:grpSpPr>
-      <p:sp>
-        <p:nvSpPr>
-          <p:cNvPr id="2" name="Titre 1"/>
-          <p:cNvSpPr>
-            <a:spLocks noGrp="1"/>
-          </p:cNvSpPr>
-          <p:nvPr>
-            <p:ph type="title"/>
-          </p:nvPr>
-        </p:nvSpPr>
-        <p:spPr/>
-        <p:txBody>
-          <a:bodyPr/>
-          <a:lstStyle/>
-          <a:p>
-            <a:r>
-              <a:rPr lang="fr-FR" dirty="0" smtClean="0"/>
-              <a:t>Régression</a:t>
-            </a:r>
-            <a:endParaRPr lang="fr-FR" dirty="0"/>
-          </a:p>
-        </p:txBody>
-      </p:sp>
-      <p:sp>
-        <p:nvSpPr>
-          <p:cNvPr id="3" name="Espace réservé du contenu 2"/>
-          <p:cNvSpPr>
-            <a:spLocks noGrp="1"/>
-          </p:cNvSpPr>
-          <p:nvPr>
-            <p:ph idx="1"/>
-          </p:nvPr>
-        </p:nvSpPr>
-        <p:spPr/>
-        <p:txBody>
-          <a:bodyPr/>
-          <a:lstStyle/>
-          <a:p>
-            <a:r>
-              <a:rPr lang="fr-FR" dirty="0" smtClean="0"/>
               <a:t>Commençons par la régression linéaire</a:t>
             </a:r>
             <a:endParaRPr lang="fr-FR" dirty="0"/>
@@ -6097,7 +6420,7 @@
 </p:sld>
 </file>
 
-<file path=ppt/slides/slide4.xml><?xml version="1.0" encoding="utf-8"?>
+<file path=ppt/slides/slide5.xml><?xml version="1.0" encoding="utf-8"?>
 <p:sld xmlns:a="http://schemas.openxmlformats.org/drawingml/2006/main" xmlns:r="http://schemas.openxmlformats.org/officeDocument/2006/relationships" xmlns:p="http://schemas.openxmlformats.org/presentationml/2006/main">
   <p:cSld>
     <p:spTree>
@@ -6191,7 +6514,7 @@
 </p:sld>
 </file>
 
-<file path=ppt/slides/slide5.xml><?xml version="1.0" encoding="utf-8"?>
+<file path=ppt/slides/slide6.xml><?xml version="1.0" encoding="utf-8"?>
 <p:sld xmlns:a="http://schemas.openxmlformats.org/drawingml/2006/main" xmlns:r="http://schemas.openxmlformats.org/officeDocument/2006/relationships" xmlns:p="http://schemas.openxmlformats.org/presentationml/2006/main">
   <p:cSld>
     <p:spTree>
@@ -6295,7 +6618,7 @@
 </p:sld>
 </file>
 
-<file path=ppt/slides/slide6.xml><?xml version="1.0" encoding="utf-8"?>
+<file path=ppt/slides/slide7.xml><?xml version="1.0" encoding="utf-8"?>
 <p:sld xmlns:a="http://schemas.openxmlformats.org/drawingml/2006/main" xmlns:r="http://schemas.openxmlformats.org/officeDocument/2006/relationships" xmlns:p="http://schemas.openxmlformats.org/presentationml/2006/main">
   <p:cSld>
     <p:spTree>
@@ -6475,170 +6798,6 @@
 </p:sld>
 </file>
 
-<file path=ppt/slides/slide7.xml><?xml version="1.0" encoding="utf-8"?>
-<p:sld xmlns:a="http://schemas.openxmlformats.org/drawingml/2006/main" xmlns:r="http://schemas.openxmlformats.org/officeDocument/2006/relationships" xmlns:p="http://schemas.openxmlformats.org/presentationml/2006/main">
-  <p:cSld>
-    <p:spTree>
-      <p:nvGrpSpPr>
-        <p:cNvPr id="1" name=""/>
-        <p:cNvGrpSpPr/>
-        <p:nvPr/>
-      </p:nvGrpSpPr>
-      <p:grpSpPr>
-        <a:xfrm>
-          <a:off x="0" y="0"/>
-          <a:ext cx="0" cy="0"/>
-          <a:chOff x="0" y="0"/>
-          <a:chExt cx="0" cy="0"/>
-        </a:xfrm>
-      </p:grpSpPr>
-      <p:sp>
-        <p:nvSpPr>
-          <p:cNvPr id="2" name="Titre 1"/>
-          <p:cNvSpPr>
-            <a:spLocks noGrp="1"/>
-          </p:cNvSpPr>
-          <p:nvPr>
-            <p:ph type="title"/>
-          </p:nvPr>
-        </p:nvSpPr>
-        <p:spPr/>
-        <p:txBody>
-          <a:bodyPr/>
-          <a:lstStyle/>
-          <a:p>
-            <a:r>
-              <a:rPr lang="fr-FR" dirty="0" err="1" smtClean="0"/>
-              <a:t>Echantillonage</a:t>
-            </a:r>
-            <a:endParaRPr lang="fr-FR" dirty="0"/>
-          </a:p>
-        </p:txBody>
-      </p:sp>
-      <p:sp>
-        <p:nvSpPr>
-          <p:cNvPr id="3" name="Espace réservé du contenu 2"/>
-          <p:cNvSpPr>
-            <a:spLocks noGrp="1"/>
-          </p:cNvSpPr>
-          <p:nvPr>
-            <p:ph idx="1"/>
-          </p:nvPr>
-        </p:nvSpPr>
-        <p:spPr/>
-        <p:txBody>
-          <a:bodyPr/>
-          <a:lstStyle/>
-          <a:p>
-            <a:r>
-              <a:rPr lang="fr-FR" dirty="0"/>
-              <a:t>Le jeu de données (</a:t>
-            </a:r>
-            <a:r>
-              <a:rPr lang="fr-FR" dirty="0" err="1"/>
-              <a:t>dataset</a:t>
-            </a:r>
-            <a:r>
-              <a:rPr lang="fr-FR" dirty="0"/>
-              <a:t>) dont vous disposez constitue une ressource </a:t>
-            </a:r>
-            <a:r>
-              <a:rPr lang="fr-FR" dirty="0" smtClean="0"/>
-              <a:t>précieuse</a:t>
-            </a:r>
-          </a:p>
-          <a:p>
-            <a:pPr lvl="1"/>
-            <a:r>
-              <a:rPr lang="fr-FR" dirty="0" smtClean="0"/>
-              <a:t>Il </a:t>
-            </a:r>
-            <a:r>
-              <a:rPr lang="fr-FR" dirty="0"/>
-              <a:t>faut pouvoir l’utiliser à bon escient afin de pouvoir à la fois choisir un modèle et </a:t>
-            </a:r>
-            <a:r>
-              <a:rPr lang="fr-FR" dirty="0" smtClean="0"/>
-              <a:t>l'entraîner</a:t>
-            </a:r>
-          </a:p>
-          <a:p>
-            <a:pPr lvl="1"/>
-            <a:r>
-              <a:rPr lang="fr-FR" dirty="0" smtClean="0"/>
-              <a:t>mais </a:t>
-            </a:r>
-            <a:r>
-              <a:rPr lang="fr-FR" dirty="0"/>
-              <a:t>aussi de pouvoir tester la qualité de ce </a:t>
-            </a:r>
-            <a:r>
-              <a:rPr lang="fr-FR" dirty="0" smtClean="0"/>
-              <a:t>modèle</a:t>
-            </a:r>
-          </a:p>
-          <a:p>
-            <a:r>
-              <a:rPr lang="fr-FR" dirty="0"/>
-              <a:t>La première question à se poser </a:t>
-            </a:r>
-            <a:r>
-              <a:rPr lang="fr-FR" dirty="0" smtClean="0"/>
-              <a:t>est</a:t>
-            </a:r>
-          </a:p>
-          <a:p>
-            <a:pPr lvl="1"/>
-            <a:r>
-              <a:rPr lang="fr-FR" dirty="0" smtClean="0"/>
-              <a:t>Est-ce </a:t>
-            </a:r>
-            <a:r>
-              <a:rPr lang="fr-FR" dirty="0"/>
-              <a:t>qu’on va utiliser toutes les données d'exemple dont on </a:t>
-            </a:r>
-            <a:r>
-              <a:rPr lang="fr-FR" dirty="0" smtClean="0"/>
-              <a:t>dispose ?</a:t>
-            </a:r>
-          </a:p>
-          <a:p>
-            <a:pPr lvl="1"/>
-            <a:r>
-              <a:rPr lang="fr-FR" dirty="0" smtClean="0"/>
-              <a:t>Volume, tests, …</a:t>
-            </a:r>
-          </a:p>
-          <a:p>
-            <a:r>
-              <a:rPr lang="fr-FR" dirty="0" smtClean="0"/>
-              <a:t>Il faut échantillonner (</a:t>
-            </a:r>
-            <a:r>
-              <a:rPr lang="fr-FR" dirty="0" err="1" smtClean="0"/>
-              <a:t>sampling</a:t>
-            </a:r>
-            <a:r>
-              <a:rPr lang="fr-FR" dirty="0" smtClean="0"/>
-              <a:t>) les données à tester</a:t>
-            </a:r>
-            <a:endParaRPr lang="fr-FR" dirty="0"/>
-          </a:p>
-        </p:txBody>
-      </p:sp>
-    </p:spTree>
-    <p:extLst>
-      <p:ext uri="{BB962C8B-B14F-4D97-AF65-F5344CB8AC3E}">
-        <p14:creationId xmlns:p14="http://schemas.microsoft.com/office/powerpoint/2010/main" val="4194262031"/>
-      </p:ext>
-    </p:extLst>
-  </p:cSld>
-  <p:clrMapOvr>
-    <a:masterClrMapping/>
-  </p:clrMapOvr>
-</p:sld>
-</file>
-
 <file path=ppt/slides/slide8.xml><?xml version="1.0" encoding="utf-8"?>
 <p:sld xmlns:a="http://schemas.openxmlformats.org/drawingml/2006/main" xmlns:r="http://schemas.openxmlformats.org/officeDocument/2006/relationships" xmlns:p="http://schemas.openxmlformats.org/presentationml/2006/main">
   <p:cSld>
@@ -6672,8 +6831,8 @@
           <a:lstStyle/>
           <a:p>
             <a:r>
-              <a:rPr lang="fr-FR" dirty="0" smtClean="0"/>
-              <a:t>Randomisation</a:t>
+              <a:rPr lang="fr-FR" dirty="0" err="1" smtClean="0"/>
+              <a:t>Echantillonage</a:t>
             </a:r>
             <a:endParaRPr lang="fr-FR" dirty="0"/>
           </a:p>
@@ -6695,66 +6854,96 @@
           <a:lstStyle/>
           <a:p>
             <a:r>
-              <a:rPr lang="fr-FR" dirty="0" smtClean="0"/>
-              <a:t>Il faut utiliser le bon échantillon</a:t>
+              <a:rPr lang="fr-FR" dirty="0"/>
+              <a:t>Le jeu de données (</a:t>
+            </a:r>
+            <a:r>
+              <a:rPr lang="fr-FR" dirty="0" err="1"/>
+              <a:t>dataset</a:t>
+            </a:r>
+            <a:r>
+              <a:rPr lang="fr-FR" dirty="0"/>
+              <a:t>) dont vous disposez constitue une ressource </a:t>
+            </a:r>
+            <a:r>
+              <a:rPr lang="fr-FR" dirty="0" smtClean="0"/>
+              <a:t>précieuse</a:t>
             </a:r>
           </a:p>
           <a:p>
             <a:pPr lvl="1"/>
             <a:r>
               <a:rPr lang="fr-FR" dirty="0" smtClean="0"/>
-              <a:t>Bien répartis</a:t>
+              <a:t>Il </a:t>
+            </a:r>
+            <a:r>
+              <a:rPr lang="fr-FR" dirty="0"/>
+              <a:t>faut pouvoir l’utiliser à bon escient afin de pouvoir à la fois choisir un modèle et </a:t>
+            </a:r>
+            <a:r>
+              <a:rPr lang="fr-FR" dirty="0" smtClean="0"/>
+              <a:t>l'entraîner</a:t>
             </a:r>
           </a:p>
           <a:p>
             <a:pPr lvl="1"/>
             <a:r>
               <a:rPr lang="fr-FR" dirty="0" smtClean="0"/>
-              <a:t>Ne pas introduire de biais</a:t>
+              <a:t>mais </a:t>
+            </a:r>
+            <a:r>
+              <a:rPr lang="fr-FR" dirty="0"/>
+              <a:t>aussi de pouvoir tester la qualité de ce </a:t>
+            </a:r>
+            <a:r>
+              <a:rPr lang="fr-FR" dirty="0" smtClean="0"/>
+              <a:t>modèle</a:t>
+            </a:r>
+          </a:p>
+          <a:p>
+            <a:r>
+              <a:rPr lang="fr-FR" dirty="0"/>
+              <a:t>La première question à se poser </a:t>
+            </a:r>
+            <a:r>
+              <a:rPr lang="fr-FR" dirty="0" smtClean="0"/>
+              <a:t>est</a:t>
             </a:r>
           </a:p>
           <a:p>
             <a:pPr lvl="1"/>
             <a:r>
               <a:rPr lang="fr-FR" dirty="0" smtClean="0"/>
-              <a:t>Par exemple à Paris les loyers sont plus chères qu’ailleurs</a:t>
-            </a:r>
-          </a:p>
-          <a:p>
-            <a:r>
-              <a:rPr lang="fr-FR" dirty="0" smtClean="0"/>
-              <a:t>Il faut ensuite découper l’échantillon avec le</a:t>
+              <a:t>Est-ce </a:t>
+            </a:r>
+            <a:r>
+              <a:rPr lang="fr-FR" dirty="0"/>
+              <a:t>qu’on va utiliser toutes les données d'exemple dont on </a:t>
+            </a:r>
+            <a:r>
+              <a:rPr lang="fr-FR" dirty="0" smtClean="0"/>
+              <a:t>dispose ?</a:t>
             </a:r>
           </a:p>
           <a:p>
             <a:pPr lvl="1"/>
             <a:r>
               <a:rPr lang="fr-FR" dirty="0" smtClean="0"/>
-              <a:t>Training Set</a:t>
-            </a:r>
-          </a:p>
-          <a:p>
-            <a:pPr lvl="1"/>
+              <a:t>Volume, tests, …</a:t>
+            </a:r>
+          </a:p>
+          <a:p>
+            <a:r>
+              <a:rPr lang="fr-FR" dirty="0" smtClean="0"/>
+              <a:t>Il faut échantillonner (</a:t>
+            </a:r>
             <a:r>
               <a:rPr lang="fr-FR" dirty="0" err="1" smtClean="0"/>
-              <a:t>Testing</a:t>
-            </a:r>
-            <a:r>
-              <a:rPr lang="fr-FR" dirty="0" smtClean="0"/>
-              <a:t> Set</a:t>
-            </a:r>
-          </a:p>
-          <a:p>
-            <a:r>
-              <a:rPr lang="fr-FR" dirty="0" smtClean="0"/>
-              <a:t>L’un sert à l’apprentissage, l’autre au test</a:t>
-            </a:r>
-          </a:p>
-          <a:p>
-            <a:pPr lvl="1"/>
-            <a:r>
-              <a:rPr lang="fr-FR" dirty="0" smtClean="0"/>
-              <a:t>Souvent 80/20</a:t>
+              <a:t>sampling</a:t>
+            </a:r>
+            <a:r>
+              <a:rPr lang="fr-FR" dirty="0" smtClean="0"/>
+              <a:t>) les données à tester</a:t>
             </a:r>
             <a:endParaRPr lang="fr-FR" dirty="0"/>
           </a:p>
@@ -6763,7 +6952,7 @@
     </p:spTree>
     <p:extLst>
       <p:ext uri="{BB962C8B-B14F-4D97-AF65-F5344CB8AC3E}">
-        <p14:creationId xmlns:p14="http://schemas.microsoft.com/office/powerpoint/2010/main" val="2196960570"/>
+        <p14:creationId xmlns:p14="http://schemas.microsoft.com/office/powerpoint/2010/main" val="4194262031"/>
       </p:ext>
     </p:extLst>
   </p:cSld>
@@ -6829,76 +7018,75 @@
           <a:lstStyle/>
           <a:p>
             <a:r>
-              <a:rPr lang="fr-FR" dirty="0"/>
-              <a:t>I</a:t>
-            </a:r>
-            <a:r>
-              <a:rPr lang="fr-FR" dirty="0" smtClean="0"/>
-              <a:t>l </a:t>
-            </a:r>
-            <a:r>
-              <a:rPr lang="fr-FR" dirty="0"/>
-              <a:t>s’avère que si on entraîne le modèle avec des données, il va naturellement être plus performant sur ces </a:t>
-            </a:r>
-            <a:r>
-              <a:rPr lang="fr-FR" dirty="0" smtClean="0"/>
-              <a:t>données-là</a:t>
-            </a:r>
-          </a:p>
-          <a:p>
-            <a:r>
-              <a:rPr lang="fr-FR" dirty="0" smtClean="0"/>
-              <a:t>Ce </a:t>
-            </a:r>
-            <a:r>
-              <a:rPr lang="fr-FR" dirty="0"/>
-              <a:t>qui nous intéresse c’est de mesurer sa performance sur des données qu’il n’a jamais vues puisque c’est ce qui va se passer en </a:t>
-            </a:r>
-            <a:r>
-              <a:rPr lang="fr-FR" dirty="0" smtClean="0"/>
-              <a:t>pratique</a:t>
-            </a:r>
-          </a:p>
-          <a:p>
-            <a:r>
-              <a:rPr lang="fr-FR" dirty="0" smtClean="0"/>
-              <a:t>Cette </a:t>
-            </a:r>
-            <a:r>
-              <a:rPr lang="fr-FR" dirty="0"/>
-              <a:t>performance est appelée la </a:t>
-            </a:r>
-            <a:r>
-              <a:rPr lang="fr-FR" b="1" dirty="0"/>
-              <a:t>généralisation</a:t>
-            </a:r>
-            <a:r>
-              <a:rPr lang="fr-FR" dirty="0"/>
-              <a:t> du </a:t>
-            </a:r>
-            <a:r>
-              <a:rPr lang="fr-FR" dirty="0" smtClean="0"/>
-              <a:t>modèle</a:t>
+              <a:rPr lang="fr-FR" dirty="0" smtClean="0"/>
+              <a:t>Il faut utiliser le bon échantillon</a:t>
+            </a:r>
+          </a:p>
+          <a:p>
+            <a:pPr lvl="1"/>
+            <a:r>
+              <a:rPr lang="fr-FR" dirty="0" smtClean="0"/>
+              <a:t>Bien répartis</a:t>
+            </a:r>
+          </a:p>
+          <a:p>
+            <a:pPr lvl="1"/>
+            <a:r>
+              <a:rPr lang="fr-FR" dirty="0" smtClean="0"/>
+              <a:t>Ne pas introduire de biais</a:t>
+            </a:r>
+          </a:p>
+          <a:p>
+            <a:pPr lvl="1"/>
+            <a:r>
+              <a:rPr lang="fr-FR" dirty="0" smtClean="0"/>
+              <a:t>Par exemple à Paris les loyers sont plus chères qu’ailleurs</a:t>
+            </a:r>
+          </a:p>
+          <a:p>
+            <a:r>
+              <a:rPr lang="fr-FR" dirty="0" smtClean="0"/>
+              <a:t>Il faut ensuite découper l’échantillon avec le</a:t>
+            </a:r>
+          </a:p>
+          <a:p>
+            <a:pPr lvl="1"/>
+            <a:r>
+              <a:rPr lang="fr-FR" dirty="0" smtClean="0"/>
+              <a:t>Training Set</a:t>
+            </a:r>
+          </a:p>
+          <a:p>
+            <a:pPr lvl="1"/>
+            <a:r>
+              <a:rPr lang="fr-FR" dirty="0" err="1" smtClean="0"/>
+              <a:t>Testing</a:t>
+            </a:r>
+            <a:r>
+              <a:rPr lang="fr-FR" dirty="0" smtClean="0"/>
+              <a:t> Set</a:t>
+            </a:r>
+          </a:p>
+          <a:p>
+            <a:r>
+              <a:rPr lang="fr-FR" dirty="0" smtClean="0"/>
+              <a:t>L’un sert à l’apprentissage, l’autre au test</a:t>
+            </a:r>
+          </a:p>
+          <a:p>
+            <a:pPr lvl="1"/>
+            <a:r>
+              <a:rPr lang="fr-FR" dirty="0" smtClean="0"/>
+              <a:t>Souvent 80/20</a:t>
             </a:r>
             <a:endParaRPr lang="fr-FR" dirty="0"/>
-          </a:p>
-          <a:p>
-            <a:pPr lvl="1"/>
-            <a:r>
-              <a:rPr lang="fr-FR" dirty="0" smtClean="0"/>
-              <a:t>Sa </a:t>
-            </a:r>
-            <a:r>
-              <a:rPr lang="fr-FR" dirty="0"/>
-              <a:t>capacité à effectuer des prédictions de qualité sur des situations jamais rencontrées.</a:t>
-            </a:r>
           </a:p>
         </p:txBody>
       </p:sp>
     </p:spTree>
     <p:extLst>
       <p:ext uri="{BB962C8B-B14F-4D97-AF65-F5344CB8AC3E}">
-        <p14:creationId xmlns:p14="http://schemas.microsoft.com/office/powerpoint/2010/main" val="2686961324"/>
+        <p14:creationId xmlns:p14="http://schemas.microsoft.com/office/powerpoint/2010/main" val="2196960570"/>
       </p:ext>
     </p:extLst>
   </p:cSld>

--- a/PPT/MachineLearning13-ScikitLearn.pptx
+++ b/PPT/MachineLearning13-ScikitLearn.pptx
@@ -5,10 +5,10 @@
     <p:sldMasterId id="2147483653" r:id="rId1"/>
   </p:sldMasterIdLst>
   <p:notesMasterIdLst>
-    <p:notesMasterId r:id="rId24"/>
+    <p:notesMasterId r:id="rId22"/>
   </p:notesMasterIdLst>
   <p:handoutMasterIdLst>
-    <p:handoutMasterId r:id="rId25"/>
+    <p:handoutMasterId r:id="rId23"/>
   </p:handoutMasterIdLst>
   <p:sldIdLst>
     <p:sldId id="264" r:id="rId2"/>
@@ -23,16 +23,14 @@
     <p:sldId id="270" r:id="rId11"/>
     <p:sldId id="269" r:id="rId12"/>
     <p:sldId id="271" r:id="rId13"/>
-    <p:sldId id="280" r:id="rId14"/>
-    <p:sldId id="281" r:id="rId15"/>
-    <p:sldId id="282" r:id="rId16"/>
-    <p:sldId id="283" r:id="rId17"/>
-    <p:sldId id="272" r:id="rId18"/>
-    <p:sldId id="273" r:id="rId19"/>
-    <p:sldId id="275" r:id="rId20"/>
-    <p:sldId id="274" r:id="rId21"/>
-    <p:sldId id="276" r:id="rId22"/>
-    <p:sldId id="277" r:id="rId23"/>
+    <p:sldId id="282" r:id="rId14"/>
+    <p:sldId id="283" r:id="rId15"/>
+    <p:sldId id="272" r:id="rId16"/>
+    <p:sldId id="273" r:id="rId17"/>
+    <p:sldId id="275" r:id="rId18"/>
+    <p:sldId id="274" r:id="rId19"/>
+    <p:sldId id="276" r:id="rId20"/>
+    <p:sldId id="286" r:id="rId21"/>
   </p:sldIdLst>
   <p:sldSz cx="9144000" cy="6858000" type="screen4x3"/>
   <p:notesSz cx="6648450" cy="9782175"/>
@@ -3940,6 +3938,13 @@
   <p:clrMapOvr>
     <a:masterClrMapping/>
   </p:clrMapOvr>
+  <p:timing>
+    <p:tnLst>
+      <p:par>
+        <p:cTn id="1" dur="indefinite" restart="never" nodeType="tmRoot"/>
+      </p:par>
+    </p:tnLst>
+  </p:timing>
 </p:sld>
 </file>
 
@@ -4116,6 +4121,13 @@
   <p:clrMapOvr>
     <a:masterClrMapping/>
   </p:clrMapOvr>
+  <p:timing>
+    <p:tnLst>
+      <p:par>
+        <p:cTn id="1" dur="indefinite" restart="never" nodeType="tmRoot"/>
+      </p:par>
+    </p:tnLst>
+  </p:timing>
 </p:sld>
 </file>
 
@@ -4271,6 +4283,13 @@
   <p:clrMapOvr>
     <a:masterClrMapping/>
   </p:clrMapOvr>
+  <p:timing>
+    <p:tnLst>
+      <p:par>
+        <p:cTn id="1" dur="indefinite" restart="never" nodeType="tmRoot"/>
+      </p:par>
+    </p:tnLst>
+  </p:timing>
 </p:sld>
 </file>
 
@@ -4308,7 +4327,7 @@
           <a:p>
             <a:r>
               <a:rPr lang="fr-FR" dirty="0" smtClean="0"/>
-              <a:t>MNIST</a:t>
+              <a:t>Echantillonnage</a:t>
             </a:r>
             <a:endParaRPr lang="fr-FR" dirty="0"/>
           </a:p>
@@ -4331,15 +4350,147 @@
           <a:p>
             <a:r>
               <a:rPr lang="fr-FR" dirty="0" smtClean="0"/>
-              <a:t>Banque de données</a:t>
+              <a:t>Basé sur une fonctionnalité </a:t>
+            </a:r>
+            <a:r>
+              <a:rPr lang="fr-FR" dirty="0" err="1" smtClean="0"/>
+              <a:t>numpy</a:t>
+            </a:r>
+            <a:endParaRPr lang="fr-FR" dirty="0" smtClean="0"/>
+          </a:p>
+          <a:p>
+            <a:r>
+              <a:rPr lang="fr-FR" dirty="0" err="1" smtClean="0"/>
+              <a:t>np.array</a:t>
+            </a:r>
+            <a:r>
+              <a:rPr lang="fr-FR" dirty="0" smtClean="0"/>
+              <a:t>([2,8,0,10,9])[2,4] donne [0,9]</a:t>
+            </a:r>
+          </a:p>
+          <a:p>
+            <a:r>
+              <a:rPr lang="fr-FR" dirty="0" smtClean="0"/>
+              <a:t>Cela donne pour un échantillon de 5000</a:t>
             </a:r>
           </a:p>
           <a:p>
             <a:pPr lvl="1"/>
             <a:r>
-              <a:rPr lang="fr-FR" dirty="0" smtClean="0"/>
-              <a:t>Ici des chiffres manuscrits 24x24 en 16 niveaux de gris</a:t>
-            </a:r>
+              <a:rPr lang="fr-FR" sz="2000" dirty="0" err="1">
+                <a:latin typeface="Courier New" panose="02070309020205020404" pitchFamily="49" charset="0"/>
+                <a:cs typeface="Courier New" panose="02070309020205020404" pitchFamily="49" charset="0"/>
+              </a:rPr>
+              <a:t>sample</a:t>
+            </a:r>
+            <a:r>
+              <a:rPr lang="fr-FR" sz="2000" dirty="0">
+                <a:latin typeface="Courier New" panose="02070309020205020404" pitchFamily="49" charset="0"/>
+                <a:cs typeface="Courier New" panose="02070309020205020404" pitchFamily="49" charset="0"/>
+              </a:rPr>
+              <a:t> = </a:t>
+            </a:r>
+            <a:r>
+              <a:rPr lang="fr-FR" sz="2000" dirty="0" err="1">
+                <a:latin typeface="Courier New" panose="02070309020205020404" pitchFamily="49" charset="0"/>
+                <a:cs typeface="Courier New" panose="02070309020205020404" pitchFamily="49" charset="0"/>
+              </a:rPr>
+              <a:t>np.random.randint</a:t>
+            </a:r>
+            <a:r>
+              <a:rPr lang="fr-FR" sz="2000" dirty="0">
+                <a:latin typeface="Courier New" panose="02070309020205020404" pitchFamily="49" charset="0"/>
+                <a:cs typeface="Courier New" panose="02070309020205020404" pitchFamily="49" charset="0"/>
+              </a:rPr>
+              <a:t>(70000, size=5000)</a:t>
+            </a:r>
+          </a:p>
+          <a:p>
+            <a:pPr lvl="1"/>
+            <a:r>
+              <a:rPr lang="fr-FR" sz="2000" dirty="0">
+                <a:latin typeface="Courier New" panose="02070309020205020404" pitchFamily="49" charset="0"/>
+                <a:cs typeface="Courier New" panose="02070309020205020404" pitchFamily="49" charset="0"/>
+              </a:rPr>
+              <a:t>data = </a:t>
+            </a:r>
+            <a:r>
+              <a:rPr lang="fr-FR" sz="2000" dirty="0" err="1">
+                <a:latin typeface="Courier New" panose="02070309020205020404" pitchFamily="49" charset="0"/>
+                <a:cs typeface="Courier New" panose="02070309020205020404" pitchFamily="49" charset="0"/>
+              </a:rPr>
+              <a:t>mnist.data</a:t>
+            </a:r>
+            <a:r>
+              <a:rPr lang="fr-FR" sz="2000" dirty="0">
+                <a:latin typeface="Courier New" panose="02070309020205020404" pitchFamily="49" charset="0"/>
+                <a:cs typeface="Courier New" panose="02070309020205020404" pitchFamily="49" charset="0"/>
+              </a:rPr>
+              <a:t>[</a:t>
+            </a:r>
+            <a:r>
+              <a:rPr lang="fr-FR" sz="2000" dirty="0" err="1">
+                <a:latin typeface="Courier New" panose="02070309020205020404" pitchFamily="49" charset="0"/>
+                <a:cs typeface="Courier New" panose="02070309020205020404" pitchFamily="49" charset="0"/>
+              </a:rPr>
+              <a:t>sample</a:t>
+            </a:r>
+            <a:r>
+              <a:rPr lang="fr-FR" sz="2000" dirty="0">
+                <a:latin typeface="Courier New" panose="02070309020205020404" pitchFamily="49" charset="0"/>
+                <a:cs typeface="Courier New" panose="02070309020205020404" pitchFamily="49" charset="0"/>
+              </a:rPr>
+              <a:t>]</a:t>
+            </a:r>
+          </a:p>
+          <a:p>
+            <a:pPr lvl="1"/>
+            <a:r>
+              <a:rPr lang="fr-FR" sz="2000" dirty="0" err="1">
+                <a:latin typeface="Courier New" panose="02070309020205020404" pitchFamily="49" charset="0"/>
+                <a:cs typeface="Courier New" panose="02070309020205020404" pitchFamily="49" charset="0"/>
+              </a:rPr>
+              <a:t>target</a:t>
+            </a:r>
+            <a:r>
+              <a:rPr lang="fr-FR" sz="2000" dirty="0">
+                <a:latin typeface="Courier New" panose="02070309020205020404" pitchFamily="49" charset="0"/>
+                <a:cs typeface="Courier New" panose="02070309020205020404" pitchFamily="49" charset="0"/>
+              </a:rPr>
+              <a:t> = </a:t>
+            </a:r>
+            <a:r>
+              <a:rPr lang="fr-FR" sz="2000" dirty="0" err="1">
+                <a:latin typeface="Courier New" panose="02070309020205020404" pitchFamily="49" charset="0"/>
+                <a:cs typeface="Courier New" panose="02070309020205020404" pitchFamily="49" charset="0"/>
+              </a:rPr>
+              <a:t>mnist.target</a:t>
+            </a:r>
+            <a:r>
+              <a:rPr lang="fr-FR" sz="2000" dirty="0">
+                <a:latin typeface="Courier New" panose="02070309020205020404" pitchFamily="49" charset="0"/>
+                <a:cs typeface="Courier New" panose="02070309020205020404" pitchFamily="49" charset="0"/>
+              </a:rPr>
+              <a:t>[</a:t>
+            </a:r>
+            <a:r>
+              <a:rPr lang="fr-FR" sz="2000" dirty="0" err="1">
+                <a:latin typeface="Courier New" panose="02070309020205020404" pitchFamily="49" charset="0"/>
+                <a:cs typeface="Courier New" panose="02070309020205020404" pitchFamily="49" charset="0"/>
+              </a:rPr>
+              <a:t>sample</a:t>
+            </a:r>
+            <a:r>
+              <a:rPr lang="fr-FR" sz="2000" dirty="0">
+                <a:latin typeface="Courier New" panose="02070309020205020404" pitchFamily="49" charset="0"/>
+                <a:cs typeface="Courier New" panose="02070309020205020404" pitchFamily="49" charset="0"/>
+              </a:rPr>
+              <a:t>]</a:t>
+            </a:r>
+            <a:endParaRPr lang="fr-FR" sz="2000" dirty="0" smtClean="0">
+              <a:latin typeface="Courier New" panose="02070309020205020404" pitchFamily="49" charset="0"/>
+              <a:cs typeface="Courier New" panose="02070309020205020404" pitchFamily="49" charset="0"/>
+            </a:endParaRPr>
           </a:p>
           <a:p>
             <a:pPr lvl="1"/>
@@ -4347,57 +4498,23 @@
           </a:p>
         </p:txBody>
       </p:sp>
-      <p:pic>
-        <p:nvPicPr>
-          <p:cNvPr id="4098" name="Picture 2" descr="Résultat de recherche d'images pour &quot;mnist&quot;"/>
-          <p:cNvPicPr>
-            <a:picLocks noChangeAspect="1" noChangeArrowheads="1"/>
-          </p:cNvPicPr>
-          <p:nvPr/>
-        </p:nvPicPr>
-        <p:blipFill>
-          <a:blip r:embed="rId2">
-            <a:extLst>
-              <a:ext uri="{28A0092B-C50C-407E-A947-70E740481C1C}">
-                <a14:useLocalDpi xmlns:a14="http://schemas.microsoft.com/office/drawing/2010/main" val="0"/>
-              </a:ext>
-            </a:extLst>
-          </a:blip>
-          <a:srcRect/>
-          <a:stretch>
-            <a:fillRect/>
-          </a:stretch>
-        </p:blipFill>
-        <p:spPr bwMode="auto">
-          <a:xfrm>
-            <a:off x="1169296" y="2780928"/>
-            <a:ext cx="6969149" cy="3430129"/>
-          </a:xfrm>
-          <a:prstGeom prst="rect">
-            <a:avLst/>
-          </a:prstGeom>
-          <a:noFill/>
-          <a:extLst>
-            <a:ext uri="{909E8E84-426E-40DD-AFC4-6F175D3DCCD1}">
-              <a14:hiddenFill xmlns:a14="http://schemas.microsoft.com/office/drawing/2010/main">
-                <a:solidFill>
-                  <a:srgbClr val="FFFFFF"/>
-                </a:solidFill>
-              </a14:hiddenFill>
-            </a:ext>
-          </a:extLst>
-        </p:spPr>
-      </p:pic>
     </p:spTree>
     <p:extLst>
       <p:ext uri="{BB962C8B-B14F-4D97-AF65-F5344CB8AC3E}">
-        <p14:creationId xmlns:p14="http://schemas.microsoft.com/office/powerpoint/2010/main" val="1805643917"/>
+        <p14:creationId xmlns:p14="http://schemas.microsoft.com/office/powerpoint/2010/main" val="391119954"/>
       </p:ext>
     </p:extLst>
   </p:cSld>
   <p:clrMapOvr>
     <a:masterClrMapping/>
   </p:clrMapOvr>
+  <p:timing>
+    <p:tnLst>
+      <p:par>
+        <p:cTn id="1" dur="indefinite" restart="never" nodeType="tmRoot"/>
+      </p:par>
+    </p:tnLst>
+  </p:timing>
 </p:sld>
 </file>
 
@@ -4435,7 +4552,7 @@
           <a:p>
             <a:r>
               <a:rPr lang="fr-FR" dirty="0" smtClean="0"/>
-              <a:t>MNIST</a:t>
+              <a:t>Training Set</a:t>
             </a:r>
             <a:endParaRPr lang="fr-FR" dirty="0"/>
           </a:p>
@@ -4457,126 +4574,127 @@
           <a:lstStyle/>
           <a:p>
             <a:r>
-              <a:rPr lang="fr-FR" dirty="0" smtClean="0"/>
-              <a:t>Chargement des données</a:t>
-            </a:r>
-          </a:p>
-          <a:p>
-            <a:pPr lvl="1"/>
-            <a:r>
-              <a:rPr lang="fr-FR" dirty="0" err="1">
+              <a:rPr lang="en-US" dirty="0" err="1">
                 <a:latin typeface="Courier New" panose="02070309020205020404" pitchFamily="49" charset="0"/>
                 <a:cs typeface="Courier New" panose="02070309020205020404" pitchFamily="49" charset="0"/>
               </a:rPr>
-              <a:t>mnist</a:t>
-            </a:r>
-            <a:r>
-              <a:rPr lang="fr-FR" dirty="0">
+              <a:t>xtrain</a:t>
+            </a:r>
+            <a:r>
+              <a:rPr lang="en-US" dirty="0">
+                <a:latin typeface="Courier New" panose="02070309020205020404" pitchFamily="49" charset="0"/>
+                <a:cs typeface="Courier New" panose="02070309020205020404" pitchFamily="49" charset="0"/>
+              </a:rPr>
+              <a:t>, </a:t>
+            </a:r>
+            <a:r>
+              <a:rPr lang="en-US" dirty="0" err="1">
+                <a:latin typeface="Courier New" panose="02070309020205020404" pitchFamily="49" charset="0"/>
+                <a:cs typeface="Courier New" panose="02070309020205020404" pitchFamily="49" charset="0"/>
+              </a:rPr>
+              <a:t>xtest</a:t>
+            </a:r>
+            <a:r>
+              <a:rPr lang="en-US" dirty="0">
+                <a:latin typeface="Courier New" panose="02070309020205020404" pitchFamily="49" charset="0"/>
+                <a:cs typeface="Courier New" panose="02070309020205020404" pitchFamily="49" charset="0"/>
+              </a:rPr>
+              <a:t>, </a:t>
+            </a:r>
+            <a:r>
+              <a:rPr lang="en-US" dirty="0" err="1">
+                <a:latin typeface="Courier New" panose="02070309020205020404" pitchFamily="49" charset="0"/>
+                <a:cs typeface="Courier New" panose="02070309020205020404" pitchFamily="49" charset="0"/>
+              </a:rPr>
+              <a:t>ytrain</a:t>
+            </a:r>
+            <a:r>
+              <a:rPr lang="en-US" dirty="0">
+                <a:latin typeface="Courier New" panose="02070309020205020404" pitchFamily="49" charset="0"/>
+                <a:cs typeface="Courier New" panose="02070309020205020404" pitchFamily="49" charset="0"/>
+              </a:rPr>
+              <a:t>, </a:t>
+            </a:r>
+            <a:r>
+              <a:rPr lang="en-US" dirty="0" err="1">
+                <a:latin typeface="Courier New" panose="02070309020205020404" pitchFamily="49" charset="0"/>
+                <a:cs typeface="Courier New" panose="02070309020205020404" pitchFamily="49" charset="0"/>
+              </a:rPr>
+              <a:t>ytest</a:t>
+            </a:r>
+            <a:r>
+              <a:rPr lang="en-US" dirty="0">
                 <a:latin typeface="Courier New" panose="02070309020205020404" pitchFamily="49" charset="0"/>
                 <a:cs typeface="Courier New" panose="02070309020205020404" pitchFamily="49" charset="0"/>
               </a:rPr>
               <a:t> = </a:t>
             </a:r>
             <a:r>
-              <a:rPr lang="fr-FR" dirty="0" err="1">
+              <a:rPr lang="en-US" dirty="0" err="1">
                 <a:latin typeface="Courier New" panose="02070309020205020404" pitchFamily="49" charset="0"/>
                 <a:cs typeface="Courier New" panose="02070309020205020404" pitchFamily="49" charset="0"/>
               </a:rPr>
-              <a:t>ds.fetch_mldata</a:t>
-            </a:r>
-            <a:r>
-              <a:rPr lang="fr-FR" dirty="0">
+              <a:t>ms.train_test_split</a:t>
+            </a:r>
+            <a:r>
+              <a:rPr lang="en-US" dirty="0">
                 <a:latin typeface="Courier New" panose="02070309020205020404" pitchFamily="49" charset="0"/>
                 <a:cs typeface="Courier New" panose="02070309020205020404" pitchFamily="49" charset="0"/>
               </a:rPr>
-              <a:t>('MNIST original',</a:t>
-            </a:r>
-            <a:r>
-              <a:rPr lang="fr-FR" dirty="0" err="1">
+              <a:t>(data, target, </a:t>
+            </a:r>
+            <a:r>
+              <a:rPr lang="en-US" dirty="0" err="1">
                 <a:latin typeface="Courier New" panose="02070309020205020404" pitchFamily="49" charset="0"/>
                 <a:cs typeface="Courier New" panose="02070309020205020404" pitchFamily="49" charset="0"/>
               </a:rPr>
-              <a:t>data_home</a:t>
-            </a:r>
-            <a:r>
-              <a:rPr lang="fr-FR" dirty="0">
+              <a:t>train_size</a:t>
+            </a:r>
+            <a:r>
+              <a:rPr lang="en-US" dirty="0">
                 <a:latin typeface="Courier New" panose="02070309020205020404" pitchFamily="49" charset="0"/>
                 <a:cs typeface="Courier New" panose="02070309020205020404" pitchFamily="49" charset="0"/>
               </a:rPr>
-              <a:t>='./</a:t>
-            </a:r>
-            <a:r>
-              <a:rPr lang="fr-FR" dirty="0" err="1">
+              <a:t>=0.8, </a:t>
+            </a:r>
+            <a:r>
+              <a:rPr lang="en-US" dirty="0" err="1">
                 <a:latin typeface="Courier New" panose="02070309020205020404" pitchFamily="49" charset="0"/>
                 <a:cs typeface="Courier New" panose="02070309020205020404" pitchFamily="49" charset="0"/>
               </a:rPr>
-              <a:t>mnist</a:t>
-            </a:r>
-            <a:r>
-              <a:rPr lang="fr-FR" dirty="0" smtClean="0">
+              <a:t>test_size</a:t>
+            </a:r>
+            <a:r>
+              <a:rPr lang="en-US" dirty="0">
                 <a:latin typeface="Courier New" panose="02070309020205020404" pitchFamily="49" charset="0"/>
                 <a:cs typeface="Courier New" panose="02070309020205020404" pitchFamily="49" charset="0"/>
               </a:rPr>
-              <a:t>/')</a:t>
-            </a:r>
-          </a:p>
-          <a:p>
-            <a:pPr lvl="1"/>
-            <a:r>
-              <a:rPr lang="fr-FR" dirty="0" err="1" smtClean="0">
-                <a:latin typeface="Courier New" panose="02070309020205020404" pitchFamily="49" charset="0"/>
-                <a:cs typeface="Courier New" panose="02070309020205020404" pitchFamily="49" charset="0"/>
-              </a:rPr>
-              <a:t>mnist.data</a:t>
-            </a:r>
-            <a:r>
-              <a:rPr lang="fr-FR" dirty="0" smtClean="0">
-                <a:latin typeface="Courier New" panose="02070309020205020404" pitchFamily="49" charset="0"/>
-                <a:cs typeface="Courier New" panose="02070309020205020404" pitchFamily="49" charset="0"/>
-              </a:rPr>
-              <a:t> contient les images (70000)</a:t>
-            </a:r>
-          </a:p>
-          <a:p>
-            <a:pPr lvl="1"/>
-            <a:r>
-              <a:rPr lang="fr-FR" dirty="0" err="1">
-                <a:latin typeface="Courier New" panose="02070309020205020404" pitchFamily="49" charset="0"/>
-                <a:cs typeface="Courier New" panose="02070309020205020404" pitchFamily="49" charset="0"/>
-              </a:rPr>
-              <a:t>m</a:t>
-            </a:r>
-            <a:r>
-              <a:rPr lang="fr-FR" dirty="0" err="1" smtClean="0">
-                <a:latin typeface="Courier New" panose="02070309020205020404" pitchFamily="49" charset="0"/>
-                <a:cs typeface="Courier New" panose="02070309020205020404" pitchFamily="49" charset="0"/>
-              </a:rPr>
-              <a:t>nist.target</a:t>
-            </a:r>
-            <a:r>
-              <a:rPr lang="fr-FR" dirty="0" smtClean="0">
-                <a:latin typeface="Courier New" panose="02070309020205020404" pitchFamily="49" charset="0"/>
-                <a:cs typeface="Courier New" panose="02070309020205020404" pitchFamily="49" charset="0"/>
-              </a:rPr>
-              <a:t> contient les chiffres</a:t>
-            </a:r>
-          </a:p>
-          <a:p>
-            <a:pPr lvl="1"/>
-            <a:endParaRPr lang="fr-FR" dirty="0"/>
+              <a:t>=0.2)</a:t>
+            </a:r>
+            <a:endParaRPr lang="fr-FR" dirty="0">
+              <a:latin typeface="Courier New" panose="02070309020205020404" pitchFamily="49" charset="0"/>
+              <a:cs typeface="Courier New" panose="02070309020205020404" pitchFamily="49" charset="0"/>
+            </a:endParaRPr>
           </a:p>
         </p:txBody>
       </p:sp>
     </p:spTree>
     <p:extLst>
       <p:ext uri="{BB962C8B-B14F-4D97-AF65-F5344CB8AC3E}">
-        <p14:creationId xmlns:p14="http://schemas.microsoft.com/office/powerpoint/2010/main" val="3230665152"/>
+        <p14:creationId xmlns:p14="http://schemas.microsoft.com/office/powerpoint/2010/main" val="2210871484"/>
       </p:ext>
     </p:extLst>
   </p:cSld>
   <p:clrMapOvr>
     <a:masterClrMapping/>
   </p:clrMapOvr>
+  <p:timing>
+    <p:tnLst>
+      <p:par>
+        <p:cTn id="1" dur="indefinite" restart="never" nodeType="tmRoot"/>
+      </p:par>
+    </p:tnLst>
+  </p:timing>
 </p:sld>
 </file>
 
@@ -4613,8 +4731,8 @@
           <a:lstStyle/>
           <a:p>
             <a:r>
-              <a:rPr lang="fr-FR" dirty="0" smtClean="0"/>
-              <a:t>Echantillonnage</a:t>
+              <a:rPr lang="fr-FR" dirty="0" err="1" smtClean="0"/>
+              <a:t>Metrics</a:t>
             </a:r>
             <a:endParaRPr lang="fr-FR" dirty="0"/>
           </a:p>
@@ -4637,397 +4755,6 @@
           <a:p>
             <a:r>
               <a:rPr lang="fr-FR" dirty="0" smtClean="0"/>
-              <a:t>Basé sur une fonctionnalité </a:t>
-            </a:r>
-            <a:r>
-              <a:rPr lang="fr-FR" dirty="0" err="1" smtClean="0"/>
-              <a:t>numpy</a:t>
-            </a:r>
-            <a:endParaRPr lang="fr-FR" dirty="0" smtClean="0"/>
-          </a:p>
-          <a:p>
-            <a:r>
-              <a:rPr lang="fr-FR" dirty="0" err="1" smtClean="0"/>
-              <a:t>np.array</a:t>
-            </a:r>
-            <a:r>
-              <a:rPr lang="fr-FR" dirty="0" smtClean="0"/>
-              <a:t>([2,8,0,10,9])[2,4] donne [0,9]</a:t>
-            </a:r>
-          </a:p>
-          <a:p>
-            <a:r>
-              <a:rPr lang="fr-FR" dirty="0" smtClean="0"/>
-              <a:t>Cela donne pour un échantillon de 5000</a:t>
-            </a:r>
-          </a:p>
-          <a:p>
-            <a:pPr lvl="1"/>
-            <a:r>
-              <a:rPr lang="fr-FR" sz="2000" dirty="0" err="1">
-                <a:latin typeface="Courier New" panose="02070309020205020404" pitchFamily="49" charset="0"/>
-                <a:cs typeface="Courier New" panose="02070309020205020404" pitchFamily="49" charset="0"/>
-              </a:rPr>
-              <a:t>sample</a:t>
-            </a:r>
-            <a:r>
-              <a:rPr lang="fr-FR" sz="2000" dirty="0">
-                <a:latin typeface="Courier New" panose="02070309020205020404" pitchFamily="49" charset="0"/>
-                <a:cs typeface="Courier New" panose="02070309020205020404" pitchFamily="49" charset="0"/>
-              </a:rPr>
-              <a:t> = </a:t>
-            </a:r>
-            <a:r>
-              <a:rPr lang="fr-FR" sz="2000" dirty="0" err="1">
-                <a:latin typeface="Courier New" panose="02070309020205020404" pitchFamily="49" charset="0"/>
-                <a:cs typeface="Courier New" panose="02070309020205020404" pitchFamily="49" charset="0"/>
-              </a:rPr>
-              <a:t>np.random.randint</a:t>
-            </a:r>
-            <a:r>
-              <a:rPr lang="fr-FR" sz="2000" dirty="0">
-                <a:latin typeface="Courier New" panose="02070309020205020404" pitchFamily="49" charset="0"/>
-                <a:cs typeface="Courier New" panose="02070309020205020404" pitchFamily="49" charset="0"/>
-              </a:rPr>
-              <a:t>(70000, size=5000)</a:t>
-            </a:r>
-          </a:p>
-          <a:p>
-            <a:pPr lvl="1"/>
-            <a:r>
-              <a:rPr lang="fr-FR" sz="2000" dirty="0">
-                <a:latin typeface="Courier New" panose="02070309020205020404" pitchFamily="49" charset="0"/>
-                <a:cs typeface="Courier New" panose="02070309020205020404" pitchFamily="49" charset="0"/>
-              </a:rPr>
-              <a:t>data = </a:t>
-            </a:r>
-            <a:r>
-              <a:rPr lang="fr-FR" sz="2000" dirty="0" err="1">
-                <a:latin typeface="Courier New" panose="02070309020205020404" pitchFamily="49" charset="0"/>
-                <a:cs typeface="Courier New" panose="02070309020205020404" pitchFamily="49" charset="0"/>
-              </a:rPr>
-              <a:t>mnist.data</a:t>
-            </a:r>
-            <a:r>
-              <a:rPr lang="fr-FR" sz="2000" dirty="0">
-                <a:latin typeface="Courier New" panose="02070309020205020404" pitchFamily="49" charset="0"/>
-                <a:cs typeface="Courier New" panose="02070309020205020404" pitchFamily="49" charset="0"/>
-              </a:rPr>
-              <a:t>[</a:t>
-            </a:r>
-            <a:r>
-              <a:rPr lang="fr-FR" sz="2000" dirty="0" err="1">
-                <a:latin typeface="Courier New" panose="02070309020205020404" pitchFamily="49" charset="0"/>
-                <a:cs typeface="Courier New" panose="02070309020205020404" pitchFamily="49" charset="0"/>
-              </a:rPr>
-              <a:t>sample</a:t>
-            </a:r>
-            <a:r>
-              <a:rPr lang="fr-FR" sz="2000" dirty="0">
-                <a:latin typeface="Courier New" panose="02070309020205020404" pitchFamily="49" charset="0"/>
-                <a:cs typeface="Courier New" panose="02070309020205020404" pitchFamily="49" charset="0"/>
-              </a:rPr>
-              <a:t>]</a:t>
-            </a:r>
-          </a:p>
-          <a:p>
-            <a:pPr lvl="1"/>
-            <a:r>
-              <a:rPr lang="fr-FR" sz="2000" dirty="0" err="1">
-                <a:latin typeface="Courier New" panose="02070309020205020404" pitchFamily="49" charset="0"/>
-                <a:cs typeface="Courier New" panose="02070309020205020404" pitchFamily="49" charset="0"/>
-              </a:rPr>
-              <a:t>target</a:t>
-            </a:r>
-            <a:r>
-              <a:rPr lang="fr-FR" sz="2000" dirty="0">
-                <a:latin typeface="Courier New" panose="02070309020205020404" pitchFamily="49" charset="0"/>
-                <a:cs typeface="Courier New" panose="02070309020205020404" pitchFamily="49" charset="0"/>
-              </a:rPr>
-              <a:t> = </a:t>
-            </a:r>
-            <a:r>
-              <a:rPr lang="fr-FR" sz="2000" dirty="0" err="1">
-                <a:latin typeface="Courier New" panose="02070309020205020404" pitchFamily="49" charset="0"/>
-                <a:cs typeface="Courier New" panose="02070309020205020404" pitchFamily="49" charset="0"/>
-              </a:rPr>
-              <a:t>mnist.target</a:t>
-            </a:r>
-            <a:r>
-              <a:rPr lang="fr-FR" sz="2000" dirty="0">
-                <a:latin typeface="Courier New" panose="02070309020205020404" pitchFamily="49" charset="0"/>
-                <a:cs typeface="Courier New" panose="02070309020205020404" pitchFamily="49" charset="0"/>
-              </a:rPr>
-              <a:t>[</a:t>
-            </a:r>
-            <a:r>
-              <a:rPr lang="fr-FR" sz="2000" dirty="0" err="1">
-                <a:latin typeface="Courier New" panose="02070309020205020404" pitchFamily="49" charset="0"/>
-                <a:cs typeface="Courier New" panose="02070309020205020404" pitchFamily="49" charset="0"/>
-              </a:rPr>
-              <a:t>sample</a:t>
-            </a:r>
-            <a:r>
-              <a:rPr lang="fr-FR" sz="2000" dirty="0">
-                <a:latin typeface="Courier New" panose="02070309020205020404" pitchFamily="49" charset="0"/>
-                <a:cs typeface="Courier New" panose="02070309020205020404" pitchFamily="49" charset="0"/>
-              </a:rPr>
-              <a:t>]</a:t>
-            </a:r>
-            <a:endParaRPr lang="fr-FR" sz="2000" dirty="0" smtClean="0">
-              <a:latin typeface="Courier New" panose="02070309020205020404" pitchFamily="49" charset="0"/>
-              <a:cs typeface="Courier New" panose="02070309020205020404" pitchFamily="49" charset="0"/>
-            </a:endParaRPr>
-          </a:p>
-          <a:p>
-            <a:pPr lvl="1"/>
-            <a:endParaRPr lang="fr-FR" dirty="0"/>
-          </a:p>
-        </p:txBody>
-      </p:sp>
-    </p:spTree>
-    <p:extLst>
-      <p:ext uri="{BB962C8B-B14F-4D97-AF65-F5344CB8AC3E}">
-        <p14:creationId xmlns:p14="http://schemas.microsoft.com/office/powerpoint/2010/main" val="391119954"/>
-      </p:ext>
-    </p:extLst>
-  </p:cSld>
-  <p:clrMapOvr>
-    <a:masterClrMapping/>
-  </p:clrMapOvr>
-</p:sld>
-</file>
-
-<file path=ppt/slides/slide16.xml><?xml version="1.0" encoding="utf-8"?>
-<p:sld xmlns:a="http://schemas.openxmlformats.org/drawingml/2006/main" xmlns:r="http://schemas.openxmlformats.org/officeDocument/2006/relationships" xmlns:p="http://schemas.openxmlformats.org/presentationml/2006/main">
-  <p:cSld>
-    <p:spTree>
-      <p:nvGrpSpPr>
-        <p:cNvPr id="1" name=""/>
-        <p:cNvGrpSpPr/>
-        <p:nvPr/>
-      </p:nvGrpSpPr>
-      <p:grpSpPr>
-        <a:xfrm>
-          <a:off x="0" y="0"/>
-          <a:ext cx="0" cy="0"/>
-          <a:chOff x="0" y="0"/>
-          <a:chExt cx="0" cy="0"/>
-        </a:xfrm>
-      </p:grpSpPr>
-      <p:sp>
-        <p:nvSpPr>
-          <p:cNvPr id="2" name="Titre 1"/>
-          <p:cNvSpPr>
-            <a:spLocks noGrp="1"/>
-          </p:cNvSpPr>
-          <p:nvPr>
-            <p:ph type="title"/>
-          </p:nvPr>
-        </p:nvSpPr>
-        <p:spPr/>
-        <p:txBody>
-          <a:bodyPr/>
-          <a:lstStyle/>
-          <a:p>
-            <a:r>
-              <a:rPr lang="fr-FR" dirty="0" smtClean="0"/>
-              <a:t>Training Set</a:t>
-            </a:r>
-            <a:endParaRPr lang="fr-FR" dirty="0"/>
-          </a:p>
-        </p:txBody>
-      </p:sp>
-      <p:sp>
-        <p:nvSpPr>
-          <p:cNvPr id="3" name="Espace réservé du contenu 2"/>
-          <p:cNvSpPr>
-            <a:spLocks noGrp="1"/>
-          </p:cNvSpPr>
-          <p:nvPr>
-            <p:ph idx="1"/>
-          </p:nvPr>
-        </p:nvSpPr>
-        <p:spPr/>
-        <p:txBody>
-          <a:bodyPr/>
-          <a:lstStyle/>
-          <a:p>
-            <a:r>
-              <a:rPr lang="en-US" dirty="0" err="1">
-                <a:latin typeface="Courier New" panose="02070309020205020404" pitchFamily="49" charset="0"/>
-                <a:cs typeface="Courier New" panose="02070309020205020404" pitchFamily="49" charset="0"/>
-              </a:rPr>
-              <a:t>xtrain</a:t>
-            </a:r>
-            <a:r>
-              <a:rPr lang="en-US" dirty="0">
-                <a:latin typeface="Courier New" panose="02070309020205020404" pitchFamily="49" charset="0"/>
-                <a:cs typeface="Courier New" panose="02070309020205020404" pitchFamily="49" charset="0"/>
-              </a:rPr>
-              <a:t>, </a:t>
-            </a:r>
-            <a:r>
-              <a:rPr lang="en-US" dirty="0" err="1">
-                <a:latin typeface="Courier New" panose="02070309020205020404" pitchFamily="49" charset="0"/>
-                <a:cs typeface="Courier New" panose="02070309020205020404" pitchFamily="49" charset="0"/>
-              </a:rPr>
-              <a:t>xtest</a:t>
-            </a:r>
-            <a:r>
-              <a:rPr lang="en-US" dirty="0">
-                <a:latin typeface="Courier New" panose="02070309020205020404" pitchFamily="49" charset="0"/>
-                <a:cs typeface="Courier New" panose="02070309020205020404" pitchFamily="49" charset="0"/>
-              </a:rPr>
-              <a:t>, </a:t>
-            </a:r>
-            <a:r>
-              <a:rPr lang="en-US" dirty="0" err="1">
-                <a:latin typeface="Courier New" panose="02070309020205020404" pitchFamily="49" charset="0"/>
-                <a:cs typeface="Courier New" panose="02070309020205020404" pitchFamily="49" charset="0"/>
-              </a:rPr>
-              <a:t>ytrain</a:t>
-            </a:r>
-            <a:r>
-              <a:rPr lang="en-US" dirty="0">
-                <a:latin typeface="Courier New" panose="02070309020205020404" pitchFamily="49" charset="0"/>
-                <a:cs typeface="Courier New" panose="02070309020205020404" pitchFamily="49" charset="0"/>
-              </a:rPr>
-              <a:t>, </a:t>
-            </a:r>
-            <a:r>
-              <a:rPr lang="en-US" dirty="0" err="1">
-                <a:latin typeface="Courier New" panose="02070309020205020404" pitchFamily="49" charset="0"/>
-                <a:cs typeface="Courier New" panose="02070309020205020404" pitchFamily="49" charset="0"/>
-              </a:rPr>
-              <a:t>ytest</a:t>
-            </a:r>
-            <a:r>
-              <a:rPr lang="en-US" dirty="0">
-                <a:latin typeface="Courier New" panose="02070309020205020404" pitchFamily="49" charset="0"/>
-                <a:cs typeface="Courier New" panose="02070309020205020404" pitchFamily="49" charset="0"/>
-              </a:rPr>
-              <a:t> = </a:t>
-            </a:r>
-            <a:r>
-              <a:rPr lang="en-US" dirty="0" err="1">
-                <a:latin typeface="Courier New" panose="02070309020205020404" pitchFamily="49" charset="0"/>
-                <a:cs typeface="Courier New" panose="02070309020205020404" pitchFamily="49" charset="0"/>
-              </a:rPr>
-              <a:t>ms.train_test_split</a:t>
-            </a:r>
-            <a:r>
-              <a:rPr lang="en-US" dirty="0">
-                <a:latin typeface="Courier New" panose="02070309020205020404" pitchFamily="49" charset="0"/>
-                <a:cs typeface="Courier New" panose="02070309020205020404" pitchFamily="49" charset="0"/>
-              </a:rPr>
-              <a:t>(data, target, </a:t>
-            </a:r>
-            <a:r>
-              <a:rPr lang="en-US" dirty="0" err="1">
-                <a:latin typeface="Courier New" panose="02070309020205020404" pitchFamily="49" charset="0"/>
-                <a:cs typeface="Courier New" panose="02070309020205020404" pitchFamily="49" charset="0"/>
-              </a:rPr>
-              <a:t>train_size</a:t>
-            </a:r>
-            <a:r>
-              <a:rPr lang="en-US" dirty="0">
-                <a:latin typeface="Courier New" panose="02070309020205020404" pitchFamily="49" charset="0"/>
-                <a:cs typeface="Courier New" panose="02070309020205020404" pitchFamily="49" charset="0"/>
-              </a:rPr>
-              <a:t>=0.8, </a:t>
-            </a:r>
-            <a:r>
-              <a:rPr lang="en-US" dirty="0" err="1">
-                <a:latin typeface="Courier New" panose="02070309020205020404" pitchFamily="49" charset="0"/>
-                <a:cs typeface="Courier New" panose="02070309020205020404" pitchFamily="49" charset="0"/>
-              </a:rPr>
-              <a:t>test_size</a:t>
-            </a:r>
-            <a:r>
-              <a:rPr lang="en-US" dirty="0">
-                <a:latin typeface="Courier New" panose="02070309020205020404" pitchFamily="49" charset="0"/>
-                <a:cs typeface="Courier New" panose="02070309020205020404" pitchFamily="49" charset="0"/>
-              </a:rPr>
-              <a:t>=0.2)</a:t>
-            </a:r>
-            <a:endParaRPr lang="fr-FR" dirty="0">
-              <a:latin typeface="Courier New" panose="02070309020205020404" pitchFamily="49" charset="0"/>
-              <a:cs typeface="Courier New" panose="02070309020205020404" pitchFamily="49" charset="0"/>
-            </a:endParaRPr>
-          </a:p>
-        </p:txBody>
-      </p:sp>
-    </p:spTree>
-    <p:extLst>
-      <p:ext uri="{BB962C8B-B14F-4D97-AF65-F5344CB8AC3E}">
-        <p14:creationId xmlns:p14="http://schemas.microsoft.com/office/powerpoint/2010/main" val="2210871484"/>
-      </p:ext>
-    </p:extLst>
-  </p:cSld>
-  <p:clrMapOvr>
-    <a:masterClrMapping/>
-  </p:clrMapOvr>
-</p:sld>
-</file>
-
-<file path=ppt/slides/slide17.xml><?xml version="1.0" encoding="utf-8"?>
-<p:sld xmlns:a="http://schemas.openxmlformats.org/drawingml/2006/main" xmlns:r="http://schemas.openxmlformats.org/officeDocument/2006/relationships" xmlns:p="http://schemas.openxmlformats.org/presentationml/2006/main">
-  <p:cSld>
-    <p:spTree>
-      <p:nvGrpSpPr>
-        <p:cNvPr id="1" name=""/>
-        <p:cNvGrpSpPr/>
-        <p:nvPr/>
-      </p:nvGrpSpPr>
-      <p:grpSpPr>
-        <a:xfrm>
-          <a:off x="0" y="0"/>
-          <a:ext cx="0" cy="0"/>
-          <a:chOff x="0" y="0"/>
-          <a:chExt cx="0" cy="0"/>
-        </a:xfrm>
-      </p:grpSpPr>
-      <p:sp>
-        <p:nvSpPr>
-          <p:cNvPr id="2" name="Titre 1"/>
-          <p:cNvSpPr>
-            <a:spLocks noGrp="1"/>
-          </p:cNvSpPr>
-          <p:nvPr>
-            <p:ph type="title"/>
-          </p:nvPr>
-        </p:nvSpPr>
-        <p:spPr/>
-        <p:txBody>
-          <a:bodyPr/>
-          <a:lstStyle/>
-          <a:p>
-            <a:r>
-              <a:rPr lang="fr-FR" dirty="0" err="1" smtClean="0"/>
-              <a:t>Metrics</a:t>
-            </a:r>
-            <a:endParaRPr lang="fr-FR" dirty="0"/>
-          </a:p>
-        </p:txBody>
-      </p:sp>
-      <p:sp>
-        <p:nvSpPr>
-          <p:cNvPr id="3" name="Espace réservé du contenu 2"/>
-          <p:cNvSpPr>
-            <a:spLocks noGrp="1"/>
-          </p:cNvSpPr>
-          <p:nvPr>
-            <p:ph idx="1"/>
-          </p:nvPr>
-        </p:nvSpPr>
-        <p:spPr/>
-        <p:txBody>
-          <a:bodyPr/>
-          <a:lstStyle/>
-          <a:p>
-            <a:r>
-              <a:rPr lang="fr-FR" dirty="0" smtClean="0"/>
               <a:t>Il est possible de calculer automatiquement l’erreur quadratique avec </a:t>
             </a:r>
             <a:r>
@@ -5107,10 +4834,17 @@
   <p:clrMapOvr>
     <a:masterClrMapping/>
   </p:clrMapOvr>
+  <p:timing>
+    <p:tnLst>
+      <p:par>
+        <p:cTn id="1" dur="indefinite" restart="never" nodeType="tmRoot"/>
+      </p:par>
+    </p:tnLst>
+  </p:timing>
 </p:sld>
 </file>
 
-<file path=ppt/slides/slide18.xml><?xml version="1.0" encoding="utf-8"?>
+<file path=ppt/slides/slide16.xml><?xml version="1.0" encoding="utf-8"?>
 <p:sld xmlns:a="http://schemas.openxmlformats.org/drawingml/2006/main" xmlns:r="http://schemas.openxmlformats.org/officeDocument/2006/relationships" xmlns:p="http://schemas.openxmlformats.org/presentationml/2006/main">
   <p:cSld>
     <p:spTree>
@@ -5228,6 +4962,326 @@
   <p:clrMapOvr>
     <a:masterClrMapping/>
   </p:clrMapOvr>
+  <p:timing>
+    <p:tnLst>
+      <p:par>
+        <p:cTn id="1" dur="indefinite" restart="never" nodeType="tmRoot"/>
+      </p:par>
+    </p:tnLst>
+  </p:timing>
+</p:sld>
+</file>
+
+<file path=ppt/slides/slide17.xml><?xml version="1.0" encoding="utf-8"?>
+<p:sld xmlns:a="http://schemas.openxmlformats.org/drawingml/2006/main" xmlns:r="http://schemas.openxmlformats.org/officeDocument/2006/relationships" xmlns:p="http://schemas.openxmlformats.org/presentationml/2006/main">
+  <p:cSld>
+    <p:spTree>
+      <p:nvGrpSpPr>
+        <p:cNvPr id="1" name=""/>
+        <p:cNvGrpSpPr/>
+        <p:nvPr/>
+      </p:nvGrpSpPr>
+      <p:grpSpPr>
+        <a:xfrm>
+          <a:off x="0" y="0"/>
+          <a:ext cx="0" cy="0"/>
+          <a:chOff x="0" y="0"/>
+          <a:chExt cx="0" cy="0"/>
+        </a:xfrm>
+      </p:grpSpPr>
+      <p:sp>
+        <p:nvSpPr>
+          <p:cNvPr id="2" name="Titre 1"/>
+          <p:cNvSpPr>
+            <a:spLocks noGrp="1"/>
+          </p:cNvSpPr>
+          <p:nvPr>
+            <p:ph type="title"/>
+          </p:nvPr>
+        </p:nvSpPr>
+        <p:spPr/>
+        <p:txBody>
+          <a:bodyPr/>
+          <a:lstStyle/>
+          <a:p>
+            <a:r>
+              <a:rPr lang="fr-FR" dirty="0" err="1" smtClean="0"/>
+              <a:t>PreProcessing</a:t>
+            </a:r>
+            <a:endParaRPr lang="fr-FR" dirty="0"/>
+          </a:p>
+        </p:txBody>
+      </p:sp>
+      <p:sp>
+        <p:nvSpPr>
+          <p:cNvPr id="3" name="Espace réservé du contenu 2"/>
+          <p:cNvSpPr>
+            <a:spLocks noGrp="1"/>
+          </p:cNvSpPr>
+          <p:nvPr>
+            <p:ph idx="1"/>
+          </p:nvPr>
+        </p:nvSpPr>
+        <p:spPr/>
+        <p:txBody>
+          <a:bodyPr/>
+          <a:lstStyle/>
+          <a:p>
+            <a:r>
+              <a:rPr lang="fr-FR" dirty="0" err="1" smtClean="0"/>
+              <a:t>Preprocessing</a:t>
+            </a:r>
+            <a:r>
+              <a:rPr lang="fr-FR" dirty="0" smtClean="0"/>
+              <a:t> contient des </a:t>
+            </a:r>
+            <a:r>
+              <a:rPr lang="fr-FR" dirty="0" err="1" smtClean="0"/>
+              <a:t>Features</a:t>
+            </a:r>
+            <a:r>
+              <a:rPr lang="fr-FR" dirty="0" smtClean="0"/>
+              <a:t> qui sont des algorithmes de modèles pré-calculés</a:t>
+            </a:r>
+          </a:p>
+          <a:p>
+            <a:r>
+              <a:rPr lang="fr-FR" dirty="0" smtClean="0"/>
+              <a:t>Il en existe des centaines</a:t>
+            </a:r>
+          </a:p>
+          <a:p>
+            <a:r>
+              <a:rPr lang="fr-FR" dirty="0"/>
+              <a:t>import </a:t>
+            </a:r>
+            <a:r>
+              <a:rPr lang="fr-FR" dirty="0" err="1"/>
+              <a:t>sklearn.preprocessing</a:t>
+            </a:r>
+            <a:r>
+              <a:rPr lang="fr-FR" dirty="0"/>
+              <a:t> as </a:t>
+            </a:r>
+            <a:r>
+              <a:rPr lang="fr-FR" dirty="0" smtClean="0"/>
+              <a:t>pp</a:t>
+            </a:r>
+          </a:p>
+          <a:p>
+            <a:r>
+              <a:rPr lang="fr-FR" dirty="0" err="1"/>
+              <a:t>pp.PolynomialFeatures</a:t>
+            </a:r>
+            <a:r>
+              <a:rPr lang="fr-FR" dirty="0"/>
+              <a:t>(2)</a:t>
+            </a:r>
+            <a:endParaRPr lang="fr-FR" dirty="0" smtClean="0"/>
+          </a:p>
+          <a:p>
+            <a:endParaRPr lang="fr-FR" dirty="0"/>
+          </a:p>
+        </p:txBody>
+      </p:sp>
+    </p:spTree>
+    <p:extLst>
+      <p:ext uri="{BB962C8B-B14F-4D97-AF65-F5344CB8AC3E}">
+        <p14:creationId xmlns:p14="http://schemas.microsoft.com/office/powerpoint/2010/main" val="1233238204"/>
+      </p:ext>
+    </p:extLst>
+  </p:cSld>
+  <p:clrMapOvr>
+    <a:masterClrMapping/>
+  </p:clrMapOvr>
+  <p:timing>
+    <p:tnLst>
+      <p:par>
+        <p:cTn id="1" dur="indefinite" restart="never" nodeType="tmRoot"/>
+      </p:par>
+    </p:tnLst>
+  </p:timing>
+</p:sld>
+</file>
+
+<file path=ppt/slides/slide18.xml><?xml version="1.0" encoding="utf-8"?>
+<p:sld xmlns:a="http://schemas.openxmlformats.org/drawingml/2006/main" xmlns:r="http://schemas.openxmlformats.org/officeDocument/2006/relationships" xmlns:p="http://schemas.openxmlformats.org/presentationml/2006/main">
+  <p:cSld>
+    <p:spTree>
+      <p:nvGrpSpPr>
+        <p:cNvPr id="1" name=""/>
+        <p:cNvGrpSpPr/>
+        <p:nvPr/>
+      </p:nvGrpSpPr>
+      <p:grpSpPr>
+        <a:xfrm>
+          <a:off x="0" y="0"/>
+          <a:ext cx="0" cy="0"/>
+          <a:chOff x="0" y="0"/>
+          <a:chExt cx="0" cy="0"/>
+        </a:xfrm>
+      </p:grpSpPr>
+      <p:sp>
+        <p:nvSpPr>
+          <p:cNvPr id="2" name="Titre 1"/>
+          <p:cNvSpPr>
+            <a:spLocks noGrp="1"/>
+          </p:cNvSpPr>
+          <p:nvPr>
+            <p:ph type="title"/>
+          </p:nvPr>
+        </p:nvSpPr>
+        <p:spPr/>
+        <p:txBody>
+          <a:bodyPr/>
+          <a:lstStyle/>
+          <a:p>
+            <a:r>
+              <a:rPr lang="fr-FR" dirty="0" smtClean="0"/>
+              <a:t>Pipeline</a:t>
+            </a:r>
+            <a:endParaRPr lang="fr-FR" dirty="0"/>
+          </a:p>
+        </p:txBody>
+      </p:sp>
+      <p:sp>
+        <p:nvSpPr>
+          <p:cNvPr id="3" name="Espace réservé du contenu 2"/>
+          <p:cNvSpPr>
+            <a:spLocks noGrp="1"/>
+          </p:cNvSpPr>
+          <p:nvPr>
+            <p:ph idx="1"/>
+          </p:nvPr>
+        </p:nvSpPr>
+        <p:spPr/>
+        <p:txBody>
+          <a:bodyPr/>
+          <a:lstStyle/>
+          <a:p>
+            <a:r>
+              <a:rPr lang="fr-FR" dirty="0" smtClean="0"/>
+              <a:t>Pipeline permet de créer des modèles avec des </a:t>
+            </a:r>
+            <a:r>
+              <a:rPr lang="fr-FR" dirty="0" err="1" smtClean="0"/>
+              <a:t>features</a:t>
+            </a:r>
+            <a:r>
+              <a:rPr lang="fr-FR" dirty="0" smtClean="0"/>
+              <a:t> et des calculs d’erreurs paramétrables</a:t>
+            </a:r>
+          </a:p>
+          <a:p>
+            <a:r>
+              <a:rPr lang="fr-FR" dirty="0"/>
+              <a:t>import </a:t>
+            </a:r>
+            <a:r>
+              <a:rPr lang="fr-FR" dirty="0" err="1"/>
+              <a:t>sklearn.pipeline</a:t>
+            </a:r>
+            <a:r>
+              <a:rPr lang="fr-FR" dirty="0"/>
+              <a:t> as </a:t>
+            </a:r>
+            <a:r>
+              <a:rPr lang="fr-FR" dirty="0" smtClean="0"/>
+              <a:t>pipe</a:t>
+            </a:r>
+          </a:p>
+          <a:p>
+            <a:r>
+              <a:rPr lang="fr-FR" dirty="0" err="1" smtClean="0"/>
+              <a:t>pipe.make_pipeline</a:t>
+            </a:r>
+            <a:r>
+              <a:rPr lang="fr-FR" dirty="0" smtClean="0"/>
+              <a:t>(</a:t>
+            </a:r>
+            <a:r>
+              <a:rPr lang="fr-FR" dirty="0" err="1" smtClean="0"/>
+              <a:t>pp.PolynomialFeatures</a:t>
+            </a:r>
+            <a:r>
+              <a:rPr lang="fr-FR" dirty="0" smtClean="0"/>
+              <a:t>(2</a:t>
+            </a:r>
+            <a:r>
+              <a:rPr lang="fr-FR" dirty="0"/>
+              <a:t>), </a:t>
+            </a:r>
+            <a:r>
+              <a:rPr lang="fr-FR" dirty="0" err="1"/>
+              <a:t>sklm.Ridge</a:t>
+            </a:r>
+            <a:r>
+              <a:rPr lang="fr-FR" dirty="0" smtClean="0"/>
+              <a:t>())</a:t>
+            </a:r>
+          </a:p>
+          <a:p>
+            <a:pPr lvl="1"/>
+            <a:r>
+              <a:rPr lang="fr-FR" dirty="0" smtClean="0"/>
+              <a:t>Ridge est l’algorithme de calcul de l’erreur quadratique</a:t>
+            </a:r>
+          </a:p>
+          <a:p>
+            <a:pPr lvl="1"/>
+            <a:r>
+              <a:rPr lang="fr-FR" dirty="0"/>
+              <a:t>model = </a:t>
+            </a:r>
+            <a:r>
+              <a:rPr lang="fr-FR" dirty="0" err="1"/>
+              <a:t>pp.make_pipeline</a:t>
+            </a:r>
+            <a:r>
+              <a:rPr lang="fr-FR" dirty="0"/>
+              <a:t>(</a:t>
+            </a:r>
+            <a:r>
+              <a:rPr lang="fr-FR" dirty="0" err="1"/>
+              <a:t>pipe.PolynomialFeatures</a:t>
+            </a:r>
+            <a:r>
+              <a:rPr lang="fr-FR" dirty="0"/>
+              <a:t>(1), </a:t>
+            </a:r>
+            <a:r>
+              <a:rPr lang="fr-FR" dirty="0" err="1"/>
+              <a:t>sklm.Ridge</a:t>
+            </a:r>
+            <a:r>
+              <a:rPr lang="fr-FR" dirty="0" smtClean="0"/>
+              <a:t>()) # est identique à </a:t>
+            </a:r>
+            <a:r>
+              <a:rPr lang="fr-FR" dirty="0" err="1" smtClean="0"/>
+              <a:t>LinearRegression</a:t>
+            </a:r>
+            <a:endParaRPr lang="fr-FR" dirty="0"/>
+          </a:p>
+        </p:txBody>
+      </p:sp>
+    </p:spTree>
+    <p:extLst>
+      <p:ext uri="{BB962C8B-B14F-4D97-AF65-F5344CB8AC3E}">
+        <p14:creationId xmlns:p14="http://schemas.microsoft.com/office/powerpoint/2010/main" val="1835056303"/>
+      </p:ext>
+    </p:extLst>
+  </p:cSld>
+  <p:clrMapOvr>
+    <a:masterClrMapping/>
+  </p:clrMapOvr>
+  <p:timing>
+    <p:tnLst>
+      <p:par>
+        <p:cTn id="1" dur="indefinite" restart="never" nodeType="tmRoot"/>
+      </p:par>
+    </p:tnLst>
+  </p:timing>
 </p:sld>
 </file>
 
@@ -5264,8 +5318,8 @@
           <a:lstStyle/>
           <a:p>
             <a:r>
-              <a:rPr lang="fr-FR" dirty="0" err="1" smtClean="0"/>
-              <a:t>PreProcessing</a:t>
+              <a:rPr lang="fr-FR" dirty="0" smtClean="0"/>
+              <a:t>Interprétation</a:t>
             </a:r>
             <a:endParaRPr lang="fr-FR" dirty="0"/>
           </a:p>
@@ -5287,72 +5341,115 @@
           <a:lstStyle/>
           <a:p>
             <a:r>
-              <a:rPr lang="fr-FR" dirty="0" err="1" smtClean="0"/>
-              <a:t>Preprocessing</a:t>
-            </a:r>
-            <a:r>
-              <a:rPr lang="fr-FR" dirty="0" smtClean="0"/>
-              <a:t> contient des </a:t>
-            </a:r>
-            <a:r>
-              <a:rPr lang="fr-FR" dirty="0" err="1" smtClean="0"/>
-              <a:t>Features</a:t>
-            </a:r>
-            <a:r>
-              <a:rPr lang="fr-FR" dirty="0" smtClean="0"/>
-              <a:t> qui sont des algorithmes de modèles pré-calculés</a:t>
-            </a:r>
-          </a:p>
-          <a:p>
-            <a:r>
-              <a:rPr lang="fr-FR" dirty="0" smtClean="0"/>
-              <a:t>Il en existe des centaines</a:t>
-            </a:r>
-          </a:p>
-          <a:p>
-            <a:r>
-              <a:rPr lang="fr-FR" dirty="0"/>
-              <a:t>import </a:t>
-            </a:r>
-            <a:r>
-              <a:rPr lang="fr-FR" dirty="0" err="1"/>
-              <a:t>sklearn.preprocessing</a:t>
-            </a:r>
-            <a:r>
-              <a:rPr lang="fr-FR" dirty="0"/>
-              <a:t> as </a:t>
-            </a:r>
-            <a:r>
-              <a:rPr lang="fr-FR" dirty="0" smtClean="0"/>
-              <a:t>pp</a:t>
-            </a:r>
-          </a:p>
-          <a:p>
-            <a:r>
-              <a:rPr lang="fr-FR" dirty="0" err="1"/>
-              <a:t>pp.PolynomialFeatures</a:t>
-            </a:r>
-            <a:r>
-              <a:rPr lang="fr-FR" dirty="0"/>
-              <a:t>(2)</a:t>
-            </a:r>
+              <a:rPr lang="fr-FR" dirty="0" smtClean="0"/>
+              <a:t>Polynôme degré 4</a:t>
+            </a:r>
+          </a:p>
+          <a:p>
+            <a:pPr lvl="1"/>
+            <a:r>
+              <a:rPr lang="fr-FR" dirty="0" smtClean="0"/>
+              <a:t>Erreur 61%</a:t>
+            </a:r>
+          </a:p>
+          <a:p>
+            <a:endParaRPr lang="fr-FR" dirty="0"/>
+          </a:p>
+          <a:p>
             <a:endParaRPr lang="fr-FR" dirty="0" smtClean="0"/>
           </a:p>
           <a:p>
+            <a:endParaRPr lang="fr-FR" dirty="0"/>
+          </a:p>
+          <a:p>
+            <a:endParaRPr lang="fr-FR" dirty="0" smtClean="0"/>
+          </a:p>
+          <a:p>
+            <a:r>
+              <a:rPr lang="fr-FR" smtClean="0"/>
+              <a:t>Polynôme </a:t>
+            </a:r>
+            <a:r>
+              <a:rPr lang="fr-FR" dirty="0" smtClean="0"/>
+              <a:t>degré 6</a:t>
+            </a:r>
+            <a:endParaRPr lang="fr-FR" dirty="0"/>
+          </a:p>
+          <a:p>
+            <a:pPr lvl="1"/>
+            <a:r>
+              <a:rPr lang="fr-FR" dirty="0" smtClean="0"/>
+              <a:t>Erreur 3%</a:t>
+            </a:r>
             <a:endParaRPr lang="fr-FR" dirty="0"/>
           </a:p>
         </p:txBody>
       </p:sp>
+      <p:pic>
+        <p:nvPicPr>
+          <p:cNvPr id="4" name="Image 3"/>
+          <p:cNvPicPr>
+            <a:picLocks noChangeAspect="1"/>
+          </p:cNvPicPr>
+          <p:nvPr/>
+        </p:nvPicPr>
+        <p:blipFill>
+          <a:blip r:embed="rId2"/>
+          <a:stretch>
+            <a:fillRect/>
+          </a:stretch>
+        </p:blipFill>
+        <p:spPr>
+          <a:xfrm>
+            <a:off x="4562537" y="1142204"/>
+            <a:ext cx="3521137" cy="2739380"/>
+          </a:xfrm>
+          <a:prstGeom prst="rect">
+            <a:avLst/>
+          </a:prstGeom>
+        </p:spPr>
+      </p:pic>
+      <p:pic>
+        <p:nvPicPr>
+          <p:cNvPr id="5" name="Image 4"/>
+          <p:cNvPicPr>
+            <a:picLocks noChangeAspect="1"/>
+          </p:cNvPicPr>
+          <p:nvPr/>
+        </p:nvPicPr>
+        <p:blipFill>
+          <a:blip r:embed="rId3"/>
+          <a:stretch>
+            <a:fillRect/>
+          </a:stretch>
+        </p:blipFill>
+        <p:spPr>
+          <a:xfrm>
+            <a:off x="4562536" y="3881584"/>
+            <a:ext cx="3521137" cy="2718525"/>
+          </a:xfrm>
+          <a:prstGeom prst="rect">
+            <a:avLst/>
+          </a:prstGeom>
+        </p:spPr>
+      </p:pic>
     </p:spTree>
     <p:extLst>
       <p:ext uri="{BB962C8B-B14F-4D97-AF65-F5344CB8AC3E}">
-        <p14:creationId xmlns:p14="http://schemas.microsoft.com/office/powerpoint/2010/main" val="1233238204"/>
+        <p14:creationId xmlns:p14="http://schemas.microsoft.com/office/powerpoint/2010/main" val="3012124197"/>
       </p:ext>
     </p:extLst>
   </p:cSld>
   <p:clrMapOvr>
     <a:masterClrMapping/>
   </p:clrMapOvr>
+  <p:timing>
+    <p:tnLst>
+      <p:par>
+        <p:cTn id="1" dur="indefinite" restart="never" nodeType="tmRoot"/>
+      </p:par>
+    </p:tnLst>
+  </p:timing>
 </p:sld>
 </file>
 
@@ -5576,8 +5673,8 @@
           <a:lstStyle/>
           <a:p>
             <a:r>
-              <a:rPr lang="fr-FR" dirty="0" smtClean="0"/>
-              <a:t>Pipeline</a:t>
+              <a:rPr lang="fr-FR" dirty="0"/>
+              <a:t>Régression non-polynomiale</a:t>
             </a:r>
             <a:endParaRPr lang="fr-FR" dirty="0"/>
           </a:p>
@@ -5599,107 +5696,46 @@
           <a:lstStyle/>
           <a:p>
             <a:r>
-              <a:rPr lang="fr-FR" dirty="0" smtClean="0"/>
-              <a:t>Pipeline permet de créer des modèles avec des </a:t>
+              <a:rPr lang="fr-FR" dirty="0"/>
+              <a:t>Il est possible d’appliquer n’importe quelle régression</a:t>
+            </a:r>
+          </a:p>
+          <a:p>
+            <a:pPr lvl="1"/>
+            <a:r>
+              <a:rPr lang="fr-FR" dirty="0" smtClean="0"/>
+              <a:t>Uniquement à </a:t>
+            </a:r>
+            <a:r>
+              <a:rPr lang="fr-FR" dirty="0"/>
+              <a:t>partir d’une fonction </a:t>
             </a:r>
             <a:r>
               <a:rPr lang="fr-FR" dirty="0" err="1" smtClean="0"/>
-              <a:t>features</a:t>
-            </a:r>
-            <a:r>
-              <a:rPr lang="fr-FR" dirty="0" smtClean="0"/>
-              <a:t> et des calculs d’erreurs paramétrables</a:t>
-            </a:r>
-          </a:p>
-          <a:p>
-            <a:r>
-              <a:rPr lang="fr-FR" dirty="0"/>
-              <a:t>import </a:t>
-            </a:r>
-            <a:r>
-              <a:rPr lang="fr-FR" dirty="0" err="1"/>
-              <a:t>sklearn.pipeline</a:t>
-            </a:r>
-            <a:r>
-              <a:rPr lang="fr-FR" dirty="0"/>
-              <a:t> as </a:t>
-            </a:r>
-            <a:r>
-              <a:rPr lang="fr-FR" dirty="0" smtClean="0"/>
-              <a:t>pipe</a:t>
-            </a:r>
-          </a:p>
-          <a:p>
+              <a:t>numpy</a:t>
+            </a:r>
+            <a:endParaRPr lang="fr-FR" dirty="0"/>
+          </a:p>
+          <a:p>
+            <a:r>
+              <a:rPr lang="fr-FR" dirty="0" smtClean="0"/>
+              <a:t>Méthode </a:t>
+            </a:r>
             <a:r>
               <a:rPr lang="fr-FR" dirty="0" err="1" smtClean="0"/>
-              <a:t>pipe.make_pipeline</a:t>
-            </a:r>
-            <a:r>
-              <a:rPr lang="fr-FR" dirty="0" smtClean="0"/>
-              <a:t>(</a:t>
+              <a:t>curve_fit</a:t>
+            </a:r>
+            <a:r>
+              <a:rPr lang="fr-FR" dirty="0" smtClean="0"/>
+              <a:t> de </a:t>
             </a:r>
             <a:r>
               <a:rPr lang="fr-FR" dirty="0" err="1" smtClean="0"/>
-              <a:t>pp.PolynomialFeatures</a:t>
-            </a:r>
-            <a:r>
-              <a:rPr lang="fr-FR" dirty="0" smtClean="0"/>
-              <a:t>(2</a:t>
-            </a:r>
-            <a:r>
-              <a:rPr lang="fr-FR" dirty="0"/>
-              <a:t>), </a:t>
-            </a:r>
-            <a:r>
-              <a:rPr lang="fr-FR" dirty="0" err="1"/>
-              <a:t>sklm.Ridge</a:t>
-            </a:r>
-            <a:r>
-              <a:rPr lang="fr-FR" dirty="0" smtClean="0"/>
-              <a:t>())</a:t>
-            </a:r>
-          </a:p>
-          <a:p>
-            <a:pPr lvl="1"/>
-            <a:r>
-              <a:rPr lang="fr-FR" dirty="0" smtClean="0"/>
-              <a:t>Ridge est l’algorithme de calcul de l’erreur quadratique</a:t>
-            </a:r>
-          </a:p>
-          <a:p>
-            <a:pPr lvl="1"/>
-            <a:r>
-              <a:rPr lang="fr-FR" dirty="0"/>
-              <a:t>model = </a:t>
-            </a:r>
-            <a:r>
-              <a:rPr lang="fr-FR" dirty="0" err="1"/>
-              <a:t>pp.make_pipeline</a:t>
-            </a:r>
-            <a:r>
-              <a:rPr lang="fr-FR" dirty="0"/>
-              <a:t>(</a:t>
-            </a:r>
-            <a:r>
-              <a:rPr lang="fr-FR" dirty="0" err="1"/>
-              <a:t>pipe.PolynomialFeatures</a:t>
-            </a:r>
-            <a:r>
-              <a:rPr lang="fr-FR" dirty="0"/>
-              <a:t>(1), </a:t>
-            </a:r>
-            <a:r>
-              <a:rPr lang="fr-FR" dirty="0" err="1"/>
-              <a:t>sklm.Ridge</a:t>
-            </a:r>
-            <a:r>
-              <a:rPr lang="fr-FR" dirty="0" smtClean="0"/>
-              <a:t>()) # est identique à </a:t>
-            </a:r>
-            <a:r>
-              <a:rPr lang="fr-FR" dirty="0" err="1" smtClean="0"/>
-              <a:t>LinearRegression</a:t>
-            </a:r>
+              <a:t>scipy</a:t>
+            </a:r>
+            <a:endParaRPr lang="fr-FR" dirty="0" smtClean="0"/>
+          </a:p>
+          <a:p>
             <a:endParaRPr lang="fr-FR" dirty="0"/>
           </a:p>
         </p:txBody>
@@ -5707,346 +5743,7 @@
     </p:spTree>
     <p:extLst>
       <p:ext uri="{BB962C8B-B14F-4D97-AF65-F5344CB8AC3E}">
-        <p14:creationId xmlns:p14="http://schemas.microsoft.com/office/powerpoint/2010/main" val="1835056303"/>
-      </p:ext>
-    </p:extLst>
-  </p:cSld>
-  <p:clrMapOvr>
-    <a:masterClrMapping/>
-  </p:clrMapOvr>
-</p:sld>
-</file>
-
-<file path=ppt/slides/slide21.xml><?xml version="1.0" encoding="utf-8"?>
-<p:sld xmlns:a="http://schemas.openxmlformats.org/drawingml/2006/main" xmlns:r="http://schemas.openxmlformats.org/officeDocument/2006/relationships" xmlns:p="http://schemas.openxmlformats.org/presentationml/2006/main">
-  <p:cSld>
-    <p:spTree>
-      <p:nvGrpSpPr>
-        <p:cNvPr id="1" name=""/>
-        <p:cNvGrpSpPr/>
-        <p:nvPr/>
-      </p:nvGrpSpPr>
-      <p:grpSpPr>
-        <a:xfrm>
-          <a:off x="0" y="0"/>
-          <a:ext cx="0" cy="0"/>
-          <a:chOff x="0" y="0"/>
-          <a:chExt cx="0" cy="0"/>
-        </a:xfrm>
-      </p:grpSpPr>
-      <p:sp>
-        <p:nvSpPr>
-          <p:cNvPr id="2" name="Titre 1"/>
-          <p:cNvSpPr>
-            <a:spLocks noGrp="1"/>
-          </p:cNvSpPr>
-          <p:nvPr>
-            <p:ph type="title"/>
-          </p:nvPr>
-        </p:nvSpPr>
-        <p:spPr/>
-        <p:txBody>
-          <a:bodyPr/>
-          <a:lstStyle/>
-          <a:p>
-            <a:r>
-              <a:rPr lang="fr-FR" dirty="0" smtClean="0"/>
-              <a:t>Interprétation</a:t>
-            </a:r>
-            <a:endParaRPr lang="fr-FR" dirty="0"/>
-          </a:p>
-        </p:txBody>
-      </p:sp>
-      <p:sp>
-        <p:nvSpPr>
-          <p:cNvPr id="3" name="Espace réservé du contenu 2"/>
-          <p:cNvSpPr>
-            <a:spLocks noGrp="1"/>
-          </p:cNvSpPr>
-          <p:nvPr>
-            <p:ph idx="1"/>
-          </p:nvPr>
-        </p:nvSpPr>
-        <p:spPr/>
-        <p:txBody>
-          <a:bodyPr/>
-          <a:lstStyle/>
-          <a:p>
-            <a:r>
-              <a:rPr lang="fr-FR" dirty="0" smtClean="0"/>
-              <a:t>Polynôme degré 4</a:t>
-            </a:r>
-          </a:p>
-          <a:p>
-            <a:pPr lvl="1"/>
-            <a:r>
-              <a:rPr lang="fr-FR" dirty="0" smtClean="0"/>
-              <a:t>Erreur 61%</a:t>
-            </a:r>
-          </a:p>
-          <a:p>
-            <a:endParaRPr lang="fr-FR" dirty="0"/>
-          </a:p>
-          <a:p>
-            <a:endParaRPr lang="fr-FR" dirty="0" smtClean="0"/>
-          </a:p>
-          <a:p>
-            <a:endParaRPr lang="fr-FR" dirty="0"/>
-          </a:p>
-          <a:p>
-            <a:endParaRPr lang="fr-FR" dirty="0" smtClean="0"/>
-          </a:p>
-          <a:p>
-            <a:r>
-              <a:rPr lang="fr-FR" smtClean="0"/>
-              <a:t>Polynôme </a:t>
-            </a:r>
-            <a:r>
-              <a:rPr lang="fr-FR" dirty="0" smtClean="0"/>
-              <a:t>degré 6</a:t>
-            </a:r>
-            <a:endParaRPr lang="fr-FR" dirty="0"/>
-          </a:p>
-          <a:p>
-            <a:pPr lvl="1"/>
-            <a:r>
-              <a:rPr lang="fr-FR" dirty="0" smtClean="0"/>
-              <a:t>Erreur 3%</a:t>
-            </a:r>
-            <a:endParaRPr lang="fr-FR" dirty="0"/>
-          </a:p>
-        </p:txBody>
-      </p:sp>
-      <p:pic>
-        <p:nvPicPr>
-          <p:cNvPr id="4" name="Image 3"/>
-          <p:cNvPicPr>
-            <a:picLocks noChangeAspect="1"/>
-          </p:cNvPicPr>
-          <p:nvPr/>
-        </p:nvPicPr>
-        <p:blipFill>
-          <a:blip r:embed="rId2"/>
-          <a:stretch>
-            <a:fillRect/>
-          </a:stretch>
-        </p:blipFill>
-        <p:spPr>
-          <a:xfrm>
-            <a:off x="4562537" y="1142204"/>
-            <a:ext cx="3521137" cy="2739380"/>
-          </a:xfrm>
-          <a:prstGeom prst="rect">
-            <a:avLst/>
-          </a:prstGeom>
-        </p:spPr>
-      </p:pic>
-      <p:pic>
-        <p:nvPicPr>
-          <p:cNvPr id="5" name="Image 4"/>
-          <p:cNvPicPr>
-            <a:picLocks noChangeAspect="1"/>
-          </p:cNvPicPr>
-          <p:nvPr/>
-        </p:nvPicPr>
-        <p:blipFill>
-          <a:blip r:embed="rId3"/>
-          <a:stretch>
-            <a:fillRect/>
-          </a:stretch>
-        </p:blipFill>
-        <p:spPr>
-          <a:xfrm>
-            <a:off x="4562536" y="3881584"/>
-            <a:ext cx="3521137" cy="2718525"/>
-          </a:xfrm>
-          <a:prstGeom prst="rect">
-            <a:avLst/>
-          </a:prstGeom>
-        </p:spPr>
-      </p:pic>
-    </p:spTree>
-    <p:extLst>
-      <p:ext uri="{BB962C8B-B14F-4D97-AF65-F5344CB8AC3E}">
-        <p14:creationId xmlns:p14="http://schemas.microsoft.com/office/powerpoint/2010/main" val="3012124197"/>
-      </p:ext>
-    </p:extLst>
-  </p:cSld>
-  <p:clrMapOvr>
-    <a:masterClrMapping/>
-  </p:clrMapOvr>
-</p:sld>
-</file>
-
-<file path=ppt/slides/slide22.xml><?xml version="1.0" encoding="utf-8"?>
-<p:sld xmlns:a="http://schemas.openxmlformats.org/drawingml/2006/main" xmlns:r="http://schemas.openxmlformats.org/officeDocument/2006/relationships" xmlns:p="http://schemas.openxmlformats.org/presentationml/2006/main">
-  <p:cSld>
-    <p:spTree>
-      <p:nvGrpSpPr>
-        <p:cNvPr id="1" name=""/>
-        <p:cNvGrpSpPr/>
-        <p:nvPr/>
-      </p:nvGrpSpPr>
-      <p:grpSpPr>
-        <a:xfrm>
-          <a:off x="0" y="0"/>
-          <a:ext cx="0" cy="0"/>
-          <a:chOff x="0" y="0"/>
-          <a:chExt cx="0" cy="0"/>
-        </a:xfrm>
-      </p:grpSpPr>
-      <p:sp>
-        <p:nvSpPr>
-          <p:cNvPr id="2" name="Titre 1"/>
-          <p:cNvSpPr>
-            <a:spLocks noGrp="1"/>
-          </p:cNvSpPr>
-          <p:nvPr>
-            <p:ph type="title"/>
-          </p:nvPr>
-        </p:nvSpPr>
-        <p:spPr/>
-        <p:txBody>
-          <a:bodyPr/>
-          <a:lstStyle/>
-          <a:p>
-            <a:r>
-              <a:rPr lang="fr-FR" dirty="0" smtClean="0"/>
-              <a:t>Régression non-polynomiale</a:t>
-            </a:r>
-            <a:endParaRPr lang="fr-FR" dirty="0"/>
-          </a:p>
-        </p:txBody>
-      </p:sp>
-      <p:sp>
-        <p:nvSpPr>
-          <p:cNvPr id="3" name="Espace réservé du contenu 2"/>
-          <p:cNvSpPr>
-            <a:spLocks noGrp="1"/>
-          </p:cNvSpPr>
-          <p:nvPr>
-            <p:ph idx="1"/>
-          </p:nvPr>
-        </p:nvSpPr>
-        <p:spPr/>
-        <p:txBody>
-          <a:bodyPr/>
-          <a:lstStyle/>
-          <a:p>
-            <a:r>
-              <a:rPr lang="fr-FR" dirty="0" smtClean="0"/>
-              <a:t>Il est possible d’appliquer n’importe quelle régression</a:t>
-            </a:r>
-          </a:p>
-          <a:p>
-            <a:pPr lvl="1"/>
-            <a:r>
-              <a:rPr lang="fr-FR" dirty="0" smtClean="0"/>
-              <a:t>A partir d’une fonction </a:t>
-            </a:r>
-            <a:r>
-              <a:rPr lang="fr-FR" smtClean="0"/>
-              <a:t>np</a:t>
-            </a:r>
-            <a:endParaRPr lang="fr-FR" dirty="0" smtClean="0"/>
-          </a:p>
-          <a:p>
-            <a:r>
-              <a:rPr lang="fr-FR" dirty="0" err="1" smtClean="0"/>
-              <a:t>pp.FunctionTransformer</a:t>
-            </a:r>
-            <a:r>
-              <a:rPr lang="fr-FR" dirty="0" smtClean="0"/>
-              <a:t>(</a:t>
-            </a:r>
-            <a:r>
-              <a:rPr lang="fr-FR" dirty="0" err="1" smtClean="0"/>
-              <a:t>function</a:t>
-            </a:r>
-            <a:r>
-              <a:rPr lang="fr-FR" dirty="0" smtClean="0"/>
-              <a:t>)</a:t>
-            </a:r>
-          </a:p>
-          <a:p>
-            <a:pPr lvl="1"/>
-            <a:r>
-              <a:rPr lang="fr-FR" dirty="0" smtClean="0"/>
-              <a:t>Par exemple </a:t>
-            </a:r>
-            <a:r>
-              <a:rPr lang="fr-FR" dirty="0" err="1" smtClean="0"/>
-              <a:t>pp.FunctionTransformer</a:t>
-            </a:r>
-            <a:r>
-              <a:rPr lang="fr-FR" dirty="0" smtClean="0"/>
-              <a:t>(np.log1p)</a:t>
-            </a:r>
-          </a:p>
-          <a:p>
-            <a:pPr lvl="1"/>
-            <a:r>
-              <a:rPr lang="fr-FR" dirty="0" smtClean="0"/>
-              <a:t>Logarithme népérien</a:t>
-            </a:r>
-          </a:p>
-          <a:p>
-            <a:r>
-              <a:rPr lang="fr-FR" dirty="0" smtClean="0"/>
-              <a:t>Exemple de modèle </a:t>
-            </a:r>
-            <a:r>
-              <a:rPr lang="fr-FR" dirty="0" err="1" smtClean="0"/>
-              <a:t>sinusoide</a:t>
-            </a:r>
-            <a:endParaRPr lang="fr-FR" dirty="0" smtClean="0"/>
-          </a:p>
-          <a:p>
-            <a:pPr lvl="1"/>
-            <a:r>
-              <a:rPr lang="fr-FR" dirty="0" err="1"/>
-              <a:t>pipe.make_pipeline</a:t>
-            </a:r>
-            <a:r>
-              <a:rPr lang="fr-FR" dirty="0"/>
-              <a:t>(</a:t>
-            </a:r>
-            <a:r>
-              <a:rPr lang="fr-FR" dirty="0" err="1"/>
-              <a:t>pp.FunctionTransformer</a:t>
-            </a:r>
-            <a:r>
-              <a:rPr lang="fr-FR" dirty="0"/>
-              <a:t>(</a:t>
-            </a:r>
-            <a:r>
-              <a:rPr lang="fr-FR" dirty="0" err="1"/>
-              <a:t>np.sin</a:t>
-            </a:r>
-            <a:r>
-              <a:rPr lang="fr-FR" dirty="0"/>
-              <a:t>), </a:t>
-            </a:r>
-            <a:r>
-              <a:rPr lang="fr-FR" dirty="0" err="1"/>
-              <a:t>sklm.Ridge</a:t>
-            </a:r>
-            <a:r>
-              <a:rPr lang="fr-FR" dirty="0"/>
-              <a:t>())</a:t>
-            </a:r>
-            <a:endParaRPr lang="fr-FR" dirty="0" smtClean="0"/>
-          </a:p>
-          <a:p>
-            <a:pPr lvl="1"/>
-            <a:endParaRPr lang="fr-FR" dirty="0"/>
-          </a:p>
-        </p:txBody>
-      </p:sp>
-    </p:spTree>
-    <p:extLst>
-      <p:ext uri="{BB962C8B-B14F-4D97-AF65-F5344CB8AC3E}">
-        <p14:creationId xmlns:p14="http://schemas.microsoft.com/office/powerpoint/2010/main" val="2969664620"/>
+        <p14:creationId xmlns:p14="http://schemas.microsoft.com/office/powerpoint/2010/main" val="1492295483"/>
       </p:ext>
     </p:extLst>
   </p:cSld>
@@ -6417,6 +6114,13 @@
   <p:clrMapOvr>
     <a:masterClrMapping/>
   </p:clrMapOvr>
+  <p:timing>
+    <p:tnLst>
+      <p:par>
+        <p:cTn id="1" dur="indefinite" restart="never" nodeType="tmRoot"/>
+      </p:par>
+    </p:tnLst>
+  </p:timing>
 </p:sld>
 </file>
 
@@ -6511,6 +6215,13 @@
   <p:clrMapOvr>
     <a:masterClrMapping/>
   </p:clrMapOvr>
+  <p:timing>
+    <p:tnLst>
+      <p:par>
+        <p:cTn id="1" dur="indefinite" restart="never" nodeType="tmRoot"/>
+      </p:par>
+    </p:tnLst>
+  </p:timing>
 </p:sld>
 </file>
 
@@ -6615,6 +6326,13 @@
   <p:clrMapOvr>
     <a:masterClrMapping/>
   </p:clrMapOvr>
+  <p:timing>
+    <p:tnLst>
+      <p:par>
+        <p:cTn id="1" dur="indefinite" restart="never" nodeType="tmRoot"/>
+      </p:par>
+    </p:tnLst>
+  </p:timing>
 </p:sld>
 </file>
 
@@ -6795,6 +6513,13 @@
   <p:clrMapOvr>
     <a:masterClrMapping/>
   </p:clrMapOvr>
+  <p:timing>
+    <p:tnLst>
+      <p:par>
+        <p:cTn id="1" dur="indefinite" restart="never" nodeType="tmRoot"/>
+      </p:par>
+    </p:tnLst>
+  </p:timing>
 </p:sld>
 </file>
 
@@ -6959,6 +6684,13 @@
   <p:clrMapOvr>
     <a:masterClrMapping/>
   </p:clrMapOvr>
+  <p:timing>
+    <p:tnLst>
+      <p:par>
+        <p:cTn id="1" dur="indefinite" restart="never" nodeType="tmRoot"/>
+      </p:par>
+    </p:tnLst>
+  </p:timing>
 </p:sld>
 </file>
 
@@ -7093,6 +6825,13 @@
   <p:clrMapOvr>
     <a:masterClrMapping/>
   </p:clrMapOvr>
+  <p:timing>
+    <p:tnLst>
+      <p:par>
+        <p:cTn id="1" dur="indefinite" restart="never" nodeType="tmRoot"/>
+      </p:par>
+    </p:tnLst>
+  </p:timing>
 </p:sld>
 </file>
 

--- a/PPT/MachineLearning13-ScikitLearn.pptx
+++ b/PPT/MachineLearning13-ScikitLearn.pptx
@@ -3707,9 +3707,14 @@
           <a:p>
             <a:pPr eaLnBrk="1" hangingPunct="1"/>
             <a:r>
-              <a:rPr lang="fr-FR" altLang="fr-FR" dirty="0" smtClean="0"/>
-              <a:t>Chapitre 7</a:t>
-            </a:r>
+              <a:rPr lang="fr-FR" altLang="fr-FR" smtClean="0"/>
+              <a:t>Chapitre </a:t>
+            </a:r>
+            <a:r>
+              <a:rPr lang="fr-FR" altLang="fr-FR" smtClean="0"/>
+              <a:t>13</a:t>
+            </a:r>
+            <a:endParaRPr lang="fr-FR" altLang="fr-FR" dirty="0" smtClean="0"/>
           </a:p>
         </p:txBody>
       </p:sp>
@@ -5676,7 +5681,6 @@
               <a:rPr lang="fr-FR" dirty="0"/>
               <a:t>Régression non-polynomiale</a:t>
             </a:r>
-            <a:endParaRPr lang="fr-FR" dirty="0"/>
           </a:p>
         </p:txBody>
       </p:sp>

--- a/PPT/MachineLearning13-ScikitLearn.pptx
+++ b/PPT/MachineLearning13-ScikitLearn.pptx
@@ -3708,11 +3708,7 @@
             <a:pPr eaLnBrk="1" hangingPunct="1"/>
             <a:r>
               <a:rPr lang="fr-FR" altLang="fr-FR" smtClean="0"/>
-              <a:t>Chapitre </a:t>
-            </a:r>
-            <a:r>
-              <a:rPr lang="fr-FR" altLang="fr-FR" smtClean="0"/>
-              <a:t>13</a:t>
+              <a:t>Chapitre 13</a:t>
             </a:r>
             <a:endParaRPr lang="fr-FR" altLang="fr-FR" dirty="0" smtClean="0"/>
           </a:p>
@@ -5567,9 +5563,35 @@
             </a:r>
             <a:r>
               <a:rPr lang="fr-FR" sz="2000" dirty="0"/>
-              <a:t> compris.</a:t>
-            </a:r>
-            <a:endParaRPr lang="fr-FR" sz="2000" dirty="0" smtClean="0"/>
+              <a:t> compris</a:t>
+            </a:r>
+            <a:r>
+              <a:rPr lang="fr-FR" sz="2000" dirty="0" smtClean="0"/>
+              <a:t>.</a:t>
+            </a:r>
+          </a:p>
+          <a:p>
+            <a:r>
+              <a:rPr lang="fr-FR" sz="2400" dirty="0" err="1" smtClean="0"/>
+              <a:t>pip</a:t>
+            </a:r>
+            <a:r>
+              <a:rPr lang="fr-FR" sz="2400" dirty="0" smtClean="0"/>
+              <a:t> </a:t>
+            </a:r>
+            <a:r>
+              <a:rPr lang="fr-FR" sz="2400" dirty="0" err="1" smtClean="0"/>
+              <a:t>install</a:t>
+            </a:r>
+            <a:r>
+              <a:rPr lang="fr-FR" sz="2400" dirty="0" smtClean="0"/>
+              <a:t> </a:t>
+            </a:r>
+            <a:r>
+              <a:rPr lang="fr-FR" sz="2400" smtClean="0"/>
+              <a:t>scikit-learn</a:t>
+            </a:r>
+            <a:endParaRPr lang="fr-FR" sz="2400" dirty="0" smtClean="0"/>
           </a:p>
           <a:p>
             <a:pPr lvl="1"/>

--- a/PPT/MachineLearning13-ScikitLearn.pptx
+++ b/PPT/MachineLearning13-ScikitLearn.pptx
@@ -17,19 +17,19 @@
     <p:sldId id="266" r:id="rId5"/>
     <p:sldId id="284" r:id="rId6"/>
     <p:sldId id="278" r:id="rId7"/>
-    <p:sldId id="279" r:id="rId8"/>
-    <p:sldId id="267" r:id="rId9"/>
-    <p:sldId id="268" r:id="rId10"/>
-    <p:sldId id="270" r:id="rId11"/>
-    <p:sldId id="269" r:id="rId12"/>
-    <p:sldId id="271" r:id="rId13"/>
-    <p:sldId id="282" r:id="rId14"/>
-    <p:sldId id="283" r:id="rId15"/>
-    <p:sldId id="272" r:id="rId16"/>
-    <p:sldId id="273" r:id="rId17"/>
-    <p:sldId id="275" r:id="rId18"/>
-    <p:sldId id="274" r:id="rId19"/>
-    <p:sldId id="276" r:id="rId20"/>
+    <p:sldId id="271" r:id="rId8"/>
+    <p:sldId id="282" r:id="rId9"/>
+    <p:sldId id="283" r:id="rId10"/>
+    <p:sldId id="272" r:id="rId11"/>
+    <p:sldId id="273" r:id="rId12"/>
+    <p:sldId id="275" r:id="rId13"/>
+    <p:sldId id="274" r:id="rId14"/>
+    <p:sldId id="276" r:id="rId15"/>
+    <p:sldId id="287" r:id="rId16"/>
+    <p:sldId id="288" r:id="rId17"/>
+    <p:sldId id="289" r:id="rId18"/>
+    <p:sldId id="290" r:id="rId19"/>
+    <p:sldId id="291" r:id="rId20"/>
     <p:sldId id="286" r:id="rId21"/>
   </p:sldIdLst>
   <p:sldSz cx="9144000" cy="6858000" type="screen4x3"/>
@@ -3840,898 +3840,6 @@
           <a:lstStyle/>
           <a:p>
             <a:r>
-              <a:rPr lang="fr-FR" dirty="0" smtClean="0"/>
-              <a:t>Randomisation</a:t>
-            </a:r>
-            <a:endParaRPr lang="fr-FR" dirty="0"/>
-          </a:p>
-        </p:txBody>
-      </p:sp>
-      <p:sp>
-        <p:nvSpPr>
-          <p:cNvPr id="3" name="Espace réservé du contenu 2"/>
-          <p:cNvSpPr>
-            <a:spLocks noGrp="1"/>
-          </p:cNvSpPr>
-          <p:nvPr>
-            <p:ph idx="1"/>
-          </p:nvPr>
-        </p:nvSpPr>
-        <p:spPr/>
-        <p:txBody>
-          <a:bodyPr/>
-          <a:lstStyle/>
-          <a:p>
-            <a:r>
-              <a:rPr lang="fr-FR" dirty="0"/>
-              <a:t>I</a:t>
-            </a:r>
-            <a:r>
-              <a:rPr lang="fr-FR" dirty="0" smtClean="0"/>
-              <a:t>l </a:t>
-            </a:r>
-            <a:r>
-              <a:rPr lang="fr-FR" dirty="0"/>
-              <a:t>s’avère que si on entraîne le modèle avec des données, il va naturellement être plus performant sur ces </a:t>
-            </a:r>
-            <a:r>
-              <a:rPr lang="fr-FR" dirty="0" smtClean="0"/>
-              <a:t>données-là</a:t>
-            </a:r>
-          </a:p>
-          <a:p>
-            <a:r>
-              <a:rPr lang="fr-FR" dirty="0" smtClean="0"/>
-              <a:t>Ce </a:t>
-            </a:r>
-            <a:r>
-              <a:rPr lang="fr-FR" dirty="0"/>
-              <a:t>qui nous intéresse c’est de mesurer sa performance sur des données qu’il n’a jamais vues puisque c’est ce qui va se passer en </a:t>
-            </a:r>
-            <a:r>
-              <a:rPr lang="fr-FR" dirty="0" smtClean="0"/>
-              <a:t>pratique</a:t>
-            </a:r>
-          </a:p>
-          <a:p>
-            <a:r>
-              <a:rPr lang="fr-FR" dirty="0" smtClean="0"/>
-              <a:t>Cette </a:t>
-            </a:r>
-            <a:r>
-              <a:rPr lang="fr-FR" dirty="0"/>
-              <a:t>performance est appelée la </a:t>
-            </a:r>
-            <a:r>
-              <a:rPr lang="fr-FR" b="1" dirty="0"/>
-              <a:t>généralisation</a:t>
-            </a:r>
-            <a:r>
-              <a:rPr lang="fr-FR" dirty="0"/>
-              <a:t> du </a:t>
-            </a:r>
-            <a:r>
-              <a:rPr lang="fr-FR" dirty="0" smtClean="0"/>
-              <a:t>modèle</a:t>
-            </a:r>
-            <a:endParaRPr lang="fr-FR" dirty="0"/>
-          </a:p>
-          <a:p>
-            <a:pPr lvl="1"/>
-            <a:r>
-              <a:rPr lang="fr-FR" dirty="0" smtClean="0"/>
-              <a:t>Sa </a:t>
-            </a:r>
-            <a:r>
-              <a:rPr lang="fr-FR" dirty="0"/>
-              <a:t>capacité à effectuer des prédictions de qualité sur des situations jamais rencontrées.</a:t>
-            </a:r>
-          </a:p>
-        </p:txBody>
-      </p:sp>
-    </p:spTree>
-    <p:extLst>
-      <p:ext uri="{BB962C8B-B14F-4D97-AF65-F5344CB8AC3E}">
-        <p14:creationId xmlns:p14="http://schemas.microsoft.com/office/powerpoint/2010/main" val="2686961324"/>
-      </p:ext>
-    </p:extLst>
-  </p:cSld>
-  <p:clrMapOvr>
-    <a:masterClrMapping/>
-  </p:clrMapOvr>
-  <p:timing>
-    <p:tnLst>
-      <p:par>
-        <p:cTn id="1" dur="indefinite" restart="never" nodeType="tmRoot"/>
-      </p:par>
-    </p:tnLst>
-  </p:timing>
-</p:sld>
-</file>
-
-<file path=ppt/slides/slide11.xml><?xml version="1.0" encoding="utf-8"?>
-<p:sld xmlns:a="http://schemas.openxmlformats.org/drawingml/2006/main" xmlns:r="http://schemas.openxmlformats.org/officeDocument/2006/relationships" xmlns:p="http://schemas.openxmlformats.org/presentationml/2006/main">
-  <p:cSld>
-    <p:spTree>
-      <p:nvGrpSpPr>
-        <p:cNvPr id="1" name=""/>
-        <p:cNvGrpSpPr/>
-        <p:nvPr/>
-      </p:nvGrpSpPr>
-      <p:grpSpPr>
-        <a:xfrm>
-          <a:off x="0" y="0"/>
-          <a:ext cx="0" cy="0"/>
-          <a:chOff x="0" y="0"/>
-          <a:chExt cx="0" cy="0"/>
-        </a:xfrm>
-      </p:grpSpPr>
-      <p:sp>
-        <p:nvSpPr>
-          <p:cNvPr id="2" name="Titre 1"/>
-          <p:cNvSpPr>
-            <a:spLocks noGrp="1"/>
-          </p:cNvSpPr>
-          <p:nvPr>
-            <p:ph type="title"/>
-          </p:nvPr>
-        </p:nvSpPr>
-        <p:spPr/>
-        <p:txBody>
-          <a:bodyPr/>
-          <a:lstStyle/>
-          <a:p>
-            <a:r>
-              <a:rPr lang="fr-FR" dirty="0" smtClean="0"/>
-              <a:t>Model </a:t>
-            </a:r>
-            <a:r>
-              <a:rPr lang="fr-FR" dirty="0" err="1" smtClean="0"/>
-              <a:t>Selection</a:t>
-            </a:r>
-            <a:endParaRPr lang="fr-FR" dirty="0"/>
-          </a:p>
-        </p:txBody>
-      </p:sp>
-      <p:sp>
-        <p:nvSpPr>
-          <p:cNvPr id="3" name="Espace réservé du contenu 2"/>
-          <p:cNvSpPr>
-            <a:spLocks noGrp="1"/>
-          </p:cNvSpPr>
-          <p:nvPr>
-            <p:ph idx="1"/>
-          </p:nvPr>
-        </p:nvSpPr>
-        <p:spPr/>
-        <p:txBody>
-          <a:bodyPr/>
-          <a:lstStyle/>
-          <a:p>
-            <a:r>
-              <a:rPr lang="fr-FR" dirty="0" smtClean="0"/>
-              <a:t>Model </a:t>
-            </a:r>
-            <a:r>
-              <a:rPr lang="fr-FR" dirty="0" err="1" smtClean="0"/>
-              <a:t>Selection</a:t>
-            </a:r>
-            <a:r>
-              <a:rPr lang="fr-FR" dirty="0" smtClean="0"/>
-              <a:t> est un module de sélection de modèle</a:t>
-            </a:r>
-          </a:p>
-          <a:p>
-            <a:r>
-              <a:rPr lang="fr-FR" dirty="0" err="1" smtClean="0"/>
-              <a:t>Train_test_split</a:t>
-            </a:r>
-            <a:r>
-              <a:rPr lang="fr-FR" dirty="0" smtClean="0"/>
-              <a:t> permet de découper le </a:t>
-            </a:r>
-            <a:r>
-              <a:rPr lang="fr-FR" dirty="0" err="1" smtClean="0"/>
-              <a:t>dataset</a:t>
-            </a:r>
-            <a:endParaRPr lang="fr-FR" dirty="0" smtClean="0"/>
-          </a:p>
-          <a:p>
-            <a:pPr lvl="1"/>
-            <a:r>
-              <a:rPr lang="fr-FR" dirty="0"/>
-              <a:t>import </a:t>
-            </a:r>
-            <a:r>
-              <a:rPr lang="fr-FR" dirty="0" err="1"/>
-              <a:t>sklearn.model_selection</a:t>
-            </a:r>
-            <a:r>
-              <a:rPr lang="fr-FR" dirty="0"/>
-              <a:t> as ms</a:t>
-            </a:r>
-          </a:p>
-          <a:p>
-            <a:pPr lvl="1"/>
-            <a:r>
-              <a:rPr lang="fr-FR" dirty="0" err="1" smtClean="0"/>
-              <a:t>xtrain</a:t>
-            </a:r>
-            <a:r>
-              <a:rPr lang="fr-FR" dirty="0"/>
-              <a:t>, </a:t>
-            </a:r>
-            <a:r>
-              <a:rPr lang="fr-FR" dirty="0" err="1"/>
-              <a:t>xtest</a:t>
-            </a:r>
-            <a:r>
-              <a:rPr lang="fr-FR" dirty="0"/>
-              <a:t>, </a:t>
-            </a:r>
-            <a:r>
-              <a:rPr lang="fr-FR" dirty="0" err="1"/>
-              <a:t>ytrain</a:t>
-            </a:r>
-            <a:r>
-              <a:rPr lang="fr-FR" dirty="0"/>
-              <a:t>, </a:t>
-            </a:r>
-            <a:r>
-              <a:rPr lang="fr-FR" dirty="0" err="1"/>
-              <a:t>ytest</a:t>
-            </a:r>
-            <a:r>
-              <a:rPr lang="fr-FR" dirty="0"/>
-              <a:t> = </a:t>
-            </a:r>
-            <a:r>
-              <a:rPr lang="fr-FR" dirty="0" err="1"/>
-              <a:t>ms.train_test_split</a:t>
-            </a:r>
-            <a:r>
-              <a:rPr lang="fr-FR" dirty="0"/>
-              <a:t>(X, y, </a:t>
-            </a:r>
-            <a:r>
-              <a:rPr lang="fr-FR" dirty="0" err="1"/>
-              <a:t>train_size</a:t>
-            </a:r>
-            <a:r>
-              <a:rPr lang="fr-FR" dirty="0"/>
-              <a:t>=0.8, </a:t>
-            </a:r>
-            <a:r>
-              <a:rPr lang="fr-FR" dirty="0" err="1"/>
-              <a:t>test_size</a:t>
-            </a:r>
-            <a:r>
-              <a:rPr lang="fr-FR" dirty="0"/>
-              <a:t>=0.2)</a:t>
-            </a:r>
-          </a:p>
-        </p:txBody>
-      </p:sp>
-    </p:spTree>
-    <p:extLst>
-      <p:ext uri="{BB962C8B-B14F-4D97-AF65-F5344CB8AC3E}">
-        <p14:creationId xmlns:p14="http://schemas.microsoft.com/office/powerpoint/2010/main" val="3218335915"/>
-      </p:ext>
-    </p:extLst>
-  </p:cSld>
-  <p:clrMapOvr>
-    <a:masterClrMapping/>
-  </p:clrMapOvr>
-  <p:timing>
-    <p:tnLst>
-      <p:par>
-        <p:cTn id="1" dur="indefinite" restart="never" nodeType="tmRoot"/>
-      </p:par>
-    </p:tnLst>
-  </p:timing>
-</p:sld>
-</file>
-
-<file path=ppt/slides/slide12.xml><?xml version="1.0" encoding="utf-8"?>
-<p:sld xmlns:a="http://schemas.openxmlformats.org/drawingml/2006/main" xmlns:r="http://schemas.openxmlformats.org/officeDocument/2006/relationships" xmlns:p="http://schemas.openxmlformats.org/presentationml/2006/main">
-  <p:cSld>
-    <p:spTree>
-      <p:nvGrpSpPr>
-        <p:cNvPr id="1" name=""/>
-        <p:cNvGrpSpPr/>
-        <p:nvPr/>
-      </p:nvGrpSpPr>
-      <p:grpSpPr>
-        <a:xfrm>
-          <a:off x="0" y="0"/>
-          <a:ext cx="0" cy="0"/>
-          <a:chOff x="0" y="0"/>
-          <a:chExt cx="0" cy="0"/>
-        </a:xfrm>
-      </p:grpSpPr>
-      <p:sp>
-        <p:nvSpPr>
-          <p:cNvPr id="2" name="Titre 1"/>
-          <p:cNvSpPr>
-            <a:spLocks noGrp="1"/>
-          </p:cNvSpPr>
-          <p:nvPr>
-            <p:ph type="title"/>
-          </p:nvPr>
-        </p:nvSpPr>
-        <p:spPr/>
-        <p:txBody>
-          <a:bodyPr/>
-          <a:lstStyle/>
-          <a:p>
-            <a:r>
-              <a:rPr lang="fr-FR" dirty="0" smtClean="0"/>
-              <a:t>Interprétation du résultat</a:t>
-            </a:r>
-            <a:endParaRPr lang="fr-FR" dirty="0"/>
-          </a:p>
-        </p:txBody>
-      </p:sp>
-      <p:sp>
-        <p:nvSpPr>
-          <p:cNvPr id="3" name="Espace réservé du contenu 2"/>
-          <p:cNvSpPr>
-            <a:spLocks noGrp="1"/>
-          </p:cNvSpPr>
-          <p:nvPr>
-            <p:ph idx="1"/>
-          </p:nvPr>
-        </p:nvSpPr>
-        <p:spPr/>
-        <p:txBody>
-          <a:bodyPr/>
-          <a:lstStyle/>
-          <a:p>
-            <a:r>
-              <a:rPr lang="fr-FR" dirty="0" smtClean="0"/>
-              <a:t>Evidement en ayant moins de données le résultat sur le training set sera un peu moins bon</a:t>
-            </a:r>
-          </a:p>
-          <a:p>
-            <a:r>
-              <a:rPr lang="fr-FR" dirty="0" smtClean="0"/>
-              <a:t>Mais il faut rejouer la régression sur les </a:t>
-            </a:r>
-            <a:r>
-              <a:rPr lang="fr-FR" dirty="0" err="1" smtClean="0"/>
-              <a:t>testing</a:t>
-            </a:r>
-            <a:r>
-              <a:rPr lang="fr-FR" dirty="0" smtClean="0"/>
-              <a:t> set</a:t>
-            </a:r>
-          </a:p>
-          <a:p>
-            <a:pPr lvl="1"/>
-            <a:r>
-              <a:rPr lang="fr-FR" dirty="0" smtClean="0"/>
-              <a:t>Il peut être nécessaire de rejouer le modèle plusieurs fois pour arriver à un résultat satisfaisant</a:t>
-            </a:r>
-          </a:p>
-          <a:p>
-            <a:pPr lvl="1"/>
-            <a:r>
-              <a:rPr lang="fr-FR" dirty="0" smtClean="0"/>
-              <a:t>Training vs test</a:t>
-            </a:r>
-          </a:p>
-          <a:p>
-            <a:pPr lvl="1"/>
-            <a:endParaRPr lang="fr-FR" dirty="0"/>
-          </a:p>
-        </p:txBody>
-      </p:sp>
-      <p:pic>
-        <p:nvPicPr>
-          <p:cNvPr id="4" name="Image 3"/>
-          <p:cNvPicPr>
-            <a:picLocks noChangeAspect="1"/>
-          </p:cNvPicPr>
-          <p:nvPr/>
-        </p:nvPicPr>
-        <p:blipFill>
-          <a:blip r:embed="rId2"/>
-          <a:stretch>
-            <a:fillRect/>
-          </a:stretch>
-        </p:blipFill>
-        <p:spPr>
-          <a:xfrm>
-            <a:off x="899592" y="4482281"/>
-            <a:ext cx="3158514" cy="2314380"/>
-          </a:xfrm>
-          <a:prstGeom prst="rect">
-            <a:avLst/>
-          </a:prstGeom>
-        </p:spPr>
-      </p:pic>
-      <p:pic>
-        <p:nvPicPr>
-          <p:cNvPr id="5" name="Image 4"/>
-          <p:cNvPicPr>
-            <a:picLocks noChangeAspect="1"/>
-          </p:cNvPicPr>
-          <p:nvPr/>
-        </p:nvPicPr>
-        <p:blipFill>
-          <a:blip r:embed="rId3"/>
-          <a:stretch>
-            <a:fillRect/>
-          </a:stretch>
-        </p:blipFill>
-        <p:spPr>
-          <a:xfrm>
-            <a:off x="5220072" y="4565194"/>
-            <a:ext cx="3118678" cy="2231467"/>
-          </a:xfrm>
-          <a:prstGeom prst="rect">
-            <a:avLst/>
-          </a:prstGeom>
-        </p:spPr>
-      </p:pic>
-    </p:spTree>
-    <p:extLst>
-      <p:ext uri="{BB962C8B-B14F-4D97-AF65-F5344CB8AC3E}">
-        <p14:creationId xmlns:p14="http://schemas.microsoft.com/office/powerpoint/2010/main" val="2031907141"/>
-      </p:ext>
-    </p:extLst>
-  </p:cSld>
-  <p:clrMapOvr>
-    <a:masterClrMapping/>
-  </p:clrMapOvr>
-  <p:timing>
-    <p:tnLst>
-      <p:par>
-        <p:cTn id="1" dur="indefinite" restart="never" nodeType="tmRoot"/>
-      </p:par>
-    </p:tnLst>
-  </p:timing>
-</p:sld>
-</file>
-
-<file path=ppt/slides/slide13.xml><?xml version="1.0" encoding="utf-8"?>
-<p:sld xmlns:a="http://schemas.openxmlformats.org/drawingml/2006/main" xmlns:r="http://schemas.openxmlformats.org/officeDocument/2006/relationships" xmlns:p="http://schemas.openxmlformats.org/presentationml/2006/main">
-  <p:cSld>
-    <p:spTree>
-      <p:nvGrpSpPr>
-        <p:cNvPr id="1" name=""/>
-        <p:cNvGrpSpPr/>
-        <p:nvPr/>
-      </p:nvGrpSpPr>
-      <p:grpSpPr>
-        <a:xfrm>
-          <a:off x="0" y="0"/>
-          <a:ext cx="0" cy="0"/>
-          <a:chOff x="0" y="0"/>
-          <a:chExt cx="0" cy="0"/>
-        </a:xfrm>
-      </p:grpSpPr>
-      <p:sp>
-        <p:nvSpPr>
-          <p:cNvPr id="2" name="Titre 1"/>
-          <p:cNvSpPr>
-            <a:spLocks noGrp="1"/>
-          </p:cNvSpPr>
-          <p:nvPr>
-            <p:ph type="title"/>
-          </p:nvPr>
-        </p:nvSpPr>
-        <p:spPr/>
-        <p:txBody>
-          <a:bodyPr/>
-          <a:lstStyle/>
-          <a:p>
-            <a:r>
-              <a:rPr lang="fr-FR" dirty="0" smtClean="0"/>
-              <a:t>Echantillonnage</a:t>
-            </a:r>
-            <a:endParaRPr lang="fr-FR" dirty="0"/>
-          </a:p>
-        </p:txBody>
-      </p:sp>
-      <p:sp>
-        <p:nvSpPr>
-          <p:cNvPr id="3" name="Espace réservé du contenu 2"/>
-          <p:cNvSpPr>
-            <a:spLocks noGrp="1"/>
-          </p:cNvSpPr>
-          <p:nvPr>
-            <p:ph idx="1"/>
-          </p:nvPr>
-        </p:nvSpPr>
-        <p:spPr/>
-        <p:txBody>
-          <a:bodyPr/>
-          <a:lstStyle/>
-          <a:p>
-            <a:r>
-              <a:rPr lang="fr-FR" dirty="0" smtClean="0"/>
-              <a:t>Basé sur une fonctionnalité </a:t>
-            </a:r>
-            <a:r>
-              <a:rPr lang="fr-FR" dirty="0" err="1" smtClean="0"/>
-              <a:t>numpy</a:t>
-            </a:r>
-            <a:endParaRPr lang="fr-FR" dirty="0" smtClean="0"/>
-          </a:p>
-          <a:p>
-            <a:r>
-              <a:rPr lang="fr-FR" dirty="0" err="1" smtClean="0"/>
-              <a:t>np.array</a:t>
-            </a:r>
-            <a:r>
-              <a:rPr lang="fr-FR" dirty="0" smtClean="0"/>
-              <a:t>([2,8,0,10,9])[2,4] donne [0,9]</a:t>
-            </a:r>
-          </a:p>
-          <a:p>
-            <a:r>
-              <a:rPr lang="fr-FR" dirty="0" smtClean="0"/>
-              <a:t>Cela donne pour un échantillon de 5000</a:t>
-            </a:r>
-          </a:p>
-          <a:p>
-            <a:pPr lvl="1"/>
-            <a:r>
-              <a:rPr lang="fr-FR" sz="2000" dirty="0" err="1">
-                <a:latin typeface="Courier New" panose="02070309020205020404" pitchFamily="49" charset="0"/>
-                <a:cs typeface="Courier New" panose="02070309020205020404" pitchFamily="49" charset="0"/>
-              </a:rPr>
-              <a:t>sample</a:t>
-            </a:r>
-            <a:r>
-              <a:rPr lang="fr-FR" sz="2000" dirty="0">
-                <a:latin typeface="Courier New" panose="02070309020205020404" pitchFamily="49" charset="0"/>
-                <a:cs typeface="Courier New" panose="02070309020205020404" pitchFamily="49" charset="0"/>
-              </a:rPr>
-              <a:t> = </a:t>
-            </a:r>
-            <a:r>
-              <a:rPr lang="fr-FR" sz="2000" dirty="0" err="1">
-                <a:latin typeface="Courier New" panose="02070309020205020404" pitchFamily="49" charset="0"/>
-                <a:cs typeface="Courier New" panose="02070309020205020404" pitchFamily="49" charset="0"/>
-              </a:rPr>
-              <a:t>np.random.randint</a:t>
-            </a:r>
-            <a:r>
-              <a:rPr lang="fr-FR" sz="2000" dirty="0">
-                <a:latin typeface="Courier New" panose="02070309020205020404" pitchFamily="49" charset="0"/>
-                <a:cs typeface="Courier New" panose="02070309020205020404" pitchFamily="49" charset="0"/>
-              </a:rPr>
-              <a:t>(70000, size=5000)</a:t>
-            </a:r>
-          </a:p>
-          <a:p>
-            <a:pPr lvl="1"/>
-            <a:r>
-              <a:rPr lang="fr-FR" sz="2000" dirty="0">
-                <a:latin typeface="Courier New" panose="02070309020205020404" pitchFamily="49" charset="0"/>
-                <a:cs typeface="Courier New" panose="02070309020205020404" pitchFamily="49" charset="0"/>
-              </a:rPr>
-              <a:t>data = </a:t>
-            </a:r>
-            <a:r>
-              <a:rPr lang="fr-FR" sz="2000" dirty="0" err="1">
-                <a:latin typeface="Courier New" panose="02070309020205020404" pitchFamily="49" charset="0"/>
-                <a:cs typeface="Courier New" panose="02070309020205020404" pitchFamily="49" charset="0"/>
-              </a:rPr>
-              <a:t>mnist.data</a:t>
-            </a:r>
-            <a:r>
-              <a:rPr lang="fr-FR" sz="2000" dirty="0">
-                <a:latin typeface="Courier New" panose="02070309020205020404" pitchFamily="49" charset="0"/>
-                <a:cs typeface="Courier New" panose="02070309020205020404" pitchFamily="49" charset="0"/>
-              </a:rPr>
-              <a:t>[</a:t>
-            </a:r>
-            <a:r>
-              <a:rPr lang="fr-FR" sz="2000" dirty="0" err="1">
-                <a:latin typeface="Courier New" panose="02070309020205020404" pitchFamily="49" charset="0"/>
-                <a:cs typeface="Courier New" panose="02070309020205020404" pitchFamily="49" charset="0"/>
-              </a:rPr>
-              <a:t>sample</a:t>
-            </a:r>
-            <a:r>
-              <a:rPr lang="fr-FR" sz="2000" dirty="0">
-                <a:latin typeface="Courier New" panose="02070309020205020404" pitchFamily="49" charset="0"/>
-                <a:cs typeface="Courier New" panose="02070309020205020404" pitchFamily="49" charset="0"/>
-              </a:rPr>
-              <a:t>]</a:t>
-            </a:r>
-          </a:p>
-          <a:p>
-            <a:pPr lvl="1"/>
-            <a:r>
-              <a:rPr lang="fr-FR" sz="2000" dirty="0" err="1">
-                <a:latin typeface="Courier New" panose="02070309020205020404" pitchFamily="49" charset="0"/>
-                <a:cs typeface="Courier New" panose="02070309020205020404" pitchFamily="49" charset="0"/>
-              </a:rPr>
-              <a:t>target</a:t>
-            </a:r>
-            <a:r>
-              <a:rPr lang="fr-FR" sz="2000" dirty="0">
-                <a:latin typeface="Courier New" panose="02070309020205020404" pitchFamily="49" charset="0"/>
-                <a:cs typeface="Courier New" panose="02070309020205020404" pitchFamily="49" charset="0"/>
-              </a:rPr>
-              <a:t> = </a:t>
-            </a:r>
-            <a:r>
-              <a:rPr lang="fr-FR" sz="2000" dirty="0" err="1">
-                <a:latin typeface="Courier New" panose="02070309020205020404" pitchFamily="49" charset="0"/>
-                <a:cs typeface="Courier New" panose="02070309020205020404" pitchFamily="49" charset="0"/>
-              </a:rPr>
-              <a:t>mnist.target</a:t>
-            </a:r>
-            <a:r>
-              <a:rPr lang="fr-FR" sz="2000" dirty="0">
-                <a:latin typeface="Courier New" panose="02070309020205020404" pitchFamily="49" charset="0"/>
-                <a:cs typeface="Courier New" panose="02070309020205020404" pitchFamily="49" charset="0"/>
-              </a:rPr>
-              <a:t>[</a:t>
-            </a:r>
-            <a:r>
-              <a:rPr lang="fr-FR" sz="2000" dirty="0" err="1">
-                <a:latin typeface="Courier New" panose="02070309020205020404" pitchFamily="49" charset="0"/>
-                <a:cs typeface="Courier New" panose="02070309020205020404" pitchFamily="49" charset="0"/>
-              </a:rPr>
-              <a:t>sample</a:t>
-            </a:r>
-            <a:r>
-              <a:rPr lang="fr-FR" sz="2000" dirty="0">
-                <a:latin typeface="Courier New" panose="02070309020205020404" pitchFamily="49" charset="0"/>
-                <a:cs typeface="Courier New" panose="02070309020205020404" pitchFamily="49" charset="0"/>
-              </a:rPr>
-              <a:t>]</a:t>
-            </a:r>
-            <a:endParaRPr lang="fr-FR" sz="2000" dirty="0" smtClean="0">
-              <a:latin typeface="Courier New" panose="02070309020205020404" pitchFamily="49" charset="0"/>
-              <a:cs typeface="Courier New" panose="02070309020205020404" pitchFamily="49" charset="0"/>
-            </a:endParaRPr>
-          </a:p>
-          <a:p>
-            <a:pPr lvl="1"/>
-            <a:endParaRPr lang="fr-FR" dirty="0"/>
-          </a:p>
-        </p:txBody>
-      </p:sp>
-    </p:spTree>
-    <p:extLst>
-      <p:ext uri="{BB962C8B-B14F-4D97-AF65-F5344CB8AC3E}">
-        <p14:creationId xmlns:p14="http://schemas.microsoft.com/office/powerpoint/2010/main" val="391119954"/>
-      </p:ext>
-    </p:extLst>
-  </p:cSld>
-  <p:clrMapOvr>
-    <a:masterClrMapping/>
-  </p:clrMapOvr>
-  <p:timing>
-    <p:tnLst>
-      <p:par>
-        <p:cTn id="1" dur="indefinite" restart="never" nodeType="tmRoot"/>
-      </p:par>
-    </p:tnLst>
-  </p:timing>
-</p:sld>
-</file>
-
-<file path=ppt/slides/slide14.xml><?xml version="1.0" encoding="utf-8"?>
-<p:sld xmlns:a="http://schemas.openxmlformats.org/drawingml/2006/main" xmlns:r="http://schemas.openxmlformats.org/officeDocument/2006/relationships" xmlns:p="http://schemas.openxmlformats.org/presentationml/2006/main">
-  <p:cSld>
-    <p:spTree>
-      <p:nvGrpSpPr>
-        <p:cNvPr id="1" name=""/>
-        <p:cNvGrpSpPr/>
-        <p:nvPr/>
-      </p:nvGrpSpPr>
-      <p:grpSpPr>
-        <a:xfrm>
-          <a:off x="0" y="0"/>
-          <a:ext cx="0" cy="0"/>
-          <a:chOff x="0" y="0"/>
-          <a:chExt cx="0" cy="0"/>
-        </a:xfrm>
-      </p:grpSpPr>
-      <p:sp>
-        <p:nvSpPr>
-          <p:cNvPr id="2" name="Titre 1"/>
-          <p:cNvSpPr>
-            <a:spLocks noGrp="1"/>
-          </p:cNvSpPr>
-          <p:nvPr>
-            <p:ph type="title"/>
-          </p:nvPr>
-        </p:nvSpPr>
-        <p:spPr/>
-        <p:txBody>
-          <a:bodyPr/>
-          <a:lstStyle/>
-          <a:p>
-            <a:r>
-              <a:rPr lang="fr-FR" dirty="0" smtClean="0"/>
-              <a:t>Training Set</a:t>
-            </a:r>
-            <a:endParaRPr lang="fr-FR" dirty="0"/>
-          </a:p>
-        </p:txBody>
-      </p:sp>
-      <p:sp>
-        <p:nvSpPr>
-          <p:cNvPr id="3" name="Espace réservé du contenu 2"/>
-          <p:cNvSpPr>
-            <a:spLocks noGrp="1"/>
-          </p:cNvSpPr>
-          <p:nvPr>
-            <p:ph idx="1"/>
-          </p:nvPr>
-        </p:nvSpPr>
-        <p:spPr/>
-        <p:txBody>
-          <a:bodyPr/>
-          <a:lstStyle/>
-          <a:p>
-            <a:r>
-              <a:rPr lang="en-US" dirty="0" err="1">
-                <a:latin typeface="Courier New" panose="02070309020205020404" pitchFamily="49" charset="0"/>
-                <a:cs typeface="Courier New" panose="02070309020205020404" pitchFamily="49" charset="0"/>
-              </a:rPr>
-              <a:t>xtrain</a:t>
-            </a:r>
-            <a:r>
-              <a:rPr lang="en-US" dirty="0">
-                <a:latin typeface="Courier New" panose="02070309020205020404" pitchFamily="49" charset="0"/>
-                <a:cs typeface="Courier New" panose="02070309020205020404" pitchFamily="49" charset="0"/>
-              </a:rPr>
-              <a:t>, </a:t>
-            </a:r>
-            <a:r>
-              <a:rPr lang="en-US" dirty="0" err="1">
-                <a:latin typeface="Courier New" panose="02070309020205020404" pitchFamily="49" charset="0"/>
-                <a:cs typeface="Courier New" panose="02070309020205020404" pitchFamily="49" charset="0"/>
-              </a:rPr>
-              <a:t>xtest</a:t>
-            </a:r>
-            <a:r>
-              <a:rPr lang="en-US" dirty="0">
-                <a:latin typeface="Courier New" panose="02070309020205020404" pitchFamily="49" charset="0"/>
-                <a:cs typeface="Courier New" panose="02070309020205020404" pitchFamily="49" charset="0"/>
-              </a:rPr>
-              <a:t>, </a:t>
-            </a:r>
-            <a:r>
-              <a:rPr lang="en-US" dirty="0" err="1">
-                <a:latin typeface="Courier New" panose="02070309020205020404" pitchFamily="49" charset="0"/>
-                <a:cs typeface="Courier New" panose="02070309020205020404" pitchFamily="49" charset="0"/>
-              </a:rPr>
-              <a:t>ytrain</a:t>
-            </a:r>
-            <a:r>
-              <a:rPr lang="en-US" dirty="0">
-                <a:latin typeface="Courier New" panose="02070309020205020404" pitchFamily="49" charset="0"/>
-                <a:cs typeface="Courier New" panose="02070309020205020404" pitchFamily="49" charset="0"/>
-              </a:rPr>
-              <a:t>, </a:t>
-            </a:r>
-            <a:r>
-              <a:rPr lang="en-US" dirty="0" err="1">
-                <a:latin typeface="Courier New" panose="02070309020205020404" pitchFamily="49" charset="0"/>
-                <a:cs typeface="Courier New" panose="02070309020205020404" pitchFamily="49" charset="0"/>
-              </a:rPr>
-              <a:t>ytest</a:t>
-            </a:r>
-            <a:r>
-              <a:rPr lang="en-US" dirty="0">
-                <a:latin typeface="Courier New" panose="02070309020205020404" pitchFamily="49" charset="0"/>
-                <a:cs typeface="Courier New" panose="02070309020205020404" pitchFamily="49" charset="0"/>
-              </a:rPr>
-              <a:t> = </a:t>
-            </a:r>
-            <a:r>
-              <a:rPr lang="en-US" dirty="0" err="1">
-                <a:latin typeface="Courier New" panose="02070309020205020404" pitchFamily="49" charset="0"/>
-                <a:cs typeface="Courier New" panose="02070309020205020404" pitchFamily="49" charset="0"/>
-              </a:rPr>
-              <a:t>ms.train_test_split</a:t>
-            </a:r>
-            <a:r>
-              <a:rPr lang="en-US" dirty="0">
-                <a:latin typeface="Courier New" panose="02070309020205020404" pitchFamily="49" charset="0"/>
-                <a:cs typeface="Courier New" panose="02070309020205020404" pitchFamily="49" charset="0"/>
-              </a:rPr>
-              <a:t>(data, target, </a:t>
-            </a:r>
-            <a:r>
-              <a:rPr lang="en-US" dirty="0" err="1">
-                <a:latin typeface="Courier New" panose="02070309020205020404" pitchFamily="49" charset="0"/>
-                <a:cs typeface="Courier New" panose="02070309020205020404" pitchFamily="49" charset="0"/>
-              </a:rPr>
-              <a:t>train_size</a:t>
-            </a:r>
-            <a:r>
-              <a:rPr lang="en-US" dirty="0">
-                <a:latin typeface="Courier New" panose="02070309020205020404" pitchFamily="49" charset="0"/>
-                <a:cs typeface="Courier New" panose="02070309020205020404" pitchFamily="49" charset="0"/>
-              </a:rPr>
-              <a:t>=0.8, </a:t>
-            </a:r>
-            <a:r>
-              <a:rPr lang="en-US" dirty="0" err="1">
-                <a:latin typeface="Courier New" panose="02070309020205020404" pitchFamily="49" charset="0"/>
-                <a:cs typeface="Courier New" panose="02070309020205020404" pitchFamily="49" charset="0"/>
-              </a:rPr>
-              <a:t>test_size</a:t>
-            </a:r>
-            <a:r>
-              <a:rPr lang="en-US" dirty="0">
-                <a:latin typeface="Courier New" panose="02070309020205020404" pitchFamily="49" charset="0"/>
-                <a:cs typeface="Courier New" panose="02070309020205020404" pitchFamily="49" charset="0"/>
-              </a:rPr>
-              <a:t>=0.2)</a:t>
-            </a:r>
-            <a:endParaRPr lang="fr-FR" dirty="0">
-              <a:latin typeface="Courier New" panose="02070309020205020404" pitchFamily="49" charset="0"/>
-              <a:cs typeface="Courier New" panose="02070309020205020404" pitchFamily="49" charset="0"/>
-            </a:endParaRPr>
-          </a:p>
-        </p:txBody>
-      </p:sp>
-    </p:spTree>
-    <p:extLst>
-      <p:ext uri="{BB962C8B-B14F-4D97-AF65-F5344CB8AC3E}">
-        <p14:creationId xmlns:p14="http://schemas.microsoft.com/office/powerpoint/2010/main" val="2210871484"/>
-      </p:ext>
-    </p:extLst>
-  </p:cSld>
-  <p:clrMapOvr>
-    <a:masterClrMapping/>
-  </p:clrMapOvr>
-  <p:timing>
-    <p:tnLst>
-      <p:par>
-        <p:cTn id="1" dur="indefinite" restart="never" nodeType="tmRoot"/>
-      </p:par>
-    </p:tnLst>
-  </p:timing>
-</p:sld>
-</file>
-
-<file path=ppt/slides/slide15.xml><?xml version="1.0" encoding="utf-8"?>
-<p:sld xmlns:a="http://schemas.openxmlformats.org/drawingml/2006/main" xmlns:r="http://schemas.openxmlformats.org/officeDocument/2006/relationships" xmlns:p="http://schemas.openxmlformats.org/presentationml/2006/main">
-  <p:cSld>
-    <p:spTree>
-      <p:nvGrpSpPr>
-        <p:cNvPr id="1" name=""/>
-        <p:cNvGrpSpPr/>
-        <p:nvPr/>
-      </p:nvGrpSpPr>
-      <p:grpSpPr>
-        <a:xfrm>
-          <a:off x="0" y="0"/>
-          <a:ext cx="0" cy="0"/>
-          <a:chOff x="0" y="0"/>
-          <a:chExt cx="0" cy="0"/>
-        </a:xfrm>
-      </p:grpSpPr>
-      <p:sp>
-        <p:nvSpPr>
-          <p:cNvPr id="2" name="Titre 1"/>
-          <p:cNvSpPr>
-            <a:spLocks noGrp="1"/>
-          </p:cNvSpPr>
-          <p:nvPr>
-            <p:ph type="title"/>
-          </p:nvPr>
-        </p:nvSpPr>
-        <p:spPr/>
-        <p:txBody>
-          <a:bodyPr/>
-          <a:lstStyle/>
-          <a:p>
-            <a:r>
               <a:rPr lang="fr-FR" dirty="0" err="1" smtClean="0"/>
               <a:t>Metrics</a:t>
             </a:r>
@@ -4845,7 +3953,7 @@
 </p:sld>
 </file>
 
-<file path=ppt/slides/slide16.xml><?xml version="1.0" encoding="utf-8"?>
+<file path=ppt/slides/slide11.xml><?xml version="1.0" encoding="utf-8"?>
 <p:sld xmlns:a="http://schemas.openxmlformats.org/drawingml/2006/main" xmlns:r="http://schemas.openxmlformats.org/officeDocument/2006/relationships" xmlns:p="http://schemas.openxmlformats.org/presentationml/2006/main">
   <p:cSld>
     <p:spTree>
@@ -4973,7 +4081,7 @@
 </p:sld>
 </file>
 
-<file path=ppt/slides/slide17.xml><?xml version="1.0" encoding="utf-8"?>
+<file path=ppt/slides/slide12.xml><?xml version="1.0" encoding="utf-8"?>
 <p:sld xmlns:a="http://schemas.openxmlformats.org/drawingml/2006/main" xmlns:r="http://schemas.openxmlformats.org/officeDocument/2006/relationships" xmlns:p="http://schemas.openxmlformats.org/presentationml/2006/main">
   <p:cSld>
     <p:spTree>
@@ -5105,7 +4213,7 @@
 </p:sld>
 </file>
 
-<file path=ppt/slides/slide18.xml><?xml version="1.0" encoding="utf-8"?>
+<file path=ppt/slides/slide13.xml><?xml version="1.0" encoding="utf-8"?>
 <p:sld xmlns:a="http://schemas.openxmlformats.org/drawingml/2006/main" xmlns:r="http://schemas.openxmlformats.org/officeDocument/2006/relationships" xmlns:p="http://schemas.openxmlformats.org/presentationml/2006/main">
   <p:cSld>
     <p:spTree>
@@ -5286,7 +4394,7 @@
 </p:sld>
 </file>
 
-<file path=ppt/slides/slide19.xml><?xml version="1.0" encoding="utf-8"?>
+<file path=ppt/slides/slide14.xml><?xml version="1.0" encoding="utf-8"?>
 <p:sld xmlns:a="http://schemas.openxmlformats.org/drawingml/2006/main" xmlns:r="http://schemas.openxmlformats.org/officeDocument/2006/relationships" xmlns:p="http://schemas.openxmlformats.org/presentationml/2006/main">
   <p:cSld>
     <p:spTree>
@@ -5454,6 +4562,830 @@
 </p:sld>
 </file>
 
+<file path=ppt/slides/slide15.xml><?xml version="1.0" encoding="utf-8"?>
+<p:sld xmlns:a="http://schemas.openxmlformats.org/drawingml/2006/main" xmlns:r="http://schemas.openxmlformats.org/officeDocument/2006/relationships" xmlns:p="http://schemas.openxmlformats.org/presentationml/2006/main">
+  <p:cSld>
+    <p:spTree>
+      <p:nvGrpSpPr>
+        <p:cNvPr id="1" name=""/>
+        <p:cNvGrpSpPr/>
+        <p:nvPr/>
+      </p:nvGrpSpPr>
+      <p:grpSpPr>
+        <a:xfrm>
+          <a:off x="0" y="0"/>
+          <a:ext cx="0" cy="0"/>
+          <a:chOff x="0" y="0"/>
+          <a:chExt cx="0" cy="0"/>
+        </a:xfrm>
+      </p:grpSpPr>
+      <p:sp>
+        <p:nvSpPr>
+          <p:cNvPr id="2" name="Titre 1"/>
+          <p:cNvSpPr>
+            <a:spLocks noGrp="1"/>
+          </p:cNvSpPr>
+          <p:nvPr>
+            <p:ph type="title"/>
+          </p:nvPr>
+        </p:nvSpPr>
+        <p:spPr/>
+        <p:txBody>
+          <a:bodyPr/>
+          <a:lstStyle/>
+          <a:p>
+            <a:r>
+              <a:rPr lang="fr-FR" dirty="0" err="1" smtClean="0"/>
+              <a:t>Surapprentissage</a:t>
+            </a:r>
+            <a:endParaRPr lang="fr-FR" dirty="0"/>
+          </a:p>
+        </p:txBody>
+      </p:sp>
+      <p:sp>
+        <p:nvSpPr>
+          <p:cNvPr id="3" name="Espace réservé du contenu 2"/>
+          <p:cNvSpPr>
+            <a:spLocks noGrp="1"/>
+          </p:cNvSpPr>
+          <p:nvPr>
+            <p:ph idx="1"/>
+          </p:nvPr>
+        </p:nvSpPr>
+        <p:spPr/>
+        <p:txBody>
+          <a:bodyPr/>
+          <a:lstStyle/>
+          <a:p>
+            <a:r>
+              <a:rPr lang="fr-FR" dirty="0"/>
+              <a:t>La notion </a:t>
+            </a:r>
+            <a:r>
+              <a:rPr lang="fr-FR" dirty="0" smtClean="0"/>
+              <a:t>de </a:t>
+            </a:r>
+            <a:r>
+              <a:rPr lang="fr-FR" dirty="0" err="1" smtClean="0"/>
+              <a:t>surapprentissage</a:t>
+            </a:r>
+            <a:r>
+              <a:rPr lang="fr-FR" dirty="0" smtClean="0"/>
+              <a:t> désigne </a:t>
+            </a:r>
+            <a:r>
+              <a:rPr lang="fr-FR" dirty="0"/>
+              <a:t>le fait que le modèle que vous avez choisi est trop collé aux données </a:t>
+            </a:r>
+            <a:r>
+              <a:rPr lang="fr-FR" dirty="0" smtClean="0"/>
+              <a:t>d'entraînement</a:t>
+            </a:r>
+          </a:p>
+          <a:p>
+            <a:pPr lvl="1"/>
+            <a:r>
+              <a:rPr lang="fr-FR" dirty="0" smtClean="0"/>
+              <a:t>C'est </a:t>
+            </a:r>
+            <a:r>
+              <a:rPr lang="fr-FR" dirty="0"/>
+              <a:t>un problème classique de data science, lorsqu'on choisi un modèle trop "flexible", c'est à dire avec une complexité trop élevée qui prend aussi en compte le bruit du </a:t>
+            </a:r>
+            <a:r>
+              <a:rPr lang="fr-FR" dirty="0" smtClean="0"/>
+              <a:t>phénomène</a:t>
+            </a:r>
+          </a:p>
+          <a:p>
+            <a:pPr lvl="1"/>
+            <a:r>
+              <a:rPr lang="fr-FR" dirty="0" smtClean="0"/>
+              <a:t>Ici modèle simple </a:t>
+            </a:r>
+          </a:p>
+          <a:p>
+            <a:pPr lvl="1"/>
+            <a:r>
+              <a:rPr lang="fr-FR" dirty="0" smtClean="0"/>
+              <a:t>vs modèle complexe</a:t>
+            </a:r>
+          </a:p>
+          <a:p>
+            <a:r>
+              <a:rPr lang="fr-FR" dirty="0" smtClean="0"/>
+              <a:t>D’où l’utiliser d’un </a:t>
+            </a:r>
+            <a:r>
+              <a:rPr lang="fr-FR" dirty="0" err="1" smtClean="0"/>
+              <a:t>TestSet</a:t>
+            </a:r>
+            <a:endParaRPr lang="fr-FR" dirty="0"/>
+          </a:p>
+          <a:p>
+            <a:pPr lvl="1"/>
+            <a:endParaRPr lang="fr-FR" dirty="0"/>
+          </a:p>
+        </p:txBody>
+      </p:sp>
+      <p:pic>
+        <p:nvPicPr>
+          <p:cNvPr id="1026" name="Picture 2" descr="Comparaison entre un modèle en overfitting vs une modélisation plus réaliste du phénomène"/>
+          <p:cNvPicPr>
+            <a:picLocks noChangeAspect="1" noChangeArrowheads="1"/>
+          </p:cNvPicPr>
+          <p:nvPr/>
+        </p:nvPicPr>
+        <p:blipFill>
+          <a:blip r:embed="rId2">
+            <a:extLst>
+              <a:ext uri="{28A0092B-C50C-407E-A947-70E740481C1C}">
+                <a14:useLocalDpi xmlns:a14="http://schemas.microsoft.com/office/drawing/2010/main" val="0"/>
+              </a:ext>
+            </a:extLst>
+          </a:blip>
+          <a:srcRect/>
+          <a:stretch>
+            <a:fillRect/>
+          </a:stretch>
+        </p:blipFill>
+        <p:spPr bwMode="auto">
+          <a:xfrm>
+            <a:off x="4932040" y="4019384"/>
+            <a:ext cx="3590925" cy="2438400"/>
+          </a:xfrm>
+          <a:prstGeom prst="rect">
+            <a:avLst/>
+          </a:prstGeom>
+          <a:noFill/>
+          <a:extLst>
+            <a:ext uri="{909E8E84-426E-40DD-AFC4-6F175D3DCCD1}">
+              <a14:hiddenFill xmlns:a14="http://schemas.microsoft.com/office/drawing/2010/main">
+                <a:solidFill>
+                  <a:srgbClr val="FFFFFF"/>
+                </a:solidFill>
+              </a14:hiddenFill>
+            </a:ext>
+          </a:extLst>
+        </p:spPr>
+      </p:pic>
+    </p:spTree>
+    <p:extLst>
+      <p:ext uri="{BB962C8B-B14F-4D97-AF65-F5344CB8AC3E}">
+        <p14:creationId xmlns:p14="http://schemas.microsoft.com/office/powerpoint/2010/main" val="3115477360"/>
+      </p:ext>
+    </p:extLst>
+  </p:cSld>
+  <p:clrMapOvr>
+    <a:masterClrMapping/>
+  </p:clrMapOvr>
+  <p:timing>
+    <p:tnLst>
+      <p:par>
+        <p:cTn id="1" dur="indefinite" restart="never" nodeType="tmRoot"/>
+      </p:par>
+    </p:tnLst>
+  </p:timing>
+</p:sld>
+</file>
+
+<file path=ppt/slides/slide16.xml><?xml version="1.0" encoding="utf-8"?>
+<p:sld xmlns:a="http://schemas.openxmlformats.org/drawingml/2006/main" xmlns:r="http://schemas.openxmlformats.org/officeDocument/2006/relationships" xmlns:p="http://schemas.openxmlformats.org/presentationml/2006/main">
+  <p:cSld>
+    <p:spTree>
+      <p:nvGrpSpPr>
+        <p:cNvPr id="1" name=""/>
+        <p:cNvGrpSpPr/>
+        <p:nvPr/>
+      </p:nvGrpSpPr>
+      <p:grpSpPr>
+        <a:xfrm>
+          <a:off x="0" y="0"/>
+          <a:ext cx="0" cy="0"/>
+          <a:chOff x="0" y="0"/>
+          <a:chExt cx="0" cy="0"/>
+        </a:xfrm>
+      </p:grpSpPr>
+      <p:sp>
+        <p:nvSpPr>
+          <p:cNvPr id="2" name="Titre 1"/>
+          <p:cNvSpPr>
+            <a:spLocks noGrp="1"/>
+          </p:cNvSpPr>
+          <p:nvPr>
+            <p:ph type="title"/>
+          </p:nvPr>
+        </p:nvSpPr>
+        <p:spPr/>
+        <p:txBody>
+          <a:bodyPr/>
+          <a:lstStyle/>
+          <a:p>
+            <a:r>
+              <a:rPr lang="fr-FR" dirty="0" err="1" smtClean="0"/>
+              <a:t>Echantillonage</a:t>
+            </a:r>
+            <a:endParaRPr lang="fr-FR" dirty="0"/>
+          </a:p>
+        </p:txBody>
+      </p:sp>
+      <p:sp>
+        <p:nvSpPr>
+          <p:cNvPr id="3" name="Espace réservé du contenu 2"/>
+          <p:cNvSpPr>
+            <a:spLocks noGrp="1"/>
+          </p:cNvSpPr>
+          <p:nvPr>
+            <p:ph idx="1"/>
+          </p:nvPr>
+        </p:nvSpPr>
+        <p:spPr/>
+        <p:txBody>
+          <a:bodyPr/>
+          <a:lstStyle/>
+          <a:p>
+            <a:r>
+              <a:rPr lang="fr-FR" dirty="0"/>
+              <a:t>Le jeu de données (</a:t>
+            </a:r>
+            <a:r>
+              <a:rPr lang="fr-FR" dirty="0" err="1"/>
+              <a:t>dataset</a:t>
+            </a:r>
+            <a:r>
+              <a:rPr lang="fr-FR" dirty="0"/>
+              <a:t>) dont vous disposez constitue une ressource </a:t>
+            </a:r>
+            <a:r>
+              <a:rPr lang="fr-FR" dirty="0" smtClean="0"/>
+              <a:t>précieuse</a:t>
+            </a:r>
+          </a:p>
+          <a:p>
+            <a:pPr lvl="1"/>
+            <a:r>
+              <a:rPr lang="fr-FR" dirty="0" smtClean="0"/>
+              <a:t>Il </a:t>
+            </a:r>
+            <a:r>
+              <a:rPr lang="fr-FR" dirty="0"/>
+              <a:t>faut pouvoir l’utiliser à bon escient afin de pouvoir à la fois choisir un modèle et </a:t>
+            </a:r>
+            <a:r>
+              <a:rPr lang="fr-FR" dirty="0" smtClean="0"/>
+              <a:t>l'entraîner</a:t>
+            </a:r>
+          </a:p>
+          <a:p>
+            <a:pPr lvl="1"/>
+            <a:r>
+              <a:rPr lang="fr-FR" dirty="0" smtClean="0"/>
+              <a:t>mais </a:t>
+            </a:r>
+            <a:r>
+              <a:rPr lang="fr-FR" dirty="0"/>
+              <a:t>aussi de pouvoir tester la qualité de ce </a:t>
+            </a:r>
+            <a:r>
+              <a:rPr lang="fr-FR" dirty="0" smtClean="0"/>
+              <a:t>modèle</a:t>
+            </a:r>
+          </a:p>
+          <a:p>
+            <a:r>
+              <a:rPr lang="fr-FR" dirty="0"/>
+              <a:t>La première question à se poser </a:t>
+            </a:r>
+            <a:r>
+              <a:rPr lang="fr-FR" dirty="0" smtClean="0"/>
+              <a:t>est</a:t>
+            </a:r>
+          </a:p>
+          <a:p>
+            <a:pPr lvl="1"/>
+            <a:r>
+              <a:rPr lang="fr-FR" dirty="0" smtClean="0"/>
+              <a:t>Est-ce </a:t>
+            </a:r>
+            <a:r>
+              <a:rPr lang="fr-FR" dirty="0"/>
+              <a:t>qu’on va utiliser toutes les données d'exemple dont on </a:t>
+            </a:r>
+            <a:r>
+              <a:rPr lang="fr-FR" dirty="0" smtClean="0"/>
+              <a:t>dispose ?</a:t>
+            </a:r>
+          </a:p>
+          <a:p>
+            <a:pPr lvl="1"/>
+            <a:r>
+              <a:rPr lang="fr-FR" dirty="0" smtClean="0"/>
+              <a:t>Volume, tests, …</a:t>
+            </a:r>
+          </a:p>
+          <a:p>
+            <a:r>
+              <a:rPr lang="fr-FR" dirty="0" smtClean="0"/>
+              <a:t>Il faut échantillonner (</a:t>
+            </a:r>
+            <a:r>
+              <a:rPr lang="fr-FR" dirty="0" err="1" smtClean="0"/>
+              <a:t>sampling</a:t>
+            </a:r>
+            <a:r>
+              <a:rPr lang="fr-FR" dirty="0" smtClean="0"/>
+              <a:t>) les données à tester</a:t>
+            </a:r>
+            <a:endParaRPr lang="fr-FR" dirty="0"/>
+          </a:p>
+        </p:txBody>
+      </p:sp>
+    </p:spTree>
+    <p:extLst>
+      <p:ext uri="{BB962C8B-B14F-4D97-AF65-F5344CB8AC3E}">
+        <p14:creationId xmlns:p14="http://schemas.microsoft.com/office/powerpoint/2010/main" val="1484659042"/>
+      </p:ext>
+    </p:extLst>
+  </p:cSld>
+  <p:clrMapOvr>
+    <a:masterClrMapping/>
+  </p:clrMapOvr>
+  <p:timing>
+    <p:tnLst>
+      <p:par>
+        <p:cTn id="1" dur="indefinite" restart="never" nodeType="tmRoot"/>
+      </p:par>
+    </p:tnLst>
+  </p:timing>
+</p:sld>
+</file>
+
+<file path=ppt/slides/slide17.xml><?xml version="1.0" encoding="utf-8"?>
+<p:sld xmlns:a="http://schemas.openxmlformats.org/drawingml/2006/main" xmlns:r="http://schemas.openxmlformats.org/officeDocument/2006/relationships" xmlns:p="http://schemas.openxmlformats.org/presentationml/2006/main">
+  <p:cSld>
+    <p:spTree>
+      <p:nvGrpSpPr>
+        <p:cNvPr id="1" name=""/>
+        <p:cNvGrpSpPr/>
+        <p:nvPr/>
+      </p:nvGrpSpPr>
+      <p:grpSpPr>
+        <a:xfrm>
+          <a:off x="0" y="0"/>
+          <a:ext cx="0" cy="0"/>
+          <a:chOff x="0" y="0"/>
+          <a:chExt cx="0" cy="0"/>
+        </a:xfrm>
+      </p:grpSpPr>
+      <p:sp>
+        <p:nvSpPr>
+          <p:cNvPr id="2" name="Titre 1"/>
+          <p:cNvSpPr>
+            <a:spLocks noGrp="1"/>
+          </p:cNvSpPr>
+          <p:nvPr>
+            <p:ph type="title"/>
+          </p:nvPr>
+        </p:nvSpPr>
+        <p:spPr/>
+        <p:txBody>
+          <a:bodyPr/>
+          <a:lstStyle/>
+          <a:p>
+            <a:r>
+              <a:rPr lang="fr-FR" dirty="0" smtClean="0"/>
+              <a:t>Randomisation</a:t>
+            </a:r>
+            <a:endParaRPr lang="fr-FR" dirty="0"/>
+          </a:p>
+        </p:txBody>
+      </p:sp>
+      <p:sp>
+        <p:nvSpPr>
+          <p:cNvPr id="3" name="Espace réservé du contenu 2"/>
+          <p:cNvSpPr>
+            <a:spLocks noGrp="1"/>
+          </p:cNvSpPr>
+          <p:nvPr>
+            <p:ph idx="1"/>
+          </p:nvPr>
+        </p:nvSpPr>
+        <p:spPr/>
+        <p:txBody>
+          <a:bodyPr/>
+          <a:lstStyle/>
+          <a:p>
+            <a:r>
+              <a:rPr lang="fr-FR" dirty="0" smtClean="0"/>
+              <a:t>Il faut utiliser le bon échantillon</a:t>
+            </a:r>
+          </a:p>
+          <a:p>
+            <a:pPr lvl="1"/>
+            <a:r>
+              <a:rPr lang="fr-FR" dirty="0" smtClean="0"/>
+              <a:t>Bien répartis</a:t>
+            </a:r>
+          </a:p>
+          <a:p>
+            <a:pPr lvl="1"/>
+            <a:r>
+              <a:rPr lang="fr-FR" dirty="0" smtClean="0"/>
+              <a:t>Ne pas introduire de biais</a:t>
+            </a:r>
+          </a:p>
+          <a:p>
+            <a:pPr lvl="1"/>
+            <a:r>
+              <a:rPr lang="fr-FR" dirty="0" smtClean="0"/>
+              <a:t>Par exemple à Paris les loyers sont plus chères qu’ailleurs</a:t>
+            </a:r>
+          </a:p>
+          <a:p>
+            <a:r>
+              <a:rPr lang="fr-FR" dirty="0" smtClean="0"/>
+              <a:t>Il faut ensuite découper l’échantillon avec le</a:t>
+            </a:r>
+          </a:p>
+          <a:p>
+            <a:pPr lvl="1"/>
+            <a:r>
+              <a:rPr lang="fr-FR" dirty="0" smtClean="0"/>
+              <a:t>Training Set</a:t>
+            </a:r>
+          </a:p>
+          <a:p>
+            <a:pPr lvl="1"/>
+            <a:r>
+              <a:rPr lang="fr-FR" dirty="0" err="1" smtClean="0"/>
+              <a:t>Testing</a:t>
+            </a:r>
+            <a:r>
+              <a:rPr lang="fr-FR" dirty="0" smtClean="0"/>
+              <a:t> Set</a:t>
+            </a:r>
+          </a:p>
+          <a:p>
+            <a:r>
+              <a:rPr lang="fr-FR" dirty="0" smtClean="0"/>
+              <a:t>L’un sert à l’apprentissage, l’autre au test</a:t>
+            </a:r>
+          </a:p>
+          <a:p>
+            <a:pPr lvl="1"/>
+            <a:r>
+              <a:rPr lang="fr-FR" dirty="0" smtClean="0"/>
+              <a:t>Souvent 80/20</a:t>
+            </a:r>
+            <a:endParaRPr lang="fr-FR" dirty="0"/>
+          </a:p>
+        </p:txBody>
+      </p:sp>
+    </p:spTree>
+    <p:extLst>
+      <p:ext uri="{BB962C8B-B14F-4D97-AF65-F5344CB8AC3E}">
+        <p14:creationId xmlns:p14="http://schemas.microsoft.com/office/powerpoint/2010/main" val="785613107"/>
+      </p:ext>
+    </p:extLst>
+  </p:cSld>
+  <p:clrMapOvr>
+    <a:masterClrMapping/>
+  </p:clrMapOvr>
+  <p:timing>
+    <p:tnLst>
+      <p:par>
+        <p:cTn id="1" dur="indefinite" restart="never" nodeType="tmRoot"/>
+      </p:par>
+    </p:tnLst>
+  </p:timing>
+</p:sld>
+</file>
+
+<file path=ppt/slides/slide18.xml><?xml version="1.0" encoding="utf-8"?>
+<p:sld xmlns:a="http://schemas.openxmlformats.org/drawingml/2006/main" xmlns:r="http://schemas.openxmlformats.org/officeDocument/2006/relationships" xmlns:p="http://schemas.openxmlformats.org/presentationml/2006/main">
+  <p:cSld>
+    <p:spTree>
+      <p:nvGrpSpPr>
+        <p:cNvPr id="1" name=""/>
+        <p:cNvGrpSpPr/>
+        <p:nvPr/>
+      </p:nvGrpSpPr>
+      <p:grpSpPr>
+        <a:xfrm>
+          <a:off x="0" y="0"/>
+          <a:ext cx="0" cy="0"/>
+          <a:chOff x="0" y="0"/>
+          <a:chExt cx="0" cy="0"/>
+        </a:xfrm>
+      </p:grpSpPr>
+      <p:sp>
+        <p:nvSpPr>
+          <p:cNvPr id="2" name="Titre 1"/>
+          <p:cNvSpPr>
+            <a:spLocks noGrp="1"/>
+          </p:cNvSpPr>
+          <p:nvPr>
+            <p:ph type="title"/>
+          </p:nvPr>
+        </p:nvSpPr>
+        <p:spPr/>
+        <p:txBody>
+          <a:bodyPr/>
+          <a:lstStyle/>
+          <a:p>
+            <a:r>
+              <a:rPr lang="fr-FR" dirty="0" smtClean="0"/>
+              <a:t>Randomisation</a:t>
+            </a:r>
+            <a:endParaRPr lang="fr-FR" dirty="0"/>
+          </a:p>
+        </p:txBody>
+      </p:sp>
+      <p:sp>
+        <p:nvSpPr>
+          <p:cNvPr id="3" name="Espace réservé du contenu 2"/>
+          <p:cNvSpPr>
+            <a:spLocks noGrp="1"/>
+          </p:cNvSpPr>
+          <p:nvPr>
+            <p:ph idx="1"/>
+          </p:nvPr>
+        </p:nvSpPr>
+        <p:spPr/>
+        <p:txBody>
+          <a:bodyPr/>
+          <a:lstStyle/>
+          <a:p>
+            <a:r>
+              <a:rPr lang="fr-FR" dirty="0"/>
+              <a:t>I</a:t>
+            </a:r>
+            <a:r>
+              <a:rPr lang="fr-FR" dirty="0" smtClean="0"/>
+              <a:t>l </a:t>
+            </a:r>
+            <a:r>
+              <a:rPr lang="fr-FR" dirty="0"/>
+              <a:t>s’avère que si on entraîne le modèle avec des données, il va naturellement être plus performant sur ces </a:t>
+            </a:r>
+            <a:r>
+              <a:rPr lang="fr-FR" dirty="0" smtClean="0"/>
+              <a:t>données-là</a:t>
+            </a:r>
+          </a:p>
+          <a:p>
+            <a:r>
+              <a:rPr lang="fr-FR" dirty="0" smtClean="0"/>
+              <a:t>Ce </a:t>
+            </a:r>
+            <a:r>
+              <a:rPr lang="fr-FR" dirty="0"/>
+              <a:t>qui nous intéresse c’est de mesurer sa performance sur des données qu’il n’a jamais vues puisque c’est ce qui va se passer en </a:t>
+            </a:r>
+            <a:r>
+              <a:rPr lang="fr-FR" dirty="0" smtClean="0"/>
+              <a:t>pratique</a:t>
+            </a:r>
+          </a:p>
+          <a:p>
+            <a:r>
+              <a:rPr lang="fr-FR" dirty="0" smtClean="0"/>
+              <a:t>Cette </a:t>
+            </a:r>
+            <a:r>
+              <a:rPr lang="fr-FR" dirty="0"/>
+              <a:t>performance est appelée la </a:t>
+            </a:r>
+            <a:r>
+              <a:rPr lang="fr-FR" b="1" dirty="0"/>
+              <a:t>généralisation</a:t>
+            </a:r>
+            <a:r>
+              <a:rPr lang="fr-FR" dirty="0"/>
+              <a:t> du </a:t>
+            </a:r>
+            <a:r>
+              <a:rPr lang="fr-FR" dirty="0" smtClean="0"/>
+              <a:t>modèle</a:t>
+            </a:r>
+            <a:endParaRPr lang="fr-FR" dirty="0"/>
+          </a:p>
+          <a:p>
+            <a:pPr lvl="1"/>
+            <a:r>
+              <a:rPr lang="fr-FR" dirty="0" smtClean="0"/>
+              <a:t>Sa </a:t>
+            </a:r>
+            <a:r>
+              <a:rPr lang="fr-FR" dirty="0"/>
+              <a:t>capacité à effectuer des prédictions de qualité sur des situations jamais rencontrées.</a:t>
+            </a:r>
+          </a:p>
+        </p:txBody>
+      </p:sp>
+    </p:spTree>
+    <p:extLst>
+      <p:ext uri="{BB962C8B-B14F-4D97-AF65-F5344CB8AC3E}">
+        <p14:creationId xmlns:p14="http://schemas.microsoft.com/office/powerpoint/2010/main" val="2271259804"/>
+      </p:ext>
+    </p:extLst>
+  </p:cSld>
+  <p:clrMapOvr>
+    <a:masterClrMapping/>
+  </p:clrMapOvr>
+  <p:timing>
+    <p:tnLst>
+      <p:par>
+        <p:cTn id="1" dur="indefinite" restart="never" nodeType="tmRoot"/>
+      </p:par>
+    </p:tnLst>
+  </p:timing>
+</p:sld>
+</file>
+
+<file path=ppt/slides/slide19.xml><?xml version="1.0" encoding="utf-8"?>
+<p:sld xmlns:a="http://schemas.openxmlformats.org/drawingml/2006/main" xmlns:r="http://schemas.openxmlformats.org/officeDocument/2006/relationships" xmlns:p="http://schemas.openxmlformats.org/presentationml/2006/main">
+  <p:cSld>
+    <p:spTree>
+      <p:nvGrpSpPr>
+        <p:cNvPr id="1" name=""/>
+        <p:cNvGrpSpPr/>
+        <p:nvPr/>
+      </p:nvGrpSpPr>
+      <p:grpSpPr>
+        <a:xfrm>
+          <a:off x="0" y="0"/>
+          <a:ext cx="0" cy="0"/>
+          <a:chOff x="0" y="0"/>
+          <a:chExt cx="0" cy="0"/>
+        </a:xfrm>
+      </p:grpSpPr>
+      <p:sp>
+        <p:nvSpPr>
+          <p:cNvPr id="2" name="Titre 1"/>
+          <p:cNvSpPr>
+            <a:spLocks noGrp="1"/>
+          </p:cNvSpPr>
+          <p:nvPr>
+            <p:ph type="title"/>
+          </p:nvPr>
+        </p:nvSpPr>
+        <p:spPr/>
+        <p:txBody>
+          <a:bodyPr/>
+          <a:lstStyle/>
+          <a:p>
+            <a:r>
+              <a:rPr lang="fr-FR" dirty="0" smtClean="0"/>
+              <a:t>Model </a:t>
+            </a:r>
+            <a:r>
+              <a:rPr lang="fr-FR" dirty="0" err="1" smtClean="0"/>
+              <a:t>Selection</a:t>
+            </a:r>
+            <a:endParaRPr lang="fr-FR" dirty="0"/>
+          </a:p>
+        </p:txBody>
+      </p:sp>
+      <p:sp>
+        <p:nvSpPr>
+          <p:cNvPr id="3" name="Espace réservé du contenu 2"/>
+          <p:cNvSpPr>
+            <a:spLocks noGrp="1"/>
+          </p:cNvSpPr>
+          <p:nvPr>
+            <p:ph idx="1"/>
+          </p:nvPr>
+        </p:nvSpPr>
+        <p:spPr/>
+        <p:txBody>
+          <a:bodyPr/>
+          <a:lstStyle/>
+          <a:p>
+            <a:r>
+              <a:rPr lang="fr-FR" dirty="0" smtClean="0"/>
+              <a:t>Model </a:t>
+            </a:r>
+            <a:r>
+              <a:rPr lang="fr-FR" dirty="0" err="1" smtClean="0"/>
+              <a:t>Selection</a:t>
+            </a:r>
+            <a:r>
+              <a:rPr lang="fr-FR" dirty="0" smtClean="0"/>
+              <a:t> est un module de sélection de modèle</a:t>
+            </a:r>
+          </a:p>
+          <a:p>
+            <a:r>
+              <a:rPr lang="fr-FR" dirty="0" err="1" smtClean="0"/>
+              <a:t>Train_test_split</a:t>
+            </a:r>
+            <a:r>
+              <a:rPr lang="fr-FR" dirty="0" smtClean="0"/>
+              <a:t> permet de découper le </a:t>
+            </a:r>
+            <a:r>
+              <a:rPr lang="fr-FR" dirty="0" err="1" smtClean="0"/>
+              <a:t>dataset</a:t>
+            </a:r>
+            <a:endParaRPr lang="fr-FR" dirty="0" smtClean="0"/>
+          </a:p>
+          <a:p>
+            <a:pPr lvl="1"/>
+            <a:r>
+              <a:rPr lang="fr-FR" dirty="0"/>
+              <a:t>import </a:t>
+            </a:r>
+            <a:r>
+              <a:rPr lang="fr-FR" dirty="0" err="1"/>
+              <a:t>sklearn.model_selection</a:t>
+            </a:r>
+            <a:r>
+              <a:rPr lang="fr-FR" dirty="0"/>
+              <a:t> as ms</a:t>
+            </a:r>
+          </a:p>
+          <a:p>
+            <a:pPr lvl="1"/>
+            <a:r>
+              <a:rPr lang="fr-FR" dirty="0" err="1" smtClean="0"/>
+              <a:t>xtrain</a:t>
+            </a:r>
+            <a:r>
+              <a:rPr lang="fr-FR" dirty="0"/>
+              <a:t>, </a:t>
+            </a:r>
+            <a:r>
+              <a:rPr lang="fr-FR" dirty="0" err="1"/>
+              <a:t>xtest</a:t>
+            </a:r>
+            <a:r>
+              <a:rPr lang="fr-FR" dirty="0"/>
+              <a:t>, </a:t>
+            </a:r>
+            <a:r>
+              <a:rPr lang="fr-FR" dirty="0" err="1"/>
+              <a:t>ytrain</a:t>
+            </a:r>
+            <a:r>
+              <a:rPr lang="fr-FR" dirty="0"/>
+              <a:t>, </a:t>
+            </a:r>
+            <a:r>
+              <a:rPr lang="fr-FR" dirty="0" err="1"/>
+              <a:t>ytest</a:t>
+            </a:r>
+            <a:r>
+              <a:rPr lang="fr-FR" dirty="0"/>
+              <a:t> = </a:t>
+            </a:r>
+            <a:r>
+              <a:rPr lang="fr-FR" dirty="0" err="1"/>
+              <a:t>ms.train_test_split</a:t>
+            </a:r>
+            <a:r>
+              <a:rPr lang="fr-FR" dirty="0"/>
+              <a:t>(X, y, </a:t>
+            </a:r>
+            <a:r>
+              <a:rPr lang="fr-FR" dirty="0" err="1"/>
+              <a:t>train_size</a:t>
+            </a:r>
+            <a:r>
+              <a:rPr lang="fr-FR" dirty="0"/>
+              <a:t>=0.8, </a:t>
+            </a:r>
+            <a:r>
+              <a:rPr lang="fr-FR" dirty="0" err="1"/>
+              <a:t>test_size</a:t>
+            </a:r>
+            <a:r>
+              <a:rPr lang="fr-FR" dirty="0"/>
+              <a:t>=0.2)</a:t>
+            </a:r>
+          </a:p>
+        </p:txBody>
+      </p:sp>
+    </p:spTree>
+    <p:extLst>
+      <p:ext uri="{BB962C8B-B14F-4D97-AF65-F5344CB8AC3E}">
+        <p14:creationId xmlns:p14="http://schemas.microsoft.com/office/powerpoint/2010/main" val="3886577066"/>
+      </p:ext>
+    </p:extLst>
+  </p:cSld>
+  <p:clrMapOvr>
+    <a:masterClrMapping/>
+  </p:clrMapOvr>
+  <p:timing>
+    <p:tnLst>
+      <p:par>
+        <p:cTn id="1" dur="indefinite" restart="never" nodeType="tmRoot"/>
+      </p:par>
+    </p:tnLst>
+  </p:timing>
+</p:sld>
+</file>
+
 <file path=ppt/slides/slide2.xml><?xml version="1.0" encoding="utf-8"?>
 <p:sld xmlns:a="http://schemas.openxmlformats.org/drawingml/2006/main" xmlns:r="http://schemas.openxmlformats.org/officeDocument/2006/relationships" xmlns:p="http://schemas.openxmlformats.org/presentationml/2006/main">
   <p:cSld>
@@ -5588,7 +5520,7 @@
               <a:t> </a:t>
             </a:r>
             <a:r>
-              <a:rPr lang="fr-FR" sz="2400" smtClean="0"/>
+              <a:rPr lang="fr-FR" sz="2400" dirty="0" err="1" smtClean="0"/>
               <a:t>scikit-learn</a:t>
             </a:r>
             <a:endParaRPr lang="fr-FR" sz="2400" dirty="0" smtClean="0"/>
@@ -6395,8 +6327,8 @@
           <a:lstStyle/>
           <a:p>
             <a:r>
-              <a:rPr lang="fr-FR" dirty="0" err="1" smtClean="0"/>
-              <a:t>Surapprentissage</a:t>
+              <a:rPr lang="fr-FR" dirty="0" smtClean="0"/>
+              <a:t>Interprétation du résultat</a:t>
             </a:r>
             <a:endParaRPr lang="fr-FR" dirty="0"/>
           </a:p>
@@ -6418,69 +6350,37 @@
           <a:lstStyle/>
           <a:p>
             <a:r>
-              <a:rPr lang="fr-FR" dirty="0"/>
-              <a:t>La notion </a:t>
-            </a:r>
-            <a:r>
-              <a:rPr lang="fr-FR" dirty="0" smtClean="0"/>
-              <a:t>de </a:t>
+              <a:rPr lang="fr-FR" dirty="0" smtClean="0"/>
+              <a:t>Evidement en ayant moins de données le résultat sur le training set sera un peu moins bon</a:t>
+            </a:r>
+          </a:p>
+          <a:p>
+            <a:r>
+              <a:rPr lang="fr-FR" dirty="0" smtClean="0"/>
+              <a:t>Mais il faut rejouer la régression sur les </a:t>
             </a:r>
             <a:r>
               <a:rPr lang="fr-FR" dirty="0" err="1" smtClean="0"/>
-              <a:t>surapprentissage</a:t>
-            </a:r>
-            <a:r>
-              <a:rPr lang="fr-FR" dirty="0" smtClean="0"/>
-              <a:t> désigne </a:t>
-            </a:r>
-            <a:r>
-              <a:rPr lang="fr-FR" dirty="0"/>
-              <a:t>le fait que le modèle que vous avez choisi est trop collé aux données </a:t>
-            </a:r>
-            <a:r>
-              <a:rPr lang="fr-FR" dirty="0" smtClean="0"/>
-              <a:t>d'entraînement</a:t>
+              <a:t>testing</a:t>
+            </a:r>
+            <a:r>
+              <a:rPr lang="fr-FR" dirty="0" smtClean="0"/>
+              <a:t> set</a:t>
             </a:r>
           </a:p>
           <a:p>
             <a:pPr lvl="1"/>
             <a:r>
               <a:rPr lang="fr-FR" dirty="0" smtClean="0"/>
-              <a:t>C'est </a:t>
-            </a:r>
-            <a:r>
-              <a:rPr lang="fr-FR" dirty="0"/>
-              <a:t>un problème classique de data science, lorsqu'on choisi un modèle trop "flexible", c'est à dire avec une complexité trop élevée qui prend aussi en compte le bruit du </a:t>
-            </a:r>
-            <a:r>
-              <a:rPr lang="fr-FR" dirty="0" smtClean="0"/>
-              <a:t>phénomène</a:t>
+              <a:t>Il peut être nécessaire de rejouer le modèle plusieurs fois pour arriver à un résultat satisfaisant</a:t>
             </a:r>
           </a:p>
           <a:p>
             <a:pPr lvl="1"/>
             <a:r>
               <a:rPr lang="fr-FR" dirty="0" smtClean="0"/>
-              <a:t>Ici modèle simple </a:t>
-            </a:r>
-          </a:p>
-          <a:p>
-            <a:pPr lvl="1"/>
-            <a:r>
-              <a:rPr lang="fr-FR" dirty="0" smtClean="0"/>
-              <a:t>vs modèle complexe</a:t>
-            </a:r>
-          </a:p>
-          <a:p>
-            <a:r>
-              <a:rPr lang="fr-FR" dirty="0" smtClean="0"/>
-              <a:t>D’où l’utiliser d’un </a:t>
-            </a:r>
-            <a:r>
-              <a:rPr lang="fr-FR" dirty="0" err="1" smtClean="0"/>
-              <a:t>TestSet</a:t>
-            </a:r>
-            <a:endParaRPr lang="fr-FR" dirty="0"/>
+              <a:t>Training vs test</a:t>
+            </a:r>
           </a:p>
           <a:p>
             <a:pPr lvl="1"/>
@@ -6490,49 +6390,56 @@
       </p:sp>
       <p:pic>
         <p:nvPicPr>
-          <p:cNvPr id="1026" name="Picture 2" descr="Comparaison entre un modèle en overfitting vs une modélisation plus réaliste du phénomène"/>
+          <p:cNvPr id="4" name="Image 3"/>
           <p:cNvPicPr>
-            <a:picLocks noChangeAspect="1" noChangeArrowheads="1"/>
+            <a:picLocks noChangeAspect="1"/>
           </p:cNvPicPr>
           <p:nvPr/>
         </p:nvPicPr>
         <p:blipFill>
-          <a:blip r:embed="rId2">
-            <a:extLst>
-              <a:ext uri="{28A0092B-C50C-407E-A947-70E740481C1C}">
-                <a14:useLocalDpi xmlns:a14="http://schemas.microsoft.com/office/drawing/2010/main" val="0"/>
-              </a:ext>
-            </a:extLst>
-          </a:blip>
-          <a:srcRect/>
+          <a:blip r:embed="rId2"/>
           <a:stretch>
             <a:fillRect/>
           </a:stretch>
         </p:blipFill>
-        <p:spPr bwMode="auto">
+        <p:spPr>
           <a:xfrm>
-            <a:off x="4932040" y="4019384"/>
-            <a:ext cx="3590925" cy="2438400"/>
+            <a:off x="899592" y="4482281"/>
+            <a:ext cx="3158514" cy="2314380"/>
           </a:xfrm>
           <a:prstGeom prst="rect">
             <a:avLst/>
           </a:prstGeom>
-          <a:noFill/>
-          <a:extLst>
-            <a:ext uri="{909E8E84-426E-40DD-AFC4-6F175D3DCCD1}">
-              <a14:hiddenFill xmlns:a14="http://schemas.microsoft.com/office/drawing/2010/main">
-                <a:solidFill>
-                  <a:srgbClr val="FFFFFF"/>
-                </a:solidFill>
-              </a14:hiddenFill>
-            </a:ext>
-          </a:extLst>
+        </p:spPr>
+      </p:pic>
+      <p:pic>
+        <p:nvPicPr>
+          <p:cNvPr id="5" name="Image 4"/>
+          <p:cNvPicPr>
+            <a:picLocks noChangeAspect="1"/>
+          </p:cNvPicPr>
+          <p:nvPr/>
+        </p:nvPicPr>
+        <p:blipFill>
+          <a:blip r:embed="rId3"/>
+          <a:stretch>
+            <a:fillRect/>
+          </a:stretch>
+        </p:blipFill>
+        <p:spPr>
+          <a:xfrm>
+            <a:off x="5220072" y="4565194"/>
+            <a:ext cx="3118678" cy="2231467"/>
+          </a:xfrm>
+          <a:prstGeom prst="rect">
+            <a:avLst/>
+          </a:prstGeom>
         </p:spPr>
       </p:pic>
     </p:spTree>
     <p:extLst>
       <p:ext uri="{BB962C8B-B14F-4D97-AF65-F5344CB8AC3E}">
-        <p14:creationId xmlns:p14="http://schemas.microsoft.com/office/powerpoint/2010/main" val="2786832870"/>
+        <p14:creationId xmlns:p14="http://schemas.microsoft.com/office/powerpoint/2010/main" val="2031907141"/>
       </p:ext>
     </p:extLst>
   </p:cSld>
@@ -6582,8 +6489,8 @@
           <a:lstStyle/>
           <a:p>
             <a:r>
-              <a:rPr lang="fr-FR" dirty="0" err="1" smtClean="0"/>
-              <a:t>Echantillonage</a:t>
+              <a:rPr lang="fr-FR" dirty="0" smtClean="0"/>
+              <a:t>Echantillonnage</a:t>
             </a:r>
             <a:endParaRPr lang="fr-FR" dirty="0"/>
           </a:p>
@@ -6605,97 +6512,151 @@
           <a:lstStyle/>
           <a:p>
             <a:r>
-              <a:rPr lang="fr-FR" dirty="0"/>
-              <a:t>Le jeu de données (</a:t>
-            </a:r>
-            <a:r>
-              <a:rPr lang="fr-FR" dirty="0" err="1"/>
-              <a:t>dataset</a:t>
-            </a:r>
-            <a:r>
-              <a:rPr lang="fr-FR" dirty="0"/>
-              <a:t>) dont vous disposez constitue une ressource </a:t>
-            </a:r>
-            <a:r>
-              <a:rPr lang="fr-FR" dirty="0" smtClean="0"/>
-              <a:t>précieuse</a:t>
+              <a:rPr lang="fr-FR" dirty="0" smtClean="0"/>
+              <a:t>Basé sur une fonctionnalité </a:t>
+            </a:r>
+            <a:r>
+              <a:rPr lang="fr-FR" dirty="0" err="1" smtClean="0"/>
+              <a:t>numpy</a:t>
+            </a:r>
+            <a:endParaRPr lang="fr-FR" dirty="0" smtClean="0"/>
+          </a:p>
+          <a:p>
+            <a:r>
+              <a:rPr lang="fr-FR" dirty="0" err="1" smtClean="0"/>
+              <a:t>np.array</a:t>
+            </a:r>
+            <a:r>
+              <a:rPr lang="fr-FR" dirty="0" smtClean="0"/>
+              <a:t>([2,8,0,10,9])[2,4] donne [0,9]</a:t>
+            </a:r>
+          </a:p>
+          <a:p>
+            <a:r>
+              <a:rPr lang="fr-FR" dirty="0" smtClean="0"/>
+              <a:t>Cela donne pour un échantillon de 5000</a:t>
             </a:r>
           </a:p>
           <a:p>
             <a:pPr lvl="1"/>
             <a:r>
-              <a:rPr lang="fr-FR" dirty="0" smtClean="0"/>
-              <a:t>Il </a:t>
-            </a:r>
-            <a:r>
-              <a:rPr lang="fr-FR" dirty="0"/>
-              <a:t>faut pouvoir l’utiliser à bon escient afin de pouvoir à la fois choisir un modèle et </a:t>
-            </a:r>
-            <a:r>
-              <a:rPr lang="fr-FR" dirty="0" smtClean="0"/>
-              <a:t>l'entraîner</a:t>
+              <a:rPr lang="fr-FR" sz="2000" dirty="0" err="1">
+                <a:latin typeface="Courier New" panose="02070309020205020404" pitchFamily="49" charset="0"/>
+                <a:cs typeface="Courier New" panose="02070309020205020404" pitchFamily="49" charset="0"/>
+              </a:rPr>
+              <a:t>sample</a:t>
+            </a:r>
+            <a:r>
+              <a:rPr lang="fr-FR" sz="2000" dirty="0">
+                <a:latin typeface="Courier New" panose="02070309020205020404" pitchFamily="49" charset="0"/>
+                <a:cs typeface="Courier New" panose="02070309020205020404" pitchFamily="49" charset="0"/>
+              </a:rPr>
+              <a:t> = </a:t>
+            </a:r>
+            <a:r>
+              <a:rPr lang="fr-FR" sz="2000" dirty="0" err="1">
+                <a:latin typeface="Courier New" panose="02070309020205020404" pitchFamily="49" charset="0"/>
+                <a:cs typeface="Courier New" panose="02070309020205020404" pitchFamily="49" charset="0"/>
+              </a:rPr>
+              <a:t>np.random.randint</a:t>
+            </a:r>
+            <a:r>
+              <a:rPr lang="fr-FR" sz="2000" dirty="0">
+                <a:latin typeface="Courier New" panose="02070309020205020404" pitchFamily="49" charset="0"/>
+                <a:cs typeface="Courier New" panose="02070309020205020404" pitchFamily="49" charset="0"/>
+              </a:rPr>
+              <a:t>(70000, size=5000)</a:t>
             </a:r>
           </a:p>
           <a:p>
             <a:pPr lvl="1"/>
             <a:r>
-              <a:rPr lang="fr-FR" dirty="0" smtClean="0"/>
-              <a:t>mais </a:t>
-            </a:r>
-            <a:r>
-              <a:rPr lang="fr-FR" dirty="0"/>
-              <a:t>aussi de pouvoir tester la qualité de ce </a:t>
-            </a:r>
-            <a:r>
-              <a:rPr lang="fr-FR" dirty="0" smtClean="0"/>
-              <a:t>modèle</a:t>
-            </a:r>
-          </a:p>
-          <a:p>
-            <a:r>
-              <a:rPr lang="fr-FR" dirty="0"/>
-              <a:t>La première question à se poser </a:t>
-            </a:r>
-            <a:r>
-              <a:rPr lang="fr-FR" dirty="0" smtClean="0"/>
-              <a:t>est</a:t>
+              <a:rPr lang="fr-FR" sz="2000" dirty="0">
+                <a:latin typeface="Courier New" panose="02070309020205020404" pitchFamily="49" charset="0"/>
+                <a:cs typeface="Courier New" panose="02070309020205020404" pitchFamily="49" charset="0"/>
+              </a:rPr>
+              <a:t>data = </a:t>
+            </a:r>
+            <a:r>
+              <a:rPr lang="fr-FR" sz="2000" dirty="0" err="1">
+                <a:latin typeface="Courier New" panose="02070309020205020404" pitchFamily="49" charset="0"/>
+                <a:cs typeface="Courier New" panose="02070309020205020404" pitchFamily="49" charset="0"/>
+              </a:rPr>
+              <a:t>mnist.data</a:t>
+            </a:r>
+            <a:r>
+              <a:rPr lang="fr-FR" sz="2000" dirty="0">
+                <a:latin typeface="Courier New" panose="02070309020205020404" pitchFamily="49" charset="0"/>
+                <a:cs typeface="Courier New" panose="02070309020205020404" pitchFamily="49" charset="0"/>
+              </a:rPr>
+              <a:t>[</a:t>
+            </a:r>
+            <a:r>
+              <a:rPr lang="fr-FR" sz="2000" dirty="0" err="1">
+                <a:latin typeface="Courier New" panose="02070309020205020404" pitchFamily="49" charset="0"/>
+                <a:cs typeface="Courier New" panose="02070309020205020404" pitchFamily="49" charset="0"/>
+              </a:rPr>
+              <a:t>sample</a:t>
+            </a:r>
+            <a:r>
+              <a:rPr lang="fr-FR" sz="2000" dirty="0">
+                <a:latin typeface="Courier New" panose="02070309020205020404" pitchFamily="49" charset="0"/>
+                <a:cs typeface="Courier New" panose="02070309020205020404" pitchFamily="49" charset="0"/>
+              </a:rPr>
+              <a:t>]</a:t>
             </a:r>
           </a:p>
           <a:p>
             <a:pPr lvl="1"/>
             <a:r>
-              <a:rPr lang="fr-FR" dirty="0" smtClean="0"/>
-              <a:t>Est-ce </a:t>
-            </a:r>
-            <a:r>
-              <a:rPr lang="fr-FR" dirty="0"/>
-              <a:t>qu’on va utiliser toutes les données d'exemple dont on </a:t>
-            </a:r>
-            <a:r>
-              <a:rPr lang="fr-FR" dirty="0" smtClean="0"/>
-              <a:t>dispose ?</a:t>
-            </a:r>
+              <a:rPr lang="fr-FR" sz="2000" dirty="0" err="1">
+                <a:latin typeface="Courier New" panose="02070309020205020404" pitchFamily="49" charset="0"/>
+                <a:cs typeface="Courier New" panose="02070309020205020404" pitchFamily="49" charset="0"/>
+              </a:rPr>
+              <a:t>target</a:t>
+            </a:r>
+            <a:r>
+              <a:rPr lang="fr-FR" sz="2000" dirty="0">
+                <a:latin typeface="Courier New" panose="02070309020205020404" pitchFamily="49" charset="0"/>
+                <a:cs typeface="Courier New" panose="02070309020205020404" pitchFamily="49" charset="0"/>
+              </a:rPr>
+              <a:t> = </a:t>
+            </a:r>
+            <a:r>
+              <a:rPr lang="fr-FR" sz="2000" dirty="0" err="1">
+                <a:latin typeface="Courier New" panose="02070309020205020404" pitchFamily="49" charset="0"/>
+                <a:cs typeface="Courier New" panose="02070309020205020404" pitchFamily="49" charset="0"/>
+              </a:rPr>
+              <a:t>mnist.target</a:t>
+            </a:r>
+            <a:r>
+              <a:rPr lang="fr-FR" sz="2000" dirty="0">
+                <a:latin typeface="Courier New" panose="02070309020205020404" pitchFamily="49" charset="0"/>
+                <a:cs typeface="Courier New" panose="02070309020205020404" pitchFamily="49" charset="0"/>
+              </a:rPr>
+              <a:t>[</a:t>
+            </a:r>
+            <a:r>
+              <a:rPr lang="fr-FR" sz="2000" dirty="0" err="1">
+                <a:latin typeface="Courier New" panose="02070309020205020404" pitchFamily="49" charset="0"/>
+                <a:cs typeface="Courier New" panose="02070309020205020404" pitchFamily="49" charset="0"/>
+              </a:rPr>
+              <a:t>sample</a:t>
+            </a:r>
+            <a:r>
+              <a:rPr lang="fr-FR" sz="2000" dirty="0">
+                <a:latin typeface="Courier New" panose="02070309020205020404" pitchFamily="49" charset="0"/>
+                <a:cs typeface="Courier New" panose="02070309020205020404" pitchFamily="49" charset="0"/>
+              </a:rPr>
+              <a:t>]</a:t>
+            </a:r>
+            <a:endParaRPr lang="fr-FR" sz="2000" dirty="0" smtClean="0">
+              <a:latin typeface="Courier New" panose="02070309020205020404" pitchFamily="49" charset="0"/>
+              <a:cs typeface="Courier New" panose="02070309020205020404" pitchFamily="49" charset="0"/>
+            </a:endParaRPr>
           </a:p>
           <a:p>
             <a:pPr lvl="1"/>
-            <a:r>
-              <a:rPr lang="fr-FR" dirty="0" smtClean="0"/>
-              <a:t>Volume, tests, …</a:t>
-            </a:r>
-          </a:p>
-          <a:p>
-            <a:r>
-              <a:rPr lang="fr-FR" dirty="0" smtClean="0"/>
-              <a:t>Il faut échantillonner (</a:t>
-            </a:r>
-            <a:r>
-              <a:rPr lang="fr-FR" dirty="0" err="1" smtClean="0"/>
-              <a:t>sampling</a:t>
-            </a:r>
-            <a:r>
-              <a:rPr lang="fr-FR" dirty="0" smtClean="0"/>
-              <a:t>) les données à tester</a:t>
-            </a:r>
             <a:endParaRPr lang="fr-FR" dirty="0"/>
           </a:p>
         </p:txBody>
@@ -6703,7 +6664,7 @@
     </p:spTree>
     <p:extLst>
       <p:ext uri="{BB962C8B-B14F-4D97-AF65-F5344CB8AC3E}">
-        <p14:creationId xmlns:p14="http://schemas.microsoft.com/office/powerpoint/2010/main" val="4194262031"/>
+        <p14:creationId xmlns:p14="http://schemas.microsoft.com/office/powerpoint/2010/main" val="391119954"/>
       </p:ext>
     </p:extLst>
   </p:cSld>
@@ -6754,7 +6715,7 @@
           <a:p>
             <a:r>
               <a:rPr lang="fr-FR" dirty="0" smtClean="0"/>
-              <a:t>Randomisation</a:t>
+              <a:t>Training Set</a:t>
             </a:r>
             <a:endParaRPr lang="fr-FR" dirty="0"/>
           </a:p>
@@ -6776,75 +6737,114 @@
           <a:lstStyle/>
           <a:p>
             <a:r>
-              <a:rPr lang="fr-FR" dirty="0" smtClean="0"/>
-              <a:t>Il faut utiliser le bon échantillon</a:t>
-            </a:r>
-          </a:p>
-          <a:p>
-            <a:pPr lvl="1"/>
-            <a:r>
-              <a:rPr lang="fr-FR" dirty="0" smtClean="0"/>
-              <a:t>Bien répartis</a:t>
-            </a:r>
-          </a:p>
-          <a:p>
-            <a:pPr lvl="1"/>
-            <a:r>
-              <a:rPr lang="fr-FR" dirty="0" smtClean="0"/>
-              <a:t>Ne pas introduire de biais</a:t>
-            </a:r>
-          </a:p>
-          <a:p>
-            <a:pPr lvl="1"/>
-            <a:r>
-              <a:rPr lang="fr-FR" dirty="0" smtClean="0"/>
-              <a:t>Par exemple à Paris les loyers sont plus chères qu’ailleurs</a:t>
-            </a:r>
-          </a:p>
-          <a:p>
-            <a:r>
-              <a:rPr lang="fr-FR" dirty="0" smtClean="0"/>
-              <a:t>Il faut ensuite découper l’échantillon avec le</a:t>
-            </a:r>
-          </a:p>
-          <a:p>
-            <a:pPr lvl="1"/>
-            <a:r>
-              <a:rPr lang="fr-FR" dirty="0" smtClean="0"/>
-              <a:t>Training Set</a:t>
-            </a:r>
-          </a:p>
-          <a:p>
-            <a:pPr lvl="1"/>
-            <a:r>
-              <a:rPr lang="fr-FR" dirty="0" err="1" smtClean="0"/>
-              <a:t>Testing</a:t>
-            </a:r>
-            <a:r>
-              <a:rPr lang="fr-FR" dirty="0" smtClean="0"/>
-              <a:t> Set</a:t>
-            </a:r>
-          </a:p>
-          <a:p>
-            <a:r>
-              <a:rPr lang="fr-FR" dirty="0" smtClean="0"/>
-              <a:t>L’un sert à l’apprentissage, l’autre au test</a:t>
-            </a:r>
-          </a:p>
-          <a:p>
-            <a:pPr lvl="1"/>
-            <a:r>
-              <a:rPr lang="fr-FR" dirty="0" smtClean="0"/>
-              <a:t>Souvent 80/20</a:t>
-            </a:r>
-            <a:endParaRPr lang="fr-FR" dirty="0"/>
+              <a:rPr lang="en-US" dirty="0" err="1">
+                <a:latin typeface="Courier New" panose="02070309020205020404" pitchFamily="49" charset="0"/>
+                <a:cs typeface="Courier New" panose="02070309020205020404" pitchFamily="49" charset="0"/>
+              </a:rPr>
+              <a:t>xtrain</a:t>
+            </a:r>
+            <a:r>
+              <a:rPr lang="en-US" dirty="0">
+                <a:latin typeface="Courier New" panose="02070309020205020404" pitchFamily="49" charset="0"/>
+                <a:cs typeface="Courier New" panose="02070309020205020404" pitchFamily="49" charset="0"/>
+              </a:rPr>
+              <a:t>, </a:t>
+            </a:r>
+            <a:r>
+              <a:rPr lang="en-US" dirty="0" err="1">
+                <a:latin typeface="Courier New" panose="02070309020205020404" pitchFamily="49" charset="0"/>
+                <a:cs typeface="Courier New" panose="02070309020205020404" pitchFamily="49" charset="0"/>
+              </a:rPr>
+              <a:t>xtest</a:t>
+            </a:r>
+            <a:r>
+              <a:rPr lang="en-US" dirty="0">
+                <a:latin typeface="Courier New" panose="02070309020205020404" pitchFamily="49" charset="0"/>
+                <a:cs typeface="Courier New" panose="02070309020205020404" pitchFamily="49" charset="0"/>
+              </a:rPr>
+              <a:t>, </a:t>
+            </a:r>
+            <a:r>
+              <a:rPr lang="en-US" dirty="0" err="1">
+                <a:latin typeface="Courier New" panose="02070309020205020404" pitchFamily="49" charset="0"/>
+                <a:cs typeface="Courier New" panose="02070309020205020404" pitchFamily="49" charset="0"/>
+              </a:rPr>
+              <a:t>ytrain</a:t>
+            </a:r>
+            <a:r>
+              <a:rPr lang="en-US" dirty="0">
+                <a:latin typeface="Courier New" panose="02070309020205020404" pitchFamily="49" charset="0"/>
+                <a:cs typeface="Courier New" panose="02070309020205020404" pitchFamily="49" charset="0"/>
+              </a:rPr>
+              <a:t>, </a:t>
+            </a:r>
+            <a:r>
+              <a:rPr lang="en-US" dirty="0" err="1">
+                <a:latin typeface="Courier New" panose="02070309020205020404" pitchFamily="49" charset="0"/>
+                <a:cs typeface="Courier New" panose="02070309020205020404" pitchFamily="49" charset="0"/>
+              </a:rPr>
+              <a:t>ytest</a:t>
+            </a:r>
+            <a:r>
+              <a:rPr lang="en-US" dirty="0">
+                <a:latin typeface="Courier New" panose="02070309020205020404" pitchFamily="49" charset="0"/>
+                <a:cs typeface="Courier New" panose="02070309020205020404" pitchFamily="49" charset="0"/>
+              </a:rPr>
+              <a:t> = </a:t>
+            </a:r>
+            <a:r>
+              <a:rPr lang="en-US" dirty="0" err="1">
+                <a:latin typeface="Courier New" panose="02070309020205020404" pitchFamily="49" charset="0"/>
+                <a:cs typeface="Courier New" panose="02070309020205020404" pitchFamily="49" charset="0"/>
+              </a:rPr>
+              <a:t>ms.train_test_split</a:t>
+            </a:r>
+            <a:r>
+              <a:rPr lang="en-US" dirty="0">
+                <a:latin typeface="Courier New" panose="02070309020205020404" pitchFamily="49" charset="0"/>
+                <a:cs typeface="Courier New" panose="02070309020205020404" pitchFamily="49" charset="0"/>
+              </a:rPr>
+              <a:t>(data, target, </a:t>
+            </a:r>
+            <a:r>
+              <a:rPr lang="en-US" dirty="0" err="1">
+                <a:latin typeface="Courier New" panose="02070309020205020404" pitchFamily="49" charset="0"/>
+                <a:cs typeface="Courier New" panose="02070309020205020404" pitchFamily="49" charset="0"/>
+              </a:rPr>
+              <a:t>train_size</a:t>
+            </a:r>
+            <a:r>
+              <a:rPr lang="en-US" dirty="0">
+                <a:latin typeface="Courier New" panose="02070309020205020404" pitchFamily="49" charset="0"/>
+                <a:cs typeface="Courier New" panose="02070309020205020404" pitchFamily="49" charset="0"/>
+              </a:rPr>
+              <a:t>=0.8, </a:t>
+            </a:r>
+            <a:r>
+              <a:rPr lang="en-US" dirty="0" err="1">
+                <a:latin typeface="Courier New" panose="02070309020205020404" pitchFamily="49" charset="0"/>
+                <a:cs typeface="Courier New" panose="02070309020205020404" pitchFamily="49" charset="0"/>
+              </a:rPr>
+              <a:t>test_size</a:t>
+            </a:r>
+            <a:r>
+              <a:rPr lang="en-US" dirty="0">
+                <a:latin typeface="Courier New" panose="02070309020205020404" pitchFamily="49" charset="0"/>
+                <a:cs typeface="Courier New" panose="02070309020205020404" pitchFamily="49" charset="0"/>
+              </a:rPr>
+              <a:t>=0.2)</a:t>
+            </a:r>
+            <a:endParaRPr lang="fr-FR" dirty="0">
+              <a:latin typeface="Courier New" panose="02070309020205020404" pitchFamily="49" charset="0"/>
+              <a:cs typeface="Courier New" panose="02070309020205020404" pitchFamily="49" charset="0"/>
+            </a:endParaRPr>
           </a:p>
         </p:txBody>
       </p:sp>
     </p:spTree>
     <p:extLst>
       <p:ext uri="{BB962C8B-B14F-4D97-AF65-F5344CB8AC3E}">
-        <p14:creationId xmlns:p14="http://schemas.microsoft.com/office/powerpoint/2010/main" val="2196960570"/>
+        <p14:creationId xmlns:p14="http://schemas.microsoft.com/office/powerpoint/2010/main" val="2210871484"/>
       </p:ext>
     </p:extLst>
   </p:cSld>

--- a/PPT/MachineLearning13-ScikitLearn.pptx
+++ b/PPT/MachineLearning13-ScikitLearn.pptx
@@ -5,10 +5,10 @@
     <p:sldMasterId id="2147483653" r:id="rId1"/>
   </p:sldMasterIdLst>
   <p:notesMasterIdLst>
-    <p:notesMasterId r:id="rId22"/>
+    <p:notesMasterId r:id="rId21"/>
   </p:notesMasterIdLst>
   <p:handoutMasterIdLst>
-    <p:handoutMasterId r:id="rId23"/>
+    <p:handoutMasterId r:id="rId22"/>
   </p:handoutMasterIdLst>
   <p:sldIdLst>
     <p:sldId id="264" r:id="rId2"/>
@@ -17,20 +17,19 @@
     <p:sldId id="266" r:id="rId5"/>
     <p:sldId id="284" r:id="rId6"/>
     <p:sldId id="278" r:id="rId7"/>
-    <p:sldId id="271" r:id="rId8"/>
-    <p:sldId id="282" r:id="rId9"/>
-    <p:sldId id="283" r:id="rId10"/>
-    <p:sldId id="272" r:id="rId11"/>
-    <p:sldId id="273" r:id="rId12"/>
-    <p:sldId id="275" r:id="rId13"/>
-    <p:sldId id="274" r:id="rId14"/>
-    <p:sldId id="276" r:id="rId15"/>
-    <p:sldId id="287" r:id="rId16"/>
-    <p:sldId id="288" r:id="rId17"/>
-    <p:sldId id="289" r:id="rId18"/>
-    <p:sldId id="290" r:id="rId19"/>
-    <p:sldId id="291" r:id="rId20"/>
-    <p:sldId id="286" r:id="rId21"/>
+    <p:sldId id="273" r:id="rId8"/>
+    <p:sldId id="275" r:id="rId9"/>
+    <p:sldId id="274" r:id="rId10"/>
+    <p:sldId id="276" r:id="rId11"/>
+    <p:sldId id="287" r:id="rId12"/>
+    <p:sldId id="288" r:id="rId13"/>
+    <p:sldId id="289" r:id="rId14"/>
+    <p:sldId id="290" r:id="rId15"/>
+    <p:sldId id="291" r:id="rId16"/>
+    <p:sldId id="292" r:id="rId17"/>
+    <p:sldId id="293" r:id="rId18"/>
+    <p:sldId id="294" r:id="rId19"/>
+    <p:sldId id="286" r:id="rId20"/>
   </p:sldIdLst>
   <p:sldSz cx="9144000" cy="6858000" type="screen4x3"/>
   <p:notesSz cx="6648450" cy="9782175"/>
@@ -3840,593 +3839,6 @@
           <a:lstStyle/>
           <a:p>
             <a:r>
-              <a:rPr lang="fr-FR" dirty="0" err="1" smtClean="0"/>
-              <a:t>Metrics</a:t>
-            </a:r>
-            <a:endParaRPr lang="fr-FR" dirty="0"/>
-          </a:p>
-        </p:txBody>
-      </p:sp>
-      <p:sp>
-        <p:nvSpPr>
-          <p:cNvPr id="3" name="Espace réservé du contenu 2"/>
-          <p:cNvSpPr>
-            <a:spLocks noGrp="1"/>
-          </p:cNvSpPr>
-          <p:nvPr>
-            <p:ph idx="1"/>
-          </p:nvPr>
-        </p:nvSpPr>
-        <p:spPr/>
-        <p:txBody>
-          <a:bodyPr/>
-          <a:lstStyle/>
-          <a:p>
-            <a:r>
-              <a:rPr lang="fr-FR" dirty="0" smtClean="0"/>
-              <a:t>Il est possible de calculer automatiquement l’erreur quadratique avec </a:t>
-            </a:r>
-            <a:r>
-              <a:rPr lang="fr-FR" dirty="0" err="1" smtClean="0"/>
-              <a:t>Metrics</a:t>
-            </a:r>
-            <a:endParaRPr lang="fr-FR" dirty="0" smtClean="0"/>
-          </a:p>
-          <a:p>
-            <a:pPr lvl="1"/>
-            <a:r>
-              <a:rPr lang="fr-FR" dirty="0"/>
-              <a:t>import </a:t>
-            </a:r>
-            <a:r>
-              <a:rPr lang="fr-FR" dirty="0" err="1"/>
-              <a:t>sklearn.metrics</a:t>
-            </a:r>
-            <a:r>
-              <a:rPr lang="fr-FR" dirty="0"/>
-              <a:t> as m</a:t>
-            </a:r>
-            <a:endParaRPr lang="fr-FR" dirty="0" smtClean="0"/>
-          </a:p>
-          <a:p>
-            <a:pPr lvl="1"/>
-            <a:r>
-              <a:rPr lang="fr-FR" dirty="0" err="1" smtClean="0"/>
-              <a:t>m.mean_squared_error</a:t>
-            </a:r>
-            <a:r>
-              <a:rPr lang="fr-FR" dirty="0" smtClean="0"/>
-              <a:t>(</a:t>
-            </a:r>
-            <a:r>
-              <a:rPr lang="fr-FR" dirty="0" err="1" smtClean="0"/>
-              <a:t>regr.predict</a:t>
-            </a:r>
-            <a:r>
-              <a:rPr lang="fr-FR" dirty="0" smtClean="0"/>
-              <a:t>(</a:t>
-            </a:r>
-            <a:r>
-              <a:rPr lang="fr-FR" dirty="0" err="1" smtClean="0"/>
-              <a:t>xtest</a:t>
-            </a:r>
-            <a:r>
-              <a:rPr lang="fr-FR" dirty="0"/>
-              <a:t>), </a:t>
-            </a:r>
-            <a:r>
-              <a:rPr lang="fr-FR" dirty="0" err="1"/>
-              <a:t>ytest</a:t>
-            </a:r>
-            <a:r>
-              <a:rPr lang="fr-FR" dirty="0" smtClean="0"/>
-              <a:t>)</a:t>
-            </a:r>
-          </a:p>
-          <a:p>
-            <a:pPr lvl="1"/>
-            <a:r>
-              <a:rPr lang="fr-FR" dirty="0" smtClean="0"/>
-              <a:t># A minimiser</a:t>
-            </a:r>
-            <a:endParaRPr lang="fr-FR" dirty="0"/>
-          </a:p>
-        </p:txBody>
-      </p:sp>
-    </p:spTree>
-    <p:extLst>
-      <p:ext uri="{BB962C8B-B14F-4D97-AF65-F5344CB8AC3E}">
-        <p14:creationId xmlns:p14="http://schemas.microsoft.com/office/powerpoint/2010/main" val="700905033"/>
-      </p:ext>
-    </p:extLst>
-  </p:cSld>
-  <p:clrMapOvr>
-    <a:masterClrMapping/>
-  </p:clrMapOvr>
-  <p:timing>
-    <p:tnLst>
-      <p:par>
-        <p:cTn id="1" dur="indefinite" restart="never" nodeType="tmRoot"/>
-      </p:par>
-    </p:tnLst>
-  </p:timing>
-</p:sld>
-</file>
-
-<file path=ppt/slides/slide11.xml><?xml version="1.0" encoding="utf-8"?>
-<p:sld xmlns:a="http://schemas.openxmlformats.org/drawingml/2006/main" xmlns:r="http://schemas.openxmlformats.org/officeDocument/2006/relationships" xmlns:p="http://schemas.openxmlformats.org/presentationml/2006/main">
-  <p:cSld>
-    <p:spTree>
-      <p:nvGrpSpPr>
-        <p:cNvPr id="1" name=""/>
-        <p:cNvGrpSpPr/>
-        <p:nvPr/>
-      </p:nvGrpSpPr>
-      <p:grpSpPr>
-        <a:xfrm>
-          <a:off x="0" y="0"/>
-          <a:ext cx="0" cy="0"/>
-          <a:chOff x="0" y="0"/>
-          <a:chExt cx="0" cy="0"/>
-        </a:xfrm>
-      </p:grpSpPr>
-      <p:sp>
-        <p:nvSpPr>
-          <p:cNvPr id="2" name="Titre 1"/>
-          <p:cNvSpPr>
-            <a:spLocks noGrp="1"/>
-          </p:cNvSpPr>
-          <p:nvPr>
-            <p:ph type="title"/>
-          </p:nvPr>
-        </p:nvSpPr>
-        <p:spPr/>
-        <p:txBody>
-          <a:bodyPr/>
-          <a:lstStyle/>
-          <a:p>
-            <a:r>
-              <a:rPr lang="fr-FR" dirty="0" smtClean="0"/>
-              <a:t>Régression polynomiale</a:t>
-            </a:r>
-            <a:endParaRPr lang="fr-FR" dirty="0"/>
-          </a:p>
-        </p:txBody>
-      </p:sp>
-      <p:sp>
-        <p:nvSpPr>
-          <p:cNvPr id="3" name="Espace réservé du contenu 2"/>
-          <p:cNvSpPr>
-            <a:spLocks noGrp="1"/>
-          </p:cNvSpPr>
-          <p:nvPr>
-            <p:ph idx="1"/>
-          </p:nvPr>
-        </p:nvSpPr>
-        <p:spPr/>
-        <p:txBody>
-          <a:bodyPr/>
-          <a:lstStyle/>
-          <a:p>
-            <a:r>
-              <a:rPr lang="fr-FR" dirty="0" err="1" smtClean="0"/>
-              <a:t>Sklearn</a:t>
-            </a:r>
-            <a:r>
-              <a:rPr lang="fr-FR" dirty="0" smtClean="0"/>
-              <a:t> effectue des régressions polynomiale</a:t>
-            </a:r>
-            <a:endParaRPr lang="fr-FR" dirty="0"/>
-          </a:p>
-        </p:txBody>
-      </p:sp>
-      <p:pic>
-        <p:nvPicPr>
-          <p:cNvPr id="4098" name="Picture 2" descr="../../_images/sphx_glr_plot_polynomial_interpolation_001.png"/>
-          <p:cNvPicPr>
-            <a:picLocks noChangeAspect="1" noChangeArrowheads="1"/>
-          </p:cNvPicPr>
-          <p:nvPr/>
-        </p:nvPicPr>
-        <p:blipFill>
-          <a:blip r:embed="rId2">
-            <a:extLst>
-              <a:ext uri="{28A0092B-C50C-407E-A947-70E740481C1C}">
-                <a14:useLocalDpi xmlns:a14="http://schemas.microsoft.com/office/drawing/2010/main" val="0"/>
-              </a:ext>
-            </a:extLst>
-          </a:blip>
-          <a:srcRect/>
-          <a:stretch>
-            <a:fillRect/>
-          </a:stretch>
-        </p:blipFill>
-        <p:spPr bwMode="auto">
-          <a:xfrm>
-            <a:off x="1835696" y="1877210"/>
-            <a:ext cx="6096000" cy="4572000"/>
-          </a:xfrm>
-          <a:prstGeom prst="rect">
-            <a:avLst/>
-          </a:prstGeom>
-          <a:noFill/>
-          <a:extLst>
-            <a:ext uri="{909E8E84-426E-40DD-AFC4-6F175D3DCCD1}">
-              <a14:hiddenFill xmlns:a14="http://schemas.microsoft.com/office/drawing/2010/main">
-                <a:solidFill>
-                  <a:srgbClr val="FFFFFF"/>
-                </a:solidFill>
-              </a14:hiddenFill>
-            </a:ext>
-          </a:extLst>
-        </p:spPr>
-      </p:pic>
-    </p:spTree>
-    <p:extLst>
-      <p:ext uri="{BB962C8B-B14F-4D97-AF65-F5344CB8AC3E}">
-        <p14:creationId xmlns:p14="http://schemas.microsoft.com/office/powerpoint/2010/main" val="3848354943"/>
-      </p:ext>
-    </p:extLst>
-  </p:cSld>
-  <p:clrMapOvr>
-    <a:masterClrMapping/>
-  </p:clrMapOvr>
-  <p:timing>
-    <p:tnLst>
-      <p:par>
-        <p:cTn id="1" dur="indefinite" restart="never" nodeType="tmRoot"/>
-      </p:par>
-    </p:tnLst>
-  </p:timing>
-</p:sld>
-</file>
-
-<file path=ppt/slides/slide12.xml><?xml version="1.0" encoding="utf-8"?>
-<p:sld xmlns:a="http://schemas.openxmlformats.org/drawingml/2006/main" xmlns:r="http://schemas.openxmlformats.org/officeDocument/2006/relationships" xmlns:p="http://schemas.openxmlformats.org/presentationml/2006/main">
-  <p:cSld>
-    <p:spTree>
-      <p:nvGrpSpPr>
-        <p:cNvPr id="1" name=""/>
-        <p:cNvGrpSpPr/>
-        <p:nvPr/>
-      </p:nvGrpSpPr>
-      <p:grpSpPr>
-        <a:xfrm>
-          <a:off x="0" y="0"/>
-          <a:ext cx="0" cy="0"/>
-          <a:chOff x="0" y="0"/>
-          <a:chExt cx="0" cy="0"/>
-        </a:xfrm>
-      </p:grpSpPr>
-      <p:sp>
-        <p:nvSpPr>
-          <p:cNvPr id="2" name="Titre 1"/>
-          <p:cNvSpPr>
-            <a:spLocks noGrp="1"/>
-          </p:cNvSpPr>
-          <p:nvPr>
-            <p:ph type="title"/>
-          </p:nvPr>
-        </p:nvSpPr>
-        <p:spPr/>
-        <p:txBody>
-          <a:bodyPr/>
-          <a:lstStyle/>
-          <a:p>
-            <a:r>
-              <a:rPr lang="fr-FR" dirty="0" err="1" smtClean="0"/>
-              <a:t>PreProcessing</a:t>
-            </a:r>
-            <a:endParaRPr lang="fr-FR" dirty="0"/>
-          </a:p>
-        </p:txBody>
-      </p:sp>
-      <p:sp>
-        <p:nvSpPr>
-          <p:cNvPr id="3" name="Espace réservé du contenu 2"/>
-          <p:cNvSpPr>
-            <a:spLocks noGrp="1"/>
-          </p:cNvSpPr>
-          <p:nvPr>
-            <p:ph idx="1"/>
-          </p:nvPr>
-        </p:nvSpPr>
-        <p:spPr/>
-        <p:txBody>
-          <a:bodyPr/>
-          <a:lstStyle/>
-          <a:p>
-            <a:r>
-              <a:rPr lang="fr-FR" dirty="0" err="1" smtClean="0"/>
-              <a:t>Preprocessing</a:t>
-            </a:r>
-            <a:r>
-              <a:rPr lang="fr-FR" dirty="0" smtClean="0"/>
-              <a:t> contient des </a:t>
-            </a:r>
-            <a:r>
-              <a:rPr lang="fr-FR" dirty="0" err="1" smtClean="0"/>
-              <a:t>Features</a:t>
-            </a:r>
-            <a:r>
-              <a:rPr lang="fr-FR" dirty="0" smtClean="0"/>
-              <a:t> qui sont des algorithmes de modèles pré-calculés</a:t>
-            </a:r>
-          </a:p>
-          <a:p>
-            <a:r>
-              <a:rPr lang="fr-FR" dirty="0" smtClean="0"/>
-              <a:t>Il en existe des centaines</a:t>
-            </a:r>
-          </a:p>
-          <a:p>
-            <a:r>
-              <a:rPr lang="fr-FR" dirty="0"/>
-              <a:t>import </a:t>
-            </a:r>
-            <a:r>
-              <a:rPr lang="fr-FR" dirty="0" err="1"/>
-              <a:t>sklearn.preprocessing</a:t>
-            </a:r>
-            <a:r>
-              <a:rPr lang="fr-FR" dirty="0"/>
-              <a:t> as </a:t>
-            </a:r>
-            <a:r>
-              <a:rPr lang="fr-FR" dirty="0" smtClean="0"/>
-              <a:t>pp</a:t>
-            </a:r>
-          </a:p>
-          <a:p>
-            <a:r>
-              <a:rPr lang="fr-FR" dirty="0" err="1"/>
-              <a:t>pp.PolynomialFeatures</a:t>
-            </a:r>
-            <a:r>
-              <a:rPr lang="fr-FR" dirty="0"/>
-              <a:t>(2)</a:t>
-            </a:r>
-            <a:endParaRPr lang="fr-FR" dirty="0" smtClean="0"/>
-          </a:p>
-          <a:p>
-            <a:endParaRPr lang="fr-FR" dirty="0"/>
-          </a:p>
-        </p:txBody>
-      </p:sp>
-    </p:spTree>
-    <p:extLst>
-      <p:ext uri="{BB962C8B-B14F-4D97-AF65-F5344CB8AC3E}">
-        <p14:creationId xmlns:p14="http://schemas.microsoft.com/office/powerpoint/2010/main" val="1233238204"/>
-      </p:ext>
-    </p:extLst>
-  </p:cSld>
-  <p:clrMapOvr>
-    <a:masterClrMapping/>
-  </p:clrMapOvr>
-  <p:timing>
-    <p:tnLst>
-      <p:par>
-        <p:cTn id="1" dur="indefinite" restart="never" nodeType="tmRoot"/>
-      </p:par>
-    </p:tnLst>
-  </p:timing>
-</p:sld>
-</file>
-
-<file path=ppt/slides/slide13.xml><?xml version="1.0" encoding="utf-8"?>
-<p:sld xmlns:a="http://schemas.openxmlformats.org/drawingml/2006/main" xmlns:r="http://schemas.openxmlformats.org/officeDocument/2006/relationships" xmlns:p="http://schemas.openxmlformats.org/presentationml/2006/main">
-  <p:cSld>
-    <p:spTree>
-      <p:nvGrpSpPr>
-        <p:cNvPr id="1" name=""/>
-        <p:cNvGrpSpPr/>
-        <p:nvPr/>
-      </p:nvGrpSpPr>
-      <p:grpSpPr>
-        <a:xfrm>
-          <a:off x="0" y="0"/>
-          <a:ext cx="0" cy="0"/>
-          <a:chOff x="0" y="0"/>
-          <a:chExt cx="0" cy="0"/>
-        </a:xfrm>
-      </p:grpSpPr>
-      <p:sp>
-        <p:nvSpPr>
-          <p:cNvPr id="2" name="Titre 1"/>
-          <p:cNvSpPr>
-            <a:spLocks noGrp="1"/>
-          </p:cNvSpPr>
-          <p:nvPr>
-            <p:ph type="title"/>
-          </p:nvPr>
-        </p:nvSpPr>
-        <p:spPr/>
-        <p:txBody>
-          <a:bodyPr/>
-          <a:lstStyle/>
-          <a:p>
-            <a:r>
-              <a:rPr lang="fr-FR" dirty="0" smtClean="0"/>
-              <a:t>Pipeline</a:t>
-            </a:r>
-            <a:endParaRPr lang="fr-FR" dirty="0"/>
-          </a:p>
-        </p:txBody>
-      </p:sp>
-      <p:sp>
-        <p:nvSpPr>
-          <p:cNvPr id="3" name="Espace réservé du contenu 2"/>
-          <p:cNvSpPr>
-            <a:spLocks noGrp="1"/>
-          </p:cNvSpPr>
-          <p:nvPr>
-            <p:ph idx="1"/>
-          </p:nvPr>
-        </p:nvSpPr>
-        <p:spPr/>
-        <p:txBody>
-          <a:bodyPr/>
-          <a:lstStyle/>
-          <a:p>
-            <a:r>
-              <a:rPr lang="fr-FR" dirty="0" smtClean="0"/>
-              <a:t>Pipeline permet de créer des modèles avec des </a:t>
-            </a:r>
-            <a:r>
-              <a:rPr lang="fr-FR" dirty="0" err="1" smtClean="0"/>
-              <a:t>features</a:t>
-            </a:r>
-            <a:r>
-              <a:rPr lang="fr-FR" dirty="0" smtClean="0"/>
-              <a:t> et des calculs d’erreurs paramétrables</a:t>
-            </a:r>
-          </a:p>
-          <a:p>
-            <a:r>
-              <a:rPr lang="fr-FR" dirty="0"/>
-              <a:t>import </a:t>
-            </a:r>
-            <a:r>
-              <a:rPr lang="fr-FR" dirty="0" err="1"/>
-              <a:t>sklearn.pipeline</a:t>
-            </a:r>
-            <a:r>
-              <a:rPr lang="fr-FR" dirty="0"/>
-              <a:t> as </a:t>
-            </a:r>
-            <a:r>
-              <a:rPr lang="fr-FR" dirty="0" smtClean="0"/>
-              <a:t>pipe</a:t>
-            </a:r>
-          </a:p>
-          <a:p>
-            <a:r>
-              <a:rPr lang="fr-FR" dirty="0" err="1" smtClean="0"/>
-              <a:t>pipe.make_pipeline</a:t>
-            </a:r>
-            <a:r>
-              <a:rPr lang="fr-FR" dirty="0" smtClean="0"/>
-              <a:t>(</a:t>
-            </a:r>
-            <a:r>
-              <a:rPr lang="fr-FR" dirty="0" err="1" smtClean="0"/>
-              <a:t>pp.PolynomialFeatures</a:t>
-            </a:r>
-            <a:r>
-              <a:rPr lang="fr-FR" dirty="0" smtClean="0"/>
-              <a:t>(2</a:t>
-            </a:r>
-            <a:r>
-              <a:rPr lang="fr-FR" dirty="0"/>
-              <a:t>), </a:t>
-            </a:r>
-            <a:r>
-              <a:rPr lang="fr-FR" dirty="0" err="1"/>
-              <a:t>sklm.Ridge</a:t>
-            </a:r>
-            <a:r>
-              <a:rPr lang="fr-FR" dirty="0" smtClean="0"/>
-              <a:t>())</a:t>
-            </a:r>
-          </a:p>
-          <a:p>
-            <a:pPr lvl="1"/>
-            <a:r>
-              <a:rPr lang="fr-FR" dirty="0" smtClean="0"/>
-              <a:t>Ridge est l’algorithme de calcul de l’erreur quadratique</a:t>
-            </a:r>
-          </a:p>
-          <a:p>
-            <a:pPr lvl="1"/>
-            <a:r>
-              <a:rPr lang="fr-FR" dirty="0"/>
-              <a:t>model = </a:t>
-            </a:r>
-            <a:r>
-              <a:rPr lang="fr-FR" dirty="0" err="1"/>
-              <a:t>pp.make_pipeline</a:t>
-            </a:r>
-            <a:r>
-              <a:rPr lang="fr-FR" dirty="0"/>
-              <a:t>(</a:t>
-            </a:r>
-            <a:r>
-              <a:rPr lang="fr-FR" dirty="0" err="1"/>
-              <a:t>pipe.PolynomialFeatures</a:t>
-            </a:r>
-            <a:r>
-              <a:rPr lang="fr-FR" dirty="0"/>
-              <a:t>(1), </a:t>
-            </a:r>
-            <a:r>
-              <a:rPr lang="fr-FR" dirty="0" err="1"/>
-              <a:t>sklm.Ridge</a:t>
-            </a:r>
-            <a:r>
-              <a:rPr lang="fr-FR" dirty="0" smtClean="0"/>
-              <a:t>()) # est identique à </a:t>
-            </a:r>
-            <a:r>
-              <a:rPr lang="fr-FR" dirty="0" err="1" smtClean="0"/>
-              <a:t>LinearRegression</a:t>
-            </a:r>
-            <a:endParaRPr lang="fr-FR" dirty="0"/>
-          </a:p>
-        </p:txBody>
-      </p:sp>
-    </p:spTree>
-    <p:extLst>
-      <p:ext uri="{BB962C8B-B14F-4D97-AF65-F5344CB8AC3E}">
-        <p14:creationId xmlns:p14="http://schemas.microsoft.com/office/powerpoint/2010/main" val="1835056303"/>
-      </p:ext>
-    </p:extLst>
-  </p:cSld>
-  <p:clrMapOvr>
-    <a:masterClrMapping/>
-  </p:clrMapOvr>
-  <p:timing>
-    <p:tnLst>
-      <p:par>
-        <p:cTn id="1" dur="indefinite" restart="never" nodeType="tmRoot"/>
-      </p:par>
-    </p:tnLst>
-  </p:timing>
-</p:sld>
-</file>
-
-<file path=ppt/slides/slide14.xml><?xml version="1.0" encoding="utf-8"?>
-<p:sld xmlns:a="http://schemas.openxmlformats.org/drawingml/2006/main" xmlns:r="http://schemas.openxmlformats.org/officeDocument/2006/relationships" xmlns:p="http://schemas.openxmlformats.org/presentationml/2006/main">
-  <p:cSld>
-    <p:spTree>
-      <p:nvGrpSpPr>
-        <p:cNvPr id="1" name=""/>
-        <p:cNvGrpSpPr/>
-        <p:nvPr/>
-      </p:nvGrpSpPr>
-      <p:grpSpPr>
-        <a:xfrm>
-          <a:off x="0" y="0"/>
-          <a:ext cx="0" cy="0"/>
-          <a:chOff x="0" y="0"/>
-          <a:chExt cx="0" cy="0"/>
-        </a:xfrm>
-      </p:grpSpPr>
-      <p:sp>
-        <p:nvSpPr>
-          <p:cNvPr id="2" name="Titre 1"/>
-          <p:cNvSpPr>
-            <a:spLocks noGrp="1"/>
-          </p:cNvSpPr>
-          <p:nvPr>
-            <p:ph type="title"/>
-          </p:nvPr>
-        </p:nvSpPr>
-        <p:spPr/>
-        <p:txBody>
-          <a:bodyPr/>
-          <a:lstStyle/>
-          <a:p>
-            <a:r>
               <a:rPr lang="fr-FR" dirty="0" smtClean="0"/>
               <a:t>Interprétation</a:t>
             </a:r>
@@ -4562,7 +3974,7 @@
 </p:sld>
 </file>
 
-<file path=ppt/slides/slide15.xml><?xml version="1.0" encoding="utf-8"?>
+<file path=ppt/slides/slide11.xml><?xml version="1.0" encoding="utf-8"?>
 <p:sld xmlns:a="http://schemas.openxmlformats.org/drawingml/2006/main" xmlns:r="http://schemas.openxmlformats.org/officeDocument/2006/relationships" xmlns:p="http://schemas.openxmlformats.org/presentationml/2006/main">
   <p:cSld>
     <p:spTree>
@@ -4749,6 +4161,643 @@
 </p:sld>
 </file>
 
+<file path=ppt/slides/slide12.xml><?xml version="1.0" encoding="utf-8"?>
+<p:sld xmlns:a="http://schemas.openxmlformats.org/drawingml/2006/main" xmlns:r="http://schemas.openxmlformats.org/officeDocument/2006/relationships" xmlns:p="http://schemas.openxmlformats.org/presentationml/2006/main">
+  <p:cSld>
+    <p:spTree>
+      <p:nvGrpSpPr>
+        <p:cNvPr id="1" name=""/>
+        <p:cNvGrpSpPr/>
+        <p:nvPr/>
+      </p:nvGrpSpPr>
+      <p:grpSpPr>
+        <a:xfrm>
+          <a:off x="0" y="0"/>
+          <a:ext cx="0" cy="0"/>
+          <a:chOff x="0" y="0"/>
+          <a:chExt cx="0" cy="0"/>
+        </a:xfrm>
+      </p:grpSpPr>
+      <p:sp>
+        <p:nvSpPr>
+          <p:cNvPr id="2" name="Titre 1"/>
+          <p:cNvSpPr>
+            <a:spLocks noGrp="1"/>
+          </p:cNvSpPr>
+          <p:nvPr>
+            <p:ph type="title"/>
+          </p:nvPr>
+        </p:nvSpPr>
+        <p:spPr/>
+        <p:txBody>
+          <a:bodyPr/>
+          <a:lstStyle/>
+          <a:p>
+            <a:r>
+              <a:rPr lang="fr-FR" dirty="0" err="1" smtClean="0"/>
+              <a:t>Echantillonage</a:t>
+            </a:r>
+            <a:endParaRPr lang="fr-FR" dirty="0"/>
+          </a:p>
+        </p:txBody>
+      </p:sp>
+      <p:sp>
+        <p:nvSpPr>
+          <p:cNvPr id="3" name="Espace réservé du contenu 2"/>
+          <p:cNvSpPr>
+            <a:spLocks noGrp="1"/>
+          </p:cNvSpPr>
+          <p:nvPr>
+            <p:ph idx="1"/>
+          </p:nvPr>
+        </p:nvSpPr>
+        <p:spPr/>
+        <p:txBody>
+          <a:bodyPr/>
+          <a:lstStyle/>
+          <a:p>
+            <a:r>
+              <a:rPr lang="fr-FR" dirty="0"/>
+              <a:t>Le jeu de données (</a:t>
+            </a:r>
+            <a:r>
+              <a:rPr lang="fr-FR" dirty="0" err="1"/>
+              <a:t>dataset</a:t>
+            </a:r>
+            <a:r>
+              <a:rPr lang="fr-FR" dirty="0"/>
+              <a:t>) dont vous disposez constitue une ressource </a:t>
+            </a:r>
+            <a:r>
+              <a:rPr lang="fr-FR" dirty="0" smtClean="0"/>
+              <a:t>précieuse</a:t>
+            </a:r>
+          </a:p>
+          <a:p>
+            <a:pPr lvl="1"/>
+            <a:r>
+              <a:rPr lang="fr-FR" dirty="0" smtClean="0"/>
+              <a:t>Il </a:t>
+            </a:r>
+            <a:r>
+              <a:rPr lang="fr-FR" dirty="0"/>
+              <a:t>faut pouvoir l’utiliser à bon escient afin de pouvoir à la fois choisir un modèle et </a:t>
+            </a:r>
+            <a:r>
+              <a:rPr lang="fr-FR" dirty="0" smtClean="0"/>
+              <a:t>l'entraîner</a:t>
+            </a:r>
+          </a:p>
+          <a:p>
+            <a:pPr lvl="1"/>
+            <a:r>
+              <a:rPr lang="fr-FR" dirty="0" smtClean="0"/>
+              <a:t>mais </a:t>
+            </a:r>
+            <a:r>
+              <a:rPr lang="fr-FR" dirty="0"/>
+              <a:t>aussi de pouvoir tester la qualité de ce </a:t>
+            </a:r>
+            <a:r>
+              <a:rPr lang="fr-FR" dirty="0" smtClean="0"/>
+              <a:t>modèle</a:t>
+            </a:r>
+          </a:p>
+          <a:p>
+            <a:r>
+              <a:rPr lang="fr-FR" dirty="0"/>
+              <a:t>La première question à se poser </a:t>
+            </a:r>
+            <a:r>
+              <a:rPr lang="fr-FR" dirty="0" smtClean="0"/>
+              <a:t>est</a:t>
+            </a:r>
+          </a:p>
+          <a:p>
+            <a:pPr lvl="1"/>
+            <a:r>
+              <a:rPr lang="fr-FR" dirty="0" smtClean="0"/>
+              <a:t>Est-ce </a:t>
+            </a:r>
+            <a:r>
+              <a:rPr lang="fr-FR" dirty="0"/>
+              <a:t>qu’on va utiliser toutes les données d'exemple dont on </a:t>
+            </a:r>
+            <a:r>
+              <a:rPr lang="fr-FR" dirty="0" smtClean="0"/>
+              <a:t>dispose ?</a:t>
+            </a:r>
+          </a:p>
+          <a:p>
+            <a:pPr lvl="1"/>
+            <a:r>
+              <a:rPr lang="fr-FR" dirty="0" smtClean="0"/>
+              <a:t>Volume, tests, …</a:t>
+            </a:r>
+          </a:p>
+          <a:p>
+            <a:r>
+              <a:rPr lang="fr-FR" dirty="0" smtClean="0"/>
+              <a:t>Il faut échantillonner (</a:t>
+            </a:r>
+            <a:r>
+              <a:rPr lang="fr-FR" dirty="0" err="1" smtClean="0"/>
+              <a:t>sampling</a:t>
+            </a:r>
+            <a:r>
+              <a:rPr lang="fr-FR" dirty="0" smtClean="0"/>
+              <a:t>) les données à tester</a:t>
+            </a:r>
+            <a:endParaRPr lang="fr-FR" dirty="0"/>
+          </a:p>
+        </p:txBody>
+      </p:sp>
+    </p:spTree>
+    <p:extLst>
+      <p:ext uri="{BB962C8B-B14F-4D97-AF65-F5344CB8AC3E}">
+        <p14:creationId xmlns:p14="http://schemas.microsoft.com/office/powerpoint/2010/main" val="1484659042"/>
+      </p:ext>
+    </p:extLst>
+  </p:cSld>
+  <p:clrMapOvr>
+    <a:masterClrMapping/>
+  </p:clrMapOvr>
+  <p:timing>
+    <p:tnLst>
+      <p:par>
+        <p:cTn id="1" dur="indefinite" restart="never" nodeType="tmRoot"/>
+      </p:par>
+    </p:tnLst>
+  </p:timing>
+</p:sld>
+</file>
+
+<file path=ppt/slides/slide13.xml><?xml version="1.0" encoding="utf-8"?>
+<p:sld xmlns:a="http://schemas.openxmlformats.org/drawingml/2006/main" xmlns:r="http://schemas.openxmlformats.org/officeDocument/2006/relationships" xmlns:p="http://schemas.openxmlformats.org/presentationml/2006/main">
+  <p:cSld>
+    <p:spTree>
+      <p:nvGrpSpPr>
+        <p:cNvPr id="1" name=""/>
+        <p:cNvGrpSpPr/>
+        <p:nvPr/>
+      </p:nvGrpSpPr>
+      <p:grpSpPr>
+        <a:xfrm>
+          <a:off x="0" y="0"/>
+          <a:ext cx="0" cy="0"/>
+          <a:chOff x="0" y="0"/>
+          <a:chExt cx="0" cy="0"/>
+        </a:xfrm>
+      </p:grpSpPr>
+      <p:sp>
+        <p:nvSpPr>
+          <p:cNvPr id="2" name="Titre 1"/>
+          <p:cNvSpPr>
+            <a:spLocks noGrp="1"/>
+          </p:cNvSpPr>
+          <p:nvPr>
+            <p:ph type="title"/>
+          </p:nvPr>
+        </p:nvSpPr>
+        <p:spPr/>
+        <p:txBody>
+          <a:bodyPr/>
+          <a:lstStyle/>
+          <a:p>
+            <a:r>
+              <a:rPr lang="fr-FR" dirty="0" smtClean="0"/>
+              <a:t>Randomisation</a:t>
+            </a:r>
+            <a:endParaRPr lang="fr-FR" dirty="0"/>
+          </a:p>
+        </p:txBody>
+      </p:sp>
+      <p:sp>
+        <p:nvSpPr>
+          <p:cNvPr id="3" name="Espace réservé du contenu 2"/>
+          <p:cNvSpPr>
+            <a:spLocks noGrp="1"/>
+          </p:cNvSpPr>
+          <p:nvPr>
+            <p:ph idx="1"/>
+          </p:nvPr>
+        </p:nvSpPr>
+        <p:spPr/>
+        <p:txBody>
+          <a:bodyPr/>
+          <a:lstStyle/>
+          <a:p>
+            <a:r>
+              <a:rPr lang="fr-FR" dirty="0" smtClean="0"/>
+              <a:t>Il faut utiliser le bon échantillon</a:t>
+            </a:r>
+          </a:p>
+          <a:p>
+            <a:pPr lvl="1"/>
+            <a:r>
+              <a:rPr lang="fr-FR" dirty="0" smtClean="0"/>
+              <a:t>Bien répartis</a:t>
+            </a:r>
+          </a:p>
+          <a:p>
+            <a:pPr lvl="1"/>
+            <a:r>
+              <a:rPr lang="fr-FR" dirty="0" smtClean="0"/>
+              <a:t>Ne pas introduire de biais</a:t>
+            </a:r>
+          </a:p>
+          <a:p>
+            <a:pPr lvl="1"/>
+            <a:r>
+              <a:rPr lang="fr-FR" dirty="0" smtClean="0"/>
+              <a:t>Par exemple à Paris les loyers sont plus chères qu’ailleurs</a:t>
+            </a:r>
+          </a:p>
+          <a:p>
+            <a:r>
+              <a:rPr lang="fr-FR" dirty="0" smtClean="0"/>
+              <a:t>Il faut ensuite découper l’échantillon avec le</a:t>
+            </a:r>
+          </a:p>
+          <a:p>
+            <a:pPr lvl="1"/>
+            <a:r>
+              <a:rPr lang="fr-FR" dirty="0" smtClean="0"/>
+              <a:t>Training Set</a:t>
+            </a:r>
+          </a:p>
+          <a:p>
+            <a:pPr lvl="1"/>
+            <a:r>
+              <a:rPr lang="fr-FR" dirty="0" err="1" smtClean="0"/>
+              <a:t>Testing</a:t>
+            </a:r>
+            <a:r>
+              <a:rPr lang="fr-FR" dirty="0" smtClean="0"/>
+              <a:t> Set</a:t>
+            </a:r>
+          </a:p>
+          <a:p>
+            <a:r>
+              <a:rPr lang="fr-FR" dirty="0" smtClean="0"/>
+              <a:t>L’un sert à l’apprentissage, l’autre au test</a:t>
+            </a:r>
+          </a:p>
+          <a:p>
+            <a:pPr lvl="1"/>
+            <a:r>
+              <a:rPr lang="fr-FR" dirty="0" smtClean="0"/>
+              <a:t>Souvent 80/20</a:t>
+            </a:r>
+            <a:endParaRPr lang="fr-FR" dirty="0"/>
+          </a:p>
+        </p:txBody>
+      </p:sp>
+    </p:spTree>
+    <p:extLst>
+      <p:ext uri="{BB962C8B-B14F-4D97-AF65-F5344CB8AC3E}">
+        <p14:creationId xmlns:p14="http://schemas.microsoft.com/office/powerpoint/2010/main" val="785613107"/>
+      </p:ext>
+    </p:extLst>
+  </p:cSld>
+  <p:clrMapOvr>
+    <a:masterClrMapping/>
+  </p:clrMapOvr>
+  <p:timing>
+    <p:tnLst>
+      <p:par>
+        <p:cTn id="1" dur="indefinite" restart="never" nodeType="tmRoot"/>
+      </p:par>
+    </p:tnLst>
+  </p:timing>
+</p:sld>
+</file>
+
+<file path=ppt/slides/slide14.xml><?xml version="1.0" encoding="utf-8"?>
+<p:sld xmlns:a="http://schemas.openxmlformats.org/drawingml/2006/main" xmlns:r="http://schemas.openxmlformats.org/officeDocument/2006/relationships" xmlns:p="http://schemas.openxmlformats.org/presentationml/2006/main">
+  <p:cSld>
+    <p:spTree>
+      <p:nvGrpSpPr>
+        <p:cNvPr id="1" name=""/>
+        <p:cNvGrpSpPr/>
+        <p:nvPr/>
+      </p:nvGrpSpPr>
+      <p:grpSpPr>
+        <a:xfrm>
+          <a:off x="0" y="0"/>
+          <a:ext cx="0" cy="0"/>
+          <a:chOff x="0" y="0"/>
+          <a:chExt cx="0" cy="0"/>
+        </a:xfrm>
+      </p:grpSpPr>
+      <p:sp>
+        <p:nvSpPr>
+          <p:cNvPr id="2" name="Titre 1"/>
+          <p:cNvSpPr>
+            <a:spLocks noGrp="1"/>
+          </p:cNvSpPr>
+          <p:nvPr>
+            <p:ph type="title"/>
+          </p:nvPr>
+        </p:nvSpPr>
+        <p:spPr/>
+        <p:txBody>
+          <a:bodyPr/>
+          <a:lstStyle/>
+          <a:p>
+            <a:r>
+              <a:rPr lang="fr-FR" dirty="0" smtClean="0"/>
+              <a:t>Randomisation</a:t>
+            </a:r>
+            <a:endParaRPr lang="fr-FR" dirty="0"/>
+          </a:p>
+        </p:txBody>
+      </p:sp>
+      <p:sp>
+        <p:nvSpPr>
+          <p:cNvPr id="3" name="Espace réservé du contenu 2"/>
+          <p:cNvSpPr>
+            <a:spLocks noGrp="1"/>
+          </p:cNvSpPr>
+          <p:nvPr>
+            <p:ph idx="1"/>
+          </p:nvPr>
+        </p:nvSpPr>
+        <p:spPr/>
+        <p:txBody>
+          <a:bodyPr/>
+          <a:lstStyle/>
+          <a:p>
+            <a:r>
+              <a:rPr lang="fr-FR" dirty="0"/>
+              <a:t>I</a:t>
+            </a:r>
+            <a:r>
+              <a:rPr lang="fr-FR" dirty="0" smtClean="0"/>
+              <a:t>l </a:t>
+            </a:r>
+            <a:r>
+              <a:rPr lang="fr-FR" dirty="0"/>
+              <a:t>s’avère que si on entraîne le modèle avec des données, il va naturellement être plus performant sur ces </a:t>
+            </a:r>
+            <a:r>
+              <a:rPr lang="fr-FR" dirty="0" smtClean="0"/>
+              <a:t>données-là</a:t>
+            </a:r>
+          </a:p>
+          <a:p>
+            <a:r>
+              <a:rPr lang="fr-FR" dirty="0" smtClean="0"/>
+              <a:t>Ce </a:t>
+            </a:r>
+            <a:r>
+              <a:rPr lang="fr-FR" dirty="0"/>
+              <a:t>qui nous intéresse c’est de mesurer sa performance sur des données qu’il n’a jamais vues puisque c’est ce qui va se passer en </a:t>
+            </a:r>
+            <a:r>
+              <a:rPr lang="fr-FR" dirty="0" smtClean="0"/>
+              <a:t>pratique</a:t>
+            </a:r>
+          </a:p>
+          <a:p>
+            <a:r>
+              <a:rPr lang="fr-FR" dirty="0" smtClean="0"/>
+              <a:t>Cette </a:t>
+            </a:r>
+            <a:r>
+              <a:rPr lang="fr-FR" dirty="0"/>
+              <a:t>performance est appelée la </a:t>
+            </a:r>
+            <a:r>
+              <a:rPr lang="fr-FR" b="1" dirty="0"/>
+              <a:t>généralisation</a:t>
+            </a:r>
+            <a:r>
+              <a:rPr lang="fr-FR" dirty="0"/>
+              <a:t> du </a:t>
+            </a:r>
+            <a:r>
+              <a:rPr lang="fr-FR" dirty="0" smtClean="0"/>
+              <a:t>modèle</a:t>
+            </a:r>
+            <a:endParaRPr lang="fr-FR" dirty="0"/>
+          </a:p>
+          <a:p>
+            <a:pPr lvl="1"/>
+            <a:r>
+              <a:rPr lang="fr-FR" dirty="0" smtClean="0"/>
+              <a:t>Sa </a:t>
+            </a:r>
+            <a:r>
+              <a:rPr lang="fr-FR" dirty="0"/>
+              <a:t>capacité à effectuer des prédictions de qualité sur des situations jamais rencontrées.</a:t>
+            </a:r>
+          </a:p>
+        </p:txBody>
+      </p:sp>
+    </p:spTree>
+    <p:extLst>
+      <p:ext uri="{BB962C8B-B14F-4D97-AF65-F5344CB8AC3E}">
+        <p14:creationId xmlns:p14="http://schemas.microsoft.com/office/powerpoint/2010/main" val="2271259804"/>
+      </p:ext>
+    </p:extLst>
+  </p:cSld>
+  <p:clrMapOvr>
+    <a:masterClrMapping/>
+  </p:clrMapOvr>
+  <p:timing>
+    <p:tnLst>
+      <p:par>
+        <p:cTn id="1" dur="indefinite" restart="never" nodeType="tmRoot"/>
+      </p:par>
+    </p:tnLst>
+  </p:timing>
+</p:sld>
+</file>
+
+<file path=ppt/slides/slide15.xml><?xml version="1.0" encoding="utf-8"?>
+<p:sld xmlns:a="http://schemas.openxmlformats.org/drawingml/2006/main" xmlns:r="http://schemas.openxmlformats.org/officeDocument/2006/relationships" xmlns:p="http://schemas.openxmlformats.org/presentationml/2006/main">
+  <p:cSld>
+    <p:spTree>
+      <p:nvGrpSpPr>
+        <p:cNvPr id="1" name=""/>
+        <p:cNvGrpSpPr/>
+        <p:nvPr/>
+      </p:nvGrpSpPr>
+      <p:grpSpPr>
+        <a:xfrm>
+          <a:off x="0" y="0"/>
+          <a:ext cx="0" cy="0"/>
+          <a:chOff x="0" y="0"/>
+          <a:chExt cx="0" cy="0"/>
+        </a:xfrm>
+      </p:grpSpPr>
+      <p:sp>
+        <p:nvSpPr>
+          <p:cNvPr id="2" name="Titre 1"/>
+          <p:cNvSpPr>
+            <a:spLocks noGrp="1"/>
+          </p:cNvSpPr>
+          <p:nvPr>
+            <p:ph type="title"/>
+          </p:nvPr>
+        </p:nvSpPr>
+        <p:spPr/>
+        <p:txBody>
+          <a:bodyPr/>
+          <a:lstStyle/>
+          <a:p>
+            <a:r>
+              <a:rPr lang="fr-FR" dirty="0" smtClean="0"/>
+              <a:t>Model </a:t>
+            </a:r>
+            <a:r>
+              <a:rPr lang="fr-FR" dirty="0" err="1" smtClean="0"/>
+              <a:t>Selection</a:t>
+            </a:r>
+            <a:endParaRPr lang="fr-FR" dirty="0"/>
+          </a:p>
+        </p:txBody>
+      </p:sp>
+      <p:sp>
+        <p:nvSpPr>
+          <p:cNvPr id="3" name="Espace réservé du contenu 2"/>
+          <p:cNvSpPr>
+            <a:spLocks noGrp="1"/>
+          </p:cNvSpPr>
+          <p:nvPr>
+            <p:ph idx="1"/>
+          </p:nvPr>
+        </p:nvSpPr>
+        <p:spPr/>
+        <p:txBody>
+          <a:bodyPr/>
+          <a:lstStyle/>
+          <a:p>
+            <a:r>
+              <a:rPr lang="fr-FR" dirty="0" smtClean="0"/>
+              <a:t>Model </a:t>
+            </a:r>
+            <a:r>
+              <a:rPr lang="fr-FR" dirty="0" err="1" smtClean="0"/>
+              <a:t>Selection</a:t>
+            </a:r>
+            <a:r>
+              <a:rPr lang="fr-FR" dirty="0" smtClean="0"/>
+              <a:t> est un module de sélection de modèle</a:t>
+            </a:r>
+          </a:p>
+          <a:p>
+            <a:r>
+              <a:rPr lang="fr-FR" dirty="0" err="1" smtClean="0"/>
+              <a:t>Train_test_split</a:t>
+            </a:r>
+            <a:r>
+              <a:rPr lang="fr-FR" dirty="0" smtClean="0"/>
+              <a:t> permet de découper le </a:t>
+            </a:r>
+            <a:r>
+              <a:rPr lang="fr-FR" dirty="0" err="1" smtClean="0"/>
+              <a:t>dataset</a:t>
+            </a:r>
+            <a:endParaRPr lang="fr-FR" dirty="0" smtClean="0"/>
+          </a:p>
+          <a:p>
+            <a:pPr lvl="1"/>
+            <a:r>
+              <a:rPr lang="fr-FR" dirty="0"/>
+              <a:t>import </a:t>
+            </a:r>
+            <a:r>
+              <a:rPr lang="fr-FR" dirty="0" err="1"/>
+              <a:t>sklearn.model_selection</a:t>
+            </a:r>
+            <a:r>
+              <a:rPr lang="fr-FR" dirty="0"/>
+              <a:t> as ms</a:t>
+            </a:r>
+          </a:p>
+          <a:p>
+            <a:pPr lvl="1"/>
+            <a:r>
+              <a:rPr lang="fr-FR" dirty="0" err="1" smtClean="0"/>
+              <a:t>xtrain</a:t>
+            </a:r>
+            <a:r>
+              <a:rPr lang="fr-FR" dirty="0"/>
+              <a:t>, </a:t>
+            </a:r>
+            <a:r>
+              <a:rPr lang="fr-FR" dirty="0" err="1"/>
+              <a:t>xtest</a:t>
+            </a:r>
+            <a:r>
+              <a:rPr lang="fr-FR" dirty="0"/>
+              <a:t>, </a:t>
+            </a:r>
+            <a:r>
+              <a:rPr lang="fr-FR" dirty="0" err="1"/>
+              <a:t>ytrain</a:t>
+            </a:r>
+            <a:r>
+              <a:rPr lang="fr-FR" dirty="0"/>
+              <a:t>, </a:t>
+            </a:r>
+            <a:r>
+              <a:rPr lang="fr-FR" dirty="0" err="1"/>
+              <a:t>ytest</a:t>
+            </a:r>
+            <a:r>
+              <a:rPr lang="fr-FR" dirty="0"/>
+              <a:t> = </a:t>
+            </a:r>
+            <a:r>
+              <a:rPr lang="fr-FR" dirty="0" err="1"/>
+              <a:t>ms.train_test_split</a:t>
+            </a:r>
+            <a:r>
+              <a:rPr lang="fr-FR" dirty="0"/>
+              <a:t>(X, y, </a:t>
+            </a:r>
+            <a:r>
+              <a:rPr lang="fr-FR" dirty="0" err="1"/>
+              <a:t>train_size</a:t>
+            </a:r>
+            <a:r>
+              <a:rPr lang="fr-FR" dirty="0"/>
+              <a:t>=0.8, </a:t>
+            </a:r>
+            <a:r>
+              <a:rPr lang="fr-FR" dirty="0" err="1"/>
+              <a:t>test_size</a:t>
+            </a:r>
+            <a:r>
+              <a:rPr lang="fr-FR" dirty="0"/>
+              <a:t>=0.2)</a:t>
+            </a:r>
+          </a:p>
+        </p:txBody>
+      </p:sp>
+    </p:spTree>
+    <p:extLst>
+      <p:ext uri="{BB962C8B-B14F-4D97-AF65-F5344CB8AC3E}">
+        <p14:creationId xmlns:p14="http://schemas.microsoft.com/office/powerpoint/2010/main" val="3886577066"/>
+      </p:ext>
+    </p:extLst>
+  </p:cSld>
+  <p:clrMapOvr>
+    <a:masterClrMapping/>
+  </p:clrMapOvr>
+  <p:timing>
+    <p:tnLst>
+      <p:par>
+        <p:cTn id="1" dur="indefinite" restart="never" nodeType="tmRoot"/>
+      </p:par>
+    </p:tnLst>
+  </p:timing>
+</p:sld>
+</file>
+
 <file path=ppt/slides/slide16.xml><?xml version="1.0" encoding="utf-8"?>
 <p:sld xmlns:a="http://schemas.openxmlformats.org/drawingml/2006/main" xmlns:r="http://schemas.openxmlformats.org/officeDocument/2006/relationships" xmlns:p="http://schemas.openxmlformats.org/presentationml/2006/main">
   <p:cSld>
@@ -4782,8 +4831,8 @@
           <a:lstStyle/>
           <a:p>
             <a:r>
-              <a:rPr lang="fr-FR" dirty="0" err="1" smtClean="0"/>
-              <a:t>Echantillonage</a:t>
+              <a:rPr lang="fr-FR" dirty="0" smtClean="0"/>
+              <a:t>Interprétation du résultat</a:t>
             </a:r>
             <a:endParaRPr lang="fr-FR" dirty="0"/>
           </a:p>
@@ -4805,105 +4854,96 @@
           <a:lstStyle/>
           <a:p>
             <a:r>
-              <a:rPr lang="fr-FR" dirty="0"/>
-              <a:t>Le jeu de données (</a:t>
-            </a:r>
-            <a:r>
-              <a:rPr lang="fr-FR" dirty="0" err="1"/>
-              <a:t>dataset</a:t>
-            </a:r>
-            <a:r>
-              <a:rPr lang="fr-FR" dirty="0"/>
-              <a:t>) dont vous disposez constitue une ressource </a:t>
-            </a:r>
-            <a:r>
-              <a:rPr lang="fr-FR" dirty="0" smtClean="0"/>
-              <a:t>précieuse</a:t>
+              <a:rPr lang="fr-FR" dirty="0" smtClean="0"/>
+              <a:t>Evidement en ayant moins de données le résultat sur le training set sera un peu moins bon</a:t>
+            </a:r>
+          </a:p>
+          <a:p>
+            <a:r>
+              <a:rPr lang="fr-FR" dirty="0" smtClean="0"/>
+              <a:t>Mais il faut rejouer la régression sur les </a:t>
+            </a:r>
+            <a:r>
+              <a:rPr lang="fr-FR" dirty="0" err="1" smtClean="0"/>
+              <a:t>testing</a:t>
+            </a:r>
+            <a:r>
+              <a:rPr lang="fr-FR" dirty="0" smtClean="0"/>
+              <a:t> set</a:t>
             </a:r>
           </a:p>
           <a:p>
             <a:pPr lvl="1"/>
             <a:r>
               <a:rPr lang="fr-FR" dirty="0" smtClean="0"/>
-              <a:t>Il </a:t>
-            </a:r>
-            <a:r>
-              <a:rPr lang="fr-FR" dirty="0"/>
-              <a:t>faut pouvoir l’utiliser à bon escient afin de pouvoir à la fois choisir un modèle et </a:t>
-            </a:r>
-            <a:r>
-              <a:rPr lang="fr-FR" dirty="0" smtClean="0"/>
-              <a:t>l'entraîner</a:t>
+              <a:t>Il peut être nécessaire de rejouer le modèle plusieurs fois pour arriver à un résultat satisfaisant</a:t>
             </a:r>
           </a:p>
           <a:p>
             <a:pPr lvl="1"/>
             <a:r>
               <a:rPr lang="fr-FR" dirty="0" smtClean="0"/>
-              <a:t>mais </a:t>
-            </a:r>
-            <a:r>
-              <a:rPr lang="fr-FR" dirty="0"/>
-              <a:t>aussi de pouvoir tester la qualité de ce </a:t>
-            </a:r>
-            <a:r>
-              <a:rPr lang="fr-FR" dirty="0" smtClean="0"/>
-              <a:t>modèle</a:t>
-            </a:r>
-          </a:p>
-          <a:p>
-            <a:r>
-              <a:rPr lang="fr-FR" dirty="0"/>
-              <a:t>La première question à se poser </a:t>
-            </a:r>
-            <a:r>
-              <a:rPr lang="fr-FR" dirty="0" smtClean="0"/>
-              <a:t>est</a:t>
+              <a:t>Training vs test</a:t>
             </a:r>
           </a:p>
           <a:p>
             <a:pPr lvl="1"/>
-            <a:r>
-              <a:rPr lang="fr-FR" dirty="0" smtClean="0"/>
-              <a:t>Est-ce </a:t>
-            </a:r>
-            <a:r>
-              <a:rPr lang="fr-FR" dirty="0"/>
-              <a:t>qu’on va utiliser toutes les données d'exemple dont on </a:t>
-            </a:r>
-            <a:r>
-              <a:rPr lang="fr-FR" dirty="0" smtClean="0"/>
-              <a:t>dispose ?</a:t>
-            </a:r>
-          </a:p>
-          <a:p>
-            <a:pPr lvl="1"/>
-            <a:r>
-              <a:rPr lang="fr-FR" dirty="0" smtClean="0"/>
-              <a:t>Volume, tests, …</a:t>
-            </a:r>
-          </a:p>
-          <a:p>
-            <a:r>
-              <a:rPr lang="fr-FR" dirty="0" smtClean="0"/>
-              <a:t>Il faut échantillonner (</a:t>
-            </a:r>
-            <a:r>
-              <a:rPr lang="fr-FR" dirty="0" err="1" smtClean="0"/>
-              <a:t>sampling</a:t>
-            </a:r>
-            <a:r>
-              <a:rPr lang="fr-FR" dirty="0" smtClean="0"/>
-              <a:t>) les données à tester</a:t>
-            </a:r>
             <a:endParaRPr lang="fr-FR" dirty="0"/>
           </a:p>
         </p:txBody>
       </p:sp>
+      <p:pic>
+        <p:nvPicPr>
+          <p:cNvPr id="4" name="Image 3"/>
+          <p:cNvPicPr>
+            <a:picLocks noChangeAspect="1"/>
+          </p:cNvPicPr>
+          <p:nvPr/>
+        </p:nvPicPr>
+        <p:blipFill>
+          <a:blip r:embed="rId2"/>
+          <a:stretch>
+            <a:fillRect/>
+          </a:stretch>
+        </p:blipFill>
+        <p:spPr>
+          <a:xfrm>
+            <a:off x="899592" y="4482281"/>
+            <a:ext cx="3158514" cy="2314380"/>
+          </a:xfrm>
+          <a:prstGeom prst="rect">
+            <a:avLst/>
+          </a:prstGeom>
+        </p:spPr>
+      </p:pic>
+      <p:pic>
+        <p:nvPicPr>
+          <p:cNvPr id="5" name="Image 4"/>
+          <p:cNvPicPr>
+            <a:picLocks noChangeAspect="1"/>
+          </p:cNvPicPr>
+          <p:nvPr/>
+        </p:nvPicPr>
+        <p:blipFill>
+          <a:blip r:embed="rId3"/>
+          <a:stretch>
+            <a:fillRect/>
+          </a:stretch>
+        </p:blipFill>
+        <p:spPr>
+          <a:xfrm>
+            <a:off x="5220072" y="4565194"/>
+            <a:ext cx="3118678" cy="2231467"/>
+          </a:xfrm>
+          <a:prstGeom prst="rect">
+            <a:avLst/>
+          </a:prstGeom>
+        </p:spPr>
+      </p:pic>
     </p:spTree>
     <p:extLst>
       <p:ext uri="{BB962C8B-B14F-4D97-AF65-F5344CB8AC3E}">
-        <p14:creationId xmlns:p14="http://schemas.microsoft.com/office/powerpoint/2010/main" val="1484659042"/>
+        <p14:creationId xmlns:p14="http://schemas.microsoft.com/office/powerpoint/2010/main" val="3352354258"/>
       </p:ext>
     </p:extLst>
   </p:cSld>
@@ -4954,7 +4994,7 @@
           <a:p>
             <a:r>
               <a:rPr lang="fr-FR" dirty="0" smtClean="0"/>
-              <a:t>Randomisation</a:t>
+              <a:t>Echantillonnage</a:t>
             </a:r>
             <a:endParaRPr lang="fr-FR" dirty="0"/>
           </a:p>
@@ -4977,66 +5017,150 @@
           <a:p>
             <a:r>
               <a:rPr lang="fr-FR" dirty="0" smtClean="0"/>
-              <a:t>Il faut utiliser le bon échantillon</a:t>
+              <a:t>Basé sur une fonctionnalité </a:t>
+            </a:r>
+            <a:r>
+              <a:rPr lang="fr-FR" dirty="0" err="1" smtClean="0"/>
+              <a:t>numpy</a:t>
+            </a:r>
+            <a:endParaRPr lang="fr-FR" dirty="0" smtClean="0"/>
+          </a:p>
+          <a:p>
+            <a:r>
+              <a:rPr lang="fr-FR" dirty="0" err="1" smtClean="0"/>
+              <a:t>np.array</a:t>
+            </a:r>
+            <a:r>
+              <a:rPr lang="fr-FR" dirty="0" smtClean="0"/>
+              <a:t>([2,8,0,10,9])[2,4] donne [0,9]</a:t>
+            </a:r>
+          </a:p>
+          <a:p>
+            <a:r>
+              <a:rPr lang="fr-FR" dirty="0" smtClean="0"/>
+              <a:t>Cela donne pour un échantillon de 5000</a:t>
             </a:r>
           </a:p>
           <a:p>
             <a:pPr lvl="1"/>
             <a:r>
-              <a:rPr lang="fr-FR" dirty="0" smtClean="0"/>
-              <a:t>Bien répartis</a:t>
+              <a:rPr lang="fr-FR" sz="2000" dirty="0" err="1">
+                <a:latin typeface="Courier New" panose="02070309020205020404" pitchFamily="49" charset="0"/>
+                <a:cs typeface="Courier New" panose="02070309020205020404" pitchFamily="49" charset="0"/>
+              </a:rPr>
+              <a:t>sample</a:t>
+            </a:r>
+            <a:r>
+              <a:rPr lang="fr-FR" sz="2000" dirty="0">
+                <a:latin typeface="Courier New" panose="02070309020205020404" pitchFamily="49" charset="0"/>
+                <a:cs typeface="Courier New" panose="02070309020205020404" pitchFamily="49" charset="0"/>
+              </a:rPr>
+              <a:t> = </a:t>
+            </a:r>
+            <a:r>
+              <a:rPr lang="fr-FR" sz="2000" dirty="0" err="1">
+                <a:latin typeface="Courier New" panose="02070309020205020404" pitchFamily="49" charset="0"/>
+                <a:cs typeface="Courier New" panose="02070309020205020404" pitchFamily="49" charset="0"/>
+              </a:rPr>
+              <a:t>np.random.randint</a:t>
+            </a:r>
+            <a:r>
+              <a:rPr lang="fr-FR" sz="2000" dirty="0">
+                <a:latin typeface="Courier New" panose="02070309020205020404" pitchFamily="49" charset="0"/>
+                <a:cs typeface="Courier New" panose="02070309020205020404" pitchFamily="49" charset="0"/>
+              </a:rPr>
+              <a:t>(70000, size=5000)</a:t>
             </a:r>
           </a:p>
           <a:p>
             <a:pPr lvl="1"/>
             <a:r>
-              <a:rPr lang="fr-FR" dirty="0" smtClean="0"/>
-              <a:t>Ne pas introduire de biais</a:t>
+              <a:rPr lang="fr-FR" sz="2000" dirty="0">
+                <a:latin typeface="Courier New" panose="02070309020205020404" pitchFamily="49" charset="0"/>
+                <a:cs typeface="Courier New" panose="02070309020205020404" pitchFamily="49" charset="0"/>
+              </a:rPr>
+              <a:t>data = </a:t>
+            </a:r>
+            <a:r>
+              <a:rPr lang="fr-FR" sz="2000" dirty="0" err="1">
+                <a:latin typeface="Courier New" panose="02070309020205020404" pitchFamily="49" charset="0"/>
+                <a:cs typeface="Courier New" panose="02070309020205020404" pitchFamily="49" charset="0"/>
+              </a:rPr>
+              <a:t>mnist.data</a:t>
+            </a:r>
+            <a:r>
+              <a:rPr lang="fr-FR" sz="2000" dirty="0">
+                <a:latin typeface="Courier New" panose="02070309020205020404" pitchFamily="49" charset="0"/>
+                <a:cs typeface="Courier New" panose="02070309020205020404" pitchFamily="49" charset="0"/>
+              </a:rPr>
+              <a:t>[</a:t>
+            </a:r>
+            <a:r>
+              <a:rPr lang="fr-FR" sz="2000" dirty="0" err="1">
+                <a:latin typeface="Courier New" panose="02070309020205020404" pitchFamily="49" charset="0"/>
+                <a:cs typeface="Courier New" panose="02070309020205020404" pitchFamily="49" charset="0"/>
+              </a:rPr>
+              <a:t>sample</a:t>
+            </a:r>
+            <a:r>
+              <a:rPr lang="fr-FR" sz="2000" dirty="0">
+                <a:latin typeface="Courier New" panose="02070309020205020404" pitchFamily="49" charset="0"/>
+                <a:cs typeface="Courier New" panose="02070309020205020404" pitchFamily="49" charset="0"/>
+              </a:rPr>
+              <a:t>]</a:t>
             </a:r>
           </a:p>
           <a:p>
             <a:pPr lvl="1"/>
             <a:r>
-              <a:rPr lang="fr-FR" dirty="0" smtClean="0"/>
-              <a:t>Par exemple à Paris les loyers sont plus chères qu’ailleurs</a:t>
-            </a:r>
-          </a:p>
-          <a:p>
-            <a:r>
-              <a:rPr lang="fr-FR" dirty="0" smtClean="0"/>
-              <a:t>Il faut ensuite découper l’échantillon avec le</a:t>
-            </a:r>
+              <a:rPr lang="fr-FR" sz="2000" dirty="0" err="1">
+                <a:latin typeface="Courier New" panose="02070309020205020404" pitchFamily="49" charset="0"/>
+                <a:cs typeface="Courier New" panose="02070309020205020404" pitchFamily="49" charset="0"/>
+              </a:rPr>
+              <a:t>target</a:t>
+            </a:r>
+            <a:r>
+              <a:rPr lang="fr-FR" sz="2000" dirty="0">
+                <a:latin typeface="Courier New" panose="02070309020205020404" pitchFamily="49" charset="0"/>
+                <a:cs typeface="Courier New" panose="02070309020205020404" pitchFamily="49" charset="0"/>
+              </a:rPr>
+              <a:t> = </a:t>
+            </a:r>
+            <a:r>
+              <a:rPr lang="fr-FR" sz="2000" dirty="0" err="1">
+                <a:latin typeface="Courier New" panose="02070309020205020404" pitchFamily="49" charset="0"/>
+                <a:cs typeface="Courier New" panose="02070309020205020404" pitchFamily="49" charset="0"/>
+              </a:rPr>
+              <a:t>mnist.target</a:t>
+            </a:r>
+            <a:r>
+              <a:rPr lang="fr-FR" sz="2000" dirty="0">
+                <a:latin typeface="Courier New" panose="02070309020205020404" pitchFamily="49" charset="0"/>
+                <a:cs typeface="Courier New" panose="02070309020205020404" pitchFamily="49" charset="0"/>
+              </a:rPr>
+              <a:t>[</a:t>
+            </a:r>
+            <a:r>
+              <a:rPr lang="fr-FR" sz="2000" dirty="0" err="1">
+                <a:latin typeface="Courier New" panose="02070309020205020404" pitchFamily="49" charset="0"/>
+                <a:cs typeface="Courier New" panose="02070309020205020404" pitchFamily="49" charset="0"/>
+              </a:rPr>
+              <a:t>sample</a:t>
+            </a:r>
+            <a:r>
+              <a:rPr lang="fr-FR" sz="2000" dirty="0">
+                <a:latin typeface="Courier New" panose="02070309020205020404" pitchFamily="49" charset="0"/>
+                <a:cs typeface="Courier New" panose="02070309020205020404" pitchFamily="49" charset="0"/>
+              </a:rPr>
+              <a:t>]</a:t>
+            </a:r>
+            <a:endParaRPr lang="fr-FR" sz="2000" dirty="0" smtClean="0">
+              <a:latin typeface="Courier New" panose="02070309020205020404" pitchFamily="49" charset="0"/>
+              <a:cs typeface="Courier New" panose="02070309020205020404" pitchFamily="49" charset="0"/>
+            </a:endParaRPr>
           </a:p>
           <a:p>
             <a:pPr lvl="1"/>
-            <a:r>
-              <a:rPr lang="fr-FR" dirty="0" smtClean="0"/>
-              <a:t>Training Set</a:t>
-            </a:r>
-          </a:p>
-          <a:p>
-            <a:pPr lvl="1"/>
-            <a:r>
-              <a:rPr lang="fr-FR" dirty="0" err="1" smtClean="0"/>
-              <a:t>Testing</a:t>
-            </a:r>
-            <a:r>
-              <a:rPr lang="fr-FR" dirty="0" smtClean="0"/>
-              <a:t> Set</a:t>
-            </a:r>
-          </a:p>
-          <a:p>
-            <a:r>
-              <a:rPr lang="fr-FR" dirty="0" smtClean="0"/>
-              <a:t>L’un sert à l’apprentissage, l’autre au test</a:t>
-            </a:r>
-          </a:p>
-          <a:p>
-            <a:pPr lvl="1"/>
-            <a:r>
-              <a:rPr lang="fr-FR" dirty="0" smtClean="0"/>
-              <a:t>Souvent 80/20</a:t>
-            </a:r>
             <a:endParaRPr lang="fr-FR" dirty="0"/>
           </a:p>
         </p:txBody>
@@ -5044,7 +5168,7 @@
     </p:spTree>
     <p:extLst>
       <p:ext uri="{BB962C8B-B14F-4D97-AF65-F5344CB8AC3E}">
-        <p14:creationId xmlns:p14="http://schemas.microsoft.com/office/powerpoint/2010/main" val="785613107"/>
+        <p14:creationId xmlns:p14="http://schemas.microsoft.com/office/powerpoint/2010/main" val="1583722053"/>
       </p:ext>
     </p:extLst>
   </p:cSld>
@@ -5095,7 +5219,7 @@
           <a:p>
             <a:r>
               <a:rPr lang="fr-FR" dirty="0" smtClean="0"/>
-              <a:t>Randomisation</a:t>
+              <a:t>Training Set</a:t>
             </a:r>
             <a:endParaRPr lang="fr-FR" dirty="0"/>
           </a:p>
@@ -5117,76 +5241,114 @@
           <a:lstStyle/>
           <a:p>
             <a:r>
-              <a:rPr lang="fr-FR" dirty="0"/>
-              <a:t>I</a:t>
-            </a:r>
-            <a:r>
-              <a:rPr lang="fr-FR" dirty="0" smtClean="0"/>
-              <a:t>l </a:t>
-            </a:r>
-            <a:r>
-              <a:rPr lang="fr-FR" dirty="0"/>
-              <a:t>s’avère que si on entraîne le modèle avec des données, il va naturellement être plus performant sur ces </a:t>
-            </a:r>
-            <a:r>
-              <a:rPr lang="fr-FR" dirty="0" smtClean="0"/>
-              <a:t>données-là</a:t>
-            </a:r>
-          </a:p>
-          <a:p>
-            <a:r>
-              <a:rPr lang="fr-FR" dirty="0" smtClean="0"/>
-              <a:t>Ce </a:t>
-            </a:r>
-            <a:r>
-              <a:rPr lang="fr-FR" dirty="0"/>
-              <a:t>qui nous intéresse c’est de mesurer sa performance sur des données qu’il n’a jamais vues puisque c’est ce qui va se passer en </a:t>
-            </a:r>
-            <a:r>
-              <a:rPr lang="fr-FR" dirty="0" smtClean="0"/>
-              <a:t>pratique</a:t>
-            </a:r>
-          </a:p>
-          <a:p>
-            <a:r>
-              <a:rPr lang="fr-FR" dirty="0" smtClean="0"/>
-              <a:t>Cette </a:t>
-            </a:r>
-            <a:r>
-              <a:rPr lang="fr-FR" dirty="0"/>
-              <a:t>performance est appelée la </a:t>
-            </a:r>
-            <a:r>
-              <a:rPr lang="fr-FR" b="1" dirty="0"/>
-              <a:t>généralisation</a:t>
-            </a:r>
-            <a:r>
-              <a:rPr lang="fr-FR" dirty="0"/>
-              <a:t> du </a:t>
-            </a:r>
-            <a:r>
-              <a:rPr lang="fr-FR" dirty="0" smtClean="0"/>
-              <a:t>modèle</a:t>
-            </a:r>
-            <a:endParaRPr lang="fr-FR" dirty="0"/>
-          </a:p>
-          <a:p>
-            <a:pPr lvl="1"/>
-            <a:r>
-              <a:rPr lang="fr-FR" dirty="0" smtClean="0"/>
-              <a:t>Sa </a:t>
-            </a:r>
-            <a:r>
-              <a:rPr lang="fr-FR" dirty="0"/>
-              <a:t>capacité à effectuer des prédictions de qualité sur des situations jamais rencontrées.</a:t>
-            </a:r>
+              <a:rPr lang="en-US" dirty="0" err="1">
+                <a:latin typeface="Courier New" panose="02070309020205020404" pitchFamily="49" charset="0"/>
+                <a:cs typeface="Courier New" panose="02070309020205020404" pitchFamily="49" charset="0"/>
+              </a:rPr>
+              <a:t>xtrain</a:t>
+            </a:r>
+            <a:r>
+              <a:rPr lang="en-US" dirty="0">
+                <a:latin typeface="Courier New" panose="02070309020205020404" pitchFamily="49" charset="0"/>
+                <a:cs typeface="Courier New" panose="02070309020205020404" pitchFamily="49" charset="0"/>
+              </a:rPr>
+              <a:t>, </a:t>
+            </a:r>
+            <a:r>
+              <a:rPr lang="en-US" dirty="0" err="1">
+                <a:latin typeface="Courier New" panose="02070309020205020404" pitchFamily="49" charset="0"/>
+                <a:cs typeface="Courier New" panose="02070309020205020404" pitchFamily="49" charset="0"/>
+              </a:rPr>
+              <a:t>xtest</a:t>
+            </a:r>
+            <a:r>
+              <a:rPr lang="en-US" dirty="0">
+                <a:latin typeface="Courier New" panose="02070309020205020404" pitchFamily="49" charset="0"/>
+                <a:cs typeface="Courier New" panose="02070309020205020404" pitchFamily="49" charset="0"/>
+              </a:rPr>
+              <a:t>, </a:t>
+            </a:r>
+            <a:r>
+              <a:rPr lang="en-US" dirty="0" err="1">
+                <a:latin typeface="Courier New" panose="02070309020205020404" pitchFamily="49" charset="0"/>
+                <a:cs typeface="Courier New" panose="02070309020205020404" pitchFamily="49" charset="0"/>
+              </a:rPr>
+              <a:t>ytrain</a:t>
+            </a:r>
+            <a:r>
+              <a:rPr lang="en-US" dirty="0">
+                <a:latin typeface="Courier New" panose="02070309020205020404" pitchFamily="49" charset="0"/>
+                <a:cs typeface="Courier New" panose="02070309020205020404" pitchFamily="49" charset="0"/>
+              </a:rPr>
+              <a:t>, </a:t>
+            </a:r>
+            <a:r>
+              <a:rPr lang="en-US" dirty="0" err="1">
+                <a:latin typeface="Courier New" panose="02070309020205020404" pitchFamily="49" charset="0"/>
+                <a:cs typeface="Courier New" panose="02070309020205020404" pitchFamily="49" charset="0"/>
+              </a:rPr>
+              <a:t>ytest</a:t>
+            </a:r>
+            <a:r>
+              <a:rPr lang="en-US" dirty="0">
+                <a:latin typeface="Courier New" panose="02070309020205020404" pitchFamily="49" charset="0"/>
+                <a:cs typeface="Courier New" panose="02070309020205020404" pitchFamily="49" charset="0"/>
+              </a:rPr>
+              <a:t> = </a:t>
+            </a:r>
+            <a:r>
+              <a:rPr lang="en-US" dirty="0" err="1">
+                <a:latin typeface="Courier New" panose="02070309020205020404" pitchFamily="49" charset="0"/>
+                <a:cs typeface="Courier New" panose="02070309020205020404" pitchFamily="49" charset="0"/>
+              </a:rPr>
+              <a:t>ms.train_test_split</a:t>
+            </a:r>
+            <a:r>
+              <a:rPr lang="en-US" dirty="0">
+                <a:latin typeface="Courier New" panose="02070309020205020404" pitchFamily="49" charset="0"/>
+                <a:cs typeface="Courier New" panose="02070309020205020404" pitchFamily="49" charset="0"/>
+              </a:rPr>
+              <a:t>(data, target, </a:t>
+            </a:r>
+            <a:r>
+              <a:rPr lang="en-US" dirty="0" err="1">
+                <a:latin typeface="Courier New" panose="02070309020205020404" pitchFamily="49" charset="0"/>
+                <a:cs typeface="Courier New" panose="02070309020205020404" pitchFamily="49" charset="0"/>
+              </a:rPr>
+              <a:t>train_size</a:t>
+            </a:r>
+            <a:r>
+              <a:rPr lang="en-US" dirty="0">
+                <a:latin typeface="Courier New" panose="02070309020205020404" pitchFamily="49" charset="0"/>
+                <a:cs typeface="Courier New" panose="02070309020205020404" pitchFamily="49" charset="0"/>
+              </a:rPr>
+              <a:t>=0.8, </a:t>
+            </a:r>
+            <a:r>
+              <a:rPr lang="en-US" dirty="0" err="1">
+                <a:latin typeface="Courier New" panose="02070309020205020404" pitchFamily="49" charset="0"/>
+                <a:cs typeface="Courier New" panose="02070309020205020404" pitchFamily="49" charset="0"/>
+              </a:rPr>
+              <a:t>test_size</a:t>
+            </a:r>
+            <a:r>
+              <a:rPr lang="en-US" dirty="0">
+                <a:latin typeface="Courier New" panose="02070309020205020404" pitchFamily="49" charset="0"/>
+                <a:cs typeface="Courier New" panose="02070309020205020404" pitchFamily="49" charset="0"/>
+              </a:rPr>
+              <a:t>=0.2)</a:t>
+            </a:r>
+            <a:endParaRPr lang="fr-FR" dirty="0">
+              <a:latin typeface="Courier New" panose="02070309020205020404" pitchFamily="49" charset="0"/>
+              <a:cs typeface="Courier New" panose="02070309020205020404" pitchFamily="49" charset="0"/>
+            </a:endParaRPr>
           </a:p>
         </p:txBody>
       </p:sp>
     </p:spTree>
     <p:extLst>
       <p:ext uri="{BB962C8B-B14F-4D97-AF65-F5344CB8AC3E}">
-        <p14:creationId xmlns:p14="http://schemas.microsoft.com/office/powerpoint/2010/main" val="2271259804"/>
+        <p14:creationId xmlns:p14="http://schemas.microsoft.com/office/powerpoint/2010/main" val="1656877301"/>
       </p:ext>
     </p:extLst>
   </p:cSld>
@@ -5236,14 +5398,9 @@
           <a:lstStyle/>
           <a:p>
             <a:r>
-              <a:rPr lang="fr-FR" dirty="0" smtClean="0"/>
-              <a:t>Model </a:t>
-            </a:r>
-            <a:r>
-              <a:rPr lang="fr-FR" dirty="0" err="1" smtClean="0"/>
-              <a:t>Selection</a:t>
-            </a:r>
-            <a:endParaRPr lang="fr-FR" dirty="0"/>
+              <a:rPr lang="fr-FR" dirty="0"/>
+              <a:t>Régression non-polynomiale</a:t>
+            </a:r>
           </a:p>
         </p:txBody>
       </p:sp>
@@ -5263,113 +5420,54 @@
           <a:lstStyle/>
           <a:p>
             <a:r>
-              <a:rPr lang="fr-FR" dirty="0" smtClean="0"/>
-              <a:t>Model </a:t>
+              <a:rPr lang="fr-FR" dirty="0"/>
+              <a:t>Il est possible d’appliquer n’importe quelle régression</a:t>
+            </a:r>
+          </a:p>
+          <a:p>
+            <a:pPr lvl="1"/>
+            <a:r>
+              <a:rPr lang="fr-FR" dirty="0" smtClean="0"/>
+              <a:t>Uniquement à </a:t>
+            </a:r>
+            <a:r>
+              <a:rPr lang="fr-FR" dirty="0"/>
+              <a:t>partir d’une fonction </a:t>
             </a:r>
             <a:r>
               <a:rPr lang="fr-FR" dirty="0" err="1" smtClean="0"/>
-              <a:t>Selection</a:t>
-            </a:r>
-            <a:r>
-              <a:rPr lang="fr-FR" dirty="0" smtClean="0"/>
-              <a:t> est un module de sélection de modèle</a:t>
-            </a:r>
-          </a:p>
-          <a:p>
+              <a:t>numpy</a:t>
+            </a:r>
+            <a:endParaRPr lang="fr-FR" dirty="0"/>
+          </a:p>
+          <a:p>
+            <a:r>
+              <a:rPr lang="fr-FR" dirty="0" smtClean="0"/>
+              <a:t>Méthode </a:t>
+            </a:r>
             <a:r>
               <a:rPr lang="fr-FR" dirty="0" err="1" smtClean="0"/>
-              <a:t>Train_test_split</a:t>
-            </a:r>
-            <a:r>
-              <a:rPr lang="fr-FR" dirty="0" smtClean="0"/>
-              <a:t> permet de découper le </a:t>
+              <a:t>curve_fit</a:t>
+            </a:r>
+            <a:r>
+              <a:rPr lang="fr-FR" dirty="0" smtClean="0"/>
+              <a:t> de </a:t>
             </a:r>
             <a:r>
               <a:rPr lang="fr-FR" dirty="0" err="1" smtClean="0"/>
-              <a:t>dataset</a:t>
+              <a:t>scipy</a:t>
             </a:r>
             <a:endParaRPr lang="fr-FR" dirty="0" smtClean="0"/>
           </a:p>
           <a:p>
-            <a:pPr lvl="1"/>
-            <a:r>
-              <a:rPr lang="fr-FR" dirty="0"/>
-              <a:t>import </a:t>
-            </a:r>
-            <a:r>
-              <a:rPr lang="fr-FR" dirty="0" err="1"/>
-              <a:t>sklearn.model_selection</a:t>
-            </a:r>
-            <a:r>
-              <a:rPr lang="fr-FR" dirty="0"/>
-              <a:t> as ms</a:t>
-            </a:r>
-          </a:p>
-          <a:p>
-            <a:pPr lvl="1"/>
-            <a:r>
-              <a:rPr lang="fr-FR" dirty="0" err="1" smtClean="0"/>
-              <a:t>xtrain</a:t>
-            </a:r>
-            <a:r>
-              <a:rPr lang="fr-FR" dirty="0"/>
-              <a:t>, </a:t>
-            </a:r>
-            <a:r>
-              <a:rPr lang="fr-FR" dirty="0" err="1"/>
-              <a:t>xtest</a:t>
-            </a:r>
-            <a:r>
-              <a:rPr lang="fr-FR" dirty="0"/>
-              <a:t>, </a:t>
-            </a:r>
-            <a:r>
-              <a:rPr lang="fr-FR" dirty="0" err="1"/>
-              <a:t>ytrain</a:t>
-            </a:r>
-            <a:r>
-              <a:rPr lang="fr-FR" dirty="0"/>
-              <a:t>, </a:t>
-            </a:r>
-            <a:r>
-              <a:rPr lang="fr-FR" dirty="0" err="1"/>
-              <a:t>ytest</a:t>
-            </a:r>
-            <a:r>
-              <a:rPr lang="fr-FR" dirty="0"/>
-              <a:t> = </a:t>
-            </a:r>
-            <a:r>
-              <a:rPr lang="fr-FR" dirty="0" err="1"/>
-              <a:t>ms.train_test_split</a:t>
-            </a:r>
-            <a:r>
-              <a:rPr lang="fr-FR" dirty="0"/>
-              <a:t>(X, y, </a:t>
-            </a:r>
-            <a:r>
-              <a:rPr lang="fr-FR" dirty="0" err="1"/>
-              <a:t>train_size</a:t>
-            </a:r>
-            <a:r>
-              <a:rPr lang="fr-FR" dirty="0"/>
-              <a:t>=0.8, </a:t>
-            </a:r>
-            <a:r>
-              <a:rPr lang="fr-FR" dirty="0" err="1"/>
-              <a:t>test_size</a:t>
-            </a:r>
-            <a:r>
-              <a:rPr lang="fr-FR" dirty="0"/>
-              <a:t>=0.2)</a:t>
-            </a:r>
+            <a:endParaRPr lang="fr-FR" dirty="0"/>
           </a:p>
         </p:txBody>
       </p:sp>
     </p:spTree>
     <p:extLst>
       <p:ext uri="{BB962C8B-B14F-4D97-AF65-F5344CB8AC3E}">
-        <p14:creationId xmlns:p14="http://schemas.microsoft.com/office/powerpoint/2010/main" val="3886577066"/>
+        <p14:creationId xmlns:p14="http://schemas.microsoft.com/office/powerpoint/2010/main" val="1492295483"/>
       </p:ext>
     </p:extLst>
   </p:cSld>
@@ -5596,118 +5694,6 @@
       </p:par>
     </p:tnLst>
   </p:timing>
-</p:sld>
-</file>
-
-<file path=ppt/slides/slide20.xml><?xml version="1.0" encoding="utf-8"?>
-<p:sld xmlns:a="http://schemas.openxmlformats.org/drawingml/2006/main" xmlns:r="http://schemas.openxmlformats.org/officeDocument/2006/relationships" xmlns:p="http://schemas.openxmlformats.org/presentationml/2006/main">
-  <p:cSld>
-    <p:spTree>
-      <p:nvGrpSpPr>
-        <p:cNvPr id="1" name=""/>
-        <p:cNvGrpSpPr/>
-        <p:nvPr/>
-      </p:nvGrpSpPr>
-      <p:grpSpPr>
-        <a:xfrm>
-          <a:off x="0" y="0"/>
-          <a:ext cx="0" cy="0"/>
-          <a:chOff x="0" y="0"/>
-          <a:chExt cx="0" cy="0"/>
-        </a:xfrm>
-      </p:grpSpPr>
-      <p:sp>
-        <p:nvSpPr>
-          <p:cNvPr id="2" name="Titre 1"/>
-          <p:cNvSpPr>
-            <a:spLocks noGrp="1"/>
-          </p:cNvSpPr>
-          <p:nvPr>
-            <p:ph type="title"/>
-          </p:nvPr>
-        </p:nvSpPr>
-        <p:spPr/>
-        <p:txBody>
-          <a:bodyPr/>
-          <a:lstStyle/>
-          <a:p>
-            <a:r>
-              <a:rPr lang="fr-FR" dirty="0"/>
-              <a:t>Régression non-polynomiale</a:t>
-            </a:r>
-          </a:p>
-        </p:txBody>
-      </p:sp>
-      <p:sp>
-        <p:nvSpPr>
-          <p:cNvPr id="3" name="Espace réservé du contenu 2"/>
-          <p:cNvSpPr>
-            <a:spLocks noGrp="1"/>
-          </p:cNvSpPr>
-          <p:nvPr>
-            <p:ph idx="1"/>
-          </p:nvPr>
-        </p:nvSpPr>
-        <p:spPr/>
-        <p:txBody>
-          <a:bodyPr/>
-          <a:lstStyle/>
-          <a:p>
-            <a:r>
-              <a:rPr lang="fr-FR" dirty="0"/>
-              <a:t>Il est possible d’appliquer n’importe quelle régression</a:t>
-            </a:r>
-          </a:p>
-          <a:p>
-            <a:pPr lvl="1"/>
-            <a:r>
-              <a:rPr lang="fr-FR" dirty="0" smtClean="0"/>
-              <a:t>Uniquement à </a:t>
-            </a:r>
-            <a:r>
-              <a:rPr lang="fr-FR" dirty="0"/>
-              <a:t>partir d’une fonction </a:t>
-            </a:r>
-            <a:r>
-              <a:rPr lang="fr-FR" dirty="0" err="1" smtClean="0"/>
-              <a:t>numpy</a:t>
-            </a:r>
-            <a:endParaRPr lang="fr-FR" dirty="0"/>
-          </a:p>
-          <a:p>
-            <a:r>
-              <a:rPr lang="fr-FR" dirty="0" smtClean="0"/>
-              <a:t>Méthode </a:t>
-            </a:r>
-            <a:r>
-              <a:rPr lang="fr-FR" dirty="0" err="1" smtClean="0"/>
-              <a:t>curve_fit</a:t>
-            </a:r>
-            <a:r>
-              <a:rPr lang="fr-FR" dirty="0" smtClean="0"/>
-              <a:t> de </a:t>
-            </a:r>
-            <a:r>
-              <a:rPr lang="fr-FR" dirty="0" err="1" smtClean="0"/>
-              <a:t>scipy</a:t>
-            </a:r>
-            <a:endParaRPr lang="fr-FR" dirty="0" smtClean="0"/>
-          </a:p>
-          <a:p>
-            <a:endParaRPr lang="fr-FR" dirty="0"/>
-          </a:p>
-        </p:txBody>
-      </p:sp>
-    </p:spTree>
-    <p:extLst>
-      <p:ext uri="{BB962C8B-B14F-4D97-AF65-F5344CB8AC3E}">
-        <p14:creationId xmlns:p14="http://schemas.microsoft.com/office/powerpoint/2010/main" val="1492295483"/>
-      </p:ext>
-    </p:extLst>
-  </p:cSld>
-  <p:clrMapOvr>
-    <a:masterClrMapping/>
-  </p:clrMapOvr>
 </p:sld>
 </file>
 
@@ -6328,7 +6314,7 @@
           <a:p>
             <a:r>
               <a:rPr lang="fr-FR" dirty="0" smtClean="0"/>
-              <a:t>Interprétation du résultat</a:t>
+              <a:t>Régression polynomiale</a:t>
             </a:r>
             <a:endParaRPr lang="fr-FR" dirty="0"/>
           </a:p>
@@ -6350,96 +6336,62 @@
           <a:lstStyle/>
           <a:p>
             <a:r>
-              <a:rPr lang="fr-FR" dirty="0" smtClean="0"/>
-              <a:t>Evidement en ayant moins de données le résultat sur le training set sera un peu moins bon</a:t>
-            </a:r>
-          </a:p>
-          <a:p>
-            <a:r>
-              <a:rPr lang="fr-FR" dirty="0" smtClean="0"/>
-              <a:t>Mais il faut rejouer la régression sur les </a:t>
-            </a:r>
-            <a:r>
               <a:rPr lang="fr-FR" dirty="0" err="1" smtClean="0"/>
-              <a:t>testing</a:t>
-            </a:r>
-            <a:r>
-              <a:rPr lang="fr-FR" dirty="0" smtClean="0"/>
-              <a:t> set</a:t>
-            </a:r>
-          </a:p>
-          <a:p>
-            <a:pPr lvl="1"/>
-            <a:r>
-              <a:rPr lang="fr-FR" dirty="0" smtClean="0"/>
-              <a:t>Il peut être nécessaire de rejouer le modèle plusieurs fois pour arriver à un résultat satisfaisant</a:t>
-            </a:r>
-          </a:p>
-          <a:p>
-            <a:pPr lvl="1"/>
-            <a:r>
-              <a:rPr lang="fr-FR" dirty="0" smtClean="0"/>
-              <a:t>Training vs test</a:t>
-            </a:r>
-          </a:p>
-          <a:p>
-            <a:pPr lvl="1"/>
+              <a:t>Sklearn</a:t>
+            </a:r>
+            <a:r>
+              <a:rPr lang="fr-FR" dirty="0" smtClean="0"/>
+              <a:t> effectue des régressions polynomiale</a:t>
+            </a:r>
             <a:endParaRPr lang="fr-FR" dirty="0"/>
           </a:p>
         </p:txBody>
       </p:sp>
       <p:pic>
         <p:nvPicPr>
-          <p:cNvPr id="4" name="Image 3"/>
+          <p:cNvPr id="4098" name="Picture 2" descr="../../_images/sphx_glr_plot_polynomial_interpolation_001.png"/>
           <p:cNvPicPr>
-            <a:picLocks noChangeAspect="1"/>
+            <a:picLocks noChangeAspect="1" noChangeArrowheads="1"/>
           </p:cNvPicPr>
           <p:nvPr/>
         </p:nvPicPr>
         <p:blipFill>
-          <a:blip r:embed="rId2"/>
+          <a:blip r:embed="rId2">
+            <a:extLst>
+              <a:ext uri="{28A0092B-C50C-407E-A947-70E740481C1C}">
+                <a14:useLocalDpi xmlns:a14="http://schemas.microsoft.com/office/drawing/2010/main" val="0"/>
+              </a:ext>
+            </a:extLst>
+          </a:blip>
+          <a:srcRect/>
           <a:stretch>
             <a:fillRect/>
           </a:stretch>
         </p:blipFill>
-        <p:spPr>
+        <p:spPr bwMode="auto">
           <a:xfrm>
-            <a:off x="899592" y="4482281"/>
-            <a:ext cx="3158514" cy="2314380"/>
+            <a:off x="1835696" y="1877210"/>
+            <a:ext cx="6096000" cy="4572000"/>
           </a:xfrm>
           <a:prstGeom prst="rect">
             <a:avLst/>
           </a:prstGeom>
-        </p:spPr>
-      </p:pic>
-      <p:pic>
-        <p:nvPicPr>
-          <p:cNvPr id="5" name="Image 4"/>
-          <p:cNvPicPr>
-            <a:picLocks noChangeAspect="1"/>
-          </p:cNvPicPr>
-          <p:nvPr/>
-        </p:nvPicPr>
-        <p:blipFill>
-          <a:blip r:embed="rId3"/>
-          <a:stretch>
-            <a:fillRect/>
-          </a:stretch>
-        </p:blipFill>
-        <p:spPr>
-          <a:xfrm>
-            <a:off x="5220072" y="4565194"/>
-            <a:ext cx="3118678" cy="2231467"/>
-          </a:xfrm>
-          <a:prstGeom prst="rect">
-            <a:avLst/>
-          </a:prstGeom>
+          <a:noFill/>
+          <a:extLst>
+            <a:ext uri="{909E8E84-426E-40DD-AFC4-6F175D3DCCD1}">
+              <a14:hiddenFill xmlns:a14="http://schemas.microsoft.com/office/drawing/2010/main">
+                <a:solidFill>
+                  <a:srgbClr val="FFFFFF"/>
+                </a:solidFill>
+              </a14:hiddenFill>
+            </a:ext>
+          </a:extLst>
         </p:spPr>
       </p:pic>
     </p:spTree>
     <p:extLst>
       <p:ext uri="{BB962C8B-B14F-4D97-AF65-F5344CB8AC3E}">
-        <p14:creationId xmlns:p14="http://schemas.microsoft.com/office/powerpoint/2010/main" val="2031907141"/>
+        <p14:creationId xmlns:p14="http://schemas.microsoft.com/office/powerpoint/2010/main" val="3848354943"/>
       </p:ext>
     </p:extLst>
   </p:cSld>
@@ -6489,8 +6441,8 @@
           <a:lstStyle/>
           <a:p>
             <a:r>
-              <a:rPr lang="fr-FR" dirty="0" smtClean="0"/>
-              <a:t>Echantillonnage</a:t>
+              <a:rPr lang="fr-FR" dirty="0" err="1" smtClean="0"/>
+              <a:t>PreProcessing</a:t>
             </a:r>
             <a:endParaRPr lang="fr-FR" dirty="0"/>
           </a:p>
@@ -6512,151 +6464,58 @@
           <a:lstStyle/>
           <a:p>
             <a:r>
-              <a:rPr lang="fr-FR" dirty="0" smtClean="0"/>
-              <a:t>Basé sur une fonctionnalité </a:t>
-            </a:r>
-            <a:r>
               <a:rPr lang="fr-FR" dirty="0" err="1" smtClean="0"/>
-              <a:t>numpy</a:t>
+              <a:t>Preprocessing</a:t>
+            </a:r>
+            <a:r>
+              <a:rPr lang="fr-FR" dirty="0" smtClean="0"/>
+              <a:t> contient des </a:t>
+            </a:r>
+            <a:r>
+              <a:rPr lang="fr-FR" dirty="0" err="1" smtClean="0"/>
+              <a:t>Features</a:t>
+            </a:r>
+            <a:r>
+              <a:rPr lang="fr-FR" dirty="0" smtClean="0"/>
+              <a:t> qui sont des algorithmes de modèles pré-calculés</a:t>
+            </a:r>
+          </a:p>
+          <a:p>
+            <a:r>
+              <a:rPr lang="fr-FR" dirty="0" smtClean="0"/>
+              <a:t>Il en existe des centaines</a:t>
+            </a:r>
+          </a:p>
+          <a:p>
+            <a:r>
+              <a:rPr lang="fr-FR" dirty="0"/>
+              <a:t>import </a:t>
+            </a:r>
+            <a:r>
+              <a:rPr lang="fr-FR" dirty="0" err="1"/>
+              <a:t>sklearn.preprocessing</a:t>
+            </a:r>
+            <a:r>
+              <a:rPr lang="fr-FR" dirty="0"/>
+              <a:t> as </a:t>
+            </a:r>
+            <a:r>
+              <a:rPr lang="fr-FR" dirty="0" smtClean="0"/>
+              <a:t>pp</a:t>
+            </a:r>
+          </a:p>
+          <a:p>
+            <a:r>
+              <a:rPr lang="fr-FR" dirty="0" err="1"/>
+              <a:t>pp.PolynomialFeatures</a:t>
+            </a:r>
+            <a:r>
+              <a:rPr lang="fr-FR" dirty="0"/>
+              <a:t>(2)</a:t>
             </a:r>
             <a:endParaRPr lang="fr-FR" dirty="0" smtClean="0"/>
           </a:p>
           <a:p>
-            <a:r>
-              <a:rPr lang="fr-FR" dirty="0" err="1" smtClean="0"/>
-              <a:t>np.array</a:t>
-            </a:r>
-            <a:r>
-              <a:rPr lang="fr-FR" dirty="0" smtClean="0"/>
-              <a:t>([2,8,0,10,9])[2,4] donne [0,9]</a:t>
-            </a:r>
-          </a:p>
-          <a:p>
-            <a:r>
-              <a:rPr lang="fr-FR" dirty="0" smtClean="0"/>
-              <a:t>Cela donne pour un échantillon de 5000</a:t>
-            </a:r>
-          </a:p>
-          <a:p>
-            <a:pPr lvl="1"/>
-            <a:r>
-              <a:rPr lang="fr-FR" sz="2000" dirty="0" err="1">
-                <a:latin typeface="Courier New" panose="02070309020205020404" pitchFamily="49" charset="0"/>
-                <a:cs typeface="Courier New" panose="02070309020205020404" pitchFamily="49" charset="0"/>
-              </a:rPr>
-              <a:t>sample</a:t>
-            </a:r>
-            <a:r>
-              <a:rPr lang="fr-FR" sz="2000" dirty="0">
-                <a:latin typeface="Courier New" panose="02070309020205020404" pitchFamily="49" charset="0"/>
-                <a:cs typeface="Courier New" panose="02070309020205020404" pitchFamily="49" charset="0"/>
-              </a:rPr>
-              <a:t> = </a:t>
-            </a:r>
-            <a:r>
-              <a:rPr lang="fr-FR" sz="2000" dirty="0" err="1">
-                <a:latin typeface="Courier New" panose="02070309020205020404" pitchFamily="49" charset="0"/>
-                <a:cs typeface="Courier New" panose="02070309020205020404" pitchFamily="49" charset="0"/>
-              </a:rPr>
-              <a:t>np.random.randint</a:t>
-            </a:r>
-            <a:r>
-              <a:rPr lang="fr-FR" sz="2000" dirty="0">
-                <a:latin typeface="Courier New" panose="02070309020205020404" pitchFamily="49" charset="0"/>
-                <a:cs typeface="Courier New" panose="02070309020205020404" pitchFamily="49" charset="0"/>
-              </a:rPr>
-              <a:t>(70000, size=5000)</a:t>
-            </a:r>
-          </a:p>
-          <a:p>
-            <a:pPr lvl="1"/>
-            <a:r>
-              <a:rPr lang="fr-FR" sz="2000" dirty="0">
-                <a:latin typeface="Courier New" panose="02070309020205020404" pitchFamily="49" charset="0"/>
-                <a:cs typeface="Courier New" panose="02070309020205020404" pitchFamily="49" charset="0"/>
-              </a:rPr>
-              <a:t>data = </a:t>
-            </a:r>
-            <a:r>
-              <a:rPr lang="fr-FR" sz="2000" dirty="0" err="1">
-                <a:latin typeface="Courier New" panose="02070309020205020404" pitchFamily="49" charset="0"/>
-                <a:cs typeface="Courier New" panose="02070309020205020404" pitchFamily="49" charset="0"/>
-              </a:rPr>
-              <a:t>mnist.data</a:t>
-            </a:r>
-            <a:r>
-              <a:rPr lang="fr-FR" sz="2000" dirty="0">
-                <a:latin typeface="Courier New" panose="02070309020205020404" pitchFamily="49" charset="0"/>
-                <a:cs typeface="Courier New" panose="02070309020205020404" pitchFamily="49" charset="0"/>
-              </a:rPr>
-              <a:t>[</a:t>
-            </a:r>
-            <a:r>
-              <a:rPr lang="fr-FR" sz="2000" dirty="0" err="1">
-                <a:latin typeface="Courier New" panose="02070309020205020404" pitchFamily="49" charset="0"/>
-                <a:cs typeface="Courier New" panose="02070309020205020404" pitchFamily="49" charset="0"/>
-              </a:rPr>
-              <a:t>sample</a:t>
-            </a:r>
-            <a:r>
-              <a:rPr lang="fr-FR" sz="2000" dirty="0">
-                <a:latin typeface="Courier New" panose="02070309020205020404" pitchFamily="49" charset="0"/>
-                <a:cs typeface="Courier New" panose="02070309020205020404" pitchFamily="49" charset="0"/>
-              </a:rPr>
-              <a:t>]</a:t>
-            </a:r>
-          </a:p>
-          <a:p>
-            <a:pPr lvl="1"/>
-            <a:r>
-              <a:rPr lang="fr-FR" sz="2000" dirty="0" err="1">
-                <a:latin typeface="Courier New" panose="02070309020205020404" pitchFamily="49" charset="0"/>
-                <a:cs typeface="Courier New" panose="02070309020205020404" pitchFamily="49" charset="0"/>
-              </a:rPr>
-              <a:t>target</a:t>
-            </a:r>
-            <a:r>
-              <a:rPr lang="fr-FR" sz="2000" dirty="0">
-                <a:latin typeface="Courier New" panose="02070309020205020404" pitchFamily="49" charset="0"/>
-                <a:cs typeface="Courier New" panose="02070309020205020404" pitchFamily="49" charset="0"/>
-              </a:rPr>
-              <a:t> = </a:t>
-            </a:r>
-            <a:r>
-              <a:rPr lang="fr-FR" sz="2000" dirty="0" err="1">
-                <a:latin typeface="Courier New" panose="02070309020205020404" pitchFamily="49" charset="0"/>
-                <a:cs typeface="Courier New" panose="02070309020205020404" pitchFamily="49" charset="0"/>
-              </a:rPr>
-              <a:t>mnist.target</a:t>
-            </a:r>
-            <a:r>
-              <a:rPr lang="fr-FR" sz="2000" dirty="0">
-                <a:latin typeface="Courier New" panose="02070309020205020404" pitchFamily="49" charset="0"/>
-                <a:cs typeface="Courier New" panose="02070309020205020404" pitchFamily="49" charset="0"/>
-              </a:rPr>
-              <a:t>[</a:t>
-            </a:r>
-            <a:r>
-              <a:rPr lang="fr-FR" sz="2000" dirty="0" err="1">
-                <a:latin typeface="Courier New" panose="02070309020205020404" pitchFamily="49" charset="0"/>
-                <a:cs typeface="Courier New" panose="02070309020205020404" pitchFamily="49" charset="0"/>
-              </a:rPr>
-              <a:t>sample</a:t>
-            </a:r>
-            <a:r>
-              <a:rPr lang="fr-FR" sz="2000" dirty="0">
-                <a:latin typeface="Courier New" panose="02070309020205020404" pitchFamily="49" charset="0"/>
-                <a:cs typeface="Courier New" panose="02070309020205020404" pitchFamily="49" charset="0"/>
-              </a:rPr>
-              <a:t>]</a:t>
-            </a:r>
-            <a:endParaRPr lang="fr-FR" sz="2000" dirty="0" smtClean="0">
-              <a:latin typeface="Courier New" panose="02070309020205020404" pitchFamily="49" charset="0"/>
-              <a:cs typeface="Courier New" panose="02070309020205020404" pitchFamily="49" charset="0"/>
-            </a:endParaRPr>
-          </a:p>
-          <a:p>
-            <a:pPr lvl="1"/>
             <a:endParaRPr lang="fr-FR" dirty="0"/>
           </a:p>
         </p:txBody>
@@ -6664,7 +6523,7 @@
     </p:spTree>
     <p:extLst>
       <p:ext uri="{BB962C8B-B14F-4D97-AF65-F5344CB8AC3E}">
-        <p14:creationId xmlns:p14="http://schemas.microsoft.com/office/powerpoint/2010/main" val="391119954"/>
+        <p14:creationId xmlns:p14="http://schemas.microsoft.com/office/powerpoint/2010/main" val="1233238204"/>
       </p:ext>
     </p:extLst>
   </p:cSld>
@@ -6715,7 +6574,7 @@
           <a:p>
             <a:r>
               <a:rPr lang="fr-FR" dirty="0" smtClean="0"/>
-              <a:t>Training Set</a:t>
+              <a:t>Pipeline</a:t>
             </a:r>
             <a:endParaRPr lang="fr-FR" dirty="0"/>
           </a:p>
@@ -6737,114 +6596,115 @@
           <a:lstStyle/>
           <a:p>
             <a:r>
-              <a:rPr lang="en-US" dirty="0" err="1">
-                <a:latin typeface="Courier New" panose="02070309020205020404" pitchFamily="49" charset="0"/>
-                <a:cs typeface="Courier New" panose="02070309020205020404" pitchFamily="49" charset="0"/>
-              </a:rPr>
-              <a:t>xtrain</a:t>
-            </a:r>
-            <a:r>
-              <a:rPr lang="en-US" dirty="0">
-                <a:latin typeface="Courier New" panose="02070309020205020404" pitchFamily="49" charset="0"/>
-                <a:cs typeface="Courier New" panose="02070309020205020404" pitchFamily="49" charset="0"/>
-              </a:rPr>
-              <a:t>, </a:t>
-            </a:r>
-            <a:r>
-              <a:rPr lang="en-US" dirty="0" err="1">
-                <a:latin typeface="Courier New" panose="02070309020205020404" pitchFamily="49" charset="0"/>
-                <a:cs typeface="Courier New" panose="02070309020205020404" pitchFamily="49" charset="0"/>
-              </a:rPr>
-              <a:t>xtest</a:t>
-            </a:r>
-            <a:r>
-              <a:rPr lang="en-US" dirty="0">
-                <a:latin typeface="Courier New" panose="02070309020205020404" pitchFamily="49" charset="0"/>
-                <a:cs typeface="Courier New" panose="02070309020205020404" pitchFamily="49" charset="0"/>
-              </a:rPr>
-              <a:t>, </a:t>
-            </a:r>
-            <a:r>
-              <a:rPr lang="en-US" dirty="0" err="1">
-                <a:latin typeface="Courier New" panose="02070309020205020404" pitchFamily="49" charset="0"/>
-                <a:cs typeface="Courier New" panose="02070309020205020404" pitchFamily="49" charset="0"/>
-              </a:rPr>
-              <a:t>ytrain</a:t>
-            </a:r>
-            <a:r>
-              <a:rPr lang="en-US" dirty="0">
-                <a:latin typeface="Courier New" panose="02070309020205020404" pitchFamily="49" charset="0"/>
-                <a:cs typeface="Courier New" panose="02070309020205020404" pitchFamily="49" charset="0"/>
-              </a:rPr>
-              <a:t>, </a:t>
-            </a:r>
-            <a:r>
-              <a:rPr lang="en-US" dirty="0" err="1">
-                <a:latin typeface="Courier New" panose="02070309020205020404" pitchFamily="49" charset="0"/>
-                <a:cs typeface="Courier New" panose="02070309020205020404" pitchFamily="49" charset="0"/>
-              </a:rPr>
-              <a:t>ytest</a:t>
-            </a:r>
-            <a:r>
-              <a:rPr lang="en-US" dirty="0">
-                <a:latin typeface="Courier New" panose="02070309020205020404" pitchFamily="49" charset="0"/>
-                <a:cs typeface="Courier New" panose="02070309020205020404" pitchFamily="49" charset="0"/>
-              </a:rPr>
-              <a:t> = </a:t>
-            </a:r>
-            <a:r>
-              <a:rPr lang="en-US" dirty="0" err="1">
-                <a:latin typeface="Courier New" panose="02070309020205020404" pitchFamily="49" charset="0"/>
-                <a:cs typeface="Courier New" panose="02070309020205020404" pitchFamily="49" charset="0"/>
-              </a:rPr>
-              <a:t>ms.train_test_split</a:t>
-            </a:r>
-            <a:r>
-              <a:rPr lang="en-US" dirty="0">
-                <a:latin typeface="Courier New" panose="02070309020205020404" pitchFamily="49" charset="0"/>
-                <a:cs typeface="Courier New" panose="02070309020205020404" pitchFamily="49" charset="0"/>
-              </a:rPr>
-              <a:t>(data, target, </a:t>
-            </a:r>
-            <a:r>
-              <a:rPr lang="en-US" dirty="0" err="1">
-                <a:latin typeface="Courier New" panose="02070309020205020404" pitchFamily="49" charset="0"/>
-                <a:cs typeface="Courier New" panose="02070309020205020404" pitchFamily="49" charset="0"/>
-              </a:rPr>
-              <a:t>train_size</a:t>
-            </a:r>
-            <a:r>
-              <a:rPr lang="en-US" dirty="0">
-                <a:latin typeface="Courier New" panose="02070309020205020404" pitchFamily="49" charset="0"/>
-                <a:cs typeface="Courier New" panose="02070309020205020404" pitchFamily="49" charset="0"/>
-              </a:rPr>
-              <a:t>=0.8, </a:t>
-            </a:r>
-            <a:r>
-              <a:rPr lang="en-US" dirty="0" err="1">
-                <a:latin typeface="Courier New" panose="02070309020205020404" pitchFamily="49" charset="0"/>
-                <a:cs typeface="Courier New" panose="02070309020205020404" pitchFamily="49" charset="0"/>
-              </a:rPr>
-              <a:t>test_size</a:t>
-            </a:r>
-            <a:r>
-              <a:rPr lang="en-US" dirty="0">
-                <a:latin typeface="Courier New" panose="02070309020205020404" pitchFamily="49" charset="0"/>
-                <a:cs typeface="Courier New" panose="02070309020205020404" pitchFamily="49" charset="0"/>
-              </a:rPr>
-              <a:t>=0.2)</a:t>
-            </a:r>
-            <a:endParaRPr lang="fr-FR" dirty="0">
-              <a:latin typeface="Courier New" panose="02070309020205020404" pitchFamily="49" charset="0"/>
-              <a:cs typeface="Courier New" panose="02070309020205020404" pitchFamily="49" charset="0"/>
-            </a:endParaRPr>
+              <a:rPr lang="fr-FR" dirty="0" smtClean="0"/>
+              <a:t>Pipeline permet de créer des modèles avec des </a:t>
+            </a:r>
+            <a:r>
+              <a:rPr lang="fr-FR" dirty="0" err="1" smtClean="0"/>
+              <a:t>features</a:t>
+            </a:r>
+            <a:r>
+              <a:rPr lang="fr-FR" dirty="0" smtClean="0"/>
+              <a:t> et des calculs d’erreurs paramétrables</a:t>
+            </a:r>
+          </a:p>
+          <a:p>
+            <a:r>
+              <a:rPr lang="fr-FR" dirty="0"/>
+              <a:t>import </a:t>
+            </a:r>
+            <a:r>
+              <a:rPr lang="fr-FR" dirty="0" err="1"/>
+              <a:t>sklearn.pipeline</a:t>
+            </a:r>
+            <a:r>
+              <a:rPr lang="fr-FR" dirty="0"/>
+              <a:t> as </a:t>
+            </a:r>
+            <a:r>
+              <a:rPr lang="fr-FR" dirty="0" smtClean="0"/>
+              <a:t>pipe</a:t>
+            </a:r>
+          </a:p>
+          <a:p>
+            <a:r>
+              <a:rPr lang="fr-FR" dirty="0" err="1" smtClean="0"/>
+              <a:t>pipe.make_pipeline</a:t>
+            </a:r>
+            <a:r>
+              <a:rPr lang="fr-FR" dirty="0" smtClean="0"/>
+              <a:t>(</a:t>
+            </a:r>
+            <a:r>
+              <a:rPr lang="fr-FR" dirty="0" err="1" smtClean="0"/>
+              <a:t>pp.PolynomialFeatures</a:t>
+            </a:r>
+            <a:r>
+              <a:rPr lang="fr-FR" dirty="0" smtClean="0"/>
+              <a:t>(2</a:t>
+            </a:r>
+            <a:r>
+              <a:rPr lang="fr-FR" dirty="0"/>
+              <a:t>), </a:t>
+            </a:r>
+            <a:r>
+              <a:rPr lang="fr-FR" dirty="0" err="1"/>
+              <a:t>sklm.Ridge</a:t>
+            </a:r>
+            <a:r>
+              <a:rPr lang="fr-FR" dirty="0" smtClean="0"/>
+              <a:t>())</a:t>
+            </a:r>
+          </a:p>
+          <a:p>
+            <a:pPr lvl="1"/>
+            <a:r>
+              <a:rPr lang="fr-FR" dirty="0" smtClean="0"/>
+              <a:t>Ridge est l’algorithme de calcul de l’erreur quadratique</a:t>
+            </a:r>
+          </a:p>
+          <a:p>
+            <a:pPr lvl="1"/>
+            <a:r>
+              <a:rPr lang="fr-FR" dirty="0"/>
+              <a:t>model = </a:t>
+            </a:r>
+            <a:r>
+              <a:rPr lang="fr-FR" dirty="0" err="1"/>
+              <a:t>pp.make_pipeline</a:t>
+            </a:r>
+            <a:r>
+              <a:rPr lang="fr-FR" dirty="0"/>
+              <a:t>(</a:t>
+            </a:r>
+            <a:r>
+              <a:rPr lang="fr-FR" dirty="0" err="1"/>
+              <a:t>pipe.PolynomialFeatures</a:t>
+            </a:r>
+            <a:r>
+              <a:rPr lang="fr-FR" dirty="0"/>
+              <a:t>(1), </a:t>
+            </a:r>
+            <a:r>
+              <a:rPr lang="fr-FR" dirty="0" err="1"/>
+              <a:t>sklm.Ridge</a:t>
+            </a:r>
+            <a:r>
+              <a:rPr lang="fr-FR" dirty="0" smtClean="0"/>
+              <a:t>()) # est identique à </a:t>
+            </a:r>
+            <a:r>
+              <a:rPr lang="fr-FR" dirty="0" err="1" smtClean="0"/>
+              <a:t>LinearRegression</a:t>
+            </a:r>
+            <a:endParaRPr lang="fr-FR" dirty="0"/>
           </a:p>
         </p:txBody>
       </p:sp>
     </p:spTree>
     <p:extLst>
       <p:ext uri="{BB962C8B-B14F-4D97-AF65-F5344CB8AC3E}">
-        <p14:creationId xmlns:p14="http://schemas.microsoft.com/office/powerpoint/2010/main" val="2210871484"/>
+        <p14:creationId xmlns:p14="http://schemas.microsoft.com/office/powerpoint/2010/main" val="1835056303"/>
       </p:ext>
     </p:extLst>
   </p:cSld>

--- a/PPT/MachineLearning13-ScikitLearn.pptx
+++ b/PPT/MachineLearning13-ScikitLearn.pptx
@@ -4194,8 +4194,8 @@
           <a:lstStyle/>
           <a:p>
             <a:r>
-              <a:rPr lang="fr-FR" dirty="0" err="1" smtClean="0"/>
-              <a:t>Echantillonage</a:t>
+              <a:rPr lang="fr-FR" smtClean="0"/>
+              <a:t>Échantillonnage</a:t>
             </a:r>
             <a:endParaRPr lang="fr-FR" dirty="0"/>
           </a:p>

--- a/PPT/MachineLearning13-ScikitLearn.pptx
+++ b/PPT/MachineLearning13-ScikitLearn.pptx
@@ -5,10 +5,10 @@
     <p:sldMasterId id="2147483653" r:id="rId1"/>
   </p:sldMasterIdLst>
   <p:notesMasterIdLst>
-    <p:notesMasterId r:id="rId21"/>
+    <p:notesMasterId r:id="rId19"/>
   </p:notesMasterIdLst>
   <p:handoutMasterIdLst>
-    <p:handoutMasterId r:id="rId22"/>
+    <p:handoutMasterId r:id="rId20"/>
   </p:handoutMasterIdLst>
   <p:sldIdLst>
     <p:sldId id="264" r:id="rId2"/>
@@ -28,8 +28,6 @@
     <p:sldId id="291" r:id="rId16"/>
     <p:sldId id="292" r:id="rId17"/>
     <p:sldId id="293" r:id="rId18"/>
-    <p:sldId id="294" r:id="rId19"/>
-    <p:sldId id="286" r:id="rId20"/>
   </p:sldIdLst>
   <p:sldSz cx="9144000" cy="6858000" type="screen4x3"/>
   <p:notesSz cx="6648450" cy="9782175"/>
@@ -622,35 +620,35 @@
           <a:p>
             <a:pPr lvl="0"/>
             <a:r>
-              <a:rPr lang="fr-FR" noProof="0" smtClean="0"/>
+              <a:rPr lang="fr-FR" noProof="0"/>
               <a:t>Cliquez pour modifier les styles du texte du masque</a:t>
             </a:r>
           </a:p>
           <a:p>
             <a:pPr lvl="1"/>
             <a:r>
-              <a:rPr lang="fr-FR" noProof="0" smtClean="0"/>
+              <a:rPr lang="fr-FR" noProof="0"/>
               <a:t>Deuxième niveau</a:t>
             </a:r>
           </a:p>
           <a:p>
             <a:pPr lvl="2"/>
             <a:r>
-              <a:rPr lang="fr-FR" noProof="0" smtClean="0"/>
+              <a:rPr lang="fr-FR" noProof="0"/>
               <a:t>Troisième niveau</a:t>
             </a:r>
           </a:p>
           <a:p>
             <a:pPr lvl="3"/>
             <a:r>
-              <a:rPr lang="fr-FR" noProof="0" smtClean="0"/>
+              <a:rPr lang="fr-FR" noProof="0"/>
               <a:t>Quatrième niveau</a:t>
             </a:r>
           </a:p>
           <a:p>
             <a:pPr lvl="4"/>
             <a:r>
-              <a:rPr lang="fr-FR" noProof="0" smtClean="0"/>
+              <a:rPr lang="fr-FR" noProof="0"/>
               <a:t>Cinquième niveau</a:t>
             </a:r>
           </a:p>
@@ -938,10 +936,9 @@
           <a:lstStyle/>
           <a:p>
             <a:r>
-              <a:rPr lang="fr-FR" smtClean="0"/>
+              <a:rPr lang="fr-FR"/>
               <a:t>Cliquez pour modifier le style du titre</a:t>
             </a:r>
-            <a:endParaRPr lang="fr-FR"/>
           </a:p>
         </p:txBody>
       </p:sp>
@@ -1003,10 +1000,9 @@
           </a:lstStyle>
           <a:p>
             <a:r>
-              <a:rPr lang="fr-FR" smtClean="0"/>
+              <a:rPr lang="fr-FR"/>
               <a:t>Cliquez pour modifier le style des sous-titres du masque</a:t>
             </a:r>
-            <a:endParaRPr lang="fr-FR"/>
           </a:p>
         </p:txBody>
       </p:sp>
@@ -1061,10 +1057,9 @@
           <a:lstStyle/>
           <a:p>
             <a:r>
-              <a:rPr lang="fr-FR" smtClean="0"/>
+              <a:rPr lang="fr-FR"/>
               <a:t>Cliquez pour modifier le style du titre</a:t>
             </a:r>
-            <a:endParaRPr lang="fr-FR"/>
           </a:p>
         </p:txBody>
       </p:sp>
@@ -1090,38 +1085,37 @@
           <a:p>
             <a:pPr lvl="0"/>
             <a:r>
-              <a:rPr lang="fr-FR" smtClean="0"/>
+              <a:rPr lang="fr-FR"/>
               <a:t>Cliquez pour modifier les styles du texte du masque</a:t>
             </a:r>
           </a:p>
           <a:p>
             <a:pPr lvl="1"/>
             <a:r>
-              <a:rPr lang="fr-FR" smtClean="0"/>
+              <a:rPr lang="fr-FR"/>
               <a:t>Deuxième niveau</a:t>
             </a:r>
           </a:p>
           <a:p>
             <a:pPr lvl="2"/>
             <a:r>
-              <a:rPr lang="fr-FR" smtClean="0"/>
+              <a:rPr lang="fr-FR"/>
               <a:t>Troisième niveau</a:t>
             </a:r>
           </a:p>
           <a:p>
             <a:pPr lvl="3"/>
             <a:r>
-              <a:rPr lang="fr-FR" smtClean="0"/>
+              <a:rPr lang="fr-FR"/>
               <a:t>Quatrième niveau</a:t>
             </a:r>
           </a:p>
           <a:p>
             <a:pPr lvl="4"/>
             <a:r>
-              <a:rPr lang="fr-FR" smtClean="0"/>
+              <a:rPr lang="fr-FR"/>
               <a:t>Cinquième niveau</a:t>
             </a:r>
-            <a:endParaRPr lang="fr-FR"/>
           </a:p>
         </p:txBody>
       </p:sp>
@@ -1180,10 +1174,9 @@
           </a:lstStyle>
           <a:p>
             <a:r>
-              <a:rPr lang="fr-FR" dirty="0" smtClean="0"/>
+              <a:rPr lang="fr-FR" dirty="0"/>
               <a:t>Cliquez pour modifier le style du titre</a:t>
             </a:r>
-            <a:endParaRPr lang="fr-FR" dirty="0"/>
           </a:p>
         </p:txBody>
       </p:sp>
@@ -1209,38 +1202,37 @@
           <a:p>
             <a:pPr lvl="0"/>
             <a:r>
-              <a:rPr lang="fr-FR" dirty="0" smtClean="0"/>
+              <a:rPr lang="fr-FR" dirty="0"/>
               <a:t>Cliquez pour modifier les styles du texte du masque</a:t>
             </a:r>
           </a:p>
           <a:p>
             <a:pPr lvl="1"/>
             <a:r>
-              <a:rPr lang="fr-FR" dirty="0" smtClean="0"/>
+              <a:rPr lang="fr-FR" dirty="0"/>
               <a:t>Deuxième niveau</a:t>
             </a:r>
           </a:p>
           <a:p>
             <a:pPr lvl="2"/>
             <a:r>
-              <a:rPr lang="fr-FR" dirty="0" smtClean="0"/>
+              <a:rPr lang="fr-FR" dirty="0"/>
               <a:t>Troisième niveau</a:t>
             </a:r>
           </a:p>
           <a:p>
             <a:pPr lvl="3"/>
             <a:r>
-              <a:rPr lang="fr-FR" dirty="0" smtClean="0"/>
+              <a:rPr lang="fr-FR" dirty="0"/>
               <a:t>Quatrième niveau</a:t>
             </a:r>
           </a:p>
           <a:p>
             <a:pPr lvl="4"/>
             <a:r>
-              <a:rPr lang="fr-FR" dirty="0" smtClean="0"/>
+              <a:rPr lang="fr-FR" dirty="0"/>
               <a:t>Cinquième niveau</a:t>
             </a:r>
-            <a:endParaRPr lang="fr-FR" dirty="0"/>
           </a:p>
         </p:txBody>
       </p:sp>
@@ -1290,10 +1282,9 @@
           <a:lstStyle/>
           <a:p>
             <a:r>
-              <a:rPr lang="fr-FR" smtClean="0"/>
+              <a:rPr lang="fr-FR"/>
               <a:t>Cliquez pour modifier le style du titre</a:t>
             </a:r>
-            <a:endParaRPr lang="fr-FR"/>
           </a:p>
         </p:txBody>
       </p:sp>
@@ -1347,38 +1338,37 @@
           <a:p>
             <a:pPr lvl="0"/>
             <a:r>
-              <a:rPr lang="fr-FR" smtClean="0"/>
+              <a:rPr lang="fr-FR"/>
               <a:t>Cliquez pour modifier les styles du texte du masque</a:t>
             </a:r>
           </a:p>
           <a:p>
             <a:pPr lvl="1"/>
             <a:r>
-              <a:rPr lang="fr-FR" smtClean="0"/>
+              <a:rPr lang="fr-FR"/>
               <a:t>Deuxième niveau</a:t>
             </a:r>
           </a:p>
           <a:p>
             <a:pPr lvl="2"/>
             <a:r>
-              <a:rPr lang="fr-FR" smtClean="0"/>
+              <a:rPr lang="fr-FR"/>
               <a:t>Troisième niveau</a:t>
             </a:r>
           </a:p>
           <a:p>
             <a:pPr lvl="3"/>
             <a:r>
-              <a:rPr lang="fr-FR" smtClean="0"/>
+              <a:rPr lang="fr-FR"/>
               <a:t>Quatrième niveau</a:t>
             </a:r>
           </a:p>
           <a:p>
             <a:pPr lvl="4"/>
             <a:r>
-              <a:rPr lang="fr-FR" smtClean="0"/>
+              <a:rPr lang="fr-FR"/>
               <a:t>Cinquième niveau</a:t>
             </a:r>
-            <a:endParaRPr lang="fr-FR"/>
           </a:p>
         </p:txBody>
       </p:sp>
@@ -1432,38 +1422,37 @@
           <a:p>
             <a:pPr lvl="0"/>
             <a:r>
-              <a:rPr lang="fr-FR" smtClean="0"/>
+              <a:rPr lang="fr-FR"/>
               <a:t>Cliquez pour modifier les styles du texte du masque</a:t>
             </a:r>
           </a:p>
           <a:p>
             <a:pPr lvl="1"/>
             <a:r>
-              <a:rPr lang="fr-FR" smtClean="0"/>
+              <a:rPr lang="fr-FR"/>
               <a:t>Deuxième niveau</a:t>
             </a:r>
           </a:p>
           <a:p>
             <a:pPr lvl="2"/>
             <a:r>
-              <a:rPr lang="fr-FR" smtClean="0"/>
+              <a:rPr lang="fr-FR"/>
               <a:t>Troisième niveau</a:t>
             </a:r>
           </a:p>
           <a:p>
             <a:pPr lvl="3"/>
             <a:r>
-              <a:rPr lang="fr-FR" smtClean="0"/>
+              <a:rPr lang="fr-FR"/>
               <a:t>Quatrième niveau</a:t>
             </a:r>
           </a:p>
           <a:p>
             <a:pPr lvl="4"/>
             <a:r>
-              <a:rPr lang="fr-FR" smtClean="0"/>
+              <a:rPr lang="fr-FR"/>
               <a:t>Cinquième niveau</a:t>
             </a:r>
-            <a:endParaRPr lang="fr-FR"/>
           </a:p>
         </p:txBody>
       </p:sp>
@@ -1522,10 +1511,9 @@
           </a:lstStyle>
           <a:p>
             <a:r>
-              <a:rPr lang="fr-FR" smtClean="0"/>
+              <a:rPr lang="fr-FR"/>
               <a:t>Cliquez pour modifier le style du titre</a:t>
             </a:r>
-            <a:endParaRPr lang="fr-FR"/>
           </a:p>
         </p:txBody>
       </p:sp>
@@ -1588,7 +1576,7 @@
           <a:p>
             <a:pPr lvl="0"/>
             <a:r>
-              <a:rPr lang="fr-FR" smtClean="0"/>
+              <a:rPr lang="fr-FR"/>
               <a:t>Cliquez pour modifier les styles du texte du masque</a:t>
             </a:r>
           </a:p>
@@ -1644,38 +1632,37 @@
           <a:p>
             <a:pPr lvl="0"/>
             <a:r>
-              <a:rPr lang="fr-FR" smtClean="0"/>
+              <a:rPr lang="fr-FR"/>
               <a:t>Cliquez pour modifier les styles du texte du masque</a:t>
             </a:r>
           </a:p>
           <a:p>
             <a:pPr lvl="1"/>
             <a:r>
-              <a:rPr lang="fr-FR" smtClean="0"/>
+              <a:rPr lang="fr-FR"/>
               <a:t>Deuxième niveau</a:t>
             </a:r>
           </a:p>
           <a:p>
             <a:pPr lvl="2"/>
             <a:r>
-              <a:rPr lang="fr-FR" smtClean="0"/>
+              <a:rPr lang="fr-FR"/>
               <a:t>Troisième niveau</a:t>
             </a:r>
           </a:p>
           <a:p>
             <a:pPr lvl="3"/>
             <a:r>
-              <a:rPr lang="fr-FR" smtClean="0"/>
+              <a:rPr lang="fr-FR"/>
               <a:t>Quatrième niveau</a:t>
             </a:r>
           </a:p>
           <a:p>
             <a:pPr lvl="4"/>
             <a:r>
-              <a:rPr lang="fr-FR" smtClean="0"/>
+              <a:rPr lang="fr-FR"/>
               <a:t>Cinquième niveau</a:t>
             </a:r>
-            <a:endParaRPr lang="fr-FR"/>
           </a:p>
         </p:txBody>
       </p:sp>
@@ -1738,7 +1725,7 @@
           <a:p>
             <a:pPr lvl="0"/>
             <a:r>
-              <a:rPr lang="fr-FR" smtClean="0"/>
+              <a:rPr lang="fr-FR"/>
               <a:t>Cliquez pour modifier les styles du texte du masque</a:t>
             </a:r>
           </a:p>
@@ -1794,38 +1781,37 @@
           <a:p>
             <a:pPr lvl="0"/>
             <a:r>
-              <a:rPr lang="fr-FR" smtClean="0"/>
+              <a:rPr lang="fr-FR"/>
               <a:t>Cliquez pour modifier les styles du texte du masque</a:t>
             </a:r>
           </a:p>
           <a:p>
             <a:pPr lvl="1"/>
             <a:r>
-              <a:rPr lang="fr-FR" smtClean="0"/>
+              <a:rPr lang="fr-FR"/>
               <a:t>Deuxième niveau</a:t>
             </a:r>
           </a:p>
           <a:p>
             <a:pPr lvl="2"/>
             <a:r>
-              <a:rPr lang="fr-FR" smtClean="0"/>
+              <a:rPr lang="fr-FR"/>
               <a:t>Troisième niveau</a:t>
             </a:r>
           </a:p>
           <a:p>
             <a:pPr lvl="3"/>
             <a:r>
-              <a:rPr lang="fr-FR" smtClean="0"/>
+              <a:rPr lang="fr-FR"/>
               <a:t>Quatrième niveau</a:t>
             </a:r>
           </a:p>
           <a:p>
             <a:pPr lvl="4"/>
             <a:r>
-              <a:rPr lang="fr-FR" smtClean="0"/>
+              <a:rPr lang="fr-FR"/>
               <a:t>Cinquième niveau</a:t>
             </a:r>
-            <a:endParaRPr lang="fr-FR"/>
           </a:p>
         </p:txBody>
       </p:sp>
@@ -1875,10 +1861,9 @@
           <a:lstStyle/>
           <a:p>
             <a:r>
-              <a:rPr lang="fr-FR" smtClean="0"/>
+              <a:rPr lang="fr-FR"/>
               <a:t>Cliquez pour modifier le style du titre</a:t>
             </a:r>
-            <a:endParaRPr lang="fr-FR"/>
           </a:p>
         </p:txBody>
       </p:sp>
@@ -1967,10 +1952,9 @@
           </a:lstStyle>
           <a:p>
             <a:r>
-              <a:rPr lang="fr-FR" smtClean="0"/>
+              <a:rPr lang="fr-FR"/>
               <a:t>Cliquez pour modifier le style du titre</a:t>
             </a:r>
-            <a:endParaRPr lang="fr-FR"/>
           </a:p>
         </p:txBody>
       </p:sp>
@@ -2024,38 +2008,37 @@
           <a:p>
             <a:pPr lvl="0"/>
             <a:r>
-              <a:rPr lang="fr-FR" smtClean="0"/>
+              <a:rPr lang="fr-FR"/>
               <a:t>Cliquez pour modifier les styles du texte du masque</a:t>
             </a:r>
           </a:p>
           <a:p>
             <a:pPr lvl="1"/>
             <a:r>
-              <a:rPr lang="fr-FR" smtClean="0"/>
+              <a:rPr lang="fr-FR"/>
               <a:t>Deuxième niveau</a:t>
             </a:r>
           </a:p>
           <a:p>
             <a:pPr lvl="2"/>
             <a:r>
-              <a:rPr lang="fr-FR" smtClean="0"/>
+              <a:rPr lang="fr-FR"/>
               <a:t>Troisième niveau</a:t>
             </a:r>
           </a:p>
           <a:p>
             <a:pPr lvl="3"/>
             <a:r>
-              <a:rPr lang="fr-FR" smtClean="0"/>
+              <a:rPr lang="fr-FR"/>
               <a:t>Quatrième niveau</a:t>
             </a:r>
           </a:p>
           <a:p>
             <a:pPr lvl="4"/>
             <a:r>
-              <a:rPr lang="fr-FR" smtClean="0"/>
+              <a:rPr lang="fr-FR"/>
               <a:t>Cinquième niveau</a:t>
             </a:r>
-            <a:endParaRPr lang="fr-FR"/>
           </a:p>
         </p:txBody>
       </p:sp>
@@ -2118,7 +2101,7 @@
           <a:p>
             <a:pPr lvl="0"/>
             <a:r>
-              <a:rPr lang="fr-FR" smtClean="0"/>
+              <a:rPr lang="fr-FR"/>
               <a:t>Cliquez pour modifier les styles du texte du masque</a:t>
             </a:r>
           </a:p>
@@ -2179,10 +2162,9 @@
           </a:lstStyle>
           <a:p>
             <a:r>
-              <a:rPr lang="fr-FR" smtClean="0"/>
+              <a:rPr lang="fr-FR"/>
               <a:t>Cliquez pour modifier le style du titre</a:t>
             </a:r>
-            <a:endParaRPr lang="fr-FR"/>
           </a:p>
         </p:txBody>
       </p:sp>
@@ -2244,7 +2226,7 @@
           </a:lstStyle>
           <a:p>
             <a:pPr lvl="0"/>
-            <a:endParaRPr lang="fr-FR" noProof="0" smtClean="0"/>
+            <a:endParaRPr lang="fr-FR" noProof="0"/>
           </a:p>
         </p:txBody>
       </p:sp>
@@ -2307,7 +2289,7 @@
           <a:p>
             <a:pPr lvl="0"/>
             <a:r>
-              <a:rPr lang="fr-FR" smtClean="0"/>
+              <a:rPr lang="fr-FR"/>
               <a:t>Cliquez pour modifier les styles du texte du masque</a:t>
             </a:r>
           </a:p>
@@ -2359,10 +2341,9 @@
           <a:lstStyle/>
           <a:p>
             <a:r>
-              <a:rPr lang="fr-FR" smtClean="0"/>
+              <a:rPr lang="fr-FR"/>
               <a:t>Cliquez pour modifier le style du titre</a:t>
             </a:r>
-            <a:endParaRPr lang="fr-FR"/>
           </a:p>
         </p:txBody>
       </p:sp>
@@ -2383,38 +2364,37 @@
           <a:p>
             <a:pPr lvl="0"/>
             <a:r>
-              <a:rPr lang="fr-FR" smtClean="0"/>
+              <a:rPr lang="fr-FR"/>
               <a:t>Cliquez pour modifier les styles du texte du masque</a:t>
             </a:r>
           </a:p>
           <a:p>
             <a:pPr lvl="1"/>
             <a:r>
-              <a:rPr lang="fr-FR" smtClean="0"/>
+              <a:rPr lang="fr-FR"/>
               <a:t>Deuxième niveau</a:t>
             </a:r>
           </a:p>
           <a:p>
             <a:pPr lvl="2"/>
             <a:r>
-              <a:rPr lang="fr-FR" smtClean="0"/>
+              <a:rPr lang="fr-FR"/>
               <a:t>Troisième niveau</a:t>
             </a:r>
           </a:p>
           <a:p>
             <a:pPr lvl="3"/>
             <a:r>
-              <a:rPr lang="fr-FR" smtClean="0"/>
+              <a:rPr lang="fr-FR"/>
               <a:t>Quatrième niveau</a:t>
             </a:r>
           </a:p>
           <a:p>
             <a:pPr lvl="4"/>
             <a:r>
-              <a:rPr lang="fr-FR" smtClean="0"/>
+              <a:rPr lang="fr-FR"/>
               <a:t>Cinquième niveau</a:t>
             </a:r>
-            <a:endParaRPr lang="fr-FR"/>
           </a:p>
         </p:txBody>
       </p:sp>
@@ -2595,7 +2575,7 @@
             <a:pPr eaLnBrk="1" hangingPunct="1">
               <a:defRPr/>
             </a:pPr>
-            <a:endParaRPr lang="fr-FR" altLang="fr-FR" smtClean="0"/>
+            <a:endParaRPr lang="fr-FR" altLang="fr-FR"/>
           </a:p>
         </p:txBody>
       </p:sp>
@@ -2749,7 +2729,7 @@
               <a:defRPr/>
             </a:pPr>
             <a:r>
-              <a:rPr lang="fr-FR" sz="1200" dirty="0" smtClean="0"/>
+              <a:rPr lang="fr-FR" sz="1200" dirty="0"/>
               <a:t>Page </a:t>
             </a:r>
             <a:fld id="{E218E9B1-FD08-4C80-902E-210BA2967D0D}" type="slidenum">
@@ -2762,7 +2742,7 @@
               </a:pPr>
               <a:t>‹N°›</a:t>
             </a:fld>
-            <a:endParaRPr lang="fr-FR" dirty="0" smtClean="0">
+            <a:endParaRPr lang="fr-FR" dirty="0">
               <a:latin typeface="Times New Roman" pitchFamily="18" charset="0"/>
             </a:endParaRPr>
           </a:p>
@@ -2918,10 +2898,10 @@
               <a:defRPr/>
             </a:pPr>
             <a:r>
-              <a:rPr lang="fr-FR" sz="1600" dirty="0" smtClean="0"/>
+              <a:rPr lang="fr-FR" sz="1600" dirty="0"/>
               <a:t>Python</a:t>
             </a:r>
-            <a:endParaRPr lang="fr-FR" dirty="0" smtClean="0">
+            <a:endParaRPr lang="fr-FR" dirty="0">
               <a:latin typeface="Times New Roman" pitchFamily="18" charset="0"/>
             </a:endParaRPr>
           </a:p>
@@ -2979,7 +2959,7 @@
           <a:p>
             <a:pPr lvl="0"/>
             <a:r>
-              <a:rPr lang="fr-FR" altLang="fr-FR" smtClean="0"/>
+              <a:rPr lang="fr-FR" altLang="fr-FR"/>
               <a:t>Cliquez pour modifier le style du titre du masque</a:t>
             </a:r>
           </a:p>
@@ -3037,35 +3017,35 @@
           <a:p>
             <a:pPr lvl="0"/>
             <a:r>
-              <a:rPr lang="fr-FR" altLang="fr-FR" smtClean="0"/>
+              <a:rPr lang="fr-FR" altLang="fr-FR"/>
               <a:t>Cliquez pour modifier les styles du texte du masque</a:t>
             </a:r>
           </a:p>
           <a:p>
             <a:pPr lvl="1"/>
             <a:r>
-              <a:rPr lang="fr-FR" altLang="fr-FR" smtClean="0"/>
+              <a:rPr lang="fr-FR" altLang="fr-FR"/>
               <a:t>Deuxième niveau</a:t>
             </a:r>
           </a:p>
           <a:p>
             <a:pPr lvl="2"/>
             <a:r>
-              <a:rPr lang="fr-FR" altLang="fr-FR" smtClean="0"/>
+              <a:rPr lang="fr-FR" altLang="fr-FR"/>
               <a:t>Troisième niveau</a:t>
             </a:r>
           </a:p>
           <a:p>
             <a:pPr lvl="3"/>
             <a:r>
-              <a:rPr lang="fr-FR" altLang="fr-FR" smtClean="0"/>
+              <a:rPr lang="fr-FR" altLang="fr-FR"/>
               <a:t>Quatrième niveau</a:t>
             </a:r>
           </a:p>
           <a:p>
             <a:pPr lvl="4"/>
             <a:r>
-              <a:rPr lang="fr-FR" altLang="fr-FR" smtClean="0"/>
+              <a:rPr lang="fr-FR" altLang="fr-FR"/>
               <a:t>Cinquième niveau</a:t>
             </a:r>
           </a:p>
@@ -3221,10 +3201,10 @@
               <a:defRPr/>
             </a:pPr>
             <a:r>
-              <a:rPr lang="fr-FR" sz="1200" smtClean="0"/>
+              <a:rPr lang="fr-FR" sz="1200"/>
               <a:t>© Cyril Vincent Conseil</a:t>
             </a:r>
-            <a:endParaRPr lang="fr-FR" smtClean="0">
+            <a:endParaRPr lang="fr-FR">
               <a:latin typeface="Times New Roman" pitchFamily="18" charset="0"/>
             </a:endParaRPr>
           </a:p>
@@ -3706,10 +3686,10 @@
           <a:p>
             <a:pPr eaLnBrk="1" hangingPunct="1"/>
             <a:r>
-              <a:rPr lang="fr-FR" altLang="fr-FR" smtClean="0"/>
+              <a:rPr lang="fr-FR" altLang="fr-FR"/>
               <a:t>Chapitre 13</a:t>
             </a:r>
-            <a:endParaRPr lang="fr-FR" altLang="fr-FR" dirty="0" smtClean="0"/>
+            <a:endParaRPr lang="fr-FR" altLang="fr-FR" dirty="0"/>
           </a:p>
         </p:txBody>
       </p:sp>
@@ -3760,10 +3740,9 @@
           <a:lstStyle/>
           <a:p>
             <a:r>
-              <a:rPr lang="fr-FR" sz="3600" dirty="0" smtClean="0"/>
+              <a:rPr lang="fr-FR" sz="3600" dirty="0"/>
               <a:t>Data Science</a:t>
             </a:r>
-            <a:endParaRPr lang="fr-FR" sz="3600" dirty="0"/>
           </a:p>
         </p:txBody>
       </p:sp>
@@ -3796,13 +3775,6 @@
   <p:clrMapOvr>
     <a:masterClrMapping/>
   </p:clrMapOvr>
-  <p:timing>
-    <p:tnLst>
-      <p:par>
-        <p:cTn id="1" dur="indefinite" restart="never" nodeType="tmRoot"/>
-      </p:par>
-    </p:tnLst>
-  </p:timing>
 </p:sld>
 </file>
 
@@ -3839,10 +3811,9 @@
           <a:lstStyle/>
           <a:p>
             <a:r>
-              <a:rPr lang="fr-FR" dirty="0" smtClean="0"/>
+              <a:rPr lang="fr-FR" dirty="0"/>
               <a:t>Interprétation</a:t>
             </a:r>
-            <a:endParaRPr lang="fr-FR" dirty="0"/>
           </a:p>
         </p:txBody>
       </p:sp>
@@ -3862,14 +3833,14 @@
           <a:lstStyle/>
           <a:p>
             <a:r>
-              <a:rPr lang="fr-FR" dirty="0" smtClean="0"/>
+              <a:rPr lang="fr-FR" dirty="0"/>
               <a:t>Polynôme degré 4</a:t>
             </a:r>
           </a:p>
           <a:p>
             <a:pPr lvl="1"/>
             <a:r>
-              <a:rPr lang="fr-FR" dirty="0" smtClean="0"/>
+              <a:rPr lang="fr-FR" dirty="0"/>
               <a:t>Erreur 61%</a:t>
             </a:r>
           </a:p>
@@ -3877,32 +3848,30 @@
             <a:endParaRPr lang="fr-FR" dirty="0"/>
           </a:p>
           <a:p>
-            <a:endParaRPr lang="fr-FR" dirty="0" smtClean="0"/>
-          </a:p>
-          <a:p>
             <a:endParaRPr lang="fr-FR" dirty="0"/>
           </a:p>
           <a:p>
-            <a:endParaRPr lang="fr-FR" dirty="0" smtClean="0"/>
-          </a:p>
-          <a:p>
-            <a:r>
-              <a:rPr lang="fr-FR" smtClean="0"/>
+            <a:endParaRPr lang="fr-FR" dirty="0"/>
+          </a:p>
+          <a:p>
+            <a:endParaRPr lang="fr-FR" dirty="0"/>
+          </a:p>
+          <a:p>
+            <a:r>
+              <a:rPr lang="fr-FR"/>
               <a:t>Polynôme </a:t>
             </a:r>
             <a:r>
-              <a:rPr lang="fr-FR" dirty="0" smtClean="0"/>
+              <a:rPr lang="fr-FR" dirty="0"/>
               <a:t>degré 6</a:t>
             </a:r>
-            <a:endParaRPr lang="fr-FR" dirty="0"/>
           </a:p>
           <a:p>
             <a:pPr lvl="1"/>
             <a:r>
-              <a:rPr lang="fr-FR" dirty="0" smtClean="0"/>
+              <a:rPr lang="fr-FR" dirty="0"/>
               <a:t>Erreur 3%</a:t>
             </a:r>
-            <a:endParaRPr lang="fr-FR" dirty="0"/>
           </a:p>
         </p:txBody>
       </p:sp>
@@ -3964,13 +3933,6 @@
   <p:clrMapOvr>
     <a:masterClrMapping/>
   </p:clrMapOvr>
-  <p:timing>
-    <p:tnLst>
-      <p:par>
-        <p:cTn id="1" dur="indefinite" restart="never" nodeType="tmRoot"/>
-      </p:par>
-    </p:tnLst>
-  </p:timing>
 </p:sld>
 </file>
 
@@ -4007,7 +3969,7 @@
           <a:lstStyle/>
           <a:p>
             <a:r>
-              <a:rPr lang="fr-FR" dirty="0" err="1" smtClean="0"/>
+              <a:rPr lang="fr-FR" dirty="0" err="1"/>
               <a:t>Surapprentissage</a:t>
             </a:r>
             <a:endParaRPr lang="fr-FR" dirty="0"/>
@@ -4031,65 +3993,45 @@
           <a:p>
             <a:r>
               <a:rPr lang="fr-FR" dirty="0"/>
-              <a:t>La notion </a:t>
-            </a:r>
-            <a:r>
-              <a:rPr lang="fr-FR" dirty="0" smtClean="0"/>
-              <a:t>de </a:t>
-            </a:r>
-            <a:r>
-              <a:rPr lang="fr-FR" dirty="0" err="1" smtClean="0"/>
+              <a:t>La notion de </a:t>
+            </a:r>
+            <a:r>
+              <a:rPr lang="fr-FR" dirty="0" err="1"/>
               <a:t>surapprentissage</a:t>
             </a:r>
             <a:r>
-              <a:rPr lang="fr-FR" dirty="0" smtClean="0"/>
-              <a:t> désigne </a:t>
-            </a:r>
-            <a:r>
-              <a:rPr lang="fr-FR" dirty="0"/>
-              <a:t>le fait que le modèle que vous avez choisi est trop collé aux données </a:t>
-            </a:r>
-            <a:r>
-              <a:rPr lang="fr-FR" dirty="0" smtClean="0"/>
-              <a:t>d'entraînement</a:t>
+              <a:rPr lang="fr-FR" dirty="0"/>
+              <a:t> désigne le fait que le modèle que vous avez choisi est trop collé aux données d'entraînement</a:t>
             </a:r>
           </a:p>
           <a:p>
             <a:pPr lvl="1"/>
             <a:r>
-              <a:rPr lang="fr-FR" dirty="0" smtClean="0"/>
-              <a:t>C'est </a:t>
-            </a:r>
-            <a:r>
-              <a:rPr lang="fr-FR" dirty="0"/>
-              <a:t>un problème classique de data science, lorsqu'on choisi un modèle trop "flexible", c'est à dire avec une complexité trop élevée qui prend aussi en compte le bruit du </a:t>
-            </a:r>
-            <a:r>
-              <a:rPr lang="fr-FR" dirty="0" smtClean="0"/>
-              <a:t>phénomène</a:t>
+              <a:rPr lang="fr-FR" dirty="0"/>
+              <a:t>C'est un problème classique de data science, lorsqu'on choisi un modèle trop "flexible", c'est à dire avec une complexité trop élevée qui prend aussi en compte le bruit du phénomène</a:t>
             </a:r>
           </a:p>
           <a:p>
             <a:pPr lvl="1"/>
             <a:r>
-              <a:rPr lang="fr-FR" dirty="0" smtClean="0"/>
+              <a:rPr lang="fr-FR" dirty="0"/>
               <a:t>Ici modèle simple </a:t>
             </a:r>
           </a:p>
           <a:p>
             <a:pPr lvl="1"/>
             <a:r>
-              <a:rPr lang="fr-FR" dirty="0" smtClean="0"/>
+              <a:rPr lang="fr-FR" dirty="0"/>
               <a:t>vs modèle complexe</a:t>
             </a:r>
           </a:p>
           <a:p>
             <a:r>
-              <a:rPr lang="fr-FR" dirty="0" smtClean="0"/>
+              <a:rPr lang="fr-FR" dirty="0"/>
               <a:t>D’où l’utiliser d’un </a:t>
             </a:r>
             <a:r>
-              <a:rPr lang="fr-FR" dirty="0" err="1" smtClean="0"/>
+              <a:rPr lang="fr-FR" dirty="0" err="1"/>
               <a:t>TestSet</a:t>
             </a:r>
             <a:endParaRPr lang="fr-FR" dirty="0"/>
@@ -4151,13 +4093,6 @@
   <p:clrMapOvr>
     <a:masterClrMapping/>
   </p:clrMapOvr>
-  <p:timing>
-    <p:tnLst>
-      <p:par>
-        <p:cTn id="1" dur="indefinite" restart="never" nodeType="tmRoot"/>
-      </p:par>
-    </p:tnLst>
-  </p:timing>
 </p:sld>
 </file>
 
@@ -4194,7 +4129,7 @@
           <a:lstStyle/>
           <a:p>
             <a:r>
-              <a:rPr lang="fr-FR" smtClean="0"/>
+              <a:rPr lang="fr-FR"/>
               <a:t>Échantillonnage</a:t>
             </a:r>
             <a:endParaRPr lang="fr-FR" dirty="0"/>
@@ -4226,89 +4161,56 @@
             </a:r>
             <a:r>
               <a:rPr lang="fr-FR" dirty="0"/>
-              <a:t>) dont vous disposez constitue une ressource </a:t>
-            </a:r>
-            <a:r>
-              <a:rPr lang="fr-FR" dirty="0" smtClean="0"/>
-              <a:t>précieuse</a:t>
+              <a:t>) dont vous disposez constitue une ressource précieuse</a:t>
             </a:r>
           </a:p>
           <a:p>
             <a:pPr lvl="1"/>
             <a:r>
-              <a:rPr lang="fr-FR" dirty="0" smtClean="0"/>
-              <a:t>Il </a:t>
-            </a:r>
-            <a:r>
-              <a:rPr lang="fr-FR" dirty="0"/>
-              <a:t>faut pouvoir l’utiliser à bon escient afin de pouvoir à la fois choisir un modèle et </a:t>
-            </a:r>
-            <a:r>
-              <a:rPr lang="fr-FR" dirty="0" smtClean="0"/>
-              <a:t>l'entraîner</a:t>
+              <a:rPr lang="fr-FR" dirty="0"/>
+              <a:t>Il faut pouvoir l’utiliser à bon escient afin de pouvoir à la fois choisir un modèle et l'entraîner</a:t>
             </a:r>
           </a:p>
           <a:p>
             <a:pPr lvl="1"/>
             <a:r>
-              <a:rPr lang="fr-FR" dirty="0" smtClean="0"/>
-              <a:t>mais </a:t>
-            </a:r>
-            <a:r>
-              <a:rPr lang="fr-FR" dirty="0"/>
-              <a:t>aussi de pouvoir tester la qualité de ce </a:t>
-            </a:r>
-            <a:r>
-              <a:rPr lang="fr-FR" dirty="0" smtClean="0"/>
-              <a:t>modèle</a:t>
-            </a:r>
-          </a:p>
-          <a:p>
-            <a:r>
-              <a:rPr lang="fr-FR" dirty="0"/>
-              <a:t>La première question à se poser </a:t>
-            </a:r>
-            <a:r>
-              <a:rPr lang="fr-FR" dirty="0" smtClean="0"/>
-              <a:t>est</a:t>
+              <a:rPr lang="fr-FR" dirty="0"/>
+              <a:t>mais aussi de pouvoir tester la qualité de ce modèle</a:t>
+            </a:r>
+          </a:p>
+          <a:p>
+            <a:r>
+              <a:rPr lang="fr-FR" dirty="0"/>
+              <a:t>La première question à se poser est</a:t>
             </a:r>
           </a:p>
           <a:p>
             <a:pPr lvl="1"/>
             <a:r>
-              <a:rPr lang="fr-FR" dirty="0" smtClean="0"/>
-              <a:t>Est-ce </a:t>
-            </a:r>
-            <a:r>
-              <a:rPr lang="fr-FR" dirty="0"/>
-              <a:t>qu’on va utiliser toutes les données d'exemple dont on </a:t>
-            </a:r>
-            <a:r>
-              <a:rPr lang="fr-FR" dirty="0" smtClean="0"/>
-              <a:t>dispose ?</a:t>
+              <a:rPr lang="fr-FR" dirty="0"/>
+              <a:t>Est-ce qu’on va utiliser toutes les données d'exemple dont on dispose ?</a:t>
             </a:r>
           </a:p>
           <a:p>
             <a:pPr lvl="1"/>
             <a:r>
-              <a:rPr lang="fr-FR" dirty="0" smtClean="0"/>
+              <a:rPr lang="fr-FR" dirty="0"/>
               <a:t>Volume, tests, …</a:t>
             </a:r>
           </a:p>
           <a:p>
             <a:r>
-              <a:rPr lang="fr-FR" dirty="0" smtClean="0"/>
+              <a:rPr lang="fr-FR" dirty="0"/>
               <a:t>Il faut échantillonner (</a:t>
             </a:r>
             <a:r>
-              <a:rPr lang="fr-FR" dirty="0" err="1" smtClean="0"/>
+              <a:rPr lang="fr-FR" dirty="0" err="1"/>
               <a:t>sampling</a:t>
             </a:r>
             <a:r>
-              <a:rPr lang="fr-FR" dirty="0" smtClean="0"/>
+              <a:rPr lang="fr-FR" dirty="0"/>
               <a:t>) les données à tester</a:t>
             </a:r>
-            <a:endParaRPr lang="fr-FR" dirty="0"/>
           </a:p>
         </p:txBody>
       </p:sp>
@@ -4322,13 +4224,6 @@
   <p:clrMapOvr>
     <a:masterClrMapping/>
   </p:clrMapOvr>
-  <p:timing>
-    <p:tnLst>
-      <p:par>
-        <p:cTn id="1" dur="indefinite" restart="never" nodeType="tmRoot"/>
-      </p:par>
-    </p:tnLst>
-  </p:timing>
 </p:sld>
 </file>
 
@@ -4365,10 +4260,9 @@
           <a:lstStyle/>
           <a:p>
             <a:r>
-              <a:rPr lang="fr-FR" dirty="0" smtClean="0"/>
+              <a:rPr lang="fr-FR" dirty="0"/>
               <a:t>Randomisation</a:t>
             </a:r>
-            <a:endParaRPr lang="fr-FR" dirty="0"/>
           </a:p>
         </p:txBody>
       </p:sp>
@@ -4388,68 +4282,67 @@
           <a:lstStyle/>
           <a:p>
             <a:r>
-              <a:rPr lang="fr-FR" dirty="0" smtClean="0"/>
+              <a:rPr lang="fr-FR" dirty="0"/>
               <a:t>Il faut utiliser le bon échantillon</a:t>
             </a:r>
           </a:p>
           <a:p>
             <a:pPr lvl="1"/>
             <a:r>
-              <a:rPr lang="fr-FR" dirty="0" smtClean="0"/>
+              <a:rPr lang="fr-FR" dirty="0"/>
               <a:t>Bien répartis</a:t>
             </a:r>
           </a:p>
           <a:p>
             <a:pPr lvl="1"/>
             <a:r>
-              <a:rPr lang="fr-FR" dirty="0" smtClean="0"/>
+              <a:rPr lang="fr-FR" dirty="0"/>
               <a:t>Ne pas introduire de biais</a:t>
             </a:r>
           </a:p>
           <a:p>
             <a:pPr lvl="1"/>
             <a:r>
-              <a:rPr lang="fr-FR" dirty="0" smtClean="0"/>
+              <a:rPr lang="fr-FR" dirty="0"/>
               <a:t>Par exemple à Paris les loyers sont plus chères qu’ailleurs</a:t>
             </a:r>
           </a:p>
           <a:p>
             <a:r>
-              <a:rPr lang="fr-FR" dirty="0" smtClean="0"/>
+              <a:rPr lang="fr-FR" dirty="0"/>
               <a:t>Il faut ensuite découper l’échantillon avec le</a:t>
             </a:r>
           </a:p>
           <a:p>
             <a:pPr lvl="1"/>
             <a:r>
-              <a:rPr lang="fr-FR" dirty="0" smtClean="0"/>
+              <a:rPr lang="fr-FR" dirty="0"/>
               <a:t>Training Set</a:t>
             </a:r>
           </a:p>
           <a:p>
             <a:pPr lvl="1"/>
             <a:r>
-              <a:rPr lang="fr-FR" dirty="0" err="1" smtClean="0"/>
+              <a:rPr lang="fr-FR" dirty="0" err="1"/>
               <a:t>Testing</a:t>
             </a:r>
             <a:r>
-              <a:rPr lang="fr-FR" dirty="0" smtClean="0"/>
+              <a:rPr lang="fr-FR" dirty="0"/>
               <a:t> Set</a:t>
             </a:r>
           </a:p>
           <a:p>
             <a:r>
-              <a:rPr lang="fr-FR" dirty="0" smtClean="0"/>
+              <a:rPr lang="fr-FR" dirty="0"/>
               <a:t>L’un sert à l’apprentissage, l’autre au test</a:t>
             </a:r>
           </a:p>
           <a:p>
             <a:pPr lvl="1"/>
             <a:r>
-              <a:rPr lang="fr-FR" dirty="0" smtClean="0"/>
+              <a:rPr lang="fr-FR" dirty="0"/>
               <a:t>Souvent 80/20</a:t>
             </a:r>
-            <a:endParaRPr lang="fr-FR" dirty="0"/>
           </a:p>
         </p:txBody>
       </p:sp>
@@ -4463,13 +4356,6 @@
   <p:clrMapOvr>
     <a:masterClrMapping/>
   </p:clrMapOvr>
-  <p:timing>
-    <p:tnLst>
-      <p:par>
-        <p:cTn id="1" dur="indefinite" restart="never" nodeType="tmRoot"/>
-      </p:par>
-    </p:tnLst>
-  </p:timing>
 </p:sld>
 </file>
 
@@ -4506,10 +4392,9 @@
           <a:lstStyle/>
           <a:p>
             <a:r>
-              <a:rPr lang="fr-FR" dirty="0" smtClean="0"/>
+              <a:rPr lang="fr-FR" dirty="0"/>
               <a:t>Randomisation</a:t>
             </a:r>
-            <a:endParaRPr lang="fr-FR" dirty="0"/>
           </a:p>
         </p:txBody>
       </p:sp>
@@ -4530,43 +4415,19 @@
           <a:p>
             <a:r>
               <a:rPr lang="fr-FR" dirty="0"/>
-              <a:t>I</a:t>
-            </a:r>
-            <a:r>
-              <a:rPr lang="fr-FR" dirty="0" smtClean="0"/>
-              <a:t>l </a:t>
-            </a:r>
-            <a:r>
-              <a:rPr lang="fr-FR" dirty="0"/>
-              <a:t>s’avère que si on entraîne le modèle avec des données, il va naturellement être plus performant sur ces </a:t>
-            </a:r>
-            <a:r>
-              <a:rPr lang="fr-FR" dirty="0" smtClean="0"/>
-              <a:t>données-là</a:t>
-            </a:r>
-          </a:p>
-          <a:p>
-            <a:r>
-              <a:rPr lang="fr-FR" dirty="0" smtClean="0"/>
-              <a:t>Ce </a:t>
-            </a:r>
-            <a:r>
-              <a:rPr lang="fr-FR" dirty="0"/>
-              <a:t>qui nous intéresse c’est de mesurer sa performance sur des données qu’il n’a jamais vues puisque c’est ce qui va se passer en </a:t>
-            </a:r>
-            <a:r>
-              <a:rPr lang="fr-FR" dirty="0" smtClean="0"/>
-              <a:t>pratique</a:t>
-            </a:r>
-          </a:p>
-          <a:p>
-            <a:r>
-              <a:rPr lang="fr-FR" dirty="0" smtClean="0"/>
-              <a:t>Cette </a:t>
-            </a:r>
-            <a:r>
-              <a:rPr lang="fr-FR" dirty="0"/>
-              <a:t>performance est appelée la </a:t>
+              <a:t>Il s’avère que si on entraîne le modèle avec des données, il va naturellement être plus performant sur ces données-là</a:t>
+            </a:r>
+          </a:p>
+          <a:p>
+            <a:r>
+              <a:rPr lang="fr-FR" dirty="0"/>
+              <a:t>Ce qui nous intéresse c’est de mesurer sa performance sur des données qu’il n’a jamais vues puisque c’est ce qui va se passer en pratique</a:t>
+            </a:r>
+          </a:p>
+          <a:p>
+            <a:r>
+              <a:rPr lang="fr-FR" dirty="0"/>
+              <a:t>Cette performance est appelée la </a:t>
             </a:r>
             <a:r>
               <a:rPr lang="fr-FR" b="1" dirty="0"/>
@@ -4574,23 +4435,14 @@
             </a:r>
             <a:r>
               <a:rPr lang="fr-FR" dirty="0"/>
-              <a:t> du </a:t>
-            </a:r>
-            <a:r>
-              <a:rPr lang="fr-FR" dirty="0" smtClean="0"/>
-              <a:t>modèle</a:t>
-            </a:r>
-            <a:endParaRPr lang="fr-FR" dirty="0"/>
+              <a:t> du modèle</a:t>
+            </a:r>
           </a:p>
           <a:p>
             <a:pPr lvl="1"/>
             <a:r>
-              <a:rPr lang="fr-FR" dirty="0" smtClean="0"/>
-              <a:t>Sa </a:t>
-            </a:r>
-            <a:r>
-              <a:rPr lang="fr-FR" dirty="0"/>
-              <a:t>capacité à effectuer des prédictions de qualité sur des situations jamais rencontrées.</a:t>
+              <a:rPr lang="fr-FR" dirty="0"/>
+              <a:t>Sa capacité à effectuer des prédictions de qualité sur des situations jamais rencontrées.</a:t>
             </a:r>
           </a:p>
         </p:txBody>
@@ -4605,13 +4457,6 @@
   <p:clrMapOvr>
     <a:masterClrMapping/>
   </p:clrMapOvr>
-  <p:timing>
-    <p:tnLst>
-      <p:par>
-        <p:cTn id="1" dur="indefinite" restart="never" nodeType="tmRoot"/>
-      </p:par>
-    </p:tnLst>
-  </p:timing>
 </p:sld>
 </file>
 
@@ -4648,11 +4493,11 @@
           <a:lstStyle/>
           <a:p>
             <a:r>
-              <a:rPr lang="fr-FR" dirty="0" smtClean="0"/>
+              <a:rPr lang="fr-FR" dirty="0"/>
               <a:t>Model </a:t>
             </a:r>
             <a:r>
-              <a:rPr lang="fr-FR" dirty="0" err="1" smtClean="0"/>
+              <a:rPr lang="fr-FR" dirty="0" err="1"/>
               <a:t>Selection</a:t>
             </a:r>
             <a:endParaRPr lang="fr-FR" dirty="0"/>
@@ -4675,32 +4520,32 @@
           <a:lstStyle/>
           <a:p>
             <a:r>
-              <a:rPr lang="fr-FR" dirty="0" smtClean="0"/>
+              <a:rPr lang="fr-FR" dirty="0"/>
               <a:t>Model </a:t>
             </a:r>
             <a:r>
-              <a:rPr lang="fr-FR" dirty="0" err="1" smtClean="0"/>
+              <a:rPr lang="fr-FR" dirty="0" err="1"/>
               <a:t>Selection</a:t>
             </a:r>
             <a:r>
-              <a:rPr lang="fr-FR" dirty="0" smtClean="0"/>
+              <a:rPr lang="fr-FR" dirty="0"/>
               <a:t> est un module de sélection de modèle</a:t>
             </a:r>
           </a:p>
           <a:p>
             <a:r>
-              <a:rPr lang="fr-FR" dirty="0" err="1" smtClean="0"/>
+              <a:rPr lang="fr-FR" dirty="0" err="1"/>
               <a:t>Train_test_split</a:t>
             </a:r>
             <a:r>
-              <a:rPr lang="fr-FR" dirty="0" smtClean="0"/>
+              <a:rPr lang="fr-FR" dirty="0"/>
               <a:t> permet de découper le </a:t>
             </a:r>
             <a:r>
-              <a:rPr lang="fr-FR" dirty="0" err="1" smtClean="0"/>
+              <a:rPr lang="fr-FR" dirty="0" err="1"/>
               <a:t>dataset</a:t>
             </a:r>
-            <a:endParaRPr lang="fr-FR" dirty="0" smtClean="0"/>
+            <a:endParaRPr lang="fr-FR" dirty="0"/>
           </a:p>
           <a:p>
             <a:pPr lvl="1"/>
@@ -4720,7 +4565,7 @@
           <a:p>
             <a:pPr lvl="1"/>
             <a:r>
-              <a:rPr lang="fr-FR" dirty="0" err="1" smtClean="0"/>
+              <a:rPr lang="fr-FR" dirty="0" err="1"/>
               <a:t>xtrain</a:t>
             </a:r>
             <a:r>
@@ -4788,13 +4633,6 @@
   <p:clrMapOvr>
     <a:masterClrMapping/>
   </p:clrMapOvr>
-  <p:timing>
-    <p:tnLst>
-      <p:par>
-        <p:cTn id="1" dur="indefinite" restart="never" nodeType="tmRoot"/>
-      </p:par>
-    </p:tnLst>
-  </p:timing>
 </p:sld>
 </file>
 
@@ -4831,10 +4669,9 @@
           <a:lstStyle/>
           <a:p>
             <a:r>
-              <a:rPr lang="fr-FR" dirty="0" smtClean="0"/>
+              <a:rPr lang="fr-FR" dirty="0"/>
               <a:t>Interprétation du résultat</a:t>
             </a:r>
-            <a:endParaRPr lang="fr-FR" dirty="0"/>
           </a:p>
         </p:txBody>
       </p:sp>
@@ -4854,35 +4691,35 @@
           <a:lstStyle/>
           <a:p>
             <a:r>
-              <a:rPr lang="fr-FR" dirty="0" smtClean="0"/>
+              <a:rPr lang="fr-FR" dirty="0"/>
               <a:t>Evidement en ayant moins de données le résultat sur le training set sera un peu moins bon</a:t>
             </a:r>
           </a:p>
           <a:p>
             <a:r>
-              <a:rPr lang="fr-FR" dirty="0" smtClean="0"/>
+              <a:rPr lang="fr-FR" dirty="0"/>
               <a:t>Mais il faut rejouer la régression sur les </a:t>
             </a:r>
             <a:r>
-              <a:rPr lang="fr-FR" dirty="0" err="1" smtClean="0"/>
+              <a:rPr lang="fr-FR" dirty="0" err="1"/>
               <a:t>testing</a:t>
             </a:r>
             <a:r>
-              <a:rPr lang="fr-FR" dirty="0" smtClean="0"/>
+              <a:rPr lang="fr-FR" dirty="0"/>
               <a:t> set</a:t>
             </a:r>
           </a:p>
           <a:p>
             <a:pPr lvl="1"/>
             <a:r>
-              <a:rPr lang="fr-FR" dirty="0" smtClean="0"/>
+              <a:rPr lang="fr-FR" dirty="0"/>
               <a:t>Il peut être nécessaire de rejouer le modèle plusieurs fois pour arriver à un résultat satisfaisant</a:t>
             </a:r>
           </a:p>
           <a:p>
             <a:pPr lvl="1"/>
             <a:r>
-              <a:rPr lang="fr-FR" dirty="0" smtClean="0"/>
+              <a:rPr lang="fr-FR" dirty="0"/>
               <a:t>Training vs test</a:t>
             </a:r>
           </a:p>
@@ -4950,13 +4787,6 @@
   <p:clrMapOvr>
     <a:masterClrMapping/>
   </p:clrMapOvr>
-  <p:timing>
-    <p:tnLst>
-      <p:par>
-        <p:cTn id="1" dur="indefinite" restart="never" nodeType="tmRoot"/>
-      </p:par>
-    </p:tnLst>
-  </p:timing>
 </p:sld>
 </file>
 
@@ -4993,10 +4823,9 @@
           <a:lstStyle/>
           <a:p>
             <a:r>
-              <a:rPr lang="fr-FR" dirty="0" smtClean="0"/>
+              <a:rPr lang="fr-FR" dirty="0"/>
               <a:t>Echantillonnage</a:t>
             </a:r>
-            <a:endParaRPr lang="fr-FR" dirty="0"/>
           </a:p>
         </p:txBody>
       </p:sp>
@@ -5016,28 +4845,28 @@
           <a:lstStyle/>
           <a:p>
             <a:r>
-              <a:rPr lang="fr-FR" dirty="0" smtClean="0"/>
+              <a:rPr lang="fr-FR" dirty="0"/>
               <a:t>Basé sur une fonctionnalité </a:t>
             </a:r>
             <a:r>
-              <a:rPr lang="fr-FR" dirty="0" err="1" smtClean="0"/>
+              <a:rPr lang="fr-FR" dirty="0" err="1"/>
               <a:t>numpy</a:t>
             </a:r>
-            <a:endParaRPr lang="fr-FR" dirty="0" smtClean="0"/>
-          </a:p>
-          <a:p>
-            <a:r>
-              <a:rPr lang="fr-FR" dirty="0" err="1" smtClean="0"/>
+            <a:endParaRPr lang="fr-FR" dirty="0"/>
+          </a:p>
+          <a:p>
+            <a:r>
+              <a:rPr lang="fr-FR" dirty="0" err="1"/>
               <a:t>np.array</a:t>
             </a:r>
             <a:r>
-              <a:rPr lang="fr-FR" dirty="0" smtClean="0"/>
+              <a:rPr lang="fr-FR" dirty="0"/>
               <a:t>([2,8,0,10,9])[2,4] donne [0,9]</a:t>
             </a:r>
           </a:p>
           <a:p>
             <a:r>
-              <a:rPr lang="fr-FR" dirty="0" smtClean="0"/>
+              <a:rPr lang="fr-FR" dirty="0"/>
               <a:t>Cela donne pour un échantillon de 5000</a:t>
             </a:r>
           </a:p>
@@ -5154,10 +4983,6 @@
               </a:rPr>
               <a:t>]</a:t>
             </a:r>
-            <a:endParaRPr lang="fr-FR" sz="2000" dirty="0" smtClean="0">
-              <a:latin typeface="Courier New" panose="02070309020205020404" pitchFamily="49" charset="0"/>
-              <a:cs typeface="Courier New" panose="02070309020205020404" pitchFamily="49" charset="0"/>
-            </a:endParaRPr>
           </a:p>
           <a:p>
             <a:pPr lvl="1"/>
@@ -5175,312 +5000,6 @@
   <p:clrMapOvr>
     <a:masterClrMapping/>
   </p:clrMapOvr>
-  <p:timing>
-    <p:tnLst>
-      <p:par>
-        <p:cTn id="1" dur="indefinite" restart="never" nodeType="tmRoot"/>
-      </p:par>
-    </p:tnLst>
-  </p:timing>
-</p:sld>
-</file>
-
-<file path=ppt/slides/slide18.xml><?xml version="1.0" encoding="utf-8"?>
-<p:sld xmlns:a="http://schemas.openxmlformats.org/drawingml/2006/main" xmlns:r="http://schemas.openxmlformats.org/officeDocument/2006/relationships" xmlns:p="http://schemas.openxmlformats.org/presentationml/2006/main">
-  <p:cSld>
-    <p:spTree>
-      <p:nvGrpSpPr>
-        <p:cNvPr id="1" name=""/>
-        <p:cNvGrpSpPr/>
-        <p:nvPr/>
-      </p:nvGrpSpPr>
-      <p:grpSpPr>
-        <a:xfrm>
-          <a:off x="0" y="0"/>
-          <a:ext cx="0" cy="0"/>
-          <a:chOff x="0" y="0"/>
-          <a:chExt cx="0" cy="0"/>
-        </a:xfrm>
-      </p:grpSpPr>
-      <p:sp>
-        <p:nvSpPr>
-          <p:cNvPr id="2" name="Titre 1"/>
-          <p:cNvSpPr>
-            <a:spLocks noGrp="1"/>
-          </p:cNvSpPr>
-          <p:nvPr>
-            <p:ph type="title"/>
-          </p:nvPr>
-        </p:nvSpPr>
-        <p:spPr/>
-        <p:txBody>
-          <a:bodyPr/>
-          <a:lstStyle/>
-          <a:p>
-            <a:r>
-              <a:rPr lang="fr-FR" dirty="0" smtClean="0"/>
-              <a:t>Training Set</a:t>
-            </a:r>
-            <a:endParaRPr lang="fr-FR" dirty="0"/>
-          </a:p>
-        </p:txBody>
-      </p:sp>
-      <p:sp>
-        <p:nvSpPr>
-          <p:cNvPr id="3" name="Espace réservé du contenu 2"/>
-          <p:cNvSpPr>
-            <a:spLocks noGrp="1"/>
-          </p:cNvSpPr>
-          <p:nvPr>
-            <p:ph idx="1"/>
-          </p:nvPr>
-        </p:nvSpPr>
-        <p:spPr/>
-        <p:txBody>
-          <a:bodyPr/>
-          <a:lstStyle/>
-          <a:p>
-            <a:r>
-              <a:rPr lang="en-US" dirty="0" err="1">
-                <a:latin typeface="Courier New" panose="02070309020205020404" pitchFamily="49" charset="0"/>
-                <a:cs typeface="Courier New" panose="02070309020205020404" pitchFamily="49" charset="0"/>
-              </a:rPr>
-              <a:t>xtrain</a:t>
-            </a:r>
-            <a:r>
-              <a:rPr lang="en-US" dirty="0">
-                <a:latin typeface="Courier New" panose="02070309020205020404" pitchFamily="49" charset="0"/>
-                <a:cs typeface="Courier New" panose="02070309020205020404" pitchFamily="49" charset="0"/>
-              </a:rPr>
-              <a:t>, </a:t>
-            </a:r>
-            <a:r>
-              <a:rPr lang="en-US" dirty="0" err="1">
-                <a:latin typeface="Courier New" panose="02070309020205020404" pitchFamily="49" charset="0"/>
-                <a:cs typeface="Courier New" panose="02070309020205020404" pitchFamily="49" charset="0"/>
-              </a:rPr>
-              <a:t>xtest</a:t>
-            </a:r>
-            <a:r>
-              <a:rPr lang="en-US" dirty="0">
-                <a:latin typeface="Courier New" panose="02070309020205020404" pitchFamily="49" charset="0"/>
-                <a:cs typeface="Courier New" panose="02070309020205020404" pitchFamily="49" charset="0"/>
-              </a:rPr>
-              <a:t>, </a:t>
-            </a:r>
-            <a:r>
-              <a:rPr lang="en-US" dirty="0" err="1">
-                <a:latin typeface="Courier New" panose="02070309020205020404" pitchFamily="49" charset="0"/>
-                <a:cs typeface="Courier New" panose="02070309020205020404" pitchFamily="49" charset="0"/>
-              </a:rPr>
-              <a:t>ytrain</a:t>
-            </a:r>
-            <a:r>
-              <a:rPr lang="en-US" dirty="0">
-                <a:latin typeface="Courier New" panose="02070309020205020404" pitchFamily="49" charset="0"/>
-                <a:cs typeface="Courier New" panose="02070309020205020404" pitchFamily="49" charset="0"/>
-              </a:rPr>
-              <a:t>, </a:t>
-            </a:r>
-            <a:r>
-              <a:rPr lang="en-US" dirty="0" err="1">
-                <a:latin typeface="Courier New" panose="02070309020205020404" pitchFamily="49" charset="0"/>
-                <a:cs typeface="Courier New" panose="02070309020205020404" pitchFamily="49" charset="0"/>
-              </a:rPr>
-              <a:t>ytest</a:t>
-            </a:r>
-            <a:r>
-              <a:rPr lang="en-US" dirty="0">
-                <a:latin typeface="Courier New" panose="02070309020205020404" pitchFamily="49" charset="0"/>
-                <a:cs typeface="Courier New" panose="02070309020205020404" pitchFamily="49" charset="0"/>
-              </a:rPr>
-              <a:t> = </a:t>
-            </a:r>
-            <a:r>
-              <a:rPr lang="en-US" dirty="0" err="1">
-                <a:latin typeface="Courier New" panose="02070309020205020404" pitchFamily="49" charset="0"/>
-                <a:cs typeface="Courier New" panose="02070309020205020404" pitchFamily="49" charset="0"/>
-              </a:rPr>
-              <a:t>ms.train_test_split</a:t>
-            </a:r>
-            <a:r>
-              <a:rPr lang="en-US" dirty="0">
-                <a:latin typeface="Courier New" panose="02070309020205020404" pitchFamily="49" charset="0"/>
-                <a:cs typeface="Courier New" panose="02070309020205020404" pitchFamily="49" charset="0"/>
-              </a:rPr>
-              <a:t>(data, target, </a:t>
-            </a:r>
-            <a:r>
-              <a:rPr lang="en-US" dirty="0" err="1">
-                <a:latin typeface="Courier New" panose="02070309020205020404" pitchFamily="49" charset="0"/>
-                <a:cs typeface="Courier New" panose="02070309020205020404" pitchFamily="49" charset="0"/>
-              </a:rPr>
-              <a:t>train_size</a:t>
-            </a:r>
-            <a:r>
-              <a:rPr lang="en-US" dirty="0">
-                <a:latin typeface="Courier New" panose="02070309020205020404" pitchFamily="49" charset="0"/>
-                <a:cs typeface="Courier New" panose="02070309020205020404" pitchFamily="49" charset="0"/>
-              </a:rPr>
-              <a:t>=0.8, </a:t>
-            </a:r>
-            <a:r>
-              <a:rPr lang="en-US" dirty="0" err="1">
-                <a:latin typeface="Courier New" panose="02070309020205020404" pitchFamily="49" charset="0"/>
-                <a:cs typeface="Courier New" panose="02070309020205020404" pitchFamily="49" charset="0"/>
-              </a:rPr>
-              <a:t>test_size</a:t>
-            </a:r>
-            <a:r>
-              <a:rPr lang="en-US" dirty="0">
-                <a:latin typeface="Courier New" panose="02070309020205020404" pitchFamily="49" charset="0"/>
-                <a:cs typeface="Courier New" panose="02070309020205020404" pitchFamily="49" charset="0"/>
-              </a:rPr>
-              <a:t>=0.2)</a:t>
-            </a:r>
-            <a:endParaRPr lang="fr-FR" dirty="0">
-              <a:latin typeface="Courier New" panose="02070309020205020404" pitchFamily="49" charset="0"/>
-              <a:cs typeface="Courier New" panose="02070309020205020404" pitchFamily="49" charset="0"/>
-            </a:endParaRPr>
-          </a:p>
-        </p:txBody>
-      </p:sp>
-    </p:spTree>
-    <p:extLst>
-      <p:ext uri="{BB962C8B-B14F-4D97-AF65-F5344CB8AC3E}">
-        <p14:creationId xmlns:p14="http://schemas.microsoft.com/office/powerpoint/2010/main" val="1656877301"/>
-      </p:ext>
-    </p:extLst>
-  </p:cSld>
-  <p:clrMapOvr>
-    <a:masterClrMapping/>
-  </p:clrMapOvr>
-  <p:timing>
-    <p:tnLst>
-      <p:par>
-        <p:cTn id="1" dur="indefinite" restart="never" nodeType="tmRoot"/>
-      </p:par>
-    </p:tnLst>
-  </p:timing>
-</p:sld>
-</file>
-
-<file path=ppt/slides/slide19.xml><?xml version="1.0" encoding="utf-8"?>
-<p:sld xmlns:a="http://schemas.openxmlformats.org/drawingml/2006/main" xmlns:r="http://schemas.openxmlformats.org/officeDocument/2006/relationships" xmlns:p="http://schemas.openxmlformats.org/presentationml/2006/main">
-  <p:cSld>
-    <p:spTree>
-      <p:nvGrpSpPr>
-        <p:cNvPr id="1" name=""/>
-        <p:cNvGrpSpPr/>
-        <p:nvPr/>
-      </p:nvGrpSpPr>
-      <p:grpSpPr>
-        <a:xfrm>
-          <a:off x="0" y="0"/>
-          <a:ext cx="0" cy="0"/>
-          <a:chOff x="0" y="0"/>
-          <a:chExt cx="0" cy="0"/>
-        </a:xfrm>
-      </p:grpSpPr>
-      <p:sp>
-        <p:nvSpPr>
-          <p:cNvPr id="2" name="Titre 1"/>
-          <p:cNvSpPr>
-            <a:spLocks noGrp="1"/>
-          </p:cNvSpPr>
-          <p:nvPr>
-            <p:ph type="title"/>
-          </p:nvPr>
-        </p:nvSpPr>
-        <p:spPr/>
-        <p:txBody>
-          <a:bodyPr/>
-          <a:lstStyle/>
-          <a:p>
-            <a:r>
-              <a:rPr lang="fr-FR" dirty="0"/>
-              <a:t>Régression non-polynomiale</a:t>
-            </a:r>
-          </a:p>
-        </p:txBody>
-      </p:sp>
-      <p:sp>
-        <p:nvSpPr>
-          <p:cNvPr id="3" name="Espace réservé du contenu 2"/>
-          <p:cNvSpPr>
-            <a:spLocks noGrp="1"/>
-          </p:cNvSpPr>
-          <p:nvPr>
-            <p:ph idx="1"/>
-          </p:nvPr>
-        </p:nvSpPr>
-        <p:spPr/>
-        <p:txBody>
-          <a:bodyPr/>
-          <a:lstStyle/>
-          <a:p>
-            <a:r>
-              <a:rPr lang="fr-FR" dirty="0"/>
-              <a:t>Il est possible d’appliquer n’importe quelle régression</a:t>
-            </a:r>
-          </a:p>
-          <a:p>
-            <a:pPr lvl="1"/>
-            <a:r>
-              <a:rPr lang="fr-FR" dirty="0" smtClean="0"/>
-              <a:t>Uniquement à </a:t>
-            </a:r>
-            <a:r>
-              <a:rPr lang="fr-FR" dirty="0"/>
-              <a:t>partir d’une fonction </a:t>
-            </a:r>
-            <a:r>
-              <a:rPr lang="fr-FR" dirty="0" err="1" smtClean="0"/>
-              <a:t>numpy</a:t>
-            </a:r>
-            <a:endParaRPr lang="fr-FR" dirty="0"/>
-          </a:p>
-          <a:p>
-            <a:r>
-              <a:rPr lang="fr-FR" dirty="0" smtClean="0"/>
-              <a:t>Méthode </a:t>
-            </a:r>
-            <a:r>
-              <a:rPr lang="fr-FR" dirty="0" err="1" smtClean="0"/>
-              <a:t>curve_fit</a:t>
-            </a:r>
-            <a:r>
-              <a:rPr lang="fr-FR" dirty="0" smtClean="0"/>
-              <a:t> de </a:t>
-            </a:r>
-            <a:r>
-              <a:rPr lang="fr-FR" dirty="0" err="1" smtClean="0"/>
-              <a:t>scipy</a:t>
-            </a:r>
-            <a:endParaRPr lang="fr-FR" dirty="0" smtClean="0"/>
-          </a:p>
-          <a:p>
-            <a:endParaRPr lang="fr-FR" dirty="0"/>
-          </a:p>
-        </p:txBody>
-      </p:sp>
-    </p:spTree>
-    <p:extLst>
-      <p:ext uri="{BB962C8B-B14F-4D97-AF65-F5344CB8AC3E}">
-        <p14:creationId xmlns:p14="http://schemas.microsoft.com/office/powerpoint/2010/main" val="1492295483"/>
-      </p:ext>
-    </p:extLst>
-  </p:cSld>
-  <p:clrMapOvr>
-    <a:masterClrMapping/>
-  </p:clrMapOvr>
-  <p:timing>
-    <p:tnLst>
-      <p:par>
-        <p:cTn id="1" dur="indefinite" restart="never" nodeType="tmRoot"/>
-      </p:par>
-    </p:tnLst>
-  </p:timing>
 </p:sld>
 </file>
 
@@ -5558,26 +5077,14 @@
             </a:r>
             <a:r>
               <a:rPr lang="fr-FR" sz="2400" dirty="0"/>
-              <a:t> est devenu une référence dans le monde de l'intelligence </a:t>
-            </a:r>
-            <a:r>
-              <a:rPr lang="fr-FR" sz="2400" dirty="0" smtClean="0"/>
-              <a:t>artificielle</a:t>
+              <a:t> est devenu une référence dans le monde de l'intelligence artificielle</a:t>
             </a:r>
           </a:p>
           <a:p>
             <a:pPr lvl="1"/>
             <a:r>
               <a:rPr lang="fr-FR" sz="2000" dirty="0"/>
-              <a:t>D</a:t>
-            </a:r>
-            <a:r>
-              <a:rPr lang="fr-FR" sz="2000" dirty="0" smtClean="0"/>
-              <a:t>e </a:t>
-            </a:r>
-            <a:r>
-              <a:rPr lang="fr-FR" sz="2000" dirty="0"/>
-              <a:t>Paris à San Francisco en passant par Singapour, la bibliothèque de machine </a:t>
+              <a:t>De Paris à San Francisco en passant par Singapour, la bibliothèque de machine </a:t>
             </a:r>
             <a:r>
               <a:rPr lang="fr-FR" sz="2000" dirty="0" err="1"/>
@@ -5593,35 +5100,31 @@
             </a:r>
             <a:r>
               <a:rPr lang="fr-FR" sz="2000" dirty="0"/>
-              <a:t> compris</a:t>
-            </a:r>
-            <a:r>
-              <a:rPr lang="fr-FR" sz="2000" dirty="0" smtClean="0"/>
-              <a:t>.</a:t>
-            </a:r>
-          </a:p>
-          <a:p>
-            <a:r>
-              <a:rPr lang="fr-FR" sz="2400" dirty="0" err="1" smtClean="0"/>
+              <a:t> compris.</a:t>
+            </a:r>
+          </a:p>
+          <a:p>
+            <a:r>
+              <a:rPr lang="fr-FR" sz="2400" dirty="0" err="1"/>
               <a:t>pip</a:t>
             </a:r>
             <a:r>
-              <a:rPr lang="fr-FR" sz="2400" dirty="0" smtClean="0"/>
+              <a:rPr lang="fr-FR" sz="2400" dirty="0"/>
               <a:t> </a:t>
             </a:r>
             <a:r>
-              <a:rPr lang="fr-FR" sz="2400" dirty="0" err="1" smtClean="0"/>
+              <a:rPr lang="fr-FR" sz="2400" dirty="0" err="1"/>
               <a:t>install</a:t>
             </a:r>
             <a:r>
-              <a:rPr lang="fr-FR" sz="2400" dirty="0" smtClean="0"/>
+              <a:rPr lang="fr-FR" sz="2400" dirty="0"/>
               <a:t> </a:t>
             </a:r>
             <a:r>
-              <a:rPr lang="fr-FR" sz="2400" dirty="0" err="1" smtClean="0"/>
+              <a:rPr lang="fr-FR" sz="2400" dirty="0" err="1"/>
               <a:t>scikit-learn</a:t>
             </a:r>
-            <a:endParaRPr lang="fr-FR" sz="2400" dirty="0" smtClean="0"/>
+            <a:endParaRPr lang="fr-FR" sz="2400" dirty="0"/>
           </a:p>
           <a:p>
             <a:pPr lvl="1"/>
@@ -5687,13 +5190,6 @@
   <p:clrMapOvr>
     <a:masterClrMapping/>
   </p:clrMapOvr>
-  <p:timing>
-    <p:tnLst>
-      <p:par>
-        <p:cTn id="1" dur="indefinite" restart="never" nodeType="tmRoot"/>
-      </p:par>
-    </p:tnLst>
-  </p:timing>
 </p:sld>
 </file>
 
@@ -5749,75 +5245,75 @@
           <a:lstStyle/>
           <a:p>
             <a:r>
-              <a:rPr lang="fr-FR" dirty="0" err="1" smtClean="0"/>
+              <a:rPr lang="fr-FR" dirty="0" err="1"/>
               <a:t>Scikit-learn</a:t>
             </a:r>
             <a:r>
-              <a:rPr lang="fr-FR" dirty="0" smtClean="0"/>
+              <a:rPr lang="fr-FR" dirty="0"/>
               <a:t> est le package de machine </a:t>
             </a:r>
             <a:r>
-              <a:rPr lang="fr-FR" dirty="0" err="1" smtClean="0"/>
+              <a:rPr lang="fr-FR" dirty="0" err="1"/>
               <a:t>learning</a:t>
             </a:r>
             <a:r>
-              <a:rPr lang="fr-FR" dirty="0" smtClean="0"/>
+              <a:rPr lang="fr-FR" dirty="0"/>
               <a:t> Python</a:t>
             </a:r>
           </a:p>
           <a:p>
             <a:pPr lvl="1"/>
             <a:r>
-              <a:rPr lang="fr-FR" dirty="0" smtClean="0"/>
+              <a:rPr lang="fr-FR" dirty="0"/>
               <a:t>Catégorisation</a:t>
             </a:r>
           </a:p>
           <a:p>
             <a:pPr lvl="1"/>
             <a:r>
-              <a:rPr lang="fr-FR" dirty="0" smtClean="0"/>
+              <a:rPr lang="fr-FR" dirty="0"/>
               <a:t>Régression</a:t>
             </a:r>
           </a:p>
           <a:p>
             <a:pPr lvl="1"/>
             <a:r>
-              <a:rPr lang="fr-FR" dirty="0" err="1" smtClean="0"/>
+              <a:rPr lang="fr-FR" dirty="0" err="1"/>
               <a:t>Clusterisation</a:t>
             </a:r>
             <a:r>
-              <a:rPr lang="fr-FR" dirty="0" smtClean="0"/>
+              <a:rPr lang="fr-FR" dirty="0"/>
               <a:t> (regroupement)</a:t>
             </a:r>
           </a:p>
           <a:p>
             <a:pPr lvl="1"/>
             <a:r>
-              <a:rPr lang="fr-FR" dirty="0" smtClean="0"/>
+              <a:rPr lang="fr-FR" dirty="0"/>
               <a:t>Réduction de dimension</a:t>
             </a:r>
           </a:p>
           <a:p>
             <a:pPr lvl="1"/>
             <a:r>
-              <a:rPr lang="fr-FR" dirty="0" smtClean="0"/>
+              <a:rPr lang="fr-FR" dirty="0"/>
               <a:t>Sélection de modèle</a:t>
             </a:r>
           </a:p>
           <a:p>
             <a:pPr lvl="1"/>
             <a:r>
-              <a:rPr lang="fr-FR" dirty="0" err="1" smtClean="0"/>
+              <a:rPr lang="fr-FR" dirty="0" err="1"/>
               <a:t>Preprocessing</a:t>
             </a:r>
             <a:r>
-              <a:rPr lang="fr-FR" dirty="0" smtClean="0"/>
+              <a:rPr lang="fr-FR" dirty="0"/>
               <a:t> (Filtrage, Randomisation)</a:t>
             </a:r>
           </a:p>
           <a:p>
             <a:pPr lvl="1"/>
-            <a:endParaRPr lang="fr-FR" dirty="0" smtClean="0"/>
+            <a:endParaRPr lang="fr-FR" dirty="0"/>
           </a:p>
           <a:p>
             <a:pPr lvl="1"/>
@@ -5900,13 +5396,6 @@
   <p:clrMapOvr>
     <a:masterClrMapping/>
   </p:clrMapOvr>
-  <p:timing>
-    <p:tnLst>
-      <p:par>
-        <p:cTn id="1" dur="indefinite" restart="never" nodeType="tmRoot"/>
-      </p:par>
-    </p:tnLst>
-  </p:timing>
 </p:sld>
 </file>
 
@@ -5943,10 +5432,9 @@
           <a:lstStyle/>
           <a:p>
             <a:r>
-              <a:rPr lang="fr-FR" dirty="0" smtClean="0"/>
+              <a:rPr lang="fr-FR" dirty="0"/>
               <a:t>Régression</a:t>
             </a:r>
-            <a:endParaRPr lang="fr-FR" dirty="0"/>
           </a:p>
         </p:txBody>
       </p:sp>
@@ -5966,85 +5454,84 @@
           <a:lstStyle/>
           <a:p>
             <a:r>
-              <a:rPr lang="fr-FR" dirty="0" smtClean="0"/>
+              <a:rPr lang="fr-FR" dirty="0"/>
               <a:t>Commençons par la régression linéaire</a:t>
             </a:r>
+          </a:p>
+          <a:p>
+            <a:r>
+              <a:rPr lang="fr-FR" dirty="0"/>
+              <a:t>Import </a:t>
+            </a:r>
+            <a:r>
+              <a:rPr lang="fr-FR" dirty="0" err="1"/>
+              <a:t>sklearn.linearmodel</a:t>
+            </a:r>
             <a:endParaRPr lang="fr-FR" dirty="0"/>
           </a:p>
           <a:p>
-            <a:r>
-              <a:rPr lang="fr-FR" dirty="0" smtClean="0"/>
-              <a:t>Import </a:t>
-            </a:r>
-            <a:r>
-              <a:rPr lang="fr-FR" dirty="0" err="1" smtClean="0"/>
-              <a:t>sklearn.linearmodel</a:t>
-            </a:r>
-            <a:endParaRPr lang="fr-FR" dirty="0" smtClean="0"/>
-          </a:p>
-          <a:p>
             <a:pPr lvl="1"/>
             <a:r>
-              <a:rPr lang="fr-FR" dirty="0" smtClean="0"/>
+              <a:rPr lang="fr-FR" dirty="0"/>
               <a:t>Minimisation de l’erreur </a:t>
             </a:r>
             <a:r>
-              <a:rPr lang="fr-FR" dirty="0" err="1" smtClean="0"/>
+              <a:rPr lang="fr-FR" dirty="0" err="1"/>
               <a:t>quadritique</a:t>
             </a:r>
-            <a:endParaRPr lang="fr-FR" dirty="0" smtClean="0"/>
-          </a:p>
-          <a:p>
-            <a:r>
-              <a:rPr lang="fr-FR" dirty="0" smtClean="0"/>
+            <a:endParaRPr lang="fr-FR" dirty="0"/>
+          </a:p>
+          <a:p>
+            <a:r>
+              <a:rPr lang="fr-FR" dirty="0"/>
               <a:t>Classe </a:t>
             </a:r>
             <a:r>
-              <a:rPr lang="fr-FR" dirty="0" err="1" smtClean="0"/>
+              <a:rPr lang="fr-FR" dirty="0" err="1"/>
               <a:t>LinearRegression</a:t>
             </a:r>
-            <a:endParaRPr lang="fr-FR" dirty="0" smtClean="0"/>
-          </a:p>
-          <a:p>
-            <a:r>
-              <a:rPr lang="fr-FR" dirty="0" smtClean="0"/>
+            <a:endParaRPr lang="fr-FR" dirty="0"/>
+          </a:p>
+          <a:p>
+            <a:r>
+              <a:rPr lang="fr-FR" dirty="0"/>
               <a:t>Fit()</a:t>
             </a:r>
           </a:p>
           <a:p>
             <a:pPr lvl="1"/>
             <a:r>
-              <a:rPr lang="fr-FR" dirty="0" smtClean="0"/>
+              <a:rPr lang="fr-FR" dirty="0"/>
               <a:t>Va démarrer l’apprentissage</a:t>
             </a:r>
           </a:p>
           <a:p>
             <a:r>
-              <a:rPr lang="fr-FR" dirty="0" err="1" smtClean="0"/>
+              <a:rPr lang="fr-FR" dirty="0" err="1"/>
               <a:t>Predict</a:t>
             </a:r>
             <a:r>
-              <a:rPr lang="fr-FR" dirty="0" smtClean="0"/>
+              <a:rPr lang="fr-FR" dirty="0"/>
               <a:t>()</a:t>
             </a:r>
           </a:p>
           <a:p>
             <a:pPr lvl="1"/>
             <a:r>
-              <a:rPr lang="fr-FR" dirty="0" smtClean="0"/>
+              <a:rPr lang="fr-FR" dirty="0"/>
               <a:t>Joue le modèle</a:t>
             </a:r>
           </a:p>
           <a:p>
             <a:r>
-              <a:rPr lang="fr-FR" dirty="0" smtClean="0"/>
+              <a:rPr lang="fr-FR" dirty="0"/>
               <a:t>Résultats identiques à </a:t>
             </a:r>
             <a:r>
-              <a:rPr lang="fr-FR" dirty="0" err="1" smtClean="0"/>
+              <a:rPr lang="fr-FR" dirty="0" err="1"/>
               <a:t>SciPy</a:t>
             </a:r>
-            <a:endParaRPr lang="fr-FR" dirty="0" smtClean="0"/>
+            <a:endParaRPr lang="fr-FR" dirty="0"/>
           </a:p>
         </p:txBody>
       </p:sp>
@@ -6058,13 +5545,6 @@
   <p:clrMapOvr>
     <a:masterClrMapping/>
   </p:clrMapOvr>
-  <p:timing>
-    <p:tnLst>
-      <p:par>
-        <p:cTn id="1" dur="indefinite" restart="never" nodeType="tmRoot"/>
-      </p:par>
-    </p:tnLst>
-  </p:timing>
 </p:sld>
 </file>
 
@@ -6101,10 +5581,9 @@
           <a:lstStyle/>
           <a:p>
             <a:r>
-              <a:rPr lang="fr-FR" dirty="0" smtClean="0"/>
+              <a:rPr lang="fr-FR" dirty="0"/>
               <a:t>Régression</a:t>
             </a:r>
-            <a:endParaRPr lang="fr-FR" dirty="0"/>
           </a:p>
         </p:txBody>
       </p:sp>
@@ -6159,13 +5638,6 @@
   <p:clrMapOvr>
     <a:masterClrMapping/>
   </p:clrMapOvr>
-  <p:timing>
-    <p:tnLst>
-      <p:par>
-        <p:cTn id="1" dur="indefinite" restart="never" nodeType="tmRoot"/>
-      </p:par>
-    </p:tnLst>
-  </p:timing>
 </p:sld>
 </file>
 
@@ -6202,7 +5674,7 @@
           <a:lstStyle/>
           <a:p>
             <a:r>
-              <a:rPr lang="fr-FR" dirty="0" err="1" smtClean="0"/>
+              <a:rPr lang="fr-FR" dirty="0" err="1"/>
               <a:t>Dataset</a:t>
             </a:r>
             <a:endParaRPr lang="fr-FR" dirty="0"/>
@@ -6225,37 +5697,33 @@
           <a:lstStyle/>
           <a:p>
             <a:r>
-              <a:rPr lang="fr-FR" dirty="0" smtClean="0"/>
+              <a:rPr lang="fr-FR" dirty="0"/>
               <a:t>X représente le </a:t>
             </a:r>
             <a:r>
-              <a:rPr lang="fr-FR" dirty="0" err="1" smtClean="0"/>
+              <a:rPr lang="fr-FR" dirty="0" err="1"/>
               <a:t>Dataset</a:t>
             </a:r>
-            <a:endParaRPr lang="fr-FR" dirty="0" smtClean="0"/>
+            <a:endParaRPr lang="fr-FR" dirty="0"/>
           </a:p>
           <a:p>
             <a:pPr lvl="1"/>
             <a:r>
-              <a:rPr lang="fr-FR" dirty="0" smtClean="0"/>
+              <a:rPr lang="fr-FR" dirty="0"/>
               <a:t>S’exprime en majuscule car il s’agit d’une matrice</a:t>
             </a:r>
           </a:p>
           <a:p>
             <a:pPr lvl="1"/>
             <a:r>
-              <a:rPr lang="fr-FR" dirty="0" smtClean="0"/>
+              <a:rPr lang="fr-FR" dirty="0"/>
               <a:t>1 dimension = 1 variable</a:t>
             </a:r>
           </a:p>
           <a:p>
             <a:r>
               <a:rPr lang="fr-FR" dirty="0"/>
-              <a:t>y</a:t>
-            </a:r>
-            <a:r>
-              <a:rPr lang="fr-FR" dirty="0" smtClean="0"/>
-              <a:t> représente le résultat</a:t>
+              <a:t>y représente le résultat</a:t>
             </a:r>
           </a:p>
         </p:txBody>
@@ -6270,13 +5738,6 @@
   <p:clrMapOvr>
     <a:masterClrMapping/>
   </p:clrMapOvr>
-  <p:timing>
-    <p:tnLst>
-      <p:par>
-        <p:cTn id="1" dur="indefinite" restart="never" nodeType="tmRoot"/>
-      </p:par>
-    </p:tnLst>
-  </p:timing>
 </p:sld>
 </file>
 
@@ -6313,10 +5774,9 @@
           <a:lstStyle/>
           <a:p>
             <a:r>
-              <a:rPr lang="fr-FR" dirty="0" smtClean="0"/>
+              <a:rPr lang="fr-FR" dirty="0"/>
               <a:t>Régression polynomiale</a:t>
             </a:r>
-            <a:endParaRPr lang="fr-FR" dirty="0"/>
           </a:p>
         </p:txBody>
       </p:sp>
@@ -6336,14 +5796,13 @@
           <a:lstStyle/>
           <a:p>
             <a:r>
-              <a:rPr lang="fr-FR" dirty="0" err="1" smtClean="0"/>
+              <a:rPr lang="fr-FR" dirty="0" err="1"/>
               <a:t>Sklearn</a:t>
             </a:r>
             <a:r>
-              <a:rPr lang="fr-FR" dirty="0" smtClean="0"/>
+              <a:rPr lang="fr-FR" dirty="0"/>
               <a:t> effectue des régressions polynomiale</a:t>
             </a:r>
-            <a:endParaRPr lang="fr-FR" dirty="0"/>
           </a:p>
         </p:txBody>
       </p:sp>
@@ -6398,13 +5857,6 @@
   <p:clrMapOvr>
     <a:masterClrMapping/>
   </p:clrMapOvr>
-  <p:timing>
-    <p:tnLst>
-      <p:par>
-        <p:cTn id="1" dur="indefinite" restart="never" nodeType="tmRoot"/>
-      </p:par>
-    </p:tnLst>
-  </p:timing>
 </p:sld>
 </file>
 
@@ -6441,7 +5893,7 @@
           <a:lstStyle/>
           <a:p>
             <a:r>
-              <a:rPr lang="fr-FR" dirty="0" err="1" smtClean="0"/>
+              <a:rPr lang="fr-FR" dirty="0" err="1"/>
               <a:t>PreProcessing</a:t>
             </a:r>
             <a:endParaRPr lang="fr-FR" dirty="0"/>
@@ -6464,25 +5916,25 @@
           <a:lstStyle/>
           <a:p>
             <a:r>
-              <a:rPr lang="fr-FR" dirty="0" err="1" smtClean="0"/>
+              <a:rPr lang="fr-FR" dirty="0" err="1"/>
               <a:t>Preprocessing</a:t>
             </a:r>
             <a:r>
-              <a:rPr lang="fr-FR" dirty="0" smtClean="0"/>
+              <a:rPr lang="fr-FR" dirty="0"/>
               <a:t> contient des </a:t>
             </a:r>
             <a:r>
-              <a:rPr lang="fr-FR" dirty="0" err="1" smtClean="0"/>
+              <a:rPr lang="fr-FR" dirty="0" err="1"/>
               <a:t>Features</a:t>
             </a:r>
             <a:r>
-              <a:rPr lang="fr-FR" dirty="0" smtClean="0"/>
+              <a:rPr lang="fr-FR" dirty="0"/>
               <a:t> qui sont des algorithmes de modèles pré-calculés</a:t>
             </a:r>
           </a:p>
           <a:p>
             <a:r>
-              <a:rPr lang="fr-FR" dirty="0" smtClean="0"/>
+              <a:rPr lang="fr-FR" dirty="0"/>
               <a:t>Il en existe des centaines</a:t>
             </a:r>
           </a:p>
@@ -6497,11 +5949,7 @@
             </a:r>
             <a:r>
               <a:rPr lang="fr-FR" dirty="0"/>
-              <a:t> as </a:t>
-            </a:r>
-            <a:r>
-              <a:rPr lang="fr-FR" dirty="0" smtClean="0"/>
-              <a:t>pp</a:t>
+              <a:t> as pp</a:t>
             </a:r>
           </a:p>
           <a:p>
@@ -6513,7 +5961,6 @@
               <a:rPr lang="fr-FR" dirty="0"/>
               <a:t>(2)</a:t>
             </a:r>
-            <a:endParaRPr lang="fr-FR" dirty="0" smtClean="0"/>
           </a:p>
           <a:p>
             <a:endParaRPr lang="fr-FR" dirty="0"/>
@@ -6530,13 +5977,6 @@
   <p:clrMapOvr>
     <a:masterClrMapping/>
   </p:clrMapOvr>
-  <p:timing>
-    <p:tnLst>
-      <p:par>
-        <p:cTn id="1" dur="indefinite" restart="never" nodeType="tmRoot"/>
-      </p:par>
-    </p:tnLst>
-  </p:timing>
 </p:sld>
 </file>
 
@@ -6573,10 +6013,9 @@
           <a:lstStyle/>
           <a:p>
             <a:r>
-              <a:rPr lang="fr-FR" dirty="0" smtClean="0"/>
+              <a:rPr lang="fr-FR" dirty="0"/>
               <a:t>Pipeline</a:t>
             </a:r>
-            <a:endParaRPr lang="fr-FR" dirty="0"/>
           </a:p>
         </p:txBody>
       </p:sp>
@@ -6596,15 +6035,15 @@
           <a:lstStyle/>
           <a:p>
             <a:r>
-              <a:rPr lang="fr-FR" dirty="0" smtClean="0"/>
+              <a:rPr lang="fr-FR" dirty="0"/>
               <a:t>Pipeline permet de créer des modèles avec des </a:t>
             </a:r>
             <a:r>
-              <a:rPr lang="fr-FR" dirty="0" err="1" smtClean="0"/>
+              <a:rPr lang="fr-FR" dirty="0" err="1"/>
               <a:t>features</a:t>
             </a:r>
             <a:r>
-              <a:rPr lang="fr-FR" dirty="0" smtClean="0"/>
+              <a:rPr lang="fr-FR" dirty="0"/>
               <a:t> et des calculs d’erreurs paramétrables</a:t>
             </a:r>
           </a:p>
@@ -6619,47 +6058,39 @@
             </a:r>
             <a:r>
               <a:rPr lang="fr-FR" dirty="0"/>
-              <a:t> as </a:t>
-            </a:r>
-            <a:r>
-              <a:rPr lang="fr-FR" dirty="0" smtClean="0"/>
-              <a:t>pipe</a:t>
-            </a:r>
-          </a:p>
-          <a:p>
-            <a:r>
-              <a:rPr lang="fr-FR" dirty="0" err="1" smtClean="0"/>
+              <a:t> as pipe</a:t>
+            </a:r>
+          </a:p>
+          <a:p>
+            <a:r>
+              <a:rPr lang="fr-FR" dirty="0" err="1"/>
               <a:t>pipe.make_pipeline</a:t>
             </a:r>
             <a:r>
-              <a:rPr lang="fr-FR" dirty="0" smtClean="0"/>
+              <a:rPr lang="fr-FR" dirty="0"/>
               <a:t>(</a:t>
             </a:r>
             <a:r>
-              <a:rPr lang="fr-FR" dirty="0" err="1" smtClean="0"/>
+              <a:rPr lang="fr-FR" dirty="0" err="1"/>
               <a:t>pp.PolynomialFeatures</a:t>
             </a:r>
             <a:r>
-              <a:rPr lang="fr-FR" dirty="0" smtClean="0"/>
-              <a:t>(2</a:t>
-            </a:r>
-            <a:r>
-              <a:rPr lang="fr-FR" dirty="0"/>
-              <a:t>), </a:t>
+              <a:rPr lang="fr-FR" dirty="0"/>
+              <a:t>(2), </a:t>
             </a:r>
             <a:r>
               <a:rPr lang="fr-FR" dirty="0" err="1"/>
               <a:t>sklm.Ridge</a:t>
             </a:r>
             <a:r>
-              <a:rPr lang="fr-FR" dirty="0" smtClean="0"/>
+              <a:rPr lang="fr-FR" dirty="0"/>
               <a:t>())</a:t>
             </a:r>
           </a:p>
           <a:p>
             <a:pPr lvl="1"/>
             <a:r>
-              <a:rPr lang="fr-FR" dirty="0" smtClean="0"/>
+              <a:rPr lang="fr-FR" dirty="0"/>
               <a:t>Ridge est l’algorithme de calcul de l’erreur quadratique</a:t>
             </a:r>
           </a:p>
@@ -6690,11 +6121,11 @@
               <a:t>sklm.Ridge</a:t>
             </a:r>
             <a:r>
-              <a:rPr lang="fr-FR" dirty="0" smtClean="0"/>
+              <a:rPr lang="fr-FR" dirty="0"/>
               <a:t>()) # est identique à </a:t>
             </a:r>
             <a:r>
-              <a:rPr lang="fr-FR" dirty="0" err="1" smtClean="0"/>
+              <a:rPr lang="fr-FR" dirty="0" err="1"/>
               <a:t>LinearRegression</a:t>
             </a:r>
             <a:endParaRPr lang="fr-FR" dirty="0"/>
@@ -6711,13 +6142,6 @@
   <p:clrMapOvr>
     <a:masterClrMapping/>
   </p:clrMapOvr>
-  <p:timing>
-    <p:tnLst>
-      <p:par>
-        <p:cTn id="1" dur="indefinite" restart="never" nodeType="tmRoot"/>
-      </p:par>
-    </p:tnLst>
-  </p:timing>
 </p:sld>
 </file>
 

--- a/PPT/MachineLearning13-ScikitLearn.pptx
+++ b/PPT/MachineLearning13-ScikitLearn.pptx
@@ -3775,6 +3775,13 @@
   <p:clrMapOvr>
     <a:masterClrMapping/>
   </p:clrMapOvr>
+  <p:timing>
+    <p:tnLst>
+      <p:par>
+        <p:cTn id="1" dur="indefinite" restart="never" nodeType="tmRoot"/>
+      </p:par>
+    </p:tnLst>
+  </p:timing>
 </p:sld>
 </file>
 
@@ -3933,6 +3940,13 @@
   <p:clrMapOvr>
     <a:masterClrMapping/>
   </p:clrMapOvr>
+  <p:timing>
+    <p:tnLst>
+      <p:par>
+        <p:cTn id="1" dur="indefinite" restart="never" nodeType="tmRoot"/>
+      </p:par>
+    </p:tnLst>
+  </p:timing>
 </p:sld>
 </file>
 
@@ -4093,6 +4107,13 @@
   <p:clrMapOvr>
     <a:masterClrMapping/>
   </p:clrMapOvr>
+  <p:timing>
+    <p:tnLst>
+      <p:par>
+        <p:cTn id="1" dur="indefinite" restart="never" nodeType="tmRoot"/>
+      </p:par>
+    </p:tnLst>
+  </p:timing>
 </p:sld>
 </file>
 
@@ -4224,6 +4245,13 @@
   <p:clrMapOvr>
     <a:masterClrMapping/>
   </p:clrMapOvr>
+  <p:timing>
+    <p:tnLst>
+      <p:par>
+        <p:cTn id="1" dur="indefinite" restart="never" nodeType="tmRoot"/>
+      </p:par>
+    </p:tnLst>
+  </p:timing>
 </p:sld>
 </file>
 
@@ -4356,6 +4384,13 @@
   <p:clrMapOvr>
     <a:masterClrMapping/>
   </p:clrMapOvr>
+  <p:timing>
+    <p:tnLst>
+      <p:par>
+        <p:cTn id="1" dur="indefinite" restart="never" nodeType="tmRoot"/>
+      </p:par>
+    </p:tnLst>
+  </p:timing>
 </p:sld>
 </file>
 
@@ -4457,6 +4492,13 @@
   <p:clrMapOvr>
     <a:masterClrMapping/>
   </p:clrMapOvr>
+  <p:timing>
+    <p:tnLst>
+      <p:par>
+        <p:cTn id="1" dur="indefinite" restart="never" nodeType="tmRoot"/>
+      </p:par>
+    </p:tnLst>
+  </p:timing>
 </p:sld>
 </file>
 
@@ -4633,6 +4675,13 @@
   <p:clrMapOvr>
     <a:masterClrMapping/>
   </p:clrMapOvr>
+  <p:timing>
+    <p:tnLst>
+      <p:par>
+        <p:cTn id="1" dur="indefinite" restart="never" nodeType="tmRoot"/>
+      </p:par>
+    </p:tnLst>
+  </p:timing>
 </p:sld>
 </file>
 
@@ -4787,6 +4836,13 @@
   <p:clrMapOvr>
     <a:masterClrMapping/>
   </p:clrMapOvr>
+  <p:timing>
+    <p:tnLst>
+      <p:par>
+        <p:cTn id="1" dur="indefinite" restart="never" nodeType="tmRoot"/>
+      </p:par>
+    </p:tnLst>
+  </p:timing>
 </p:sld>
 </file>
 
@@ -5000,6 +5056,13 @@
   <p:clrMapOvr>
     <a:masterClrMapping/>
   </p:clrMapOvr>
+  <p:timing>
+    <p:tnLst>
+      <p:par>
+        <p:cTn id="1" dur="indefinite" restart="never" nodeType="tmRoot"/>
+      </p:par>
+    </p:tnLst>
+  </p:timing>
 </p:sld>
 </file>
 
@@ -5190,6 +5253,13 @@
   <p:clrMapOvr>
     <a:masterClrMapping/>
   </p:clrMapOvr>
+  <p:timing>
+    <p:tnLst>
+      <p:par>
+        <p:cTn id="1" dur="indefinite" restart="never" nodeType="tmRoot"/>
+      </p:par>
+    </p:tnLst>
+  </p:timing>
 </p:sld>
 </file>
 
@@ -5396,6 +5466,13 @@
   <p:clrMapOvr>
     <a:masterClrMapping/>
   </p:clrMapOvr>
+  <p:timing>
+    <p:tnLst>
+      <p:par>
+        <p:cTn id="1" dur="indefinite" restart="never" nodeType="tmRoot"/>
+      </p:par>
+    </p:tnLst>
+  </p:timing>
 </p:sld>
 </file>
 
@@ -5545,6 +5622,13 @@
   <p:clrMapOvr>
     <a:masterClrMapping/>
   </p:clrMapOvr>
+  <p:timing>
+    <p:tnLst>
+      <p:par>
+        <p:cTn id="1" dur="indefinite" restart="never" nodeType="tmRoot"/>
+      </p:par>
+    </p:tnLst>
+  </p:timing>
 </p:sld>
 </file>
 
@@ -5638,6 +5722,13 @@
   <p:clrMapOvr>
     <a:masterClrMapping/>
   </p:clrMapOvr>
+  <p:timing>
+    <p:tnLst>
+      <p:par>
+        <p:cTn id="1" dur="indefinite" restart="never" nodeType="tmRoot"/>
+      </p:par>
+    </p:tnLst>
+  </p:timing>
 </p:sld>
 </file>
 
@@ -5738,6 +5829,13 @@
   <p:clrMapOvr>
     <a:masterClrMapping/>
   </p:clrMapOvr>
+  <p:timing>
+    <p:tnLst>
+      <p:par>
+        <p:cTn id="1" dur="indefinite" restart="never" nodeType="tmRoot"/>
+      </p:par>
+    </p:tnLst>
+  </p:timing>
 </p:sld>
 </file>
 
@@ -5857,6 +5955,13 @@
   <p:clrMapOvr>
     <a:masterClrMapping/>
   </p:clrMapOvr>
+  <p:timing>
+    <p:tnLst>
+      <p:par>
+        <p:cTn id="1" dur="indefinite" restart="never" nodeType="tmRoot"/>
+      </p:par>
+    </p:tnLst>
+  </p:timing>
 </p:sld>
 </file>
 
@@ -5977,6 +6082,13 @@
   <p:clrMapOvr>
     <a:masterClrMapping/>
   </p:clrMapOvr>
+  <p:timing>
+    <p:tnLst>
+      <p:par>
+        <p:cTn id="1" dur="indefinite" restart="never" nodeType="tmRoot"/>
+      </p:par>
+    </p:tnLst>
+  </p:timing>
 </p:sld>
 </file>
 
@@ -6101,20 +6213,24 @@
               <a:t>model = </a:t>
             </a:r>
             <a:r>
-              <a:rPr lang="fr-FR" dirty="0" err="1"/>
-              <a:t>pp.make_pipeline</a:t>
-            </a:r>
-            <a:r>
-              <a:rPr lang="fr-FR" dirty="0"/>
+              <a:rPr lang="fr-FR" dirty="0" err="1" smtClean="0"/>
+              <a:t>pipe.make_pipeline</a:t>
+            </a:r>
+            <a:r>
+              <a:rPr lang="fr-FR" dirty="0" smtClean="0"/>
               <a:t>(</a:t>
             </a:r>
             <a:r>
-              <a:rPr lang="fr-FR" dirty="0" err="1"/>
-              <a:t>pipe.PolynomialFeatures</a:t>
-            </a:r>
-            <a:r>
-              <a:rPr lang="fr-FR" dirty="0"/>
-              <a:t>(1), </a:t>
+              <a:rPr lang="fr-FR" dirty="0" err="1" smtClean="0"/>
+              <a:t>pp.PolynomialFeatures</a:t>
+            </a:r>
+            <a:r>
+              <a:rPr lang="fr-FR" dirty="0" smtClean="0"/>
+              <a:t>(1</a:t>
+            </a:r>
+            <a:r>
+              <a:rPr lang="fr-FR" dirty="0"/>
+              <a:t>), </a:t>
             </a:r>
             <a:r>
               <a:rPr lang="fr-FR" dirty="0" err="1"/>
@@ -6142,6 +6258,13 @@
   <p:clrMapOvr>
     <a:masterClrMapping/>
   </p:clrMapOvr>
+  <p:timing>
+    <p:tnLst>
+      <p:par>
+        <p:cTn id="1" dur="indefinite" restart="never" nodeType="tmRoot"/>
+      </p:par>
+    </p:tnLst>
+  </p:timing>
 </p:sld>
 </file>
 

--- a/PPT/MachineLearning13-ScikitLearn.pptx
+++ b/PPT/MachineLearning13-ScikitLearn.pptx
@@ -5,10 +5,10 @@
     <p:sldMasterId id="2147483653" r:id="rId1"/>
   </p:sldMasterIdLst>
   <p:notesMasterIdLst>
-    <p:notesMasterId r:id="rId19"/>
+    <p:notesMasterId r:id="rId17"/>
   </p:notesMasterIdLst>
   <p:handoutMasterIdLst>
-    <p:handoutMasterId r:id="rId20"/>
+    <p:handoutMasterId r:id="rId18"/>
   </p:handoutMasterIdLst>
   <p:sldIdLst>
     <p:sldId id="264" r:id="rId2"/>
@@ -26,8 +26,6 @@
     <p:sldId id="289" r:id="rId14"/>
     <p:sldId id="290" r:id="rId15"/>
     <p:sldId id="291" r:id="rId16"/>
-    <p:sldId id="292" r:id="rId17"/>
-    <p:sldId id="293" r:id="rId18"/>
   </p:sldIdLst>
   <p:sldSz cx="9144000" cy="6858000" type="screen4x3"/>
   <p:notesSz cx="6648450" cy="9782175"/>
@@ -4669,387 +4667,6 @@
     <p:extLst>
       <p:ext uri="{BB962C8B-B14F-4D97-AF65-F5344CB8AC3E}">
         <p14:creationId xmlns:p14="http://schemas.microsoft.com/office/powerpoint/2010/main" val="3886577066"/>
-      </p:ext>
-    </p:extLst>
-  </p:cSld>
-  <p:clrMapOvr>
-    <a:masterClrMapping/>
-  </p:clrMapOvr>
-  <p:timing>
-    <p:tnLst>
-      <p:par>
-        <p:cTn id="1" dur="indefinite" restart="never" nodeType="tmRoot"/>
-      </p:par>
-    </p:tnLst>
-  </p:timing>
-</p:sld>
-</file>
-
-<file path=ppt/slides/slide16.xml><?xml version="1.0" encoding="utf-8"?>
-<p:sld xmlns:a="http://schemas.openxmlformats.org/drawingml/2006/main" xmlns:r="http://schemas.openxmlformats.org/officeDocument/2006/relationships" xmlns:p="http://schemas.openxmlformats.org/presentationml/2006/main">
-  <p:cSld>
-    <p:spTree>
-      <p:nvGrpSpPr>
-        <p:cNvPr id="1" name=""/>
-        <p:cNvGrpSpPr/>
-        <p:nvPr/>
-      </p:nvGrpSpPr>
-      <p:grpSpPr>
-        <a:xfrm>
-          <a:off x="0" y="0"/>
-          <a:ext cx="0" cy="0"/>
-          <a:chOff x="0" y="0"/>
-          <a:chExt cx="0" cy="0"/>
-        </a:xfrm>
-      </p:grpSpPr>
-      <p:sp>
-        <p:nvSpPr>
-          <p:cNvPr id="2" name="Titre 1"/>
-          <p:cNvSpPr>
-            <a:spLocks noGrp="1"/>
-          </p:cNvSpPr>
-          <p:nvPr>
-            <p:ph type="title"/>
-          </p:nvPr>
-        </p:nvSpPr>
-        <p:spPr/>
-        <p:txBody>
-          <a:bodyPr/>
-          <a:lstStyle/>
-          <a:p>
-            <a:r>
-              <a:rPr lang="fr-FR" dirty="0"/>
-              <a:t>Interprétation du résultat</a:t>
-            </a:r>
-          </a:p>
-        </p:txBody>
-      </p:sp>
-      <p:sp>
-        <p:nvSpPr>
-          <p:cNvPr id="3" name="Espace réservé du contenu 2"/>
-          <p:cNvSpPr>
-            <a:spLocks noGrp="1"/>
-          </p:cNvSpPr>
-          <p:nvPr>
-            <p:ph idx="1"/>
-          </p:nvPr>
-        </p:nvSpPr>
-        <p:spPr/>
-        <p:txBody>
-          <a:bodyPr/>
-          <a:lstStyle/>
-          <a:p>
-            <a:r>
-              <a:rPr lang="fr-FR" dirty="0"/>
-              <a:t>Evidement en ayant moins de données le résultat sur le training set sera un peu moins bon</a:t>
-            </a:r>
-          </a:p>
-          <a:p>
-            <a:r>
-              <a:rPr lang="fr-FR" dirty="0"/>
-              <a:t>Mais il faut rejouer la régression sur les </a:t>
-            </a:r>
-            <a:r>
-              <a:rPr lang="fr-FR" dirty="0" err="1"/>
-              <a:t>testing</a:t>
-            </a:r>
-            <a:r>
-              <a:rPr lang="fr-FR" dirty="0"/>
-              <a:t> set</a:t>
-            </a:r>
-          </a:p>
-          <a:p>
-            <a:pPr lvl="1"/>
-            <a:r>
-              <a:rPr lang="fr-FR" dirty="0"/>
-              <a:t>Il peut être nécessaire de rejouer le modèle plusieurs fois pour arriver à un résultat satisfaisant</a:t>
-            </a:r>
-          </a:p>
-          <a:p>
-            <a:pPr lvl="1"/>
-            <a:r>
-              <a:rPr lang="fr-FR" dirty="0"/>
-              <a:t>Training vs test</a:t>
-            </a:r>
-          </a:p>
-          <a:p>
-            <a:pPr lvl="1"/>
-            <a:endParaRPr lang="fr-FR" dirty="0"/>
-          </a:p>
-        </p:txBody>
-      </p:sp>
-      <p:pic>
-        <p:nvPicPr>
-          <p:cNvPr id="4" name="Image 3"/>
-          <p:cNvPicPr>
-            <a:picLocks noChangeAspect="1"/>
-          </p:cNvPicPr>
-          <p:nvPr/>
-        </p:nvPicPr>
-        <p:blipFill>
-          <a:blip r:embed="rId2"/>
-          <a:stretch>
-            <a:fillRect/>
-          </a:stretch>
-        </p:blipFill>
-        <p:spPr>
-          <a:xfrm>
-            <a:off x="899592" y="4482281"/>
-            <a:ext cx="3158514" cy="2314380"/>
-          </a:xfrm>
-          <a:prstGeom prst="rect">
-            <a:avLst/>
-          </a:prstGeom>
-        </p:spPr>
-      </p:pic>
-      <p:pic>
-        <p:nvPicPr>
-          <p:cNvPr id="5" name="Image 4"/>
-          <p:cNvPicPr>
-            <a:picLocks noChangeAspect="1"/>
-          </p:cNvPicPr>
-          <p:nvPr/>
-        </p:nvPicPr>
-        <p:blipFill>
-          <a:blip r:embed="rId3"/>
-          <a:stretch>
-            <a:fillRect/>
-          </a:stretch>
-        </p:blipFill>
-        <p:spPr>
-          <a:xfrm>
-            <a:off x="5220072" y="4565194"/>
-            <a:ext cx="3118678" cy="2231467"/>
-          </a:xfrm>
-          <a:prstGeom prst="rect">
-            <a:avLst/>
-          </a:prstGeom>
-        </p:spPr>
-      </p:pic>
-    </p:spTree>
-    <p:extLst>
-      <p:ext uri="{BB962C8B-B14F-4D97-AF65-F5344CB8AC3E}">
-        <p14:creationId xmlns:p14="http://schemas.microsoft.com/office/powerpoint/2010/main" val="3352354258"/>
-      </p:ext>
-    </p:extLst>
-  </p:cSld>
-  <p:clrMapOvr>
-    <a:masterClrMapping/>
-  </p:clrMapOvr>
-  <p:timing>
-    <p:tnLst>
-      <p:par>
-        <p:cTn id="1" dur="indefinite" restart="never" nodeType="tmRoot"/>
-      </p:par>
-    </p:tnLst>
-  </p:timing>
-</p:sld>
-</file>
-
-<file path=ppt/slides/slide17.xml><?xml version="1.0" encoding="utf-8"?>
-<p:sld xmlns:a="http://schemas.openxmlformats.org/drawingml/2006/main" xmlns:r="http://schemas.openxmlformats.org/officeDocument/2006/relationships" xmlns:p="http://schemas.openxmlformats.org/presentationml/2006/main">
-  <p:cSld>
-    <p:spTree>
-      <p:nvGrpSpPr>
-        <p:cNvPr id="1" name=""/>
-        <p:cNvGrpSpPr/>
-        <p:nvPr/>
-      </p:nvGrpSpPr>
-      <p:grpSpPr>
-        <a:xfrm>
-          <a:off x="0" y="0"/>
-          <a:ext cx="0" cy="0"/>
-          <a:chOff x="0" y="0"/>
-          <a:chExt cx="0" cy="0"/>
-        </a:xfrm>
-      </p:grpSpPr>
-      <p:sp>
-        <p:nvSpPr>
-          <p:cNvPr id="2" name="Titre 1"/>
-          <p:cNvSpPr>
-            <a:spLocks noGrp="1"/>
-          </p:cNvSpPr>
-          <p:nvPr>
-            <p:ph type="title"/>
-          </p:nvPr>
-        </p:nvSpPr>
-        <p:spPr/>
-        <p:txBody>
-          <a:bodyPr/>
-          <a:lstStyle/>
-          <a:p>
-            <a:r>
-              <a:rPr lang="fr-FR" dirty="0"/>
-              <a:t>Echantillonnage</a:t>
-            </a:r>
-          </a:p>
-        </p:txBody>
-      </p:sp>
-      <p:sp>
-        <p:nvSpPr>
-          <p:cNvPr id="3" name="Espace réservé du contenu 2"/>
-          <p:cNvSpPr>
-            <a:spLocks noGrp="1"/>
-          </p:cNvSpPr>
-          <p:nvPr>
-            <p:ph idx="1"/>
-          </p:nvPr>
-        </p:nvSpPr>
-        <p:spPr/>
-        <p:txBody>
-          <a:bodyPr/>
-          <a:lstStyle/>
-          <a:p>
-            <a:r>
-              <a:rPr lang="fr-FR" dirty="0"/>
-              <a:t>Basé sur une fonctionnalité </a:t>
-            </a:r>
-            <a:r>
-              <a:rPr lang="fr-FR" dirty="0" err="1"/>
-              <a:t>numpy</a:t>
-            </a:r>
-            <a:endParaRPr lang="fr-FR" dirty="0"/>
-          </a:p>
-          <a:p>
-            <a:r>
-              <a:rPr lang="fr-FR" dirty="0" err="1"/>
-              <a:t>np.array</a:t>
-            </a:r>
-            <a:r>
-              <a:rPr lang="fr-FR" dirty="0"/>
-              <a:t>([2,8,0,10,9])[2,4] donne [0,9]</a:t>
-            </a:r>
-          </a:p>
-          <a:p>
-            <a:r>
-              <a:rPr lang="fr-FR" dirty="0"/>
-              <a:t>Cela donne pour un échantillon de 5000</a:t>
-            </a:r>
-          </a:p>
-          <a:p>
-            <a:pPr lvl="1"/>
-            <a:r>
-              <a:rPr lang="fr-FR" sz="2000" dirty="0" err="1">
-                <a:latin typeface="Courier New" panose="02070309020205020404" pitchFamily="49" charset="0"/>
-                <a:cs typeface="Courier New" panose="02070309020205020404" pitchFamily="49" charset="0"/>
-              </a:rPr>
-              <a:t>sample</a:t>
-            </a:r>
-            <a:r>
-              <a:rPr lang="fr-FR" sz="2000" dirty="0">
-                <a:latin typeface="Courier New" panose="02070309020205020404" pitchFamily="49" charset="0"/>
-                <a:cs typeface="Courier New" panose="02070309020205020404" pitchFamily="49" charset="0"/>
-              </a:rPr>
-              <a:t> = </a:t>
-            </a:r>
-            <a:r>
-              <a:rPr lang="fr-FR" sz="2000" dirty="0" err="1">
-                <a:latin typeface="Courier New" panose="02070309020205020404" pitchFamily="49" charset="0"/>
-                <a:cs typeface="Courier New" panose="02070309020205020404" pitchFamily="49" charset="0"/>
-              </a:rPr>
-              <a:t>np.random.randint</a:t>
-            </a:r>
-            <a:r>
-              <a:rPr lang="fr-FR" sz="2000" dirty="0">
-                <a:latin typeface="Courier New" panose="02070309020205020404" pitchFamily="49" charset="0"/>
-                <a:cs typeface="Courier New" panose="02070309020205020404" pitchFamily="49" charset="0"/>
-              </a:rPr>
-              <a:t>(70000, size=5000)</a:t>
-            </a:r>
-          </a:p>
-          <a:p>
-            <a:pPr lvl="1"/>
-            <a:r>
-              <a:rPr lang="fr-FR" sz="2000" dirty="0">
-                <a:latin typeface="Courier New" panose="02070309020205020404" pitchFamily="49" charset="0"/>
-                <a:cs typeface="Courier New" panose="02070309020205020404" pitchFamily="49" charset="0"/>
-              </a:rPr>
-              <a:t>data = </a:t>
-            </a:r>
-            <a:r>
-              <a:rPr lang="fr-FR" sz="2000" dirty="0" err="1">
-                <a:latin typeface="Courier New" panose="02070309020205020404" pitchFamily="49" charset="0"/>
-                <a:cs typeface="Courier New" panose="02070309020205020404" pitchFamily="49" charset="0"/>
-              </a:rPr>
-              <a:t>mnist.data</a:t>
-            </a:r>
-            <a:r>
-              <a:rPr lang="fr-FR" sz="2000" dirty="0">
-                <a:latin typeface="Courier New" panose="02070309020205020404" pitchFamily="49" charset="0"/>
-                <a:cs typeface="Courier New" panose="02070309020205020404" pitchFamily="49" charset="0"/>
-              </a:rPr>
-              <a:t>[</a:t>
-            </a:r>
-            <a:r>
-              <a:rPr lang="fr-FR" sz="2000" dirty="0" err="1">
-                <a:latin typeface="Courier New" panose="02070309020205020404" pitchFamily="49" charset="0"/>
-                <a:cs typeface="Courier New" panose="02070309020205020404" pitchFamily="49" charset="0"/>
-              </a:rPr>
-              <a:t>sample</a:t>
-            </a:r>
-            <a:r>
-              <a:rPr lang="fr-FR" sz="2000" dirty="0">
-                <a:latin typeface="Courier New" panose="02070309020205020404" pitchFamily="49" charset="0"/>
-                <a:cs typeface="Courier New" panose="02070309020205020404" pitchFamily="49" charset="0"/>
-              </a:rPr>
-              <a:t>]</a:t>
-            </a:r>
-          </a:p>
-          <a:p>
-            <a:pPr lvl="1"/>
-            <a:r>
-              <a:rPr lang="fr-FR" sz="2000" dirty="0" err="1">
-                <a:latin typeface="Courier New" panose="02070309020205020404" pitchFamily="49" charset="0"/>
-                <a:cs typeface="Courier New" panose="02070309020205020404" pitchFamily="49" charset="0"/>
-              </a:rPr>
-              <a:t>target</a:t>
-            </a:r>
-            <a:r>
-              <a:rPr lang="fr-FR" sz="2000" dirty="0">
-                <a:latin typeface="Courier New" panose="02070309020205020404" pitchFamily="49" charset="0"/>
-                <a:cs typeface="Courier New" panose="02070309020205020404" pitchFamily="49" charset="0"/>
-              </a:rPr>
-              <a:t> = </a:t>
-            </a:r>
-            <a:r>
-              <a:rPr lang="fr-FR" sz="2000" dirty="0" err="1">
-                <a:latin typeface="Courier New" panose="02070309020205020404" pitchFamily="49" charset="0"/>
-                <a:cs typeface="Courier New" panose="02070309020205020404" pitchFamily="49" charset="0"/>
-              </a:rPr>
-              <a:t>mnist.target</a:t>
-            </a:r>
-            <a:r>
-              <a:rPr lang="fr-FR" sz="2000" dirty="0">
-                <a:latin typeface="Courier New" panose="02070309020205020404" pitchFamily="49" charset="0"/>
-                <a:cs typeface="Courier New" panose="02070309020205020404" pitchFamily="49" charset="0"/>
-              </a:rPr>
-              <a:t>[</a:t>
-            </a:r>
-            <a:r>
-              <a:rPr lang="fr-FR" sz="2000" dirty="0" err="1">
-                <a:latin typeface="Courier New" panose="02070309020205020404" pitchFamily="49" charset="0"/>
-                <a:cs typeface="Courier New" panose="02070309020205020404" pitchFamily="49" charset="0"/>
-              </a:rPr>
-              <a:t>sample</a:t>
-            </a:r>
-            <a:r>
-              <a:rPr lang="fr-FR" sz="2000" dirty="0">
-                <a:latin typeface="Courier New" panose="02070309020205020404" pitchFamily="49" charset="0"/>
-                <a:cs typeface="Courier New" panose="02070309020205020404" pitchFamily="49" charset="0"/>
-              </a:rPr>
-              <a:t>]</a:t>
-            </a:r>
-          </a:p>
-          <a:p>
-            <a:pPr lvl="1"/>
-            <a:endParaRPr lang="fr-FR" dirty="0"/>
-          </a:p>
-        </p:txBody>
-      </p:sp>
-    </p:spTree>
-    <p:extLst>
-      <p:ext uri="{BB962C8B-B14F-4D97-AF65-F5344CB8AC3E}">
-        <p14:creationId xmlns:p14="http://schemas.microsoft.com/office/powerpoint/2010/main" val="1583722053"/>
       </p:ext>
     </p:extLst>
   </p:cSld>

--- a/PPT/MachineLearning13-ScikitLearn.pptx
+++ b/PPT/MachineLearning13-ScikitLearn.pptx
@@ -3773,13 +3773,6 @@
   <p:clrMapOvr>
     <a:masterClrMapping/>
   </p:clrMapOvr>
-  <p:timing>
-    <p:tnLst>
-      <p:par>
-        <p:cTn id="1" dur="indefinite" restart="never" nodeType="tmRoot"/>
-      </p:par>
-    </p:tnLst>
-  </p:timing>
 </p:sld>
 </file>
 
@@ -3938,13 +3931,6 @@
   <p:clrMapOvr>
     <a:masterClrMapping/>
   </p:clrMapOvr>
-  <p:timing>
-    <p:tnLst>
-      <p:par>
-        <p:cTn id="1" dur="indefinite" restart="never" nodeType="tmRoot"/>
-      </p:par>
-    </p:tnLst>
-  </p:timing>
 </p:sld>
 </file>
 
@@ -4105,13 +4091,6 @@
   <p:clrMapOvr>
     <a:masterClrMapping/>
   </p:clrMapOvr>
-  <p:timing>
-    <p:tnLst>
-      <p:par>
-        <p:cTn id="1" dur="indefinite" restart="never" nodeType="tmRoot"/>
-      </p:par>
-    </p:tnLst>
-  </p:timing>
 </p:sld>
 </file>
 
@@ -4243,13 +4222,6 @@
   <p:clrMapOvr>
     <a:masterClrMapping/>
   </p:clrMapOvr>
-  <p:timing>
-    <p:tnLst>
-      <p:par>
-        <p:cTn id="1" dur="indefinite" restart="never" nodeType="tmRoot"/>
-      </p:par>
-    </p:tnLst>
-  </p:timing>
 </p:sld>
 </file>
 
@@ -4382,13 +4354,6 @@
   <p:clrMapOvr>
     <a:masterClrMapping/>
   </p:clrMapOvr>
-  <p:timing>
-    <p:tnLst>
-      <p:par>
-        <p:cTn id="1" dur="indefinite" restart="never" nodeType="tmRoot"/>
-      </p:par>
-    </p:tnLst>
-  </p:timing>
 </p:sld>
 </file>
 
@@ -4490,13 +4455,6 @@
   <p:clrMapOvr>
     <a:masterClrMapping/>
   </p:clrMapOvr>
-  <p:timing>
-    <p:tnLst>
-      <p:par>
-        <p:cTn id="1" dur="indefinite" restart="never" nodeType="tmRoot"/>
-      </p:par>
-    </p:tnLst>
-  </p:timing>
 </p:sld>
 </file>
 
@@ -4673,13 +4631,6 @@
   <p:clrMapOvr>
     <a:masterClrMapping/>
   </p:clrMapOvr>
-  <p:timing>
-    <p:tnLst>
-      <p:par>
-        <p:cTn id="1" dur="indefinite" restart="never" nodeType="tmRoot"/>
-      </p:par>
-    </p:tnLst>
-  </p:timing>
 </p:sld>
 </file>
 
@@ -4870,13 +4821,6 @@
   <p:clrMapOvr>
     <a:masterClrMapping/>
   </p:clrMapOvr>
-  <p:timing>
-    <p:tnLst>
-      <p:par>
-        <p:cTn id="1" dur="indefinite" restart="never" nodeType="tmRoot"/>
-      </p:par>
-    </p:tnLst>
-  </p:timing>
 </p:sld>
 </file>
 
@@ -5083,13 +5027,6 @@
   <p:clrMapOvr>
     <a:masterClrMapping/>
   </p:clrMapOvr>
-  <p:timing>
-    <p:tnLst>
-      <p:par>
-        <p:cTn id="1" dur="indefinite" restart="never" nodeType="tmRoot"/>
-      </p:par>
-    </p:tnLst>
-  </p:timing>
 </p:sld>
 </file>
 
@@ -5239,13 +5176,6 @@
   <p:clrMapOvr>
     <a:masterClrMapping/>
   </p:clrMapOvr>
-  <p:timing>
-    <p:tnLst>
-      <p:par>
-        <p:cTn id="1" dur="indefinite" restart="never" nodeType="tmRoot"/>
-      </p:par>
-    </p:tnLst>
-  </p:timing>
 </p:sld>
 </file>
 
@@ -5339,13 +5269,6 @@
   <p:clrMapOvr>
     <a:masterClrMapping/>
   </p:clrMapOvr>
-  <p:timing>
-    <p:tnLst>
-      <p:par>
-        <p:cTn id="1" dur="indefinite" restart="never" nodeType="tmRoot"/>
-      </p:par>
-    </p:tnLst>
-  </p:timing>
 </p:sld>
 </file>
 
@@ -5446,13 +5369,6 @@
   <p:clrMapOvr>
     <a:masterClrMapping/>
   </p:clrMapOvr>
-  <p:timing>
-    <p:tnLst>
-      <p:par>
-        <p:cTn id="1" dur="indefinite" restart="never" nodeType="tmRoot"/>
-      </p:par>
-    </p:tnLst>
-  </p:timing>
 </p:sld>
 </file>
 
@@ -5516,7 +5432,7 @@
             </a:r>
             <a:r>
               <a:rPr lang="fr-FR" dirty="0"/>
-              <a:t> effectue des régressions polynomiale</a:t>
+              <a:t> effectue des régressions polynomiales</a:t>
             </a:r>
           </a:p>
         </p:txBody>
@@ -5572,13 +5488,6 @@
   <p:clrMapOvr>
     <a:masterClrMapping/>
   </p:clrMapOvr>
-  <p:timing>
-    <p:tnLst>
-      <p:par>
-        <p:cTn id="1" dur="indefinite" restart="never" nodeType="tmRoot"/>
-      </p:par>
-    </p:tnLst>
-  </p:timing>
 </p:sld>
 </file>
 
@@ -5699,13 +5608,6 @@
   <p:clrMapOvr>
     <a:masterClrMapping/>
   </p:clrMapOvr>
-  <p:timing>
-    <p:tnLst>
-      <p:par>
-        <p:cTn id="1" dur="indefinite" restart="never" nodeType="tmRoot"/>
-      </p:par>
-    </p:tnLst>
-  </p:timing>
 </p:sld>
 </file>
 
@@ -5830,24 +5732,20 @@
               <a:t>model = </a:t>
             </a:r>
             <a:r>
-              <a:rPr lang="fr-FR" dirty="0" err="1" smtClean="0"/>
+              <a:rPr lang="fr-FR" dirty="0" err="1"/>
               <a:t>pipe.make_pipeline</a:t>
             </a:r>
             <a:r>
-              <a:rPr lang="fr-FR" dirty="0" smtClean="0"/>
+              <a:rPr lang="fr-FR" dirty="0"/>
               <a:t>(</a:t>
             </a:r>
             <a:r>
-              <a:rPr lang="fr-FR" dirty="0" err="1" smtClean="0"/>
+              <a:rPr lang="fr-FR" dirty="0" err="1"/>
               <a:t>pp.PolynomialFeatures</a:t>
             </a:r>
             <a:r>
-              <a:rPr lang="fr-FR" dirty="0" smtClean="0"/>
-              <a:t>(1</a:t>
-            </a:r>
-            <a:r>
-              <a:rPr lang="fr-FR" dirty="0"/>
-              <a:t>), </a:t>
+              <a:rPr lang="fr-FR" dirty="0"/>
+              <a:t>(1), </a:t>
             </a:r>
             <a:r>
               <a:rPr lang="fr-FR" dirty="0" err="1"/>
@@ -5875,13 +5773,6 @@
   <p:clrMapOvr>
     <a:masterClrMapping/>
   </p:clrMapOvr>
-  <p:timing>
-    <p:tnLst>
-      <p:par>
-        <p:cTn id="1" dur="indefinite" restart="never" nodeType="tmRoot"/>
-      </p:par>
-    </p:tnLst>
-  </p:timing>
 </p:sld>
 </file>
 
